--- a/The Business of You.pptx
+++ b/The Business of You.pptx
@@ -1,8 +1,8 @@
 
 <file path=ppt/presentation.xml><?xml version="1.0" encoding="utf-8"?>
-<p:presentation xmlns:a="http://schemas.openxmlformats.org/drawingml/2006/main" xmlns:r="http://schemas.openxmlformats.org/officeDocument/2006/relationships" xmlns:p="http://schemas.openxmlformats.org/presentationml/2006/main" saveSubsetFonts="1" autoCompressPictures="0">
+<p:presentation xmlns:a="http://schemas.openxmlformats.org/drawingml/2006/main" xmlns:r="http://schemas.openxmlformats.org/officeDocument/2006/relationships" xmlns:p="http://schemas.openxmlformats.org/presentationml/2006/main" saveSubsetFonts="1">
   <p:sldMasterIdLst>
-    <p:sldMasterId id="2147484075" r:id="rId1"/>
+    <p:sldMasterId id="2147483648" r:id="rId1"/>
   </p:sldMasterIdLst>
   <p:notesMasterIdLst>
     <p:notesMasterId r:id="rId21"/>
@@ -10,23 +10,23 @@
   <p:sldIdLst>
     <p:sldId id="256" r:id="rId2"/>
     <p:sldId id="257" r:id="rId3"/>
-    <p:sldId id="275" r:id="rId4"/>
-    <p:sldId id="274" r:id="rId5"/>
-    <p:sldId id="258" r:id="rId6"/>
-    <p:sldId id="260" r:id="rId7"/>
-    <p:sldId id="259" r:id="rId8"/>
-    <p:sldId id="261" r:id="rId9"/>
-    <p:sldId id="264" r:id="rId10"/>
-    <p:sldId id="262" r:id="rId11"/>
-    <p:sldId id="273" r:id="rId12"/>
-    <p:sldId id="263" r:id="rId13"/>
-    <p:sldId id="265" r:id="rId14"/>
-    <p:sldId id="266" r:id="rId15"/>
-    <p:sldId id="270" r:id="rId16"/>
-    <p:sldId id="267" r:id="rId17"/>
-    <p:sldId id="268" r:id="rId18"/>
-    <p:sldId id="269" r:id="rId19"/>
-    <p:sldId id="272" r:id="rId20"/>
+    <p:sldId id="264" r:id="rId4"/>
+    <p:sldId id="265" r:id="rId5"/>
+    <p:sldId id="262" r:id="rId6"/>
+    <p:sldId id="266" r:id="rId7"/>
+    <p:sldId id="258" r:id="rId8"/>
+    <p:sldId id="267" r:id="rId9"/>
+    <p:sldId id="260" r:id="rId10"/>
+    <p:sldId id="259" r:id="rId11"/>
+    <p:sldId id="268" r:id="rId12"/>
+    <p:sldId id="261" r:id="rId13"/>
+    <p:sldId id="269" r:id="rId14"/>
+    <p:sldId id="270" r:id="rId15"/>
+    <p:sldId id="271" r:id="rId16"/>
+    <p:sldId id="272" r:id="rId17"/>
+    <p:sldId id="273" r:id="rId18"/>
+    <p:sldId id="274" r:id="rId19"/>
+    <p:sldId id="275" r:id="rId20"/>
   </p:sldIdLst>
   <p:sldSz cx="9144000" cy="6858000" type="screen4x3"/>
   <p:notesSz cx="6858000" cy="9144000"/>
@@ -34,7 +34,7 @@
     <a:defPPr>
       <a:defRPr lang="en-US"/>
     </a:defPPr>
-    <a:lvl1pPr marL="0" algn="l" defTabSz="457200" rtl="0" eaLnBrk="1" latinLnBrk="0" hangingPunct="1">
+    <a:lvl1pPr marL="0" algn="l" defTabSz="914400" rtl="0" eaLnBrk="1" latinLnBrk="0" hangingPunct="1">
       <a:defRPr sz="1800" kern="1200">
         <a:solidFill>
           <a:schemeClr val="tx1"/>
@@ -44,7 +44,7 @@
         <a:cs typeface="+mn-cs"/>
       </a:defRPr>
     </a:lvl1pPr>
-    <a:lvl2pPr marL="457200" algn="l" defTabSz="457200" rtl="0" eaLnBrk="1" latinLnBrk="0" hangingPunct="1">
+    <a:lvl2pPr marL="457200" algn="l" defTabSz="914400" rtl="0" eaLnBrk="1" latinLnBrk="0" hangingPunct="1">
       <a:defRPr sz="1800" kern="1200">
         <a:solidFill>
           <a:schemeClr val="tx1"/>
@@ -54,7 +54,7 @@
         <a:cs typeface="+mn-cs"/>
       </a:defRPr>
     </a:lvl2pPr>
-    <a:lvl3pPr marL="914400" algn="l" defTabSz="457200" rtl="0" eaLnBrk="1" latinLnBrk="0" hangingPunct="1">
+    <a:lvl3pPr marL="914400" algn="l" defTabSz="914400" rtl="0" eaLnBrk="1" latinLnBrk="0" hangingPunct="1">
       <a:defRPr sz="1800" kern="1200">
         <a:solidFill>
           <a:schemeClr val="tx1"/>
@@ -64,7 +64,7 @@
         <a:cs typeface="+mn-cs"/>
       </a:defRPr>
     </a:lvl3pPr>
-    <a:lvl4pPr marL="1371600" algn="l" defTabSz="457200" rtl="0" eaLnBrk="1" latinLnBrk="0" hangingPunct="1">
+    <a:lvl4pPr marL="1371600" algn="l" defTabSz="914400" rtl="0" eaLnBrk="1" latinLnBrk="0" hangingPunct="1">
       <a:defRPr sz="1800" kern="1200">
         <a:solidFill>
           <a:schemeClr val="tx1"/>
@@ -74,7 +74,7 @@
         <a:cs typeface="+mn-cs"/>
       </a:defRPr>
     </a:lvl4pPr>
-    <a:lvl5pPr marL="1828800" algn="l" defTabSz="457200" rtl="0" eaLnBrk="1" latinLnBrk="0" hangingPunct="1">
+    <a:lvl5pPr marL="1828800" algn="l" defTabSz="914400" rtl="0" eaLnBrk="1" latinLnBrk="0" hangingPunct="1">
       <a:defRPr sz="1800" kern="1200">
         <a:solidFill>
           <a:schemeClr val="tx1"/>
@@ -84,7 +84,7 @@
         <a:cs typeface="+mn-cs"/>
       </a:defRPr>
     </a:lvl5pPr>
-    <a:lvl6pPr marL="2286000" algn="l" defTabSz="457200" rtl="0" eaLnBrk="1" latinLnBrk="0" hangingPunct="1">
+    <a:lvl6pPr marL="2286000" algn="l" defTabSz="914400" rtl="0" eaLnBrk="1" latinLnBrk="0" hangingPunct="1">
       <a:defRPr sz="1800" kern="1200">
         <a:solidFill>
           <a:schemeClr val="tx1"/>
@@ -94,7 +94,7 @@
         <a:cs typeface="+mn-cs"/>
       </a:defRPr>
     </a:lvl6pPr>
-    <a:lvl7pPr marL="2743200" algn="l" defTabSz="457200" rtl="0" eaLnBrk="1" latinLnBrk="0" hangingPunct="1">
+    <a:lvl7pPr marL="2743200" algn="l" defTabSz="914400" rtl="0" eaLnBrk="1" latinLnBrk="0" hangingPunct="1">
       <a:defRPr sz="1800" kern="1200">
         <a:solidFill>
           <a:schemeClr val="tx1"/>
@@ -104,7 +104,7 @@
         <a:cs typeface="+mn-cs"/>
       </a:defRPr>
     </a:lvl7pPr>
-    <a:lvl8pPr marL="3200400" algn="l" defTabSz="457200" rtl="0" eaLnBrk="1" latinLnBrk="0" hangingPunct="1">
+    <a:lvl8pPr marL="3200400" algn="l" defTabSz="914400" rtl="0" eaLnBrk="1" latinLnBrk="0" hangingPunct="1">
       <a:defRPr sz="1800" kern="1200">
         <a:solidFill>
           <a:schemeClr val="tx1"/>
@@ -114,7 +114,7 @@
         <a:cs typeface="+mn-cs"/>
       </a:defRPr>
     </a:lvl8pPr>
-    <a:lvl9pPr marL="3657600" algn="l" defTabSz="457200" rtl="0" eaLnBrk="1" latinLnBrk="0" hangingPunct="1">
+    <a:lvl9pPr marL="3657600" algn="l" defTabSz="914400" rtl="0" eaLnBrk="1" latinLnBrk="0" hangingPunct="1">
       <a:defRPr sz="1800" kern="1200">
         <a:solidFill>
           <a:schemeClr val="tx1"/>
@@ -208,9 +208,9 @@
             </a:lvl1pPr>
           </a:lstStyle>
           <a:p>
-            <a:fld id="{40E296A3-4CE3-3748-B774-E0D6F34CDBA1}" type="datetimeFigureOut">
-              <a:rPr lang="en-US" smtClean="0"/>
-              <a:t>9/26/12</a:t>
+            <a:fld id="{91D68126-6C17-4EB5-89B9-C9BABC67D8F3}" type="datetimeFigureOut">
+              <a:rPr lang="en-US" smtClean="0"/>
+              <a:t>3/22/2014</a:t>
             </a:fld>
             <a:endParaRPr lang="en-US"/>
           </a:p>
@@ -367,7 +367,7 @@
             </a:lvl1pPr>
           </a:lstStyle>
           <a:p>
-            <a:fld id="{7F1E724F-8517-ED4E-940C-4C3AE9D10E2A}" type="slidenum">
+            <a:fld id="{77FB9EDD-B99E-4443-8EA5-16343B77CF81}" type="slidenum">
               <a:rPr lang="en-US" smtClean="0"/>
               <a:t>‹#›</a:t>
             </a:fld>
@@ -378,13 +378,13 @@
     </p:spTree>
     <p:extLst>
       <p:ext uri="{BB962C8B-B14F-4D97-AF65-F5344CB8AC3E}">
-        <p14:creationId xmlns:p14="http://schemas.microsoft.com/office/powerpoint/2010/main" val="2840864516"/>
+        <p14:creationId xmlns:p14="http://schemas.microsoft.com/office/powerpoint/2010/main" val="3558138469"/>
       </p:ext>
     </p:extLst>
   </p:cSld>
   <p:clrMap bg1="lt1" tx1="dk1" bg2="lt2" tx2="dk2" accent1="accent1" accent2="accent2" accent3="accent3" accent4="accent4" accent5="accent5" accent6="accent6" hlink="hlink" folHlink="folHlink"/>
   <p:notesStyle>
-    <a:lvl1pPr marL="0" algn="l" defTabSz="457200" rtl="0" eaLnBrk="1" latinLnBrk="0" hangingPunct="1">
+    <a:lvl1pPr marL="0" algn="l" defTabSz="914400" rtl="0" eaLnBrk="1" latinLnBrk="0" hangingPunct="1">
       <a:defRPr sz="1200" kern="1200">
         <a:solidFill>
           <a:schemeClr val="tx1"/>
@@ -394,7 +394,7 @@
         <a:cs typeface="+mn-cs"/>
       </a:defRPr>
     </a:lvl1pPr>
-    <a:lvl2pPr marL="457200" algn="l" defTabSz="457200" rtl="0" eaLnBrk="1" latinLnBrk="0" hangingPunct="1">
+    <a:lvl2pPr marL="457200" algn="l" defTabSz="914400" rtl="0" eaLnBrk="1" latinLnBrk="0" hangingPunct="1">
       <a:defRPr sz="1200" kern="1200">
         <a:solidFill>
           <a:schemeClr val="tx1"/>
@@ -404,7 +404,7 @@
         <a:cs typeface="+mn-cs"/>
       </a:defRPr>
     </a:lvl2pPr>
-    <a:lvl3pPr marL="914400" algn="l" defTabSz="457200" rtl="0" eaLnBrk="1" latinLnBrk="0" hangingPunct="1">
+    <a:lvl3pPr marL="914400" algn="l" defTabSz="914400" rtl="0" eaLnBrk="1" latinLnBrk="0" hangingPunct="1">
       <a:defRPr sz="1200" kern="1200">
         <a:solidFill>
           <a:schemeClr val="tx1"/>
@@ -414,7 +414,7 @@
         <a:cs typeface="+mn-cs"/>
       </a:defRPr>
     </a:lvl3pPr>
-    <a:lvl4pPr marL="1371600" algn="l" defTabSz="457200" rtl="0" eaLnBrk="1" latinLnBrk="0" hangingPunct="1">
+    <a:lvl4pPr marL="1371600" algn="l" defTabSz="914400" rtl="0" eaLnBrk="1" latinLnBrk="0" hangingPunct="1">
       <a:defRPr sz="1200" kern="1200">
         <a:solidFill>
           <a:schemeClr val="tx1"/>
@@ -424,7 +424,7 @@
         <a:cs typeface="+mn-cs"/>
       </a:defRPr>
     </a:lvl4pPr>
-    <a:lvl5pPr marL="1828800" algn="l" defTabSz="457200" rtl="0" eaLnBrk="1" latinLnBrk="0" hangingPunct="1">
+    <a:lvl5pPr marL="1828800" algn="l" defTabSz="914400" rtl="0" eaLnBrk="1" latinLnBrk="0" hangingPunct="1">
       <a:defRPr sz="1200" kern="1200">
         <a:solidFill>
           <a:schemeClr val="tx1"/>
@@ -434,7 +434,7 @@
         <a:cs typeface="+mn-cs"/>
       </a:defRPr>
     </a:lvl5pPr>
-    <a:lvl6pPr marL="2286000" algn="l" defTabSz="457200" rtl="0" eaLnBrk="1" latinLnBrk="0" hangingPunct="1">
+    <a:lvl6pPr marL="2286000" algn="l" defTabSz="914400" rtl="0" eaLnBrk="1" latinLnBrk="0" hangingPunct="1">
       <a:defRPr sz="1200" kern="1200">
         <a:solidFill>
           <a:schemeClr val="tx1"/>
@@ -444,7 +444,7 @@
         <a:cs typeface="+mn-cs"/>
       </a:defRPr>
     </a:lvl6pPr>
-    <a:lvl7pPr marL="2743200" algn="l" defTabSz="457200" rtl="0" eaLnBrk="1" latinLnBrk="0" hangingPunct="1">
+    <a:lvl7pPr marL="2743200" algn="l" defTabSz="914400" rtl="0" eaLnBrk="1" latinLnBrk="0" hangingPunct="1">
       <a:defRPr sz="1200" kern="1200">
         <a:solidFill>
           <a:schemeClr val="tx1"/>
@@ -454,7 +454,7 @@
         <a:cs typeface="+mn-cs"/>
       </a:defRPr>
     </a:lvl7pPr>
-    <a:lvl8pPr marL="3200400" algn="l" defTabSz="457200" rtl="0" eaLnBrk="1" latinLnBrk="0" hangingPunct="1">
+    <a:lvl8pPr marL="3200400" algn="l" defTabSz="914400" rtl="0" eaLnBrk="1" latinLnBrk="0" hangingPunct="1">
       <a:defRPr sz="1200" kern="1200">
         <a:solidFill>
           <a:schemeClr val="tx1"/>
@@ -464,7 +464,7 @@
         <a:cs typeface="+mn-cs"/>
       </a:defRPr>
     </a:lvl8pPr>
-    <a:lvl9pPr marL="3657600" algn="l" defTabSz="457200" rtl="0" eaLnBrk="1" latinLnBrk="0" hangingPunct="1">
+    <a:lvl9pPr marL="3657600" algn="l" defTabSz="914400" rtl="0" eaLnBrk="1" latinLnBrk="0" hangingPunct="1">
       <a:defRPr sz="1200" kern="1200">
         <a:solidFill>
           <a:schemeClr val="tx1"/>
@@ -522,390 +522,10 @@
           <a:bodyPr/>
           <a:lstStyle/>
           <a:p>
-            <a:pPr marL="0" marR="0" indent="0" algn="l" defTabSz="457200" rtl="0" eaLnBrk="1" fontAlgn="auto" latinLnBrk="0" hangingPunct="1">
-              <a:lnSpc>
-                <a:spcPct val="100000"/>
-              </a:lnSpc>
-              <a:spcBef>
-                <a:spcPts val="0"/>
-              </a:spcBef>
-              <a:spcAft>
-                <a:spcPts val="0"/>
-              </a:spcAft>
-              <a:buClrTx/>
-              <a:buSzTx/>
-              <a:buFontTx/>
-              <a:buNone/>
-              <a:tabLst/>
-              <a:defRPr/>
-            </a:pPr>
             <a:r>
               <a:rPr lang="en-US" dirty="0" smtClean="0"/>
-              <a:t>As developers, we love to talk about technology.  We love to talk about frameworks and design patterns and things like that.  But there's a lot more to being a software developer than technology.</a:t>
-            </a:r>
-          </a:p>
-          <a:p>
-            <a:pPr marL="0" marR="0" indent="0" algn="l" defTabSz="457200" rtl="0" eaLnBrk="1" fontAlgn="auto" latinLnBrk="0" hangingPunct="1">
-              <a:lnSpc>
-                <a:spcPct val="100000"/>
-              </a:lnSpc>
-              <a:spcBef>
-                <a:spcPts val="0"/>
-              </a:spcBef>
-              <a:spcAft>
-                <a:spcPts val="0"/>
-              </a:spcAft>
-              <a:buClrTx/>
-              <a:buSzTx/>
-              <a:buFontTx/>
-              <a:buNone/>
-              <a:tabLst/>
-              <a:defRPr/>
-            </a:pPr>
-            <a:endParaRPr lang="en-US" dirty="0" smtClean="0"/>
-          </a:p>
-          <a:p>
-            <a:pPr marL="0" marR="0" indent="0" algn="l" defTabSz="457200" rtl="0" eaLnBrk="1" fontAlgn="auto" latinLnBrk="0" hangingPunct="1">
-              <a:lnSpc>
-                <a:spcPct val="100000"/>
-              </a:lnSpc>
-              <a:spcBef>
-                <a:spcPts val="0"/>
-              </a:spcBef>
-              <a:spcAft>
-                <a:spcPts val="0"/>
-              </a:spcAft>
-              <a:buClrTx/>
-              <a:buSzTx/>
-              <a:buFontTx/>
-              <a:buNone/>
-              <a:tabLst/>
-              <a:defRPr/>
-            </a:pPr>
-            <a:r>
-              <a:rPr lang="en-US" dirty="0" smtClean="0"/>
-              <a:t>This is a talk about your career.  Your job is a big part of your life.  We all have an idea of what we want to get out of our job and career, so what can we do to get there?  What things could prevent us from succeeding?</a:t>
-            </a:r>
-          </a:p>
-          <a:p>
-            <a:pPr marL="0" marR="0" indent="0" algn="l" defTabSz="457200" rtl="0" eaLnBrk="1" fontAlgn="auto" latinLnBrk="0" hangingPunct="1">
-              <a:lnSpc>
-                <a:spcPct val="100000"/>
-              </a:lnSpc>
-              <a:spcBef>
-                <a:spcPts val="0"/>
-              </a:spcBef>
-              <a:spcAft>
-                <a:spcPts val="0"/>
-              </a:spcAft>
-              <a:buClrTx/>
-              <a:buSzTx/>
-              <a:buFontTx/>
-              <a:buNone/>
-              <a:tabLst/>
-              <a:defRPr/>
-            </a:pPr>
-            <a:endParaRPr lang="en-US" dirty="0" smtClean="0"/>
-          </a:p>
-          <a:p>
-            <a:pPr marL="0" marR="0" indent="0" algn="l" defTabSz="457200" rtl="0" eaLnBrk="1" fontAlgn="auto" latinLnBrk="0" hangingPunct="1">
-              <a:lnSpc>
-                <a:spcPct val="100000"/>
-              </a:lnSpc>
-              <a:spcBef>
-                <a:spcPts val="0"/>
-              </a:spcBef>
-              <a:spcAft>
-                <a:spcPts val="0"/>
-              </a:spcAft>
-              <a:buClrTx/>
-              <a:buSzTx/>
-              <a:buFontTx/>
-              <a:buNone/>
-              <a:tabLst/>
-              <a:defRPr/>
-            </a:pPr>
-            <a:r>
-              <a:rPr lang="en-US" dirty="0" smtClean="0"/>
-              <a:t>This is a talk about you.  About what you like, what you're passionate about, what you want to do with your life.  About finding a purpose in life greater than yourself and investing your time and energy in it.  About coming up with a plan so that you can take control of  your life and get everything you can out of life.</a:t>
-            </a:r>
-          </a:p>
-          <a:p>
-            <a:pPr marL="0" marR="0" indent="0" algn="l" defTabSz="457200" rtl="0" eaLnBrk="1" fontAlgn="auto" latinLnBrk="0" hangingPunct="1">
-              <a:lnSpc>
-                <a:spcPct val="100000"/>
-              </a:lnSpc>
-              <a:spcBef>
-                <a:spcPts val="0"/>
-              </a:spcBef>
-              <a:spcAft>
-                <a:spcPts val="0"/>
-              </a:spcAft>
-              <a:buClrTx/>
-              <a:buSzTx/>
-              <a:buFontTx/>
-              <a:buNone/>
-              <a:tabLst/>
-              <a:defRPr/>
-            </a:pPr>
-            <a:endParaRPr lang="en-US" dirty="0" smtClean="0"/>
-          </a:p>
-          <a:p>
-            <a:pPr marL="0" marR="0" indent="0" algn="l" defTabSz="457200" rtl="0" eaLnBrk="1" fontAlgn="auto" latinLnBrk="0" hangingPunct="1">
-              <a:lnSpc>
-                <a:spcPct val="100000"/>
-              </a:lnSpc>
-              <a:spcBef>
-                <a:spcPts val="0"/>
-              </a:spcBef>
-              <a:spcAft>
-                <a:spcPts val="0"/>
-              </a:spcAft>
-              <a:buClrTx/>
-              <a:buSzTx/>
-              <a:buFontTx/>
-              <a:buNone/>
-              <a:tabLst/>
-              <a:defRPr/>
-            </a:pPr>
-            <a:r>
-              <a:rPr lang="en-US" dirty="0" smtClean="0"/>
-              <a:t>Many people don't really know what they want out of life and their career.  Or maybe you know what you want, but you're not sure how to get there, or you don't have the discipline to make it happen.  And then you still have the challenge of figuring out how your career fits in with your family life or whatever else you have going on outside of work.</a:t>
-            </a:r>
-          </a:p>
-          <a:p>
-            <a:pPr marL="0" marR="0" indent="0" algn="l" defTabSz="457200" rtl="0" eaLnBrk="1" fontAlgn="auto" latinLnBrk="0" hangingPunct="1">
-              <a:lnSpc>
-                <a:spcPct val="100000"/>
-              </a:lnSpc>
-              <a:spcBef>
-                <a:spcPts val="0"/>
-              </a:spcBef>
-              <a:spcAft>
-                <a:spcPts val="0"/>
-              </a:spcAft>
-              <a:buClrTx/>
-              <a:buSzTx/>
-              <a:buFontTx/>
-              <a:buNone/>
-              <a:tabLst/>
-              <a:defRPr/>
-            </a:pPr>
-            <a:endParaRPr lang="en-US" dirty="0" smtClean="0"/>
-          </a:p>
-          <a:p>
-            <a:pPr marL="0" marR="0" indent="0" algn="l" defTabSz="457200" rtl="0" eaLnBrk="1" fontAlgn="auto" latinLnBrk="0" hangingPunct="1">
-              <a:lnSpc>
-                <a:spcPct val="100000"/>
-              </a:lnSpc>
-              <a:spcBef>
-                <a:spcPts val="0"/>
-              </a:spcBef>
-              <a:spcAft>
-                <a:spcPts val="0"/>
-              </a:spcAft>
-              <a:buClrTx/>
-              <a:buSzTx/>
-              <a:buFontTx/>
-              <a:buNone/>
-              <a:tabLst/>
-              <a:defRPr/>
-            </a:pPr>
-            <a:r>
-              <a:rPr lang="en-US" dirty="0" smtClean="0"/>
-              <a:t>The other problem is that there isn't enough time in the day for everything that we want to do.  We can't add more hours to the day, so we need to learn to be smarter with the time that we have.  </a:t>
-            </a:r>
-          </a:p>
-          <a:p>
-            <a:pPr marL="0" marR="0" indent="0" algn="l" defTabSz="457200" rtl="0" eaLnBrk="1" fontAlgn="auto" latinLnBrk="0" hangingPunct="1">
-              <a:lnSpc>
-                <a:spcPct val="100000"/>
-              </a:lnSpc>
-              <a:spcBef>
-                <a:spcPts val="0"/>
-              </a:spcBef>
-              <a:spcAft>
-                <a:spcPts val="0"/>
-              </a:spcAft>
-              <a:buClrTx/>
-              <a:buSzTx/>
-              <a:buFontTx/>
-              <a:buNone/>
-              <a:tabLst/>
-              <a:defRPr/>
-            </a:pPr>
-            <a:endParaRPr lang="en-US" dirty="0" smtClean="0"/>
-          </a:p>
-          <a:p>
-            <a:pPr marL="0" marR="0" indent="0" algn="l" defTabSz="457200" rtl="0" eaLnBrk="1" fontAlgn="auto" latinLnBrk="0" hangingPunct="1">
-              <a:lnSpc>
-                <a:spcPct val="100000"/>
-              </a:lnSpc>
-              <a:spcBef>
-                <a:spcPts val="0"/>
-              </a:spcBef>
-              <a:spcAft>
-                <a:spcPts val="0"/>
-              </a:spcAft>
-              <a:buClrTx/>
-              <a:buSzTx/>
-              <a:buFontTx/>
-              <a:buNone/>
-              <a:tabLst/>
-              <a:defRPr/>
-            </a:pPr>
-            <a:r>
-              <a:rPr lang="en-US" dirty="0" smtClean="0"/>
-              <a:t>Businesses have the exact same problems as you do.  Businesses have to decide how to make the best use of their resources.  Should they rewrite their legacy application or leave it as it is?  Should they do the work in house or outsource the work?  Should they acquire another company or move into a new market space?  And many other questions.</a:t>
-            </a:r>
-          </a:p>
-          <a:p>
-            <a:pPr marL="0" marR="0" indent="0" algn="l" defTabSz="457200" rtl="0" eaLnBrk="1" fontAlgn="auto" latinLnBrk="0" hangingPunct="1">
-              <a:lnSpc>
-                <a:spcPct val="100000"/>
-              </a:lnSpc>
-              <a:spcBef>
-                <a:spcPts val="0"/>
-              </a:spcBef>
-              <a:spcAft>
-                <a:spcPts val="0"/>
-              </a:spcAft>
-              <a:buClrTx/>
-              <a:buSzTx/>
-              <a:buFontTx/>
-              <a:buNone/>
-              <a:tabLst/>
-              <a:defRPr/>
-            </a:pPr>
-            <a:endParaRPr lang="en-US" dirty="0" smtClean="0"/>
-          </a:p>
-          <a:p>
-            <a:pPr marL="0" marR="0" indent="0" algn="l" defTabSz="457200" rtl="0" eaLnBrk="1" fontAlgn="auto" latinLnBrk="0" hangingPunct="1">
-              <a:lnSpc>
-                <a:spcPct val="100000"/>
-              </a:lnSpc>
-              <a:spcBef>
-                <a:spcPts val="0"/>
-              </a:spcBef>
-              <a:spcAft>
-                <a:spcPts val="0"/>
-              </a:spcAft>
-              <a:buClrTx/>
-              <a:buSzTx/>
-              <a:buFontTx/>
-              <a:buNone/>
-              <a:tabLst/>
-              <a:defRPr/>
-            </a:pPr>
-            <a:r>
-              <a:rPr lang="en-US" dirty="0" smtClean="0"/>
-              <a:t>It's very important for a business to figure out what their purpose is.  If they don't really know what they're good at and what got them to this point, they won't know how to make the right decisions in the future.</a:t>
-            </a:r>
-          </a:p>
-          <a:p>
-            <a:pPr marL="0" marR="0" indent="0" algn="l" defTabSz="457200" rtl="0" eaLnBrk="1" fontAlgn="auto" latinLnBrk="0" hangingPunct="1">
-              <a:lnSpc>
-                <a:spcPct val="100000"/>
-              </a:lnSpc>
-              <a:spcBef>
-                <a:spcPts val="0"/>
-              </a:spcBef>
-              <a:spcAft>
-                <a:spcPts val="0"/>
-              </a:spcAft>
-              <a:buClrTx/>
-              <a:buSzTx/>
-              <a:buFontTx/>
-              <a:buNone/>
-              <a:tabLst/>
-              <a:defRPr/>
-            </a:pPr>
-            <a:endParaRPr lang="en-US" dirty="0" smtClean="0"/>
-          </a:p>
-          <a:p>
-            <a:pPr marL="0" marR="0" indent="0" algn="l" defTabSz="457200" rtl="0" eaLnBrk="1" fontAlgn="auto" latinLnBrk="0" hangingPunct="1">
-              <a:lnSpc>
-                <a:spcPct val="100000"/>
-              </a:lnSpc>
-              <a:spcBef>
-                <a:spcPts val="0"/>
-              </a:spcBef>
-              <a:spcAft>
-                <a:spcPts val="0"/>
-              </a:spcAft>
-              <a:buClrTx/>
-              <a:buSzTx/>
-              <a:buFontTx/>
-              <a:buNone/>
-              <a:tabLst/>
-              <a:defRPr/>
-            </a:pPr>
-            <a:r>
-              <a:rPr lang="en-US" dirty="0" smtClean="0"/>
-              <a:t>What if we thought of our lives like a business?  Your family and friends are a part of your business, and in your business you have 24 hours a day to spend on whatever you feel is most valuable.  A good portion of this time is probably spent at work.  So how do you decide how to make the best use of your time, talents, and energy so that you can maximize value for your business, and by that I mean find your purpose in life, achieve your goals, and make life better not just for you but also for your family or the people around you?</a:t>
-            </a:r>
-          </a:p>
-          <a:p>
-            <a:pPr marL="0" marR="0" indent="0" algn="l" defTabSz="457200" rtl="0" eaLnBrk="1" fontAlgn="auto" latinLnBrk="0" hangingPunct="1">
-              <a:lnSpc>
-                <a:spcPct val="100000"/>
-              </a:lnSpc>
-              <a:spcBef>
-                <a:spcPts val="0"/>
-              </a:spcBef>
-              <a:spcAft>
-                <a:spcPts val="0"/>
-              </a:spcAft>
-              <a:buClrTx/>
-              <a:buSzTx/>
-              <a:buFontTx/>
-              <a:buNone/>
-              <a:tabLst/>
-              <a:defRPr/>
-            </a:pPr>
-            <a:endParaRPr lang="en-US" dirty="0" smtClean="0"/>
-          </a:p>
-          <a:p>
-            <a:pPr marL="0" marR="0" indent="0" algn="l" defTabSz="457200" rtl="0" eaLnBrk="1" fontAlgn="auto" latinLnBrk="0" hangingPunct="1">
-              <a:lnSpc>
-                <a:spcPct val="100000"/>
-              </a:lnSpc>
-              <a:spcBef>
-                <a:spcPts val="0"/>
-              </a:spcBef>
-              <a:spcAft>
-                <a:spcPts val="0"/>
-              </a:spcAft>
-              <a:buClrTx/>
-              <a:buSzTx/>
-              <a:buFontTx/>
-              <a:buNone/>
-              <a:tabLst/>
-              <a:defRPr/>
-            </a:pPr>
-            <a:r>
-              <a:rPr lang="en-US" dirty="0" smtClean="0"/>
-              <a:t>Today we're going to talk about some steps that you can take to get there.</a:t>
-            </a:r>
-          </a:p>
-          <a:p>
-            <a:pPr marL="0" marR="0" indent="0" algn="l" defTabSz="457200" rtl="0" eaLnBrk="1" fontAlgn="auto" latinLnBrk="0" hangingPunct="1">
-              <a:lnSpc>
-                <a:spcPct val="100000"/>
-              </a:lnSpc>
-              <a:spcBef>
-                <a:spcPts val="0"/>
-              </a:spcBef>
-              <a:spcAft>
-                <a:spcPts val="0"/>
-              </a:spcAft>
-              <a:buClrTx/>
-              <a:buSzTx/>
-              <a:buFontTx/>
-              <a:buNone/>
-              <a:tabLst/>
-              <a:defRPr/>
-            </a:pPr>
+              <a:t>Example</a:t>
+            </a:r>
             <a:endParaRPr lang="en-US" dirty="0"/>
           </a:p>
         </p:txBody>
@@ -927,7 +547,7 @@
           <a:p>
             <a:fld id="{7F1E724F-8517-ED4E-940C-4C3AE9D10E2A}" type="slidenum">
               <a:rPr lang="en-US" smtClean="0"/>
-              <a:t>1</a:t>
+              <a:t>4</a:t>
             </a:fld>
             <a:endParaRPr lang="en-US"/>
           </a:p>
@@ -936,7 +556,7 @@
     </p:spTree>
     <p:extLst>
       <p:ext uri="{BB962C8B-B14F-4D97-AF65-F5344CB8AC3E}">
-        <p14:creationId xmlns:p14="http://schemas.microsoft.com/office/powerpoint/2010/main" val="133133538"/>
+        <p14:creationId xmlns:p14="http://schemas.microsoft.com/office/powerpoint/2010/main" val="4091593625"/>
       </p:ext>
     </p:extLst>
   </p:cSld>
@@ -987,178 +607,6 @@
         </p:nvSpPr>
         <p:spPr/>
         <p:txBody>
-          <a:bodyPr/>
-          <a:lstStyle/>
-          <a:p>
-            <a:endParaRPr lang="en-US" dirty="0"/>
-          </a:p>
-        </p:txBody>
-      </p:sp>
-      <p:sp>
-        <p:nvSpPr>
-          <p:cNvPr id="4" name="Slide Number Placeholder 3"/>
-          <p:cNvSpPr>
-            <a:spLocks noGrp="1"/>
-          </p:cNvSpPr>
-          <p:nvPr>
-            <p:ph type="sldNum" sz="quarter" idx="10"/>
-          </p:nvPr>
-        </p:nvSpPr>
-        <p:spPr/>
-        <p:txBody>
-          <a:bodyPr/>
-          <a:lstStyle/>
-          <a:p>
-            <a:fld id="{7F1E724F-8517-ED4E-940C-4C3AE9D10E2A}" type="slidenum">
-              <a:rPr lang="en-US" smtClean="0"/>
-              <a:t>2</a:t>
-            </a:fld>
-            <a:endParaRPr lang="en-US"/>
-          </a:p>
-        </p:txBody>
-      </p:sp>
-    </p:spTree>
-    <p:extLst>
-      <p:ext uri="{BB962C8B-B14F-4D97-AF65-F5344CB8AC3E}">
-        <p14:creationId xmlns:p14="http://schemas.microsoft.com/office/powerpoint/2010/main" val="2563188555"/>
-      </p:ext>
-    </p:extLst>
-  </p:cSld>
-  <p:clrMapOvr>
-    <a:masterClrMapping/>
-  </p:clrMapOvr>
-</p:notes>
-</file>
-
-<file path=ppt/notesSlides/notesSlide3.xml><?xml version="1.0" encoding="utf-8"?>
-<p:notes xmlns:a="http://schemas.openxmlformats.org/drawingml/2006/main" xmlns:r="http://schemas.openxmlformats.org/officeDocument/2006/relationships" xmlns:p="http://schemas.openxmlformats.org/presentationml/2006/main">
-  <p:cSld>
-    <p:spTree>
-      <p:nvGrpSpPr>
-        <p:cNvPr id="1" name=""/>
-        <p:cNvGrpSpPr/>
-        <p:nvPr/>
-      </p:nvGrpSpPr>
-      <p:grpSpPr>
-        <a:xfrm>
-          <a:off x="0" y="0"/>
-          <a:ext cx="0" cy="0"/>
-          <a:chOff x="0" y="0"/>
-          <a:chExt cx="0" cy="0"/>
-        </a:xfrm>
-      </p:grpSpPr>
-      <p:sp>
-        <p:nvSpPr>
-          <p:cNvPr id="2" name="Slide Image Placeholder 1"/>
-          <p:cNvSpPr>
-            <a:spLocks noGrp="1" noRot="1" noChangeAspect="1"/>
-          </p:cNvSpPr>
-          <p:nvPr>
-            <p:ph type="sldImg"/>
-          </p:nvPr>
-        </p:nvSpPr>
-        <p:spPr/>
-      </p:sp>
-      <p:sp>
-        <p:nvSpPr>
-          <p:cNvPr id="3" name="Notes Placeholder 2"/>
-          <p:cNvSpPr>
-            <a:spLocks noGrp="1"/>
-          </p:cNvSpPr>
-          <p:nvPr>
-            <p:ph type="body" idx="1"/>
-          </p:nvPr>
-        </p:nvSpPr>
-        <p:spPr/>
-        <p:txBody>
-          <a:bodyPr/>
-          <a:lstStyle/>
-          <a:p>
-            <a:r>
-              <a:rPr lang="en-US" dirty="0" smtClean="0"/>
-              <a:t>Example</a:t>
-            </a:r>
-            <a:endParaRPr lang="en-US" dirty="0"/>
-          </a:p>
-        </p:txBody>
-      </p:sp>
-      <p:sp>
-        <p:nvSpPr>
-          <p:cNvPr id="4" name="Slide Number Placeholder 3"/>
-          <p:cNvSpPr>
-            <a:spLocks noGrp="1"/>
-          </p:cNvSpPr>
-          <p:nvPr>
-            <p:ph type="sldNum" sz="quarter" idx="10"/>
-          </p:nvPr>
-        </p:nvSpPr>
-        <p:spPr/>
-        <p:txBody>
-          <a:bodyPr/>
-          <a:lstStyle/>
-          <a:p>
-            <a:fld id="{7F1E724F-8517-ED4E-940C-4C3AE9D10E2A}" type="slidenum">
-              <a:rPr lang="en-US" smtClean="0"/>
-              <a:t>4</a:t>
-            </a:fld>
-            <a:endParaRPr lang="en-US"/>
-          </a:p>
-        </p:txBody>
-      </p:sp>
-    </p:spTree>
-    <p:extLst>
-      <p:ext uri="{BB962C8B-B14F-4D97-AF65-F5344CB8AC3E}">
-        <p14:creationId xmlns:p14="http://schemas.microsoft.com/office/powerpoint/2010/main" val="4091593625"/>
-      </p:ext>
-    </p:extLst>
-  </p:cSld>
-  <p:clrMapOvr>
-    <a:masterClrMapping/>
-  </p:clrMapOvr>
-</p:notes>
-</file>
-
-<file path=ppt/notesSlides/notesSlide4.xml><?xml version="1.0" encoding="utf-8"?>
-<p:notes xmlns:a="http://schemas.openxmlformats.org/drawingml/2006/main" xmlns:r="http://schemas.openxmlformats.org/officeDocument/2006/relationships" xmlns:p="http://schemas.openxmlformats.org/presentationml/2006/main">
-  <p:cSld>
-    <p:spTree>
-      <p:nvGrpSpPr>
-        <p:cNvPr id="1" name=""/>
-        <p:cNvGrpSpPr/>
-        <p:nvPr/>
-      </p:nvGrpSpPr>
-      <p:grpSpPr>
-        <a:xfrm>
-          <a:off x="0" y="0"/>
-          <a:ext cx="0" cy="0"/>
-          <a:chOff x="0" y="0"/>
-          <a:chExt cx="0" cy="0"/>
-        </a:xfrm>
-      </p:grpSpPr>
-      <p:sp>
-        <p:nvSpPr>
-          <p:cNvPr id="2" name="Slide Image Placeholder 1"/>
-          <p:cNvSpPr>
-            <a:spLocks noGrp="1" noRot="1" noChangeAspect="1"/>
-          </p:cNvSpPr>
-          <p:nvPr>
-            <p:ph type="sldImg"/>
-          </p:nvPr>
-        </p:nvSpPr>
-        <p:spPr/>
-      </p:sp>
-      <p:sp>
-        <p:nvSpPr>
-          <p:cNvPr id="3" name="Notes Placeholder 2"/>
-          <p:cNvSpPr>
-            <a:spLocks noGrp="1"/>
-          </p:cNvSpPr>
-          <p:nvPr>
-            <p:ph type="body" idx="1"/>
-          </p:nvPr>
-        </p:nvSpPr>
-        <p:spPr/>
-        <p:txBody>
           <a:bodyPr>
             <a:normAutofit/>
           </a:bodyPr>
@@ -1205,7 +653,7 @@
 </file>
 
 <file path=ppt/slideLayouts/slideLayout1.xml><?xml version="1.0" encoding="utf-8"?>
-<p:sldLayout xmlns:a="http://schemas.openxmlformats.org/drawingml/2006/main" xmlns:r="http://schemas.openxmlformats.org/officeDocument/2006/relationships" xmlns:p="http://schemas.openxmlformats.org/presentationml/2006/main" showMasterSp="0" type="title" preserve="1">
+<p:sldLayout xmlns:a="http://schemas.openxmlformats.org/drawingml/2006/main" xmlns:r="http://schemas.openxmlformats.org/officeDocument/2006/relationships" xmlns:p="http://schemas.openxmlformats.org/presentationml/2006/main" type="title" preserve="1">
   <p:cSld name="Title Slide">
     <p:spTree>
       <p:nvGrpSpPr>
@@ -1221,491 +669,48 @@
           <a:chExt cx="0" cy="0"/>
         </a:xfrm>
       </p:grpSpPr>
-      <p:grpSp>
-        <p:nvGrpSpPr>
-          <p:cNvPr id="7" name="Group 15"/>
-          <p:cNvGrpSpPr/>
-          <p:nvPr/>
-        </p:nvGrpSpPr>
-        <p:grpSpPr>
-          <a:xfrm>
-            <a:off x="0" y="0"/>
-            <a:ext cx="9144000" cy="6858000"/>
-            <a:chOff x="0" y="0"/>
-            <a:chExt cx="9144000" cy="6858000"/>
-          </a:xfrm>
-        </p:grpSpPr>
-        <p:sp>
-          <p:nvSpPr>
-            <p:cNvPr id="8" name="Rectangle 7"/>
-            <p:cNvSpPr/>
-            <p:nvPr/>
-          </p:nvSpPr>
-          <p:spPr>
-            <a:xfrm>
-              <a:off x="0" y="0"/>
-              <a:ext cx="7162800" cy="6858000"/>
-            </a:xfrm>
-            <a:prstGeom prst="rect">
-              <a:avLst/>
-            </a:prstGeom>
-            <a:gradFill flip="none" rotWithShape="1">
-              <a:gsLst>
-                <a:gs pos="0">
-                  <a:srgbClr val="010101">
-                    <a:alpha val="51765"/>
-                  </a:srgbClr>
-                </a:gs>
-                <a:gs pos="60000">
-                  <a:srgbClr val="FEFEFE">
-                    <a:alpha val="0"/>
-                  </a:srgbClr>
-                </a:gs>
-              </a:gsLst>
-              <a:path path="circle">
-                <a:fillToRect t="100000" r="100000"/>
-              </a:path>
-              <a:tileRect l="-100000" b="-100000"/>
-            </a:gradFill>
-            <a:ln>
-              <a:noFill/>
-            </a:ln>
-          </p:spPr>
-          <p:style>
-            <a:lnRef idx="2">
-              <a:schemeClr val="accent1">
-                <a:shade val="50000"/>
-              </a:schemeClr>
-            </a:lnRef>
-            <a:fillRef idx="1">
-              <a:schemeClr val="accent1"/>
-            </a:fillRef>
-            <a:effectRef idx="0">
-              <a:schemeClr val="accent1"/>
-            </a:effectRef>
-            <a:fontRef idx="minor">
-              <a:schemeClr val="lt1"/>
-            </a:fontRef>
-          </p:style>
-          <p:txBody>
-            <a:bodyPr rtlCol="0" anchor="ctr"/>
-            <a:lstStyle/>
-            <a:p>
-              <a:pPr algn="ctr"/>
-              <a:endParaRPr lang="en-US"/>
-            </a:p>
-          </p:txBody>
-        </p:sp>
-        <p:sp>
-          <p:nvSpPr>
-            <p:cNvPr id="9" name="Rectangle 8"/>
-            <p:cNvSpPr/>
-            <p:nvPr/>
-          </p:nvSpPr>
-          <p:spPr>
-            <a:xfrm>
-              <a:off x="1143000" y="0"/>
-              <a:ext cx="8001000" cy="6858000"/>
-            </a:xfrm>
-            <a:prstGeom prst="rect">
-              <a:avLst/>
-            </a:prstGeom>
-            <a:gradFill flip="none" rotWithShape="1">
-              <a:gsLst>
-                <a:gs pos="0">
-                  <a:srgbClr val="010101">
-                    <a:alpha val="56000"/>
-                  </a:srgbClr>
-                </a:gs>
-                <a:gs pos="61000">
-                  <a:srgbClr val="FEFEFE">
-                    <a:alpha val="0"/>
-                  </a:srgbClr>
-                </a:gs>
-              </a:gsLst>
-              <a:path path="circle">
-                <a:fillToRect l="100000" t="100000"/>
-              </a:path>
-              <a:tileRect r="-100000" b="-100000"/>
-            </a:gradFill>
-            <a:ln>
-              <a:noFill/>
-            </a:ln>
-          </p:spPr>
-          <p:style>
-            <a:lnRef idx="2">
-              <a:schemeClr val="accent1">
-                <a:shade val="50000"/>
-              </a:schemeClr>
-            </a:lnRef>
-            <a:fillRef idx="1">
-              <a:schemeClr val="accent1"/>
-            </a:fillRef>
-            <a:effectRef idx="0">
-              <a:schemeClr val="accent1"/>
-            </a:effectRef>
-            <a:fontRef idx="minor">
-              <a:schemeClr val="lt1"/>
-            </a:fontRef>
-          </p:style>
-          <p:txBody>
-            <a:bodyPr rtlCol="0" anchor="ctr"/>
-            <a:lstStyle/>
-            <a:p>
-              <a:pPr algn="ctr"/>
-              <a:endParaRPr lang="en-US"/>
-            </a:p>
-          </p:txBody>
-        </p:sp>
-      </p:grpSp>
-      <p:sp>
-        <p:nvSpPr>
-          <p:cNvPr id="10" name="Freeform 9"/>
-          <p:cNvSpPr/>
-          <p:nvPr/>
+      <p:sp>
+        <p:nvSpPr>
+          <p:cNvPr id="2" name="Title 1"/>
+          <p:cNvSpPr>
+            <a:spLocks noGrp="1"/>
+          </p:cNvSpPr>
+          <p:nvPr>
+            <p:ph type="ctrTitle"/>
+          </p:nvPr>
         </p:nvSpPr>
         <p:spPr>
-          <a:xfrm rot="10800000">
-            <a:off x="891821" y="5617774"/>
-            <a:ext cx="7382935" cy="537210"/>
-          </a:xfrm>
-          <a:custGeom>
-            <a:avLst/>
-            <a:gdLst>
-              <a:gd name="connsiteX0" fmla="*/ 0 w 7955280"/>
-              <a:gd name="connsiteY0" fmla="*/ 495300 h 495300"/>
-              <a:gd name="connsiteX1" fmla="*/ 169546 w 7955280"/>
-              <a:gd name="connsiteY1" fmla="*/ 0 h 495300"/>
-              <a:gd name="connsiteX2" fmla="*/ 7785734 w 7955280"/>
-              <a:gd name="connsiteY2" fmla="*/ 0 h 495300"/>
-              <a:gd name="connsiteX3" fmla="*/ 7955280 w 7955280"/>
-              <a:gd name="connsiteY3" fmla="*/ 495300 h 495300"/>
-              <a:gd name="connsiteX4" fmla="*/ 0 w 7955280"/>
-              <a:gd name="connsiteY4" fmla="*/ 495300 h 495300"/>
-              <a:gd name="connsiteX0" fmla="*/ 0 w 7955280"/>
-              <a:gd name="connsiteY0" fmla="*/ 495300 h 495300"/>
-              <a:gd name="connsiteX1" fmla="*/ 169546 w 7955280"/>
-              <a:gd name="connsiteY1" fmla="*/ 0 h 495300"/>
-              <a:gd name="connsiteX2" fmla="*/ 3966210 w 7955280"/>
-              <a:gd name="connsiteY2" fmla="*/ 95250 h 495300"/>
-              <a:gd name="connsiteX3" fmla="*/ 7785734 w 7955280"/>
-              <a:gd name="connsiteY3" fmla="*/ 0 h 495300"/>
-              <a:gd name="connsiteX4" fmla="*/ 7955280 w 7955280"/>
-              <a:gd name="connsiteY4" fmla="*/ 495300 h 495300"/>
-              <a:gd name="connsiteX5" fmla="*/ 0 w 7955280"/>
-              <a:gd name="connsiteY5" fmla="*/ 495300 h 495300"/>
-            </a:gdLst>
-            <a:ahLst/>
-            <a:cxnLst>
-              <a:cxn ang="0">
-                <a:pos x="connsiteX0" y="connsiteY0"/>
-              </a:cxn>
-              <a:cxn ang="0">
-                <a:pos x="connsiteX1" y="connsiteY1"/>
-              </a:cxn>
-              <a:cxn ang="0">
-                <a:pos x="connsiteX2" y="connsiteY2"/>
-              </a:cxn>
-              <a:cxn ang="0">
-                <a:pos x="connsiteX3" y="connsiteY3"/>
-              </a:cxn>
-              <a:cxn ang="0">
-                <a:pos x="connsiteX4" y="connsiteY4"/>
-              </a:cxn>
-              <a:cxn ang="0">
-                <a:pos x="connsiteX5" y="connsiteY5"/>
-              </a:cxn>
-            </a:cxnLst>
-            <a:rect l="l" t="t" r="r" b="b"/>
-            <a:pathLst>
-              <a:path w="7955280" h="495300">
-                <a:moveTo>
-                  <a:pt x="0" y="495300"/>
-                </a:moveTo>
-                <a:lnTo>
-                  <a:pt x="169546" y="0"/>
-                </a:lnTo>
-                <a:lnTo>
-                  <a:pt x="3966210" y="95250"/>
-                </a:lnTo>
-                <a:lnTo>
-                  <a:pt x="7785734" y="0"/>
-                </a:lnTo>
-                <a:lnTo>
-                  <a:pt x="7955280" y="495300"/>
-                </a:lnTo>
-                <a:lnTo>
-                  <a:pt x="0" y="495300"/>
-                </a:lnTo>
-                <a:close/>
-              </a:path>
-            </a:pathLst>
-          </a:custGeom>
-          <a:gradFill flip="none" rotWithShape="1">
-            <a:gsLst>
-              <a:gs pos="30000">
-                <a:srgbClr val="010101">
-                  <a:alpha val="34000"/>
-                </a:srgbClr>
-              </a:gs>
-              <a:gs pos="100000">
-                <a:srgbClr val="010101">
-                  <a:alpha val="26000"/>
-                </a:srgbClr>
-              </a:gs>
-            </a:gsLst>
-            <a:path path="circle">
-              <a:fillToRect l="50000" t="50000" r="50000" b="50000"/>
-            </a:path>
-            <a:tileRect/>
-          </a:gradFill>
-          <a:ln>
-            <a:noFill/>
-          </a:ln>
-          <a:effectLst>
-            <a:softEdge rad="127000"/>
-          </a:effectLst>
-        </p:spPr>
-        <p:style>
-          <a:lnRef idx="2">
-            <a:schemeClr val="accent1">
-              <a:shade val="50000"/>
-            </a:schemeClr>
-          </a:lnRef>
-          <a:fillRef idx="1">
-            <a:schemeClr val="accent1"/>
-          </a:fillRef>
-          <a:effectRef idx="0">
-            <a:schemeClr val="accent1"/>
-          </a:effectRef>
-          <a:fontRef idx="minor">
-            <a:schemeClr val="lt1"/>
-          </a:fontRef>
-        </p:style>
-        <p:txBody>
-          <a:bodyPr rtlCol="0" anchor="ctr"/>
-          <a:lstStyle/>
-          <a:p>
-            <a:pPr algn="ctr"/>
+          <a:xfrm>
+            <a:off x="685800" y="2130425"/>
+            <a:ext cx="7772400" cy="1470025"/>
+          </a:xfrm>
+        </p:spPr>
+        <p:txBody>
+          <a:bodyPr/>
+          <a:lstStyle/>
+          <a:p>
+            <a:r>
+              <a:rPr lang="en-US" smtClean="0"/>
+              <a:t>Click to edit Master title style</a:t>
+            </a:r>
             <a:endParaRPr lang="en-US"/>
           </a:p>
         </p:txBody>
       </p:sp>
       <p:sp>
         <p:nvSpPr>
-          <p:cNvPr id="11" name="Rectangle 10"/>
-          <p:cNvSpPr/>
-          <p:nvPr/>
+          <p:cNvPr id="3" name="Subtitle 2"/>
+          <p:cNvSpPr>
+            <a:spLocks noGrp="1"/>
+          </p:cNvSpPr>
+          <p:nvPr>
+            <p:ph type="subTitle" idx="1"/>
+          </p:nvPr>
         </p:nvSpPr>
         <p:spPr>
           <a:xfrm>
-            <a:off x="989952" y="1016990"/>
-            <a:ext cx="7179733" cy="4831643"/>
-          </a:xfrm>
-          <a:prstGeom prst="rect">
-            <a:avLst/>
-          </a:prstGeom>
-          <a:solidFill>
-            <a:schemeClr val="bg1">
-              <a:lumMod val="75000"/>
-              <a:lumOff val="25000"/>
-            </a:schemeClr>
-          </a:solidFill>
-          <a:ln w="6350">
-            <a:noFill/>
-          </a:ln>
-          <a:effectLst>
-            <a:outerShdw blurRad="101600" dist="50800" dir="5400000" algn="t" rotWithShape="0">
-              <a:prstClr val="black">
-                <a:alpha val="20000"/>
-              </a:prstClr>
-            </a:outerShdw>
-          </a:effectLst>
-        </p:spPr>
-        <p:style>
-          <a:lnRef idx="2">
-            <a:schemeClr val="accent1">
-              <a:shade val="50000"/>
-            </a:schemeClr>
-          </a:lnRef>
-          <a:fillRef idx="1">
-            <a:schemeClr val="accent1"/>
-          </a:fillRef>
-          <a:effectRef idx="0">
-            <a:schemeClr val="accent1"/>
-          </a:effectRef>
-          <a:fontRef idx="minor">
-            <a:schemeClr val="lt1"/>
-          </a:fontRef>
-        </p:style>
-        <p:txBody>
-          <a:bodyPr rtlCol="0" anchor="ctr"/>
-          <a:lstStyle/>
-          <a:p>
-            <a:pPr algn="ctr"/>
-            <a:endParaRPr lang="en-US"/>
-          </a:p>
-        </p:txBody>
-      </p:sp>
-      <p:sp>
-        <p:nvSpPr>
-          <p:cNvPr id="12" name="Rectangle 11"/>
-          <p:cNvSpPr/>
-          <p:nvPr/>
-        </p:nvSpPr>
-        <p:spPr>
-          <a:xfrm>
-            <a:off x="990600" y="1009650"/>
-            <a:ext cx="7179733" cy="4831643"/>
-          </a:xfrm>
-          <a:prstGeom prst="rect">
-            <a:avLst/>
-          </a:prstGeom>
-          <a:blipFill dpi="0" rotWithShape="1">
-            <a:blip r:embed="rId2" cstate="print">
-              <a:alphaModFix amt="20000"/>
-              <a:grayscl/>
-              <a:lum contrast="12000"/>
-            </a:blip>
-            <a:srcRect/>
-            <a:tile tx="0" ty="0" sx="100000" sy="100000" flip="none" algn="tl"/>
-          </a:blipFill>
-          <a:ln w="6350">
-            <a:noFill/>
-          </a:ln>
-          <a:effectLst>
-            <a:outerShdw blurRad="101600" dist="50800" dir="5400000" algn="t" rotWithShape="0">
-              <a:prstClr val="black">
-                <a:alpha val="20000"/>
-              </a:prstClr>
-            </a:outerShdw>
-          </a:effectLst>
-        </p:spPr>
-        <p:style>
-          <a:lnRef idx="2">
-            <a:schemeClr val="accent1">
-              <a:shade val="50000"/>
-            </a:schemeClr>
-          </a:lnRef>
-          <a:fillRef idx="1">
-            <a:schemeClr val="accent1"/>
-          </a:fillRef>
-          <a:effectRef idx="0">
-            <a:schemeClr val="accent1"/>
-          </a:effectRef>
-          <a:fontRef idx="minor">
-            <a:schemeClr val="lt1"/>
-          </a:fontRef>
-        </p:style>
-        <p:txBody>
-          <a:bodyPr rtlCol="0" anchor="ctr"/>
-          <a:lstStyle/>
-          <a:p>
-            <a:pPr algn="ctr"/>
-            <a:endParaRPr lang="en-US"/>
-          </a:p>
-        </p:txBody>
-      </p:sp>
-      <p:pic>
-        <p:nvPicPr>
-          <p:cNvPr id="13" name="Picture 2" descr="C:\Users\Administrator\Desktop\Pushpin Dev\Assets\pushpinLeft.png"/>
-          <p:cNvPicPr>
-            <a:picLocks noChangeAspect="1" noChangeArrowheads="1"/>
-          </p:cNvPicPr>
-          <p:nvPr/>
-        </p:nvPicPr>
-        <p:blipFill>
-          <a:blip r:embed="rId3" cstate="print"/>
-          <a:srcRect/>
-          <a:stretch>
-            <a:fillRect/>
-          </a:stretch>
-        </p:blipFill>
-        <p:spPr bwMode="auto">
-          <a:xfrm rot="1435684">
-            <a:off x="769521" y="702069"/>
-            <a:ext cx="567831" cy="567830"/>
-          </a:xfrm>
-          <a:prstGeom prst="rect">
-            <a:avLst/>
-          </a:prstGeom>
-          <a:noFill/>
-        </p:spPr>
-      </p:pic>
-      <p:pic>
-        <p:nvPicPr>
-          <p:cNvPr id="14" name="Picture 2" descr="C:\Users\Administrator\Desktop\Pushpin Dev\Assets\pushpinLeft.png"/>
-          <p:cNvPicPr>
-            <a:picLocks noChangeAspect="1" noChangeArrowheads="1"/>
-          </p:cNvPicPr>
-          <p:nvPr/>
-        </p:nvPicPr>
-        <p:blipFill>
-          <a:blip r:embed="rId3" cstate="print"/>
-          <a:srcRect/>
-          <a:stretch>
-            <a:fillRect/>
-          </a:stretch>
-        </p:blipFill>
-        <p:spPr bwMode="auto">
-          <a:xfrm rot="4096196">
-            <a:off x="7855433" y="749720"/>
-            <a:ext cx="566928" cy="566928"/>
-          </a:xfrm>
-          <a:prstGeom prst="rect">
-            <a:avLst/>
-          </a:prstGeom>
-          <a:noFill/>
-        </p:spPr>
-      </p:pic>
-      <p:sp>
-        <p:nvSpPr>
-          <p:cNvPr id="2" name="Title 1"/>
-          <p:cNvSpPr>
-            <a:spLocks noGrp="1"/>
-          </p:cNvSpPr>
-          <p:nvPr>
-            <p:ph type="ctrTitle"/>
-          </p:nvPr>
-        </p:nvSpPr>
-        <p:spPr>
-          <a:xfrm>
-            <a:off x="1727201" y="1794935"/>
-            <a:ext cx="5723468" cy="1828090"/>
-          </a:xfrm>
-        </p:spPr>
-        <p:txBody>
-          <a:bodyPr anchor="b">
-            <a:normAutofit/>
-          </a:bodyPr>
-          <a:lstStyle>
-            <a:lvl1pPr>
-              <a:defRPr sz="4800"/>
-            </a:lvl1pPr>
-          </a:lstStyle>
-          <a:p>
-            <a:r>
-              <a:rPr lang="en-US" smtClean="0"/>
-              <a:t>Click to edit Master title style</a:t>
-            </a:r>
-            <a:endParaRPr lang="en-US"/>
-          </a:p>
-        </p:txBody>
-      </p:sp>
-      <p:sp>
-        <p:nvSpPr>
-          <p:cNvPr id="3" name="Subtitle 2"/>
-          <p:cNvSpPr>
-            <a:spLocks noGrp="1"/>
-          </p:cNvSpPr>
-          <p:nvPr>
-            <p:ph type="subTitle" idx="1"/>
-          </p:nvPr>
-        </p:nvSpPr>
-        <p:spPr>
-          <a:xfrm>
-            <a:off x="1727200" y="3736622"/>
-            <a:ext cx="5712179" cy="1524000"/>
+            <a:off x="1371600" y="3886200"/>
+            <a:ext cx="6400800" cy="1752600"/>
           </a:xfrm>
         </p:spPr>
         <p:txBody>
@@ -1715,7 +720,9 @@
               <a:buNone/>
               <a:defRPr>
                 <a:solidFill>
-                  <a:schemeClr val="tx2"/>
+                  <a:schemeClr val="tx1">
+                    <a:tint val="75000"/>
+                  </a:schemeClr>
                 </a:solidFill>
               </a:defRPr>
             </a:lvl1pPr>
@@ -1805,7 +812,7 @@
               <a:rPr lang="en-US" smtClean="0"/>
               <a:t>Click to edit Master subtitle style</a:t>
             </a:r>
-            <a:endParaRPr lang="en-US" dirty="0"/>
+            <a:endParaRPr lang="en-US"/>
           </a:p>
         </p:txBody>
       </p:sp>
@@ -1819,20 +826,14 @@
             <p:ph type="dt" sz="half" idx="10"/>
           </p:nvPr>
         </p:nvSpPr>
-        <p:spPr>
-          <a:xfrm>
-            <a:off x="6770676" y="5357592"/>
-            <a:ext cx="1213821" cy="365125"/>
-          </a:xfrm>
-        </p:spPr>
+        <p:spPr/>
         <p:txBody>
           <a:bodyPr/>
           <a:lstStyle/>
           <a:p>
-            <a:fld id="{28E80666-FB37-4B36-9149-507F3B0178E3}" type="datetimeFigureOut">
-              <a:rPr lang="en-US" smtClean="0"/>
-              <a:pPr/>
-              <a:t>9/26/12</a:t>
+            <a:fld id="{21ECAC6E-94D0-4AF5-9658-136DB119C8EB}" type="datetimeFigureOut">
+              <a:rPr lang="en-US" smtClean="0"/>
+              <a:t>3/22/2014</a:t>
             </a:fld>
             <a:endParaRPr lang="en-US"/>
           </a:p>
@@ -1848,12 +849,7 @@
             <p:ph type="ftr" sz="quarter" idx="11"/>
           </p:nvPr>
         </p:nvSpPr>
-        <p:spPr>
-          <a:xfrm>
-            <a:off x="1174044" y="5357592"/>
-            <a:ext cx="5034845" cy="365125"/>
-          </a:xfrm>
-        </p:spPr>
+        <p:spPr/>
         <p:txBody>
           <a:bodyPr/>
           <a:lstStyle/>
@@ -1872,23 +868,13 @@
             <p:ph type="sldNum" sz="quarter" idx="12"/>
           </p:nvPr>
         </p:nvSpPr>
-        <p:spPr>
-          <a:xfrm>
-            <a:off x="6213930" y="5357592"/>
-            <a:ext cx="554023" cy="365125"/>
-          </a:xfrm>
-        </p:spPr>
+        <p:spPr/>
         <p:txBody>
           <a:bodyPr/>
-          <a:lstStyle>
-            <a:lvl1pPr algn="ctr">
-              <a:defRPr/>
-            </a:lvl1pPr>
-          </a:lstStyle>
-          <a:p>
-            <a:fld id="{D7E63A33-8271-4DD0-9C48-789913D7C115}" type="slidenum">
-              <a:rPr lang="en-US" smtClean="0"/>
-              <a:pPr/>
+          <a:lstStyle/>
+          <a:p>
+            <a:fld id="{FA1242F2-E3EC-4932-BC6C-A1E578482084}" type="slidenum">
+              <a:rPr lang="en-US" smtClean="0"/>
               <a:t>‹#›</a:t>
             </a:fld>
             <a:endParaRPr lang="en-US"/>
@@ -1896,6 +882,11 @@
         </p:txBody>
       </p:sp>
     </p:spTree>
+    <p:extLst>
+      <p:ext uri="{BB962C8B-B14F-4D97-AF65-F5344CB8AC3E}">
+        <p14:creationId xmlns:p14="http://schemas.microsoft.com/office/powerpoint/2010/main" val="3133118398"/>
+      </p:ext>
+    </p:extLst>
   </p:cSld>
   <p:clrMapOvr>
     <a:masterClrMapping/>
@@ -1955,7 +946,7 @@
         </p:nvSpPr>
         <p:spPr/>
         <p:txBody>
-          <a:bodyPr vert="eaVert" anchor="ctr"/>
+          <a:bodyPr vert="eaVert"/>
           <a:lstStyle/>
           <a:p>
             <a:pPr lvl="0"/>
@@ -2010,9 +1001,9 @@
           <a:bodyPr/>
           <a:lstStyle/>
           <a:p>
-            <a:fld id="{895BDD07-FA17-7040-B996-1CC07D7E86FC}" type="datetimeFigureOut">
-              <a:rPr lang="en-US" smtClean="0"/>
-              <a:t>9/26/12</a:t>
+            <a:fld id="{21ECAC6E-94D0-4AF5-9658-136DB119C8EB}" type="datetimeFigureOut">
+              <a:rPr lang="en-US" smtClean="0"/>
+              <a:t>3/22/2014</a:t>
             </a:fld>
             <a:endParaRPr lang="en-US"/>
           </a:p>
@@ -2052,7 +1043,7 @@
           <a:bodyPr/>
           <a:lstStyle/>
           <a:p>
-            <a:fld id="{D317DBB7-695D-DD48-BA1F-D151B96165CE}" type="slidenum">
+            <a:fld id="{FA1242F2-E3EC-4932-BC6C-A1E578482084}" type="slidenum">
               <a:rPr lang="en-US" smtClean="0"/>
               <a:t>‹#›</a:t>
             </a:fld>
@@ -2061,6 +1052,11 @@
         </p:txBody>
       </p:sp>
     </p:spTree>
+    <p:extLst>
+      <p:ext uri="{BB962C8B-B14F-4D97-AF65-F5344CB8AC3E}">
+        <p14:creationId xmlns:p14="http://schemas.microsoft.com/office/powerpoint/2010/main" val="3095533679"/>
+      </p:ext>
+    </p:extLst>
   </p:cSld>
   <p:clrMapOvr>
     <a:masterClrMapping/>
@@ -2097,23 +1093,19 @@
         </p:nvSpPr>
         <p:spPr>
           <a:xfrm>
-            <a:off x="6629401" y="925690"/>
-            <a:ext cx="1430867" cy="4763911"/>
+            <a:off x="6629400" y="274638"/>
+            <a:ext cx="2057400" cy="5851525"/>
           </a:xfrm>
         </p:spPr>
         <p:txBody>
           <a:bodyPr vert="eaVert"/>
-          <a:lstStyle>
-            <a:lvl1pPr algn="l">
-              <a:defRPr/>
-            </a:lvl1pPr>
-          </a:lstStyle>
+          <a:lstStyle/>
           <a:p>
             <a:r>
               <a:rPr lang="en-US" smtClean="0"/>
               <a:t>Click to edit Master title style</a:t>
             </a:r>
-            <a:endParaRPr lang="en-US" dirty="0"/>
+            <a:endParaRPr lang="en-US"/>
           </a:p>
         </p:txBody>
       </p:sp>
@@ -2129,8 +1121,8 @@
         </p:nvSpPr>
         <p:spPr>
           <a:xfrm>
-            <a:off x="1298221" y="1106312"/>
-            <a:ext cx="5178779" cy="4402667"/>
+            <a:off x="457200" y="274638"/>
+            <a:ext cx="6019800" cy="5851525"/>
           </a:xfrm>
         </p:spPr>
         <p:txBody>
@@ -2189,9 +1181,9 @@
           <a:bodyPr/>
           <a:lstStyle/>
           <a:p>
-            <a:fld id="{895BDD07-FA17-7040-B996-1CC07D7E86FC}" type="datetimeFigureOut">
-              <a:rPr lang="en-US" smtClean="0"/>
-              <a:t>9/26/12</a:t>
+            <a:fld id="{21ECAC6E-94D0-4AF5-9658-136DB119C8EB}" type="datetimeFigureOut">
+              <a:rPr lang="en-US" smtClean="0"/>
+              <a:t>3/22/2014</a:t>
             </a:fld>
             <a:endParaRPr lang="en-US"/>
           </a:p>
@@ -2231,7 +1223,7 @@
           <a:bodyPr/>
           <a:lstStyle/>
           <a:p>
-            <a:fld id="{D317DBB7-695D-DD48-BA1F-D151B96165CE}" type="slidenum">
+            <a:fld id="{FA1242F2-E3EC-4932-BC6C-A1E578482084}" type="slidenum">
               <a:rPr lang="en-US" smtClean="0"/>
               <a:t>‹#›</a:t>
             </a:fld>
@@ -2240,6 +1232,11 @@
         </p:txBody>
       </p:sp>
     </p:spTree>
+    <p:extLst>
+      <p:ext uri="{BB962C8B-B14F-4D97-AF65-F5344CB8AC3E}">
+        <p14:creationId xmlns:p14="http://schemas.microsoft.com/office/powerpoint/2010/main" val="3806628260"/>
+      </p:ext>
+    </p:extLst>
   </p:cSld>
   <p:clrMapOvr>
     <a:masterClrMapping/>
@@ -2354,9 +1351,9 @@
           <a:bodyPr/>
           <a:lstStyle/>
           <a:p>
-            <a:fld id="{895BDD07-FA17-7040-B996-1CC07D7E86FC}" type="datetimeFigureOut">
-              <a:rPr lang="en-US" smtClean="0"/>
-              <a:t>9/26/12</a:t>
+            <a:fld id="{21ECAC6E-94D0-4AF5-9658-136DB119C8EB}" type="datetimeFigureOut">
+              <a:rPr lang="en-US" smtClean="0"/>
+              <a:t>3/22/2014</a:t>
             </a:fld>
             <a:endParaRPr lang="en-US"/>
           </a:p>
@@ -2396,7 +1393,7 @@
           <a:bodyPr/>
           <a:lstStyle/>
           <a:p>
-            <a:fld id="{D317DBB7-695D-DD48-BA1F-D151B96165CE}" type="slidenum">
+            <a:fld id="{FA1242F2-E3EC-4932-BC6C-A1E578482084}" type="slidenum">
               <a:rPr lang="en-US" smtClean="0"/>
               <a:t>‹#›</a:t>
             </a:fld>
@@ -2405,6 +1402,11 @@
         </p:txBody>
       </p:sp>
     </p:spTree>
+    <p:extLst>
+      <p:ext uri="{BB962C8B-B14F-4D97-AF65-F5344CB8AC3E}">
+        <p14:creationId xmlns:p14="http://schemas.microsoft.com/office/powerpoint/2010/main" val="3957461252"/>
+      </p:ext>
+    </p:extLst>
   </p:cSld>
   <p:clrMapOvr>
     <a:masterClrMapping/>
@@ -2441,50 +1443,52 @@
         </p:nvSpPr>
         <p:spPr>
           <a:xfrm>
-            <a:off x="1444979" y="2239430"/>
-            <a:ext cx="6254044" cy="1362075"/>
+            <a:off x="722313" y="4406900"/>
+            <a:ext cx="7772400" cy="1362075"/>
+          </a:xfrm>
+        </p:spPr>
+        <p:txBody>
+          <a:bodyPr anchor="t"/>
+          <a:lstStyle>
+            <a:lvl1pPr algn="l">
+              <a:defRPr sz="4000" b="1" cap="all"/>
+            </a:lvl1pPr>
+          </a:lstStyle>
+          <a:p>
+            <a:r>
+              <a:rPr lang="en-US" smtClean="0"/>
+              <a:t>Click to edit Master title style</a:t>
+            </a:r>
+            <a:endParaRPr lang="en-US"/>
+          </a:p>
+        </p:txBody>
+      </p:sp>
+      <p:sp>
+        <p:nvSpPr>
+          <p:cNvPr id="3" name="Text Placeholder 2"/>
+          <p:cNvSpPr>
+            <a:spLocks noGrp="1"/>
+          </p:cNvSpPr>
+          <p:nvPr>
+            <p:ph type="body" idx="1"/>
+          </p:nvPr>
+        </p:nvSpPr>
+        <p:spPr>
+          <a:xfrm>
+            <a:off x="722313" y="2906713"/>
+            <a:ext cx="7772400" cy="1500187"/>
           </a:xfrm>
         </p:spPr>
         <p:txBody>
           <a:bodyPr anchor="b"/>
           <a:lstStyle>
-            <a:lvl1pPr algn="ctr">
-              <a:defRPr sz="4000" b="0" cap="none" baseline="0"/>
-            </a:lvl1pPr>
-          </a:lstStyle>
-          <a:p>
-            <a:r>
-              <a:rPr lang="en-US" smtClean="0"/>
-              <a:t>Click to edit Master title style</a:t>
-            </a:r>
-            <a:endParaRPr lang="en-US" dirty="0"/>
-          </a:p>
-        </p:txBody>
-      </p:sp>
-      <p:sp>
-        <p:nvSpPr>
-          <p:cNvPr id="3" name="Text Placeholder 2"/>
-          <p:cNvSpPr>
-            <a:spLocks noGrp="1"/>
-          </p:cNvSpPr>
-          <p:nvPr>
-            <p:ph type="body" idx="1"/>
-          </p:nvPr>
-        </p:nvSpPr>
-        <p:spPr>
-          <a:xfrm>
-            <a:off x="1456267" y="3725334"/>
-            <a:ext cx="6231467" cy="1309511"/>
-          </a:xfrm>
-        </p:spPr>
-        <p:txBody>
-          <a:bodyPr anchor="t"/>
-          <a:lstStyle>
-            <a:lvl1pPr marL="0" indent="0" algn="ctr">
+            <a:lvl1pPr marL="0" indent="0">
               <a:buNone/>
               <a:defRPr sz="2000">
                 <a:solidFill>
-                  <a:schemeClr val="tx2"/>
+                  <a:schemeClr val="tx1">
+                    <a:tint val="75000"/>
+                  </a:schemeClr>
                 </a:solidFill>
               </a:defRPr>
             </a:lvl1pPr>
@@ -2593,10 +1597,9 @@
           <a:bodyPr/>
           <a:lstStyle/>
           <a:p>
-            <a:fld id="{28E80666-FB37-4B36-9149-507F3B0178E3}" type="datetimeFigureOut">
-              <a:rPr lang="en-US" smtClean="0"/>
-              <a:pPr/>
-              <a:t>9/26/12</a:t>
+            <a:fld id="{21ECAC6E-94D0-4AF5-9658-136DB119C8EB}" type="datetimeFigureOut">
+              <a:rPr lang="en-US" smtClean="0"/>
+              <a:t>3/22/2014</a:t>
             </a:fld>
             <a:endParaRPr lang="en-US"/>
           </a:p>
@@ -2636,9 +1639,8 @@
           <a:bodyPr/>
           <a:lstStyle/>
           <a:p>
-            <a:fld id="{D7E63A33-8271-4DD0-9C48-789913D7C115}" type="slidenum">
-              <a:rPr lang="en-US" smtClean="0"/>
-              <a:pPr/>
+            <a:fld id="{FA1242F2-E3EC-4932-BC6C-A1E578482084}" type="slidenum">
+              <a:rPr lang="en-US" smtClean="0"/>
               <a:t>‹#›</a:t>
             </a:fld>
             <a:endParaRPr lang="en-US"/>
@@ -2646,6 +1648,11 @@
         </p:txBody>
       </p:sp>
     </p:spTree>
+    <p:extLst>
+      <p:ext uri="{BB962C8B-B14F-4D97-AF65-F5344CB8AC3E}">
+        <p14:creationId xmlns:p14="http://schemas.microsoft.com/office/powerpoint/2010/main" val="2185389509"/>
+      </p:ext>
+    </p:extLst>
   </p:cSld>
   <p:clrMapOvr>
     <a:masterClrMapping/>
@@ -2695,6 +1702,176 @@
       </p:sp>
       <p:sp>
         <p:nvSpPr>
+          <p:cNvPr id="3" name="Content Placeholder 2"/>
+          <p:cNvSpPr>
+            <a:spLocks noGrp="1"/>
+          </p:cNvSpPr>
+          <p:nvPr>
+            <p:ph sz="half" idx="1"/>
+          </p:nvPr>
+        </p:nvSpPr>
+        <p:spPr>
+          <a:xfrm>
+            <a:off x="457200" y="1600200"/>
+            <a:ext cx="4038600" cy="4525963"/>
+          </a:xfrm>
+        </p:spPr>
+        <p:txBody>
+          <a:bodyPr/>
+          <a:lstStyle>
+            <a:lvl1pPr>
+              <a:defRPr sz="2800"/>
+            </a:lvl1pPr>
+            <a:lvl2pPr>
+              <a:defRPr sz="2400"/>
+            </a:lvl2pPr>
+            <a:lvl3pPr>
+              <a:defRPr sz="2000"/>
+            </a:lvl3pPr>
+            <a:lvl4pPr>
+              <a:defRPr sz="1800"/>
+            </a:lvl4pPr>
+            <a:lvl5pPr>
+              <a:defRPr sz="1800"/>
+            </a:lvl5pPr>
+            <a:lvl6pPr>
+              <a:defRPr sz="1800"/>
+            </a:lvl6pPr>
+            <a:lvl7pPr>
+              <a:defRPr sz="1800"/>
+            </a:lvl7pPr>
+            <a:lvl8pPr>
+              <a:defRPr sz="1800"/>
+            </a:lvl8pPr>
+            <a:lvl9pPr>
+              <a:defRPr sz="1800"/>
+            </a:lvl9pPr>
+          </a:lstStyle>
+          <a:p>
+            <a:pPr lvl="0"/>
+            <a:r>
+              <a:rPr lang="en-US" smtClean="0"/>
+              <a:t>Click to edit Master text styles</a:t>
+            </a:r>
+          </a:p>
+          <a:p>
+            <a:pPr lvl="1"/>
+            <a:r>
+              <a:rPr lang="en-US" smtClean="0"/>
+              <a:t>Second level</a:t>
+            </a:r>
+          </a:p>
+          <a:p>
+            <a:pPr lvl="2"/>
+            <a:r>
+              <a:rPr lang="en-US" smtClean="0"/>
+              <a:t>Third level</a:t>
+            </a:r>
+          </a:p>
+          <a:p>
+            <a:pPr lvl="3"/>
+            <a:r>
+              <a:rPr lang="en-US" smtClean="0"/>
+              <a:t>Fourth level</a:t>
+            </a:r>
+          </a:p>
+          <a:p>
+            <a:pPr lvl="4"/>
+            <a:r>
+              <a:rPr lang="en-US" smtClean="0"/>
+              <a:t>Fifth level</a:t>
+            </a:r>
+            <a:endParaRPr lang="en-US"/>
+          </a:p>
+        </p:txBody>
+      </p:sp>
+      <p:sp>
+        <p:nvSpPr>
+          <p:cNvPr id="4" name="Content Placeholder 3"/>
+          <p:cNvSpPr>
+            <a:spLocks noGrp="1"/>
+          </p:cNvSpPr>
+          <p:nvPr>
+            <p:ph sz="half" idx="2"/>
+          </p:nvPr>
+        </p:nvSpPr>
+        <p:spPr>
+          <a:xfrm>
+            <a:off x="4648200" y="1600200"/>
+            <a:ext cx="4038600" cy="4525963"/>
+          </a:xfrm>
+        </p:spPr>
+        <p:txBody>
+          <a:bodyPr/>
+          <a:lstStyle>
+            <a:lvl1pPr>
+              <a:defRPr sz="2800"/>
+            </a:lvl1pPr>
+            <a:lvl2pPr>
+              <a:defRPr sz="2400"/>
+            </a:lvl2pPr>
+            <a:lvl3pPr>
+              <a:defRPr sz="2000"/>
+            </a:lvl3pPr>
+            <a:lvl4pPr>
+              <a:defRPr sz="1800"/>
+            </a:lvl4pPr>
+            <a:lvl5pPr>
+              <a:defRPr sz="1800"/>
+            </a:lvl5pPr>
+            <a:lvl6pPr>
+              <a:defRPr sz="1800"/>
+            </a:lvl6pPr>
+            <a:lvl7pPr>
+              <a:defRPr sz="1800"/>
+            </a:lvl7pPr>
+            <a:lvl8pPr>
+              <a:defRPr sz="1800"/>
+            </a:lvl8pPr>
+            <a:lvl9pPr>
+              <a:defRPr sz="1800"/>
+            </a:lvl9pPr>
+          </a:lstStyle>
+          <a:p>
+            <a:pPr lvl="0"/>
+            <a:r>
+              <a:rPr lang="en-US" smtClean="0"/>
+              <a:t>Click to edit Master text styles</a:t>
+            </a:r>
+          </a:p>
+          <a:p>
+            <a:pPr lvl="1"/>
+            <a:r>
+              <a:rPr lang="en-US" smtClean="0"/>
+              <a:t>Second level</a:t>
+            </a:r>
+          </a:p>
+          <a:p>
+            <a:pPr lvl="2"/>
+            <a:r>
+              <a:rPr lang="en-US" smtClean="0"/>
+              <a:t>Third level</a:t>
+            </a:r>
+          </a:p>
+          <a:p>
+            <a:pPr lvl="3"/>
+            <a:r>
+              <a:rPr lang="en-US" smtClean="0"/>
+              <a:t>Fourth level</a:t>
+            </a:r>
+          </a:p>
+          <a:p>
+            <a:pPr lvl="4"/>
+            <a:r>
+              <a:rPr lang="en-US" smtClean="0"/>
+              <a:t>Fifth level</a:t>
+            </a:r>
+            <a:endParaRPr lang="en-US"/>
+          </a:p>
+        </p:txBody>
+      </p:sp>
+      <p:sp>
+        <p:nvSpPr>
           <p:cNvPr id="5" name="Date Placeholder 4"/>
           <p:cNvSpPr>
             <a:spLocks noGrp="1"/>
@@ -2708,9 +1885,9 @@
           <a:bodyPr/>
           <a:lstStyle/>
           <a:p>
-            <a:fld id="{895BDD07-FA17-7040-B996-1CC07D7E86FC}" type="datetimeFigureOut">
-              <a:rPr lang="en-US" smtClean="0"/>
-              <a:t>9/26/12</a:t>
+            <a:fld id="{21ECAC6E-94D0-4AF5-9658-136DB119C8EB}" type="datetimeFigureOut">
+              <a:rPr lang="en-US" smtClean="0"/>
+              <a:t>3/22/2014</a:t>
             </a:fld>
             <a:endParaRPr lang="en-US"/>
           </a:p>
@@ -2750,7 +1927,7 @@
           <a:bodyPr/>
           <a:lstStyle/>
           <a:p>
-            <a:fld id="{D317DBB7-695D-DD48-BA1F-D151B96165CE}" type="slidenum">
+            <a:fld id="{FA1242F2-E3EC-4932-BC6C-A1E578482084}" type="slidenum">
               <a:rPr lang="en-US" smtClean="0"/>
               <a:t>‹#›</a:t>
             </a:fld>
@@ -2758,121 +1935,12 @@
           </a:p>
         </p:txBody>
       </p:sp>
-      <p:sp>
-        <p:nvSpPr>
-          <p:cNvPr id="9" name="Content Placeholder 8"/>
-          <p:cNvSpPr>
-            <a:spLocks noGrp="1"/>
-          </p:cNvSpPr>
-          <p:nvPr>
-            <p:ph sz="quarter" idx="13"/>
-          </p:nvPr>
-        </p:nvSpPr>
-        <p:spPr>
-          <a:xfrm>
-            <a:off x="1298448" y="2121407"/>
-            <a:ext cx="3200400" cy="3602736"/>
-          </a:xfrm>
-        </p:spPr>
-        <p:txBody>
-          <a:bodyPr/>
-          <a:lstStyle/>
-          <a:p>
-            <a:pPr lvl="0"/>
-            <a:r>
-              <a:rPr lang="en-US" smtClean="0"/>
-              <a:t>Click to edit Master text styles</a:t>
-            </a:r>
-          </a:p>
-          <a:p>
-            <a:pPr lvl="1"/>
-            <a:r>
-              <a:rPr lang="en-US" smtClean="0"/>
-              <a:t>Second level</a:t>
-            </a:r>
-          </a:p>
-          <a:p>
-            <a:pPr lvl="2"/>
-            <a:r>
-              <a:rPr lang="en-US" smtClean="0"/>
-              <a:t>Third level</a:t>
-            </a:r>
-          </a:p>
-          <a:p>
-            <a:pPr lvl="3"/>
-            <a:r>
-              <a:rPr lang="en-US" smtClean="0"/>
-              <a:t>Fourth level</a:t>
-            </a:r>
-          </a:p>
-          <a:p>
-            <a:pPr lvl="4"/>
-            <a:r>
-              <a:rPr lang="en-US" smtClean="0"/>
-              <a:t>Fifth level</a:t>
-            </a:r>
-            <a:endParaRPr lang="en-US"/>
-          </a:p>
-        </p:txBody>
-      </p:sp>
-      <p:sp>
-        <p:nvSpPr>
-          <p:cNvPr id="11" name="Content Placeholder 10"/>
-          <p:cNvSpPr>
-            <a:spLocks noGrp="1"/>
-          </p:cNvSpPr>
-          <p:nvPr>
-            <p:ph sz="quarter" idx="14"/>
-          </p:nvPr>
-        </p:nvSpPr>
-        <p:spPr>
-          <a:xfrm>
-            <a:off x="4663440" y="2119313"/>
-            <a:ext cx="3200400" cy="3605212"/>
-          </a:xfrm>
-        </p:spPr>
-        <p:txBody>
-          <a:bodyPr/>
-          <a:lstStyle/>
-          <a:p>
-            <a:pPr lvl="0"/>
-            <a:r>
-              <a:rPr lang="en-US" smtClean="0"/>
-              <a:t>Click to edit Master text styles</a:t>
-            </a:r>
-          </a:p>
-          <a:p>
-            <a:pPr lvl="1"/>
-            <a:r>
-              <a:rPr lang="en-US" smtClean="0"/>
-              <a:t>Second level</a:t>
-            </a:r>
-          </a:p>
-          <a:p>
-            <a:pPr lvl="2"/>
-            <a:r>
-              <a:rPr lang="en-US" smtClean="0"/>
-              <a:t>Third level</a:t>
-            </a:r>
-          </a:p>
-          <a:p>
-            <a:pPr lvl="3"/>
-            <a:r>
-              <a:rPr lang="en-US" smtClean="0"/>
-              <a:t>Fourth level</a:t>
-            </a:r>
-          </a:p>
-          <a:p>
-            <a:pPr lvl="4"/>
-            <a:r>
-              <a:rPr lang="en-US" smtClean="0"/>
-              <a:t>Fifth level</a:t>
-            </a:r>
-            <a:endParaRPr lang="en-US"/>
-          </a:p>
-        </p:txBody>
-      </p:sp>
     </p:spTree>
+    <p:extLst>
+      <p:ext uri="{BB962C8B-B14F-4D97-AF65-F5344CB8AC3E}">
+        <p14:creationId xmlns:p14="http://schemas.microsoft.com/office/powerpoint/2010/main" val="1578478622"/>
+      </p:ext>
+    </p:extLst>
   </p:cSld>
   <p:clrMapOvr>
     <a:masterClrMapping/>
@@ -2936,22 +2004,16 @@
         </p:nvSpPr>
         <p:spPr>
           <a:xfrm>
-            <a:off x="1557869" y="2122312"/>
-            <a:ext cx="2939521" cy="820208"/>
-          </a:xfrm>
-        </p:spPr>
-        <p:txBody>
-          <a:bodyPr anchor="b">
-            <a:normAutofit/>
-          </a:bodyPr>
+            <a:off x="457200" y="1535113"/>
+            <a:ext cx="4040188" cy="639762"/>
+          </a:xfrm>
+        </p:spPr>
+        <p:txBody>
+          <a:bodyPr anchor="b"/>
           <a:lstStyle>
-            <a:lvl1pPr marL="0" indent="0" algn="ctr">
-              <a:buNone/>
-              <a:defRPr sz="2000" b="1">
-                <a:solidFill>
-                  <a:schemeClr val="tx2"/>
-                </a:solidFill>
-              </a:defRPr>
+            <a:lvl1pPr marL="0" indent="0">
+              <a:buNone/>
+              <a:defRPr sz="2400" b="1"/>
             </a:lvl1pPr>
             <a:lvl2pPr marL="457200" indent="0">
               <a:buNone/>
@@ -2997,6 +2059,91 @@
       </p:sp>
       <p:sp>
         <p:nvSpPr>
+          <p:cNvPr id="4" name="Content Placeholder 3"/>
+          <p:cNvSpPr>
+            <a:spLocks noGrp="1"/>
+          </p:cNvSpPr>
+          <p:nvPr>
+            <p:ph sz="half" idx="2"/>
+          </p:nvPr>
+        </p:nvSpPr>
+        <p:spPr>
+          <a:xfrm>
+            <a:off x="457200" y="2174875"/>
+            <a:ext cx="4040188" cy="3951288"/>
+          </a:xfrm>
+        </p:spPr>
+        <p:txBody>
+          <a:bodyPr/>
+          <a:lstStyle>
+            <a:lvl1pPr>
+              <a:defRPr sz="2400"/>
+            </a:lvl1pPr>
+            <a:lvl2pPr>
+              <a:defRPr sz="2000"/>
+            </a:lvl2pPr>
+            <a:lvl3pPr>
+              <a:defRPr sz="1800"/>
+            </a:lvl3pPr>
+            <a:lvl4pPr>
+              <a:defRPr sz="1600"/>
+            </a:lvl4pPr>
+            <a:lvl5pPr>
+              <a:defRPr sz="1600"/>
+            </a:lvl5pPr>
+            <a:lvl6pPr>
+              <a:defRPr sz="1600"/>
+            </a:lvl6pPr>
+            <a:lvl7pPr>
+              <a:defRPr sz="1600"/>
+            </a:lvl7pPr>
+            <a:lvl8pPr>
+              <a:defRPr sz="1600"/>
+            </a:lvl8pPr>
+            <a:lvl9pPr>
+              <a:defRPr sz="1600"/>
+            </a:lvl9pPr>
+          </a:lstStyle>
+          <a:p>
+            <a:pPr lvl="0"/>
+            <a:r>
+              <a:rPr lang="en-US" smtClean="0"/>
+              <a:t>Click to edit Master text styles</a:t>
+            </a:r>
+          </a:p>
+          <a:p>
+            <a:pPr lvl="1"/>
+            <a:r>
+              <a:rPr lang="en-US" smtClean="0"/>
+              <a:t>Second level</a:t>
+            </a:r>
+          </a:p>
+          <a:p>
+            <a:pPr lvl="2"/>
+            <a:r>
+              <a:rPr lang="en-US" smtClean="0"/>
+              <a:t>Third level</a:t>
+            </a:r>
+          </a:p>
+          <a:p>
+            <a:pPr lvl="3"/>
+            <a:r>
+              <a:rPr lang="en-US" smtClean="0"/>
+              <a:t>Fourth level</a:t>
+            </a:r>
+          </a:p>
+          <a:p>
+            <a:pPr lvl="4"/>
+            <a:r>
+              <a:rPr lang="en-US" smtClean="0"/>
+              <a:t>Fifth level</a:t>
+            </a:r>
+            <a:endParaRPr lang="en-US"/>
+          </a:p>
+        </p:txBody>
+      </p:sp>
+      <p:sp>
+        <p:nvSpPr>
           <p:cNvPr id="5" name="Text Placeholder 4"/>
           <p:cNvSpPr>
             <a:spLocks noGrp="1"/>
@@ -3007,22 +2154,16 @@
         </p:nvSpPr>
         <p:spPr>
           <a:xfrm>
-            <a:off x="4910669" y="2122311"/>
-            <a:ext cx="2944368" cy="822960"/>
-          </a:xfrm>
-        </p:spPr>
-        <p:txBody>
-          <a:bodyPr anchor="b">
-            <a:normAutofit/>
-          </a:bodyPr>
+            <a:off x="4645025" y="1535113"/>
+            <a:ext cx="4041775" cy="639762"/>
+          </a:xfrm>
+        </p:spPr>
+        <p:txBody>
+          <a:bodyPr anchor="b"/>
           <a:lstStyle>
-            <a:lvl1pPr marL="0" indent="0" algn="ctr">
-              <a:buNone/>
-              <a:defRPr sz="2000" b="1">
-                <a:solidFill>
-                  <a:schemeClr val="tx2"/>
-                </a:solidFill>
-              </a:defRPr>
+            <a:lvl1pPr marL="0" indent="0">
+              <a:buNone/>
+              <a:defRPr sz="2400" b="1"/>
             </a:lvl1pPr>
             <a:lvl2pPr marL="457200" indent="0">
               <a:buNone/>
@@ -3068,6 +2209,91 @@
       </p:sp>
       <p:sp>
         <p:nvSpPr>
+          <p:cNvPr id="6" name="Content Placeholder 5"/>
+          <p:cNvSpPr>
+            <a:spLocks noGrp="1"/>
+          </p:cNvSpPr>
+          <p:nvPr>
+            <p:ph sz="quarter" idx="4"/>
+          </p:nvPr>
+        </p:nvSpPr>
+        <p:spPr>
+          <a:xfrm>
+            <a:off x="4645025" y="2174875"/>
+            <a:ext cx="4041775" cy="3951288"/>
+          </a:xfrm>
+        </p:spPr>
+        <p:txBody>
+          <a:bodyPr/>
+          <a:lstStyle>
+            <a:lvl1pPr>
+              <a:defRPr sz="2400"/>
+            </a:lvl1pPr>
+            <a:lvl2pPr>
+              <a:defRPr sz="2000"/>
+            </a:lvl2pPr>
+            <a:lvl3pPr>
+              <a:defRPr sz="1800"/>
+            </a:lvl3pPr>
+            <a:lvl4pPr>
+              <a:defRPr sz="1600"/>
+            </a:lvl4pPr>
+            <a:lvl5pPr>
+              <a:defRPr sz="1600"/>
+            </a:lvl5pPr>
+            <a:lvl6pPr>
+              <a:defRPr sz="1600"/>
+            </a:lvl6pPr>
+            <a:lvl7pPr>
+              <a:defRPr sz="1600"/>
+            </a:lvl7pPr>
+            <a:lvl8pPr>
+              <a:defRPr sz="1600"/>
+            </a:lvl8pPr>
+            <a:lvl9pPr>
+              <a:defRPr sz="1600"/>
+            </a:lvl9pPr>
+          </a:lstStyle>
+          <a:p>
+            <a:pPr lvl="0"/>
+            <a:r>
+              <a:rPr lang="en-US" smtClean="0"/>
+              <a:t>Click to edit Master text styles</a:t>
+            </a:r>
+          </a:p>
+          <a:p>
+            <a:pPr lvl="1"/>
+            <a:r>
+              <a:rPr lang="en-US" smtClean="0"/>
+              <a:t>Second level</a:t>
+            </a:r>
+          </a:p>
+          <a:p>
+            <a:pPr lvl="2"/>
+            <a:r>
+              <a:rPr lang="en-US" smtClean="0"/>
+              <a:t>Third level</a:t>
+            </a:r>
+          </a:p>
+          <a:p>
+            <a:pPr lvl="3"/>
+            <a:r>
+              <a:rPr lang="en-US" smtClean="0"/>
+              <a:t>Fourth level</a:t>
+            </a:r>
+          </a:p>
+          <a:p>
+            <a:pPr lvl="4"/>
+            <a:r>
+              <a:rPr lang="en-US" smtClean="0"/>
+              <a:t>Fifth level</a:t>
+            </a:r>
+            <a:endParaRPr lang="en-US"/>
+          </a:p>
+        </p:txBody>
+      </p:sp>
+      <p:sp>
+        <p:nvSpPr>
           <p:cNvPr id="7" name="Date Placeholder 6"/>
           <p:cNvSpPr>
             <a:spLocks noGrp="1"/>
@@ -3081,9 +2307,9 @@
           <a:bodyPr/>
           <a:lstStyle/>
           <a:p>
-            <a:fld id="{895BDD07-FA17-7040-B996-1CC07D7E86FC}" type="datetimeFigureOut">
-              <a:rPr lang="en-US" smtClean="0"/>
-              <a:t>9/26/12</a:t>
+            <a:fld id="{21ECAC6E-94D0-4AF5-9658-136DB119C8EB}" type="datetimeFigureOut">
+              <a:rPr lang="en-US" smtClean="0"/>
+              <a:t>3/22/2014</a:t>
             </a:fld>
             <a:endParaRPr lang="en-US"/>
           </a:p>
@@ -3123,7 +2349,7 @@
           <a:bodyPr/>
           <a:lstStyle/>
           <a:p>
-            <a:fld id="{D317DBB7-695D-DD48-BA1F-D151B96165CE}" type="slidenum">
+            <a:fld id="{FA1242F2-E3EC-4932-BC6C-A1E578482084}" type="slidenum">
               <a:rPr lang="en-US" smtClean="0"/>
               <a:t>‹#›</a:t>
             </a:fld>
@@ -3131,121 +2357,12 @@
           </a:p>
         </p:txBody>
       </p:sp>
-      <p:sp>
-        <p:nvSpPr>
-          <p:cNvPr id="11" name="Content Placeholder 10"/>
-          <p:cNvSpPr>
-            <a:spLocks noGrp="1"/>
-          </p:cNvSpPr>
-          <p:nvPr>
-            <p:ph sz="quarter" idx="13"/>
-          </p:nvPr>
-        </p:nvSpPr>
-        <p:spPr>
-          <a:xfrm>
-            <a:off x="1298448" y="2944368"/>
-            <a:ext cx="3227832" cy="2779776"/>
-          </a:xfrm>
-        </p:spPr>
-        <p:txBody>
-          <a:bodyPr/>
-          <a:lstStyle/>
-          <a:p>
-            <a:pPr lvl="0"/>
-            <a:r>
-              <a:rPr lang="en-US" smtClean="0"/>
-              <a:t>Click to edit Master text styles</a:t>
-            </a:r>
-          </a:p>
-          <a:p>
-            <a:pPr lvl="1"/>
-            <a:r>
-              <a:rPr lang="en-US" smtClean="0"/>
-              <a:t>Second level</a:t>
-            </a:r>
-          </a:p>
-          <a:p>
-            <a:pPr lvl="2"/>
-            <a:r>
-              <a:rPr lang="en-US" smtClean="0"/>
-              <a:t>Third level</a:t>
-            </a:r>
-          </a:p>
-          <a:p>
-            <a:pPr lvl="3"/>
-            <a:r>
-              <a:rPr lang="en-US" smtClean="0"/>
-              <a:t>Fourth level</a:t>
-            </a:r>
-          </a:p>
-          <a:p>
-            <a:pPr lvl="4"/>
-            <a:r>
-              <a:rPr lang="en-US" smtClean="0"/>
-              <a:t>Fifth level</a:t>
-            </a:r>
-            <a:endParaRPr lang="en-US" dirty="0"/>
-          </a:p>
-        </p:txBody>
-      </p:sp>
-      <p:sp>
-        <p:nvSpPr>
-          <p:cNvPr id="13" name="Content Placeholder 12"/>
-          <p:cNvSpPr>
-            <a:spLocks noGrp="1"/>
-          </p:cNvSpPr>
-          <p:nvPr>
-            <p:ph sz="quarter" idx="14"/>
-          </p:nvPr>
-        </p:nvSpPr>
-        <p:spPr>
-          <a:xfrm>
-            <a:off x="4645151" y="2944813"/>
-            <a:ext cx="3227832" cy="2779776"/>
-          </a:xfrm>
-        </p:spPr>
-        <p:txBody>
-          <a:bodyPr/>
-          <a:lstStyle/>
-          <a:p>
-            <a:pPr lvl="0"/>
-            <a:r>
-              <a:rPr lang="en-US" smtClean="0"/>
-              <a:t>Click to edit Master text styles</a:t>
-            </a:r>
-          </a:p>
-          <a:p>
-            <a:pPr lvl="1"/>
-            <a:r>
-              <a:rPr lang="en-US" smtClean="0"/>
-              <a:t>Second level</a:t>
-            </a:r>
-          </a:p>
-          <a:p>
-            <a:pPr lvl="2"/>
-            <a:r>
-              <a:rPr lang="en-US" smtClean="0"/>
-              <a:t>Third level</a:t>
-            </a:r>
-          </a:p>
-          <a:p>
-            <a:pPr lvl="3"/>
-            <a:r>
-              <a:rPr lang="en-US" smtClean="0"/>
-              <a:t>Fourth level</a:t>
-            </a:r>
-          </a:p>
-          <a:p>
-            <a:pPr lvl="4"/>
-            <a:r>
-              <a:rPr lang="en-US" smtClean="0"/>
-              <a:t>Fifth level</a:t>
-            </a:r>
-            <a:endParaRPr lang="en-US"/>
-          </a:p>
-        </p:txBody>
-      </p:sp>
     </p:spTree>
+    <p:extLst>
+      <p:ext uri="{BB962C8B-B14F-4D97-AF65-F5344CB8AC3E}">
+        <p14:creationId xmlns:p14="http://schemas.microsoft.com/office/powerpoint/2010/main" val="970104403"/>
+      </p:ext>
+    </p:extLst>
   </p:cSld>
   <p:clrMapOvr>
     <a:masterClrMapping/>
@@ -3308,9 +2425,9 @@
           <a:bodyPr/>
           <a:lstStyle/>
           <a:p>
-            <a:fld id="{895BDD07-FA17-7040-B996-1CC07D7E86FC}" type="datetimeFigureOut">
-              <a:rPr lang="en-US" smtClean="0"/>
-              <a:t>9/26/12</a:t>
+            <a:fld id="{21ECAC6E-94D0-4AF5-9658-136DB119C8EB}" type="datetimeFigureOut">
+              <a:rPr lang="en-US" smtClean="0"/>
+              <a:t>3/22/2014</a:t>
             </a:fld>
             <a:endParaRPr lang="en-US"/>
           </a:p>
@@ -3350,7 +2467,7 @@
           <a:bodyPr/>
           <a:lstStyle/>
           <a:p>
-            <a:fld id="{D317DBB7-695D-DD48-BA1F-D151B96165CE}" type="slidenum">
+            <a:fld id="{FA1242F2-E3EC-4932-BC6C-A1E578482084}" type="slidenum">
               <a:rPr lang="en-US" smtClean="0"/>
               <a:t>‹#›</a:t>
             </a:fld>
@@ -3359,6 +2476,11 @@
         </p:txBody>
       </p:sp>
     </p:spTree>
+    <p:extLst>
+      <p:ext uri="{BB962C8B-B14F-4D97-AF65-F5344CB8AC3E}">
+        <p14:creationId xmlns:p14="http://schemas.microsoft.com/office/powerpoint/2010/main" val="16334577"/>
+      </p:ext>
+    </p:extLst>
   </p:cSld>
   <p:clrMapOvr>
     <a:masterClrMapping/>
@@ -3398,9 +2520,9 @@
           <a:bodyPr/>
           <a:lstStyle/>
           <a:p>
-            <a:fld id="{895BDD07-FA17-7040-B996-1CC07D7E86FC}" type="datetimeFigureOut">
-              <a:rPr lang="en-US" smtClean="0"/>
-              <a:t>9/26/12</a:t>
+            <a:fld id="{21ECAC6E-94D0-4AF5-9658-136DB119C8EB}" type="datetimeFigureOut">
+              <a:rPr lang="en-US" smtClean="0"/>
+              <a:t>3/22/2014</a:t>
             </a:fld>
             <a:endParaRPr lang="en-US"/>
           </a:p>
@@ -3440,7 +2562,7 @@
           <a:bodyPr/>
           <a:lstStyle/>
           <a:p>
-            <a:fld id="{D317DBB7-695D-DD48-BA1F-D151B96165CE}" type="slidenum">
+            <a:fld id="{FA1242F2-E3EC-4932-BC6C-A1E578482084}" type="slidenum">
               <a:rPr lang="en-US" smtClean="0"/>
               <a:t>‹#›</a:t>
             </a:fld>
@@ -3449,6 +2571,11 @@
         </p:txBody>
       </p:sp>
     </p:spTree>
+    <p:extLst>
+      <p:ext uri="{BB962C8B-B14F-4D97-AF65-F5344CB8AC3E}">
+        <p14:creationId xmlns:p14="http://schemas.microsoft.com/office/powerpoint/2010/main" val="834738626"/>
+      </p:ext>
+    </p:extLst>
   </p:cSld>
   <p:clrMapOvr>
     <a:masterClrMapping/>
@@ -3457,7 +2584,7 @@
 </file>
 
 <file path=ppt/slideLayouts/slideLayout8.xml><?xml version="1.0" encoding="utf-8"?>
-<p:sldLayout xmlns:a="http://schemas.openxmlformats.org/drawingml/2006/main" xmlns:r="http://schemas.openxmlformats.org/officeDocument/2006/relationships" xmlns:p="http://schemas.openxmlformats.org/presentationml/2006/main" showMasterSp="0" type="objTx" preserve="1">
+<p:sldLayout xmlns:a="http://schemas.openxmlformats.org/drawingml/2006/main" xmlns:r="http://schemas.openxmlformats.org/officeDocument/2006/relationships" xmlns:p="http://schemas.openxmlformats.org/presentationml/2006/main" type="objTx" preserve="1">
   <p:cSld name="Content with Caption">
     <p:spTree>
       <p:nvGrpSpPr>
@@ -3473,575 +2600,27 @@
           <a:chExt cx="0" cy="0"/>
         </a:xfrm>
       </p:grpSpPr>
-      <p:grpSp>
-        <p:nvGrpSpPr>
-          <p:cNvPr id="8" name="Group 15"/>
-          <p:cNvGrpSpPr/>
-          <p:nvPr/>
-        </p:nvGrpSpPr>
-        <p:grpSpPr>
-          <a:xfrm>
-            <a:off x="0" y="0"/>
-            <a:ext cx="9144000" cy="6858000"/>
-            <a:chOff x="0" y="0"/>
-            <a:chExt cx="9144000" cy="6858000"/>
-          </a:xfrm>
-        </p:grpSpPr>
-        <p:sp>
-          <p:nvSpPr>
-            <p:cNvPr id="9" name="Rectangle 8"/>
-            <p:cNvSpPr/>
-            <p:nvPr/>
-          </p:nvSpPr>
-          <p:spPr>
-            <a:xfrm>
-              <a:off x="0" y="0"/>
-              <a:ext cx="7162800" cy="6858000"/>
-            </a:xfrm>
-            <a:prstGeom prst="rect">
-              <a:avLst/>
-            </a:prstGeom>
-            <a:gradFill flip="none" rotWithShape="1">
-              <a:gsLst>
-                <a:gs pos="0">
-                  <a:srgbClr val="010101">
-                    <a:alpha val="51765"/>
-                  </a:srgbClr>
-                </a:gs>
-                <a:gs pos="60000">
-                  <a:srgbClr val="FEFEFE">
-                    <a:alpha val="0"/>
-                  </a:srgbClr>
-                </a:gs>
-              </a:gsLst>
-              <a:path path="circle">
-                <a:fillToRect t="100000" r="100000"/>
-              </a:path>
-              <a:tileRect l="-100000" b="-100000"/>
-            </a:gradFill>
-            <a:ln>
-              <a:noFill/>
-            </a:ln>
-          </p:spPr>
-          <p:style>
-            <a:lnRef idx="2">
-              <a:schemeClr val="accent1">
-                <a:shade val="50000"/>
-              </a:schemeClr>
-            </a:lnRef>
-            <a:fillRef idx="1">
-              <a:schemeClr val="accent1"/>
-            </a:fillRef>
-            <a:effectRef idx="0">
-              <a:schemeClr val="accent1"/>
-            </a:effectRef>
-            <a:fontRef idx="minor">
-              <a:schemeClr val="lt1"/>
-            </a:fontRef>
-          </p:style>
-          <p:txBody>
-            <a:bodyPr rtlCol="0" anchor="ctr"/>
-            <a:lstStyle/>
-            <a:p>
-              <a:pPr algn="ctr"/>
-              <a:endParaRPr lang="en-US"/>
-            </a:p>
-          </p:txBody>
-        </p:sp>
-        <p:sp>
-          <p:nvSpPr>
-            <p:cNvPr id="10" name="Rectangle 9"/>
-            <p:cNvSpPr/>
-            <p:nvPr/>
-          </p:nvSpPr>
-          <p:spPr>
-            <a:xfrm>
-              <a:off x="1143000" y="0"/>
-              <a:ext cx="8001000" cy="6858000"/>
-            </a:xfrm>
-            <a:prstGeom prst="rect">
-              <a:avLst/>
-            </a:prstGeom>
-            <a:gradFill flip="none" rotWithShape="1">
-              <a:gsLst>
-                <a:gs pos="0">
-                  <a:srgbClr val="010101">
-                    <a:alpha val="56000"/>
-                  </a:srgbClr>
-                </a:gs>
-                <a:gs pos="61000">
-                  <a:srgbClr val="FEFEFE">
-                    <a:alpha val="0"/>
-                  </a:srgbClr>
-                </a:gs>
-              </a:gsLst>
-              <a:path path="circle">
-                <a:fillToRect l="100000" t="100000"/>
-              </a:path>
-              <a:tileRect r="-100000" b="-100000"/>
-            </a:gradFill>
-            <a:ln>
-              <a:noFill/>
-            </a:ln>
-          </p:spPr>
-          <p:style>
-            <a:lnRef idx="2">
-              <a:schemeClr val="accent1">
-                <a:shade val="50000"/>
-              </a:schemeClr>
-            </a:lnRef>
-            <a:fillRef idx="1">
-              <a:schemeClr val="accent1"/>
-            </a:fillRef>
-            <a:effectRef idx="0">
-              <a:schemeClr val="accent1"/>
-            </a:effectRef>
-            <a:fontRef idx="minor">
-              <a:schemeClr val="lt1"/>
-            </a:fontRef>
-          </p:style>
-          <p:txBody>
-            <a:bodyPr rtlCol="0" anchor="ctr"/>
-            <a:lstStyle/>
-            <a:p>
-              <a:pPr algn="ctr"/>
-              <a:endParaRPr lang="en-US"/>
-            </a:p>
-          </p:txBody>
-        </p:sp>
-      </p:grpSp>
-      <p:sp>
-        <p:nvSpPr>
-          <p:cNvPr id="11" name="Freeform 10"/>
-          <p:cNvSpPr/>
-          <p:nvPr/>
+      <p:sp>
+        <p:nvSpPr>
+          <p:cNvPr id="2" name="Title 1"/>
+          <p:cNvSpPr>
+            <a:spLocks noGrp="1"/>
+          </p:cNvSpPr>
+          <p:nvPr>
+            <p:ph type="title"/>
+          </p:nvPr>
         </p:nvSpPr>
         <p:spPr>
-          <a:xfrm rot="10800000">
-            <a:off x="632177" y="6058038"/>
-            <a:ext cx="7721601" cy="537210"/>
-          </a:xfrm>
-          <a:custGeom>
-            <a:avLst/>
-            <a:gdLst>
-              <a:gd name="connsiteX0" fmla="*/ 0 w 7955280"/>
-              <a:gd name="connsiteY0" fmla="*/ 495300 h 495300"/>
-              <a:gd name="connsiteX1" fmla="*/ 169546 w 7955280"/>
-              <a:gd name="connsiteY1" fmla="*/ 0 h 495300"/>
-              <a:gd name="connsiteX2" fmla="*/ 7785734 w 7955280"/>
-              <a:gd name="connsiteY2" fmla="*/ 0 h 495300"/>
-              <a:gd name="connsiteX3" fmla="*/ 7955280 w 7955280"/>
-              <a:gd name="connsiteY3" fmla="*/ 495300 h 495300"/>
-              <a:gd name="connsiteX4" fmla="*/ 0 w 7955280"/>
-              <a:gd name="connsiteY4" fmla="*/ 495300 h 495300"/>
-              <a:gd name="connsiteX0" fmla="*/ 0 w 7955280"/>
-              <a:gd name="connsiteY0" fmla="*/ 495300 h 495300"/>
-              <a:gd name="connsiteX1" fmla="*/ 169546 w 7955280"/>
-              <a:gd name="connsiteY1" fmla="*/ 0 h 495300"/>
-              <a:gd name="connsiteX2" fmla="*/ 3966210 w 7955280"/>
-              <a:gd name="connsiteY2" fmla="*/ 95250 h 495300"/>
-              <a:gd name="connsiteX3" fmla="*/ 7785734 w 7955280"/>
-              <a:gd name="connsiteY3" fmla="*/ 0 h 495300"/>
-              <a:gd name="connsiteX4" fmla="*/ 7955280 w 7955280"/>
-              <a:gd name="connsiteY4" fmla="*/ 495300 h 495300"/>
-              <a:gd name="connsiteX5" fmla="*/ 0 w 7955280"/>
-              <a:gd name="connsiteY5" fmla="*/ 495300 h 495300"/>
-            </a:gdLst>
-            <a:ahLst/>
-            <a:cxnLst>
-              <a:cxn ang="0">
-                <a:pos x="connsiteX0" y="connsiteY0"/>
-              </a:cxn>
-              <a:cxn ang="0">
-                <a:pos x="connsiteX1" y="connsiteY1"/>
-              </a:cxn>
-              <a:cxn ang="0">
-                <a:pos x="connsiteX2" y="connsiteY2"/>
-              </a:cxn>
-              <a:cxn ang="0">
-                <a:pos x="connsiteX3" y="connsiteY3"/>
-              </a:cxn>
-              <a:cxn ang="0">
-                <a:pos x="connsiteX4" y="connsiteY4"/>
-              </a:cxn>
-              <a:cxn ang="0">
-                <a:pos x="connsiteX5" y="connsiteY5"/>
-              </a:cxn>
-            </a:cxnLst>
-            <a:rect l="l" t="t" r="r" b="b"/>
-            <a:pathLst>
-              <a:path w="7955280" h="495300">
-                <a:moveTo>
-                  <a:pt x="0" y="495300"/>
-                </a:moveTo>
-                <a:lnTo>
-                  <a:pt x="169546" y="0"/>
-                </a:lnTo>
-                <a:lnTo>
-                  <a:pt x="3966210" y="95250"/>
-                </a:lnTo>
-                <a:lnTo>
-                  <a:pt x="7785734" y="0"/>
-                </a:lnTo>
-                <a:lnTo>
-                  <a:pt x="7955280" y="495300"/>
-                </a:lnTo>
-                <a:lnTo>
-                  <a:pt x="0" y="495300"/>
-                </a:lnTo>
-                <a:close/>
-              </a:path>
-            </a:pathLst>
-          </a:custGeom>
-          <a:gradFill flip="none" rotWithShape="1">
-            <a:gsLst>
-              <a:gs pos="30000">
-                <a:srgbClr val="010101">
-                  <a:alpha val="34000"/>
-                </a:srgbClr>
-              </a:gs>
-              <a:gs pos="100000">
-                <a:srgbClr val="010101">
-                  <a:alpha val="26000"/>
-                </a:srgbClr>
-              </a:gs>
-            </a:gsLst>
-            <a:path path="circle">
-              <a:fillToRect l="50000" t="50000" r="50000" b="50000"/>
-            </a:path>
-            <a:tileRect/>
-          </a:gradFill>
-          <a:ln>
-            <a:noFill/>
-          </a:ln>
-          <a:effectLst>
-            <a:softEdge rad="127000"/>
-          </a:effectLst>
-        </p:spPr>
-        <p:style>
-          <a:lnRef idx="2">
-            <a:schemeClr val="accent1">
-              <a:shade val="50000"/>
-            </a:schemeClr>
-          </a:lnRef>
-          <a:fillRef idx="1">
-            <a:schemeClr val="accent1"/>
-          </a:fillRef>
-          <a:effectRef idx="0">
-            <a:schemeClr val="accent1"/>
-          </a:effectRef>
-          <a:fontRef idx="minor">
-            <a:schemeClr val="lt1"/>
-          </a:fontRef>
-        </p:style>
-        <p:txBody>
-          <a:bodyPr rtlCol="0" anchor="ctr"/>
-          <a:lstStyle/>
-          <a:p>
-            <a:pPr algn="ctr"/>
-            <a:endParaRPr lang="en-US"/>
-          </a:p>
-        </p:txBody>
-      </p:sp>
-      <p:sp>
-        <p:nvSpPr>
-          <p:cNvPr id="16" name="Rectangle 15"/>
-          <p:cNvSpPr/>
-          <p:nvPr/>
-        </p:nvSpPr>
-        <p:spPr>
-          <a:xfrm rot="60000">
-            <a:off x="4468872" y="605163"/>
-            <a:ext cx="3788941" cy="5722296"/>
-          </a:xfrm>
-          <a:prstGeom prst="rect">
-            <a:avLst/>
-          </a:prstGeom>
-          <a:solidFill>
-            <a:schemeClr val="bg1"/>
-          </a:solidFill>
-          <a:ln w="6350">
-            <a:noFill/>
-          </a:ln>
-          <a:effectLst>
-            <a:outerShdw blurRad="101600" dist="50800" dir="5400000" algn="t" rotWithShape="0">
-              <a:prstClr val="black">
-                <a:alpha val="20000"/>
-              </a:prstClr>
-            </a:outerShdw>
-          </a:effectLst>
-        </p:spPr>
-        <p:style>
-          <a:lnRef idx="2">
-            <a:schemeClr val="accent1">
-              <a:shade val="50000"/>
-            </a:schemeClr>
-          </a:lnRef>
-          <a:fillRef idx="1">
-            <a:schemeClr val="accent1"/>
-          </a:fillRef>
-          <a:effectRef idx="0">
-            <a:schemeClr val="accent1"/>
-          </a:effectRef>
-          <a:fontRef idx="minor">
-            <a:schemeClr val="lt1"/>
-          </a:fontRef>
-        </p:style>
-        <p:txBody>
-          <a:bodyPr rtlCol="0" anchor="ctr"/>
-          <a:lstStyle/>
-          <a:p>
-            <a:pPr algn="ctr"/>
-            <a:endParaRPr lang="en-US"/>
-          </a:p>
-        </p:txBody>
-      </p:sp>
-      <p:sp>
-        <p:nvSpPr>
-          <p:cNvPr id="17" name="Rectangle 16"/>
-          <p:cNvSpPr/>
-          <p:nvPr/>
-        </p:nvSpPr>
-        <p:spPr>
-          <a:xfrm rot="60000">
-            <a:off x="4471416" y="603504"/>
-            <a:ext cx="3788941" cy="5722296"/>
-          </a:xfrm>
-          <a:prstGeom prst="rect">
-            <a:avLst/>
-          </a:prstGeom>
-          <a:blipFill dpi="0" rotWithShape="1">
-            <a:blip r:embed="rId2" cstate="print">
-              <a:alphaModFix amt="20000"/>
-              <a:grayscl/>
-              <a:lum contrast="12000"/>
-            </a:blip>
-            <a:srcRect/>
-            <a:tile tx="0" ty="0" sx="100000" sy="100000" flip="none" algn="tl"/>
-          </a:blipFill>
-          <a:ln w="6350">
-            <a:noFill/>
-          </a:ln>
-          <a:effectLst>
-            <a:outerShdw blurRad="101600" dist="50800" dir="5400000" algn="t" rotWithShape="0">
-              <a:prstClr val="black">
-                <a:alpha val="20000"/>
-              </a:prstClr>
-            </a:outerShdw>
-          </a:effectLst>
-        </p:spPr>
-        <p:style>
-          <a:lnRef idx="2">
-            <a:schemeClr val="accent1">
-              <a:shade val="50000"/>
-            </a:schemeClr>
-          </a:lnRef>
-          <a:fillRef idx="1">
-            <a:schemeClr val="accent1"/>
-          </a:fillRef>
-          <a:effectRef idx="0">
-            <a:schemeClr val="accent1"/>
-          </a:effectRef>
-          <a:fontRef idx="minor">
-            <a:schemeClr val="lt1"/>
-          </a:fontRef>
-        </p:style>
-        <p:txBody>
-          <a:bodyPr rtlCol="0" anchor="ctr"/>
-          <a:lstStyle/>
-          <a:p>
-            <a:pPr algn="ctr"/>
-            <a:endParaRPr lang="en-US"/>
-          </a:p>
-        </p:txBody>
-      </p:sp>
-      <p:sp>
-        <p:nvSpPr>
-          <p:cNvPr id="13" name="Rectangle 12"/>
-          <p:cNvSpPr/>
-          <p:nvPr/>
-        </p:nvSpPr>
-        <p:spPr>
-          <a:xfrm rot="21540000">
-            <a:off x="749204" y="576868"/>
-            <a:ext cx="3788941" cy="5722296"/>
-          </a:xfrm>
-          <a:prstGeom prst="rect">
-            <a:avLst/>
-          </a:prstGeom>
-          <a:solidFill>
-            <a:schemeClr val="bg1"/>
-          </a:solidFill>
-          <a:ln w="6350">
-            <a:noFill/>
-          </a:ln>
-          <a:effectLst>
-            <a:outerShdw blurRad="101600" dist="50800" dir="5400000" algn="t" rotWithShape="0">
-              <a:prstClr val="black">
-                <a:alpha val="20000"/>
-              </a:prstClr>
-            </a:outerShdw>
-          </a:effectLst>
-        </p:spPr>
-        <p:style>
-          <a:lnRef idx="2">
-            <a:schemeClr val="accent1">
-              <a:shade val="50000"/>
-            </a:schemeClr>
-          </a:lnRef>
-          <a:fillRef idx="1">
-            <a:schemeClr val="accent1"/>
-          </a:fillRef>
-          <a:effectRef idx="0">
-            <a:schemeClr val="accent1"/>
-          </a:effectRef>
-          <a:fontRef idx="minor">
-            <a:schemeClr val="lt1"/>
-          </a:fontRef>
-        </p:style>
-        <p:txBody>
-          <a:bodyPr rtlCol="0" anchor="ctr"/>
-          <a:lstStyle/>
-          <a:p>
-            <a:pPr algn="ctr"/>
-            <a:endParaRPr lang="en-US"/>
-          </a:p>
-        </p:txBody>
-      </p:sp>
-      <p:sp>
-        <p:nvSpPr>
-          <p:cNvPr id="14" name="Rectangle 13"/>
-          <p:cNvSpPr/>
-          <p:nvPr/>
-        </p:nvSpPr>
-        <p:spPr>
-          <a:xfrm rot="21540000">
-            <a:off x="749808" y="576072"/>
-            <a:ext cx="3788941" cy="5722296"/>
-          </a:xfrm>
-          <a:prstGeom prst="rect">
-            <a:avLst/>
-          </a:prstGeom>
-          <a:blipFill dpi="0" rotWithShape="1">
-            <a:blip r:embed="rId2" cstate="print">
-              <a:alphaModFix amt="20000"/>
-              <a:grayscl/>
-              <a:lum contrast="12000"/>
-            </a:blip>
-            <a:srcRect/>
-            <a:tile tx="0" ty="0" sx="100000" sy="100000" flip="none" algn="tl"/>
-          </a:blipFill>
-          <a:ln w="6350">
-            <a:noFill/>
-          </a:ln>
-          <a:effectLst>
-            <a:outerShdw blurRad="101600" dist="50800" dir="5400000" algn="t" rotWithShape="0">
-              <a:prstClr val="black">
-                <a:alpha val="20000"/>
-              </a:prstClr>
-            </a:outerShdw>
-          </a:effectLst>
-        </p:spPr>
-        <p:style>
-          <a:lnRef idx="2">
-            <a:schemeClr val="accent1">
-              <a:shade val="50000"/>
-            </a:schemeClr>
-          </a:lnRef>
-          <a:fillRef idx="1">
-            <a:schemeClr val="accent1"/>
-          </a:fillRef>
-          <a:effectRef idx="0">
-            <a:schemeClr val="accent1"/>
-          </a:effectRef>
-          <a:fontRef idx="minor">
-            <a:schemeClr val="lt1"/>
-          </a:fontRef>
-        </p:style>
-        <p:txBody>
-          <a:bodyPr rtlCol="0" anchor="ctr"/>
-          <a:lstStyle/>
-          <a:p>
-            <a:pPr algn="ctr"/>
-            <a:endParaRPr lang="en-US"/>
-          </a:p>
-        </p:txBody>
-      </p:sp>
-      <p:pic>
-        <p:nvPicPr>
-          <p:cNvPr id="18" name="Picture 2" descr="C:\Users\Administrator\Desktop\Pushpin Dev\Assets\pushpinLeft.png"/>
-          <p:cNvPicPr>
-            <a:picLocks noChangeAspect="1" noChangeArrowheads="1"/>
-          </p:cNvPicPr>
-          <p:nvPr/>
-        </p:nvPicPr>
-        <p:blipFill>
-          <a:blip r:embed="rId3" cstate="print"/>
-          <a:srcRect/>
-          <a:stretch>
-            <a:fillRect/>
-          </a:stretch>
-        </p:blipFill>
-        <p:spPr bwMode="auto">
-          <a:xfrm rot="1435684">
-            <a:off x="2371106" y="293953"/>
-            <a:ext cx="567831" cy="567830"/>
-          </a:xfrm>
-          <a:prstGeom prst="rect">
-            <a:avLst/>
-          </a:prstGeom>
-          <a:noFill/>
-        </p:spPr>
-      </p:pic>
-      <p:pic>
-        <p:nvPicPr>
-          <p:cNvPr id="19" name="Picture 2" descr="C:\Users\Administrator\Desktop\Pushpin Dev\Assets\pushpinLeft.png"/>
-          <p:cNvPicPr>
-            <a:picLocks noChangeAspect="1" noChangeArrowheads="1"/>
-          </p:cNvPicPr>
-          <p:nvPr/>
-        </p:nvPicPr>
-        <p:blipFill>
-          <a:blip r:embed="rId3" cstate="print"/>
-          <a:srcRect/>
-          <a:stretch>
-            <a:fillRect/>
-          </a:stretch>
-        </p:blipFill>
-        <p:spPr bwMode="auto">
-          <a:xfrm rot="4096196">
-            <a:off x="6279647" y="333163"/>
-            <a:ext cx="566928" cy="566928"/>
-          </a:xfrm>
-          <a:prstGeom prst="rect">
-            <a:avLst/>
-          </a:prstGeom>
-          <a:noFill/>
-        </p:spPr>
-      </p:pic>
-      <p:sp>
-        <p:nvSpPr>
-          <p:cNvPr id="2" name="Title 1"/>
-          <p:cNvSpPr>
-            <a:spLocks noGrp="1"/>
-          </p:cNvSpPr>
-          <p:nvPr>
-            <p:ph type="title"/>
-          </p:nvPr>
-        </p:nvSpPr>
-        <p:spPr>
-          <a:xfrm rot="-60000">
-            <a:off x="1108976" y="2020042"/>
-            <a:ext cx="3064827" cy="1503037"/>
-          </a:xfrm>
-        </p:spPr>
-        <p:txBody>
-          <a:bodyPr anchor="b">
-            <a:normAutofit/>
-          </a:bodyPr>
+          <a:xfrm>
+            <a:off x="457200" y="273050"/>
+            <a:ext cx="3008313" cy="1162050"/>
+          </a:xfrm>
+        </p:spPr>
+        <p:txBody>
+          <a:bodyPr anchor="b"/>
           <a:lstStyle>
-            <a:lvl1pPr algn="ctr">
-              <a:defRPr sz="2400" b="0"/>
+            <a:lvl1pPr algn="l">
+              <a:defRPr sz="2000" b="1"/>
             </a:lvl1pPr>
           </a:lstStyle>
           <a:p>
@@ -4064,28 +2643,28 @@
           </p:nvPr>
         </p:nvSpPr>
         <p:spPr>
-          <a:xfrm rot="60000">
-            <a:off x="4854291" y="1150993"/>
-            <a:ext cx="3020792" cy="4625489"/>
-          </a:xfrm>
-        </p:spPr>
-        <p:txBody>
-          <a:bodyPr anchor="ctr"/>
+          <a:xfrm>
+            <a:off x="3575050" y="273050"/>
+            <a:ext cx="5111750" cy="5853113"/>
+          </a:xfrm>
+        </p:spPr>
+        <p:txBody>
+          <a:bodyPr/>
           <a:lstStyle>
             <a:lvl1pPr>
-              <a:defRPr sz="2200"/>
+              <a:defRPr sz="3200"/>
             </a:lvl1pPr>
             <a:lvl2pPr>
-              <a:defRPr sz="2000"/>
+              <a:defRPr sz="2800"/>
             </a:lvl2pPr>
             <a:lvl3pPr>
-              <a:defRPr sz="1800"/>
+              <a:defRPr sz="2400"/>
             </a:lvl3pPr>
             <a:lvl4pPr>
-              <a:defRPr sz="1600"/>
+              <a:defRPr sz="2000"/>
             </a:lvl4pPr>
             <a:lvl5pPr>
-              <a:defRPr sz="1400"/>
+              <a:defRPr sz="2000"/>
             </a:lvl5pPr>
             <a:lvl6pPr>
               <a:defRPr sz="2000"/>
@@ -4134,7 +2713,7 @@
               <a:rPr lang="en-US" smtClean="0"/>
               <a:t>Fifth level</a:t>
             </a:r>
-            <a:endParaRPr lang="en-US" dirty="0"/>
+            <a:endParaRPr lang="en-US"/>
           </a:p>
         </p:txBody>
       </p:sp>
@@ -4149,19 +2728,17 @@
           </p:nvPr>
         </p:nvSpPr>
         <p:spPr>
-          <a:xfrm rot="-60000">
-            <a:off x="1148125" y="3623748"/>
-            <a:ext cx="3048891" cy="2100400"/>
-          </a:xfrm>
-        </p:spPr>
-        <p:txBody>
-          <a:bodyPr>
-            <a:normAutofit/>
-          </a:bodyPr>
+          <a:xfrm>
+            <a:off x="457200" y="1435100"/>
+            <a:ext cx="3008313" cy="4691063"/>
+          </a:xfrm>
+        </p:spPr>
+        <p:txBody>
+          <a:bodyPr/>
           <a:lstStyle>
-            <a:lvl1pPr marL="0" indent="0" algn="ctr">
-              <a:buNone/>
-              <a:defRPr sz="1600"/>
+            <a:lvl1pPr marL="0" indent="0">
+              <a:buNone/>
+              <a:defRPr sz="1400"/>
             </a:lvl1pPr>
             <a:lvl2pPr marL="457200" indent="0">
               <a:buNone/>
@@ -4215,19 +2792,14 @@
             <p:ph type="dt" sz="half" idx="10"/>
           </p:nvPr>
         </p:nvSpPr>
-        <p:spPr>
-          <a:xfrm rot="60000">
-            <a:off x="6341698" y="5885672"/>
-            <a:ext cx="1213821" cy="365125"/>
-          </a:xfrm>
-        </p:spPr>
+        <p:spPr/>
         <p:txBody>
           <a:bodyPr/>
           <a:lstStyle/>
           <a:p>
-            <a:fld id="{895BDD07-FA17-7040-B996-1CC07D7E86FC}" type="datetimeFigureOut">
-              <a:rPr lang="en-US" smtClean="0"/>
-              <a:t>9/26/12</a:t>
+            <a:fld id="{21ECAC6E-94D0-4AF5-9658-136DB119C8EB}" type="datetimeFigureOut">
+              <a:rPr lang="en-US" smtClean="0"/>
+              <a:t>3/22/2014</a:t>
             </a:fld>
             <a:endParaRPr lang="en-US"/>
           </a:p>
@@ -4243,12 +2815,7 @@
             <p:ph type="ftr" sz="quarter" idx="11"/>
           </p:nvPr>
         </p:nvSpPr>
-        <p:spPr>
-          <a:xfrm rot="-60000">
-            <a:off x="914554" y="5829261"/>
-            <a:ext cx="3522607" cy="365125"/>
-          </a:xfrm>
-        </p:spPr>
+        <p:spPr/>
         <p:txBody>
           <a:bodyPr/>
           <a:lstStyle/>
@@ -4267,26 +2834,25 @@
             <p:ph type="sldNum" sz="quarter" idx="12"/>
           </p:nvPr>
         </p:nvSpPr>
-        <p:spPr>
-          <a:xfrm rot="60000">
-            <a:off x="7557313" y="5896961"/>
-            <a:ext cx="554023" cy="365125"/>
-          </a:xfrm>
-        </p:spPr>
+        <p:spPr/>
         <p:txBody>
           <a:bodyPr/>
           <a:lstStyle/>
           <a:p>
-            <a:fld id="{2754ED01-E2A0-4C1E-8E21-014B99041579}" type="slidenum">
-              <a:rPr lang="en-US" smtClean="0"/>
-              <a:pPr/>
+            <a:fld id="{FA1242F2-E3EC-4932-BC6C-A1E578482084}" type="slidenum">
+              <a:rPr lang="en-US" smtClean="0"/>
               <a:t>‹#›</a:t>
             </a:fld>
-            <a:endParaRPr lang="en-US" dirty="0"/>
+            <a:endParaRPr lang="en-US"/>
           </a:p>
         </p:txBody>
       </p:sp>
     </p:spTree>
+    <p:extLst>
+      <p:ext uri="{BB962C8B-B14F-4D97-AF65-F5344CB8AC3E}">
+        <p14:creationId xmlns:p14="http://schemas.microsoft.com/office/powerpoint/2010/main" val="2805717243"/>
+      </p:ext>
+    </p:extLst>
   </p:cSld>
   <p:clrMapOvr>
     <a:masterClrMapping/>
@@ -4295,7 +2861,7 @@
 </file>
 
 <file path=ppt/slideLayouts/slideLayout9.xml><?xml version="1.0" encoding="utf-8"?>
-<p:sldLayout xmlns:a="http://schemas.openxmlformats.org/drawingml/2006/main" xmlns:r="http://schemas.openxmlformats.org/officeDocument/2006/relationships" xmlns:p="http://schemas.openxmlformats.org/presentationml/2006/main" showMasterSp="0" type="picTx" preserve="1">
+<p:sldLayout xmlns:a="http://schemas.openxmlformats.org/drawingml/2006/main" xmlns:r="http://schemas.openxmlformats.org/officeDocument/2006/relationships" xmlns:p="http://schemas.openxmlformats.org/presentationml/2006/main" type="picTx" preserve="1">
   <p:cSld name="Picture with Caption">
     <p:spTree>
       <p:nvGrpSpPr>
@@ -4311,575 +2877,27 @@
           <a:chExt cx="0" cy="0"/>
         </a:xfrm>
       </p:grpSpPr>
-      <p:grpSp>
-        <p:nvGrpSpPr>
-          <p:cNvPr id="8" name="Group 15"/>
-          <p:cNvGrpSpPr/>
-          <p:nvPr/>
-        </p:nvGrpSpPr>
-        <p:grpSpPr>
-          <a:xfrm>
-            <a:off x="0" y="0"/>
-            <a:ext cx="9144000" cy="6858000"/>
-            <a:chOff x="0" y="0"/>
-            <a:chExt cx="9144000" cy="6858000"/>
-          </a:xfrm>
-        </p:grpSpPr>
-        <p:sp>
-          <p:nvSpPr>
-            <p:cNvPr id="9" name="Rectangle 8"/>
-            <p:cNvSpPr/>
-            <p:nvPr/>
-          </p:nvSpPr>
-          <p:spPr>
-            <a:xfrm>
-              <a:off x="0" y="0"/>
-              <a:ext cx="7162800" cy="6858000"/>
-            </a:xfrm>
-            <a:prstGeom prst="rect">
-              <a:avLst/>
-            </a:prstGeom>
-            <a:gradFill flip="none" rotWithShape="1">
-              <a:gsLst>
-                <a:gs pos="0">
-                  <a:srgbClr val="010101">
-                    <a:alpha val="51765"/>
-                  </a:srgbClr>
-                </a:gs>
-                <a:gs pos="60000">
-                  <a:srgbClr val="FEFEFE">
-                    <a:alpha val="0"/>
-                  </a:srgbClr>
-                </a:gs>
-              </a:gsLst>
-              <a:path path="circle">
-                <a:fillToRect t="100000" r="100000"/>
-              </a:path>
-              <a:tileRect l="-100000" b="-100000"/>
-            </a:gradFill>
-            <a:ln>
-              <a:noFill/>
-            </a:ln>
-          </p:spPr>
-          <p:style>
-            <a:lnRef idx="2">
-              <a:schemeClr val="accent1">
-                <a:shade val="50000"/>
-              </a:schemeClr>
-            </a:lnRef>
-            <a:fillRef idx="1">
-              <a:schemeClr val="accent1"/>
-            </a:fillRef>
-            <a:effectRef idx="0">
-              <a:schemeClr val="accent1"/>
-            </a:effectRef>
-            <a:fontRef idx="minor">
-              <a:schemeClr val="lt1"/>
-            </a:fontRef>
-          </p:style>
-          <p:txBody>
-            <a:bodyPr rtlCol="0" anchor="ctr"/>
-            <a:lstStyle/>
-            <a:p>
-              <a:pPr algn="ctr"/>
-              <a:endParaRPr lang="en-US"/>
-            </a:p>
-          </p:txBody>
-        </p:sp>
-        <p:sp>
-          <p:nvSpPr>
-            <p:cNvPr id="10" name="Rectangle 9"/>
-            <p:cNvSpPr/>
-            <p:nvPr/>
-          </p:nvSpPr>
-          <p:spPr>
-            <a:xfrm>
-              <a:off x="1143000" y="0"/>
-              <a:ext cx="8001000" cy="6858000"/>
-            </a:xfrm>
-            <a:prstGeom prst="rect">
-              <a:avLst/>
-            </a:prstGeom>
-            <a:gradFill flip="none" rotWithShape="1">
-              <a:gsLst>
-                <a:gs pos="0">
-                  <a:srgbClr val="010101">
-                    <a:alpha val="56000"/>
-                  </a:srgbClr>
-                </a:gs>
-                <a:gs pos="61000">
-                  <a:srgbClr val="FEFEFE">
-                    <a:alpha val="0"/>
-                  </a:srgbClr>
-                </a:gs>
-              </a:gsLst>
-              <a:path path="circle">
-                <a:fillToRect l="100000" t="100000"/>
-              </a:path>
-              <a:tileRect r="-100000" b="-100000"/>
-            </a:gradFill>
-            <a:ln>
-              <a:noFill/>
-            </a:ln>
-          </p:spPr>
-          <p:style>
-            <a:lnRef idx="2">
-              <a:schemeClr val="accent1">
-                <a:shade val="50000"/>
-              </a:schemeClr>
-            </a:lnRef>
-            <a:fillRef idx="1">
-              <a:schemeClr val="accent1"/>
-            </a:fillRef>
-            <a:effectRef idx="0">
-              <a:schemeClr val="accent1"/>
-            </a:effectRef>
-            <a:fontRef idx="minor">
-              <a:schemeClr val="lt1"/>
-            </a:fontRef>
-          </p:style>
-          <p:txBody>
-            <a:bodyPr rtlCol="0" anchor="ctr"/>
-            <a:lstStyle/>
-            <a:p>
-              <a:pPr algn="ctr"/>
-              <a:endParaRPr lang="en-US"/>
-            </a:p>
-          </p:txBody>
-        </p:sp>
-      </p:grpSp>
-      <p:sp>
-        <p:nvSpPr>
-          <p:cNvPr id="31" name="Freeform 30"/>
-          <p:cNvSpPr/>
-          <p:nvPr/>
+      <p:sp>
+        <p:nvSpPr>
+          <p:cNvPr id="2" name="Title 1"/>
+          <p:cNvSpPr>
+            <a:spLocks noGrp="1"/>
+          </p:cNvSpPr>
+          <p:nvPr>
+            <p:ph type="title"/>
+          </p:nvPr>
         </p:nvSpPr>
         <p:spPr>
-          <a:xfrm rot="10800000">
-            <a:off x="632177" y="6058038"/>
-            <a:ext cx="7721601" cy="537210"/>
-          </a:xfrm>
-          <a:custGeom>
-            <a:avLst/>
-            <a:gdLst>
-              <a:gd name="connsiteX0" fmla="*/ 0 w 7955280"/>
-              <a:gd name="connsiteY0" fmla="*/ 495300 h 495300"/>
-              <a:gd name="connsiteX1" fmla="*/ 169546 w 7955280"/>
-              <a:gd name="connsiteY1" fmla="*/ 0 h 495300"/>
-              <a:gd name="connsiteX2" fmla="*/ 7785734 w 7955280"/>
-              <a:gd name="connsiteY2" fmla="*/ 0 h 495300"/>
-              <a:gd name="connsiteX3" fmla="*/ 7955280 w 7955280"/>
-              <a:gd name="connsiteY3" fmla="*/ 495300 h 495300"/>
-              <a:gd name="connsiteX4" fmla="*/ 0 w 7955280"/>
-              <a:gd name="connsiteY4" fmla="*/ 495300 h 495300"/>
-              <a:gd name="connsiteX0" fmla="*/ 0 w 7955280"/>
-              <a:gd name="connsiteY0" fmla="*/ 495300 h 495300"/>
-              <a:gd name="connsiteX1" fmla="*/ 169546 w 7955280"/>
-              <a:gd name="connsiteY1" fmla="*/ 0 h 495300"/>
-              <a:gd name="connsiteX2" fmla="*/ 3966210 w 7955280"/>
-              <a:gd name="connsiteY2" fmla="*/ 95250 h 495300"/>
-              <a:gd name="connsiteX3" fmla="*/ 7785734 w 7955280"/>
-              <a:gd name="connsiteY3" fmla="*/ 0 h 495300"/>
-              <a:gd name="connsiteX4" fmla="*/ 7955280 w 7955280"/>
-              <a:gd name="connsiteY4" fmla="*/ 495300 h 495300"/>
-              <a:gd name="connsiteX5" fmla="*/ 0 w 7955280"/>
-              <a:gd name="connsiteY5" fmla="*/ 495300 h 495300"/>
-            </a:gdLst>
-            <a:ahLst/>
-            <a:cxnLst>
-              <a:cxn ang="0">
-                <a:pos x="connsiteX0" y="connsiteY0"/>
-              </a:cxn>
-              <a:cxn ang="0">
-                <a:pos x="connsiteX1" y="connsiteY1"/>
-              </a:cxn>
-              <a:cxn ang="0">
-                <a:pos x="connsiteX2" y="connsiteY2"/>
-              </a:cxn>
-              <a:cxn ang="0">
-                <a:pos x="connsiteX3" y="connsiteY3"/>
-              </a:cxn>
-              <a:cxn ang="0">
-                <a:pos x="connsiteX4" y="connsiteY4"/>
-              </a:cxn>
-              <a:cxn ang="0">
-                <a:pos x="connsiteX5" y="connsiteY5"/>
-              </a:cxn>
-            </a:cxnLst>
-            <a:rect l="l" t="t" r="r" b="b"/>
-            <a:pathLst>
-              <a:path w="7955280" h="495300">
-                <a:moveTo>
-                  <a:pt x="0" y="495300"/>
-                </a:moveTo>
-                <a:lnTo>
-                  <a:pt x="169546" y="0"/>
-                </a:lnTo>
-                <a:lnTo>
-                  <a:pt x="3966210" y="95250"/>
-                </a:lnTo>
-                <a:lnTo>
-                  <a:pt x="7785734" y="0"/>
-                </a:lnTo>
-                <a:lnTo>
-                  <a:pt x="7955280" y="495300"/>
-                </a:lnTo>
-                <a:lnTo>
-                  <a:pt x="0" y="495300"/>
-                </a:lnTo>
-                <a:close/>
-              </a:path>
-            </a:pathLst>
-          </a:custGeom>
-          <a:gradFill flip="none" rotWithShape="1">
-            <a:gsLst>
-              <a:gs pos="30000">
-                <a:srgbClr val="010101">
-                  <a:alpha val="34000"/>
-                </a:srgbClr>
-              </a:gs>
-              <a:gs pos="100000">
-                <a:srgbClr val="010101">
-                  <a:alpha val="26000"/>
-                </a:srgbClr>
-              </a:gs>
-            </a:gsLst>
-            <a:path path="circle">
-              <a:fillToRect l="50000" t="50000" r="50000" b="50000"/>
-            </a:path>
-            <a:tileRect/>
-          </a:gradFill>
-          <a:ln>
-            <a:noFill/>
-          </a:ln>
-          <a:effectLst>
-            <a:softEdge rad="127000"/>
-          </a:effectLst>
-        </p:spPr>
-        <p:style>
-          <a:lnRef idx="2">
-            <a:schemeClr val="accent1">
-              <a:shade val="50000"/>
-            </a:schemeClr>
-          </a:lnRef>
-          <a:fillRef idx="1">
-            <a:schemeClr val="accent1"/>
-          </a:fillRef>
-          <a:effectRef idx="0">
-            <a:schemeClr val="accent1"/>
-          </a:effectRef>
-          <a:fontRef idx="minor">
-            <a:schemeClr val="lt1"/>
-          </a:fontRef>
-        </p:style>
-        <p:txBody>
-          <a:bodyPr rtlCol="0" anchor="ctr"/>
-          <a:lstStyle/>
-          <a:p>
-            <a:pPr algn="ctr"/>
-            <a:endParaRPr lang="en-US"/>
-          </a:p>
-        </p:txBody>
-      </p:sp>
-      <p:sp>
-        <p:nvSpPr>
-          <p:cNvPr id="12" name="Rectangle 11"/>
-          <p:cNvSpPr/>
-          <p:nvPr/>
-        </p:nvSpPr>
-        <p:spPr>
-          <a:xfrm rot="21540000">
-            <a:off x="749204" y="576868"/>
-            <a:ext cx="3788941" cy="5722296"/>
-          </a:xfrm>
-          <a:prstGeom prst="rect">
-            <a:avLst/>
-          </a:prstGeom>
-          <a:solidFill>
-            <a:schemeClr val="bg1"/>
-          </a:solidFill>
-          <a:ln w="6350">
-            <a:noFill/>
-          </a:ln>
-          <a:effectLst>
-            <a:outerShdw blurRad="101600" dist="50800" dir="5400000" algn="t" rotWithShape="0">
-              <a:prstClr val="black">
-                <a:alpha val="20000"/>
-              </a:prstClr>
-            </a:outerShdw>
-          </a:effectLst>
-        </p:spPr>
-        <p:style>
-          <a:lnRef idx="2">
-            <a:schemeClr val="accent1">
-              <a:shade val="50000"/>
-            </a:schemeClr>
-          </a:lnRef>
-          <a:fillRef idx="1">
-            <a:schemeClr val="accent1"/>
-          </a:fillRef>
-          <a:effectRef idx="0">
-            <a:schemeClr val="accent1"/>
-          </a:effectRef>
-          <a:fontRef idx="minor">
-            <a:schemeClr val="lt1"/>
-          </a:fontRef>
-        </p:style>
-        <p:txBody>
-          <a:bodyPr rtlCol="0" anchor="ctr"/>
-          <a:lstStyle/>
-          <a:p>
-            <a:pPr algn="ctr"/>
-            <a:endParaRPr lang="en-US"/>
-          </a:p>
-        </p:txBody>
-      </p:sp>
-      <p:sp>
-        <p:nvSpPr>
-          <p:cNvPr id="13" name="Rectangle 12"/>
-          <p:cNvSpPr/>
-          <p:nvPr/>
-        </p:nvSpPr>
-        <p:spPr>
-          <a:xfrm rot="21540000">
-            <a:off x="745058" y="575769"/>
-            <a:ext cx="3788941" cy="5722296"/>
-          </a:xfrm>
-          <a:prstGeom prst="rect">
-            <a:avLst/>
-          </a:prstGeom>
-          <a:blipFill dpi="0" rotWithShape="1">
-            <a:blip r:embed="rId2" cstate="print">
-              <a:alphaModFix amt="20000"/>
-              <a:grayscl/>
-              <a:lum contrast="12000"/>
-            </a:blip>
-            <a:srcRect/>
-            <a:tile tx="0" ty="0" sx="100000" sy="100000" flip="none" algn="tl"/>
-          </a:blipFill>
-          <a:ln w="6350">
-            <a:noFill/>
-          </a:ln>
-          <a:effectLst>
-            <a:outerShdw blurRad="101600" dist="50800" dir="5400000" algn="t" rotWithShape="0">
-              <a:prstClr val="black">
-                <a:alpha val="20000"/>
-              </a:prstClr>
-            </a:outerShdw>
-          </a:effectLst>
-        </p:spPr>
-        <p:style>
-          <a:lnRef idx="2">
-            <a:schemeClr val="accent1">
-              <a:shade val="50000"/>
-            </a:schemeClr>
-          </a:lnRef>
-          <a:fillRef idx="1">
-            <a:schemeClr val="accent1"/>
-          </a:fillRef>
-          <a:effectRef idx="0">
-            <a:schemeClr val="accent1"/>
-          </a:effectRef>
-          <a:fontRef idx="minor">
-            <a:schemeClr val="lt1"/>
-          </a:fontRef>
-        </p:style>
-        <p:txBody>
-          <a:bodyPr rtlCol="0" anchor="ctr"/>
-          <a:lstStyle/>
-          <a:p>
-            <a:pPr algn="ctr"/>
-            <a:endParaRPr lang="en-US"/>
-          </a:p>
-        </p:txBody>
-      </p:sp>
-      <p:sp>
-        <p:nvSpPr>
-          <p:cNvPr id="29" name="Rectangle 28"/>
-          <p:cNvSpPr/>
-          <p:nvPr/>
-        </p:nvSpPr>
-        <p:spPr>
-          <a:xfrm rot="60000">
-            <a:off x="4468872" y="605163"/>
-            <a:ext cx="3788941" cy="5722296"/>
-          </a:xfrm>
-          <a:prstGeom prst="rect">
-            <a:avLst/>
-          </a:prstGeom>
-          <a:solidFill>
-            <a:schemeClr val="bg1"/>
-          </a:solidFill>
-          <a:ln w="6350">
-            <a:noFill/>
-          </a:ln>
-          <a:effectLst>
-            <a:outerShdw blurRad="101600" dist="50800" dir="5400000" algn="t" rotWithShape="0">
-              <a:prstClr val="black">
-                <a:alpha val="20000"/>
-              </a:prstClr>
-            </a:outerShdw>
-          </a:effectLst>
-        </p:spPr>
-        <p:style>
-          <a:lnRef idx="2">
-            <a:schemeClr val="accent1">
-              <a:shade val="50000"/>
-            </a:schemeClr>
-          </a:lnRef>
-          <a:fillRef idx="1">
-            <a:schemeClr val="accent1"/>
-          </a:fillRef>
-          <a:effectRef idx="0">
-            <a:schemeClr val="accent1"/>
-          </a:effectRef>
-          <a:fontRef idx="minor">
-            <a:schemeClr val="lt1"/>
-          </a:fontRef>
-        </p:style>
-        <p:txBody>
-          <a:bodyPr rtlCol="0" anchor="ctr"/>
-          <a:lstStyle/>
-          <a:p>
-            <a:pPr algn="ctr"/>
-            <a:endParaRPr lang="en-US"/>
-          </a:p>
-        </p:txBody>
-      </p:sp>
-      <p:sp>
-        <p:nvSpPr>
-          <p:cNvPr id="30" name="Rectangle 29"/>
-          <p:cNvSpPr/>
-          <p:nvPr/>
-        </p:nvSpPr>
-        <p:spPr>
-          <a:xfrm rot="60000">
-            <a:off x="4464768" y="603920"/>
-            <a:ext cx="3788941" cy="5722296"/>
-          </a:xfrm>
-          <a:prstGeom prst="rect">
-            <a:avLst/>
-          </a:prstGeom>
-          <a:blipFill dpi="0" rotWithShape="1">
-            <a:blip r:embed="rId2" cstate="print">
-              <a:alphaModFix amt="20000"/>
-              <a:grayscl/>
-              <a:lum contrast="12000"/>
-            </a:blip>
-            <a:srcRect/>
-            <a:tile tx="0" ty="0" sx="100000" sy="100000" flip="none" algn="tl"/>
-          </a:blipFill>
-          <a:ln w="6350">
-            <a:noFill/>
-          </a:ln>
-          <a:effectLst>
-            <a:outerShdw blurRad="101600" dist="50800" dir="5400000" algn="t" rotWithShape="0">
-              <a:prstClr val="black">
-                <a:alpha val="20000"/>
-              </a:prstClr>
-            </a:outerShdw>
-          </a:effectLst>
-        </p:spPr>
-        <p:style>
-          <a:lnRef idx="2">
-            <a:schemeClr val="accent1">
-              <a:shade val="50000"/>
-            </a:schemeClr>
-          </a:lnRef>
-          <a:fillRef idx="1">
-            <a:schemeClr val="accent1"/>
-          </a:fillRef>
-          <a:effectRef idx="0">
-            <a:schemeClr val="accent1"/>
-          </a:effectRef>
-          <a:fontRef idx="minor">
-            <a:schemeClr val="lt1"/>
-          </a:fontRef>
-        </p:style>
-        <p:txBody>
-          <a:bodyPr rtlCol="0" anchor="ctr"/>
-          <a:lstStyle/>
-          <a:p>
-            <a:pPr algn="ctr"/>
-            <a:endParaRPr lang="en-US"/>
-          </a:p>
-        </p:txBody>
-      </p:sp>
-      <p:pic>
-        <p:nvPicPr>
-          <p:cNvPr id="14" name="Picture 2" descr="C:\Users\Administrator\Desktop\Pushpin Dev\Assets\pushpinLeft.png"/>
-          <p:cNvPicPr>
-            <a:picLocks noChangeAspect="1" noChangeArrowheads="1"/>
-          </p:cNvPicPr>
-          <p:nvPr/>
-        </p:nvPicPr>
-        <p:blipFill>
-          <a:blip r:embed="rId3" cstate="print"/>
-          <a:srcRect/>
-          <a:stretch>
-            <a:fillRect/>
-          </a:stretch>
-        </p:blipFill>
-        <p:spPr bwMode="auto">
-          <a:xfrm rot="1435684">
-            <a:off x="2371106" y="293953"/>
-            <a:ext cx="567831" cy="567830"/>
-          </a:xfrm>
-          <a:prstGeom prst="rect">
-            <a:avLst/>
-          </a:prstGeom>
-          <a:noFill/>
-        </p:spPr>
-      </p:pic>
-      <p:pic>
-        <p:nvPicPr>
-          <p:cNvPr id="15" name="Picture 2" descr="C:\Users\Administrator\Desktop\Pushpin Dev\Assets\pushpinLeft.png"/>
-          <p:cNvPicPr>
-            <a:picLocks noChangeAspect="1" noChangeArrowheads="1"/>
-          </p:cNvPicPr>
-          <p:nvPr/>
-        </p:nvPicPr>
-        <p:blipFill>
-          <a:blip r:embed="rId3" cstate="print"/>
-          <a:srcRect/>
-          <a:stretch>
-            <a:fillRect/>
-          </a:stretch>
-        </p:blipFill>
-        <p:spPr bwMode="auto">
-          <a:xfrm rot="4096196">
-            <a:off x="6279647" y="333163"/>
-            <a:ext cx="566928" cy="566928"/>
-          </a:xfrm>
-          <a:prstGeom prst="rect">
-            <a:avLst/>
-          </a:prstGeom>
-          <a:noFill/>
-        </p:spPr>
-      </p:pic>
-      <p:sp>
-        <p:nvSpPr>
-          <p:cNvPr id="2" name="Title 1"/>
-          <p:cNvSpPr>
-            <a:spLocks noGrp="1"/>
-          </p:cNvSpPr>
-          <p:nvPr>
-            <p:ph type="title"/>
-          </p:nvPr>
-        </p:nvSpPr>
-        <p:spPr>
-          <a:xfrm rot="-60000">
-            <a:off x="1106424" y="2020824"/>
-            <a:ext cx="3063240" cy="1499616"/>
-          </a:xfrm>
-        </p:spPr>
-        <p:txBody>
-          <a:bodyPr anchor="b">
-            <a:normAutofit/>
-          </a:bodyPr>
+          <a:xfrm>
+            <a:off x="1792288" y="4800600"/>
+            <a:ext cx="5486400" cy="566738"/>
+          </a:xfrm>
+        </p:spPr>
+        <p:txBody>
+          <a:bodyPr anchor="b"/>
           <a:lstStyle>
-            <a:lvl1pPr algn="ctr">
-              <a:defRPr sz="2400" b="0"/>
+            <a:lvl1pPr algn="l">
+              <a:defRPr sz="2000" b="1"/>
             </a:lvl1pPr>
           </a:lstStyle>
           <a:p>
@@ -4887,7 +2905,7 @@
               <a:rPr lang="en-US" smtClean="0"/>
               <a:t>Click to edit Master title style</a:t>
             </a:r>
-            <a:endParaRPr lang="en-US" dirty="0"/>
+            <a:endParaRPr lang="en-US"/>
           </a:p>
         </p:txBody>
       </p:sp>
@@ -4902,31 +2920,17 @@
           </p:nvPr>
         </p:nvSpPr>
         <p:spPr>
-          <a:xfrm rot="60000">
-            <a:off x="4898615" y="1207272"/>
-            <a:ext cx="2913863" cy="4539412"/>
-          </a:xfrm>
-          <a:ln w="101600" cap="rnd">
-            <a:solidFill>
-              <a:srgbClr val="FFFFFF"/>
-            </a:solidFill>
-          </a:ln>
-          <a:effectLst>
-            <a:outerShdw blurRad="88900" dir="2700000" algn="tl" rotWithShape="0">
-              <a:prstClr val="black">
-                <a:alpha val="40000"/>
-              </a:prstClr>
-            </a:outerShdw>
-          </a:effectLst>
-        </p:spPr>
-        <p:txBody>
-          <a:bodyPr>
-            <a:normAutofit/>
-          </a:bodyPr>
+          <a:xfrm>
+            <a:off x="1792288" y="612775"/>
+            <a:ext cx="5486400" cy="4114800"/>
+          </a:xfrm>
+        </p:spPr>
+        <p:txBody>
+          <a:bodyPr/>
           <a:lstStyle>
             <a:lvl1pPr marL="0" indent="0">
               <a:buNone/>
-              <a:defRPr sz="2400"/>
+              <a:defRPr sz="3200"/>
             </a:lvl1pPr>
             <a:lvl2pPr marL="457200" indent="0">
               <a:buNone/>
@@ -4962,10 +2966,6 @@
             </a:lvl9pPr>
           </a:lstStyle>
           <a:p>
-            <a:r>
-              <a:rPr lang="en-US" smtClean="0"/>
-              <a:t>Drag picture to placeholder or click icon to add</a:t>
-            </a:r>
             <a:endParaRPr lang="en-US"/>
           </a:p>
         </p:txBody>
@@ -4981,19 +2981,17 @@
           </p:nvPr>
         </p:nvSpPr>
         <p:spPr>
-          <a:xfrm rot="-60000">
-            <a:off x="1152144" y="3621024"/>
-            <a:ext cx="3044952" cy="2103120"/>
-          </a:xfrm>
-        </p:spPr>
-        <p:txBody>
-          <a:bodyPr>
-            <a:normAutofit/>
-          </a:bodyPr>
+          <a:xfrm>
+            <a:off x="1792288" y="5367338"/>
+            <a:ext cx="5486400" cy="804862"/>
+          </a:xfrm>
+        </p:spPr>
+        <p:txBody>
+          <a:bodyPr/>
           <a:lstStyle>
-            <a:lvl1pPr marL="0" indent="0" algn="ctr">
-              <a:buNone/>
-              <a:defRPr sz="1600"/>
+            <a:lvl1pPr marL="0" indent="0">
+              <a:buNone/>
+              <a:defRPr sz="1400"/>
             </a:lvl1pPr>
             <a:lvl2pPr marL="457200" indent="0">
               <a:buNone/>
@@ -5047,19 +3045,14 @@
             <p:ph type="dt" sz="half" idx="10"/>
           </p:nvPr>
         </p:nvSpPr>
-        <p:spPr>
-          <a:xfrm rot="60000">
-            <a:off x="6345936" y="5888737"/>
-            <a:ext cx="1213821" cy="365125"/>
-          </a:xfrm>
-        </p:spPr>
+        <p:spPr/>
         <p:txBody>
           <a:bodyPr/>
           <a:lstStyle/>
           <a:p>
-            <a:fld id="{895BDD07-FA17-7040-B996-1CC07D7E86FC}" type="datetimeFigureOut">
-              <a:rPr lang="en-US" smtClean="0"/>
-              <a:t>9/26/12</a:t>
+            <a:fld id="{21ECAC6E-94D0-4AF5-9658-136DB119C8EB}" type="datetimeFigureOut">
+              <a:rPr lang="en-US" smtClean="0"/>
+              <a:t>3/22/2014</a:t>
             </a:fld>
             <a:endParaRPr lang="en-US"/>
           </a:p>
@@ -5075,12 +3068,7 @@
             <p:ph type="ftr" sz="quarter" idx="11"/>
           </p:nvPr>
         </p:nvSpPr>
-        <p:spPr>
-          <a:xfrm rot="-60000">
-            <a:off x="914569" y="5831037"/>
-            <a:ext cx="3319043" cy="365125"/>
-          </a:xfrm>
-        </p:spPr>
+        <p:spPr/>
         <p:txBody>
           <a:bodyPr/>
           <a:lstStyle/>
@@ -5099,17 +3087,12 @@
             <p:ph type="sldNum" sz="quarter" idx="12"/>
           </p:nvPr>
         </p:nvSpPr>
-        <p:spPr>
-          <a:xfrm rot="60000">
-            <a:off x="7562089" y="5900026"/>
-            <a:ext cx="554023" cy="365125"/>
-          </a:xfrm>
-        </p:spPr>
+        <p:spPr/>
         <p:txBody>
           <a:bodyPr/>
           <a:lstStyle/>
           <a:p>
-            <a:fld id="{D317DBB7-695D-DD48-BA1F-D151B96165CE}" type="slidenum">
+            <a:fld id="{FA1242F2-E3EC-4932-BC6C-A1E578482084}" type="slidenum">
               <a:rPr lang="en-US" smtClean="0"/>
               <a:t>‹#›</a:t>
             </a:fld>
@@ -5118,6 +3101,11 @@
         </p:txBody>
       </p:sp>
     </p:spTree>
+    <p:extLst>
+      <p:ext uri="{BB962C8B-B14F-4D97-AF65-F5344CB8AC3E}">
+        <p14:creationId xmlns:p14="http://schemas.microsoft.com/office/powerpoint/2010/main" val="1508046993"/>
+      </p:ext>
+    </p:extLst>
   </p:cSld>
   <p:clrMapOvr>
     <a:masterClrMapping/>
@@ -5129,8 +3117,8 @@
 <p:sldMaster xmlns:a="http://schemas.openxmlformats.org/drawingml/2006/main" xmlns:r="http://schemas.openxmlformats.org/officeDocument/2006/relationships" xmlns:p="http://schemas.openxmlformats.org/presentationml/2006/main">
   <p:cSld>
     <p:bg>
-      <p:bgRef idx="1002">
-        <a:schemeClr val="bg2"/>
+      <p:bgRef idx="1001">
+        <a:schemeClr val="bg1"/>
       </p:bgRef>
     </p:bg>
     <p:spTree>
@@ -5147,552 +3135,193 @@
           <a:chExt cx="0" cy="0"/>
         </a:xfrm>
       </p:grpSpPr>
-      <p:grpSp>
-        <p:nvGrpSpPr>
-          <p:cNvPr id="7" name="Group 15"/>
-          <p:cNvGrpSpPr/>
-          <p:nvPr/>
-        </p:nvGrpSpPr>
-        <p:grpSpPr>
-          <a:xfrm>
-            <a:off x="0" y="0"/>
-            <a:ext cx="9144000" cy="6858000"/>
-            <a:chOff x="0" y="0"/>
-            <a:chExt cx="9144000" cy="6858000"/>
-          </a:xfrm>
-        </p:grpSpPr>
-        <p:sp>
-          <p:nvSpPr>
-            <p:cNvPr id="8" name="Rectangle 7"/>
-            <p:cNvSpPr/>
-            <p:nvPr/>
-          </p:nvSpPr>
-          <p:spPr>
-            <a:xfrm>
-              <a:off x="0" y="0"/>
-              <a:ext cx="7162800" cy="6858000"/>
-            </a:xfrm>
-            <a:prstGeom prst="rect">
-              <a:avLst/>
-            </a:prstGeom>
-            <a:gradFill flip="none" rotWithShape="1">
-              <a:gsLst>
-                <a:gs pos="0">
-                  <a:srgbClr val="010101">
-                    <a:alpha val="51765"/>
-                  </a:srgbClr>
-                </a:gs>
-                <a:gs pos="60000">
-                  <a:srgbClr val="FEFEFE">
-                    <a:alpha val="0"/>
-                  </a:srgbClr>
-                </a:gs>
-              </a:gsLst>
-              <a:path path="circle">
-                <a:fillToRect t="100000" r="100000"/>
-              </a:path>
-              <a:tileRect l="-100000" b="-100000"/>
-            </a:gradFill>
-            <a:ln>
-              <a:noFill/>
-            </a:ln>
-          </p:spPr>
-          <p:style>
-            <a:lnRef idx="2">
-              <a:schemeClr val="accent1">
-                <a:shade val="50000"/>
-              </a:schemeClr>
-            </a:lnRef>
-            <a:fillRef idx="1">
-              <a:schemeClr val="accent1"/>
-            </a:fillRef>
-            <a:effectRef idx="0">
-              <a:schemeClr val="accent1"/>
-            </a:effectRef>
-            <a:fontRef idx="minor">
-              <a:schemeClr val="lt1"/>
-            </a:fontRef>
-          </p:style>
-          <p:txBody>
-            <a:bodyPr rtlCol="0" anchor="ctr"/>
-            <a:lstStyle/>
-            <a:p>
-              <a:pPr algn="ctr"/>
-              <a:endParaRPr lang="en-US"/>
-            </a:p>
-          </p:txBody>
-        </p:sp>
-        <p:sp>
-          <p:nvSpPr>
-            <p:cNvPr id="9" name="Rectangle 8"/>
-            <p:cNvSpPr/>
-            <p:nvPr/>
-          </p:nvSpPr>
-          <p:spPr>
-            <a:xfrm>
-              <a:off x="1143000" y="0"/>
-              <a:ext cx="8001000" cy="6858000"/>
-            </a:xfrm>
-            <a:prstGeom prst="rect">
-              <a:avLst/>
-            </a:prstGeom>
-            <a:gradFill flip="none" rotWithShape="1">
-              <a:gsLst>
-                <a:gs pos="0">
-                  <a:srgbClr val="010101">
-                    <a:alpha val="56000"/>
-                  </a:srgbClr>
-                </a:gs>
-                <a:gs pos="61000">
-                  <a:srgbClr val="FEFEFE">
-                    <a:alpha val="0"/>
-                  </a:srgbClr>
-                </a:gs>
-              </a:gsLst>
-              <a:path path="circle">
-                <a:fillToRect l="100000" t="100000"/>
-              </a:path>
-              <a:tileRect r="-100000" b="-100000"/>
-            </a:gradFill>
-            <a:ln>
-              <a:noFill/>
-            </a:ln>
-          </p:spPr>
-          <p:style>
-            <a:lnRef idx="2">
-              <a:schemeClr val="accent1">
-                <a:shade val="50000"/>
-              </a:schemeClr>
-            </a:lnRef>
-            <a:fillRef idx="1">
-              <a:schemeClr val="accent1"/>
-            </a:fillRef>
-            <a:effectRef idx="0">
-              <a:schemeClr val="accent1"/>
-            </a:effectRef>
-            <a:fontRef idx="minor">
-              <a:schemeClr val="lt1"/>
-            </a:fontRef>
-          </p:style>
-          <p:txBody>
-            <a:bodyPr rtlCol="0" anchor="ctr"/>
-            <a:lstStyle/>
-            <a:p>
-              <a:pPr algn="ctr"/>
-              <a:endParaRPr lang="en-US"/>
-            </a:p>
-          </p:txBody>
-        </p:sp>
-      </p:grpSp>
-      <p:sp>
-        <p:nvSpPr>
-          <p:cNvPr id="10" name="Freeform 9"/>
-          <p:cNvSpPr/>
-          <p:nvPr/>
+      <p:sp>
+        <p:nvSpPr>
+          <p:cNvPr id="2" name="Title Placeholder 1"/>
+          <p:cNvSpPr>
+            <a:spLocks noGrp="1"/>
+          </p:cNvSpPr>
+          <p:nvPr>
+            <p:ph type="title"/>
+          </p:nvPr>
         </p:nvSpPr>
         <p:spPr>
-          <a:xfrm rot="10800000">
-            <a:off x="628650" y="6069330"/>
-            <a:ext cx="7920991" cy="537210"/>
-          </a:xfrm>
-          <a:custGeom>
-            <a:avLst/>
-            <a:gdLst>
-              <a:gd name="connsiteX0" fmla="*/ 0 w 7955280"/>
-              <a:gd name="connsiteY0" fmla="*/ 495300 h 495300"/>
-              <a:gd name="connsiteX1" fmla="*/ 169546 w 7955280"/>
-              <a:gd name="connsiteY1" fmla="*/ 0 h 495300"/>
-              <a:gd name="connsiteX2" fmla="*/ 7785734 w 7955280"/>
-              <a:gd name="connsiteY2" fmla="*/ 0 h 495300"/>
-              <a:gd name="connsiteX3" fmla="*/ 7955280 w 7955280"/>
-              <a:gd name="connsiteY3" fmla="*/ 495300 h 495300"/>
-              <a:gd name="connsiteX4" fmla="*/ 0 w 7955280"/>
-              <a:gd name="connsiteY4" fmla="*/ 495300 h 495300"/>
-              <a:gd name="connsiteX0" fmla="*/ 0 w 7955280"/>
-              <a:gd name="connsiteY0" fmla="*/ 495300 h 495300"/>
-              <a:gd name="connsiteX1" fmla="*/ 169546 w 7955280"/>
-              <a:gd name="connsiteY1" fmla="*/ 0 h 495300"/>
-              <a:gd name="connsiteX2" fmla="*/ 3966210 w 7955280"/>
-              <a:gd name="connsiteY2" fmla="*/ 95250 h 495300"/>
-              <a:gd name="connsiteX3" fmla="*/ 7785734 w 7955280"/>
-              <a:gd name="connsiteY3" fmla="*/ 0 h 495300"/>
-              <a:gd name="connsiteX4" fmla="*/ 7955280 w 7955280"/>
-              <a:gd name="connsiteY4" fmla="*/ 495300 h 495300"/>
-              <a:gd name="connsiteX5" fmla="*/ 0 w 7955280"/>
-              <a:gd name="connsiteY5" fmla="*/ 495300 h 495300"/>
-            </a:gdLst>
-            <a:ahLst/>
-            <a:cxnLst>
-              <a:cxn ang="0">
-                <a:pos x="connsiteX0" y="connsiteY0"/>
-              </a:cxn>
-              <a:cxn ang="0">
-                <a:pos x="connsiteX1" y="connsiteY1"/>
-              </a:cxn>
-              <a:cxn ang="0">
-                <a:pos x="connsiteX2" y="connsiteY2"/>
-              </a:cxn>
-              <a:cxn ang="0">
-                <a:pos x="connsiteX3" y="connsiteY3"/>
-              </a:cxn>
-              <a:cxn ang="0">
-                <a:pos x="connsiteX4" y="connsiteY4"/>
-              </a:cxn>
-              <a:cxn ang="0">
-                <a:pos x="connsiteX5" y="connsiteY5"/>
-              </a:cxn>
-            </a:cxnLst>
-            <a:rect l="l" t="t" r="r" b="b"/>
-            <a:pathLst>
-              <a:path w="7955280" h="495300">
-                <a:moveTo>
-                  <a:pt x="0" y="495300"/>
-                </a:moveTo>
-                <a:lnTo>
-                  <a:pt x="169546" y="0"/>
-                </a:lnTo>
-                <a:lnTo>
-                  <a:pt x="3966210" y="95250"/>
-                </a:lnTo>
-                <a:lnTo>
-                  <a:pt x="7785734" y="0"/>
-                </a:lnTo>
-                <a:lnTo>
-                  <a:pt x="7955280" y="495300"/>
-                </a:lnTo>
-                <a:lnTo>
-                  <a:pt x="0" y="495300"/>
-                </a:lnTo>
-                <a:close/>
-              </a:path>
-            </a:pathLst>
-          </a:custGeom>
-          <a:gradFill flip="none" rotWithShape="1">
-            <a:gsLst>
-              <a:gs pos="30000">
-                <a:srgbClr val="010101">
-                  <a:alpha val="34000"/>
-                </a:srgbClr>
-              </a:gs>
-              <a:gs pos="100000">
-                <a:srgbClr val="010101">
-                  <a:alpha val="26000"/>
-                </a:srgbClr>
-              </a:gs>
-            </a:gsLst>
-            <a:path path="circle">
-              <a:fillToRect l="50000" t="50000" r="50000" b="50000"/>
-            </a:path>
-            <a:tileRect/>
-          </a:gradFill>
-          <a:ln>
-            <a:noFill/>
-          </a:ln>
-          <a:effectLst>
-            <a:softEdge rad="127000"/>
-          </a:effectLst>
-        </p:spPr>
-        <p:style>
-          <a:lnRef idx="2">
-            <a:schemeClr val="accent1">
-              <a:shade val="50000"/>
-            </a:schemeClr>
-          </a:lnRef>
-          <a:fillRef idx="1">
-            <a:schemeClr val="accent1"/>
-          </a:fillRef>
-          <a:effectRef idx="0">
-            <a:schemeClr val="accent1"/>
-          </a:effectRef>
-          <a:fontRef idx="minor">
-            <a:schemeClr val="lt1"/>
-          </a:fontRef>
-        </p:style>
-        <p:txBody>
-          <a:bodyPr rtlCol="0" anchor="ctr"/>
-          <a:lstStyle/>
-          <a:p>
-            <a:pPr algn="ctr"/>
-            <a:endParaRPr lang="en-US"/>
-          </a:p>
-        </p:txBody>
-      </p:sp>
-      <p:sp>
-        <p:nvSpPr>
-          <p:cNvPr id="11" name="Rectangle 10"/>
-          <p:cNvSpPr/>
-          <p:nvPr/>
-        </p:nvSpPr>
-        <p:spPr>
-          <a:xfrm>
-            <a:off x="731520" y="575310"/>
-            <a:ext cx="7696200" cy="5715000"/>
+          <a:xfrm>
+            <a:off x="457200" y="274638"/>
+            <a:ext cx="8229600" cy="1143000"/>
           </a:xfrm>
           <a:prstGeom prst="rect">
             <a:avLst/>
           </a:prstGeom>
-          <a:solidFill>
-            <a:schemeClr val="bg1">
-              <a:lumMod val="75000"/>
-              <a:lumOff val="25000"/>
-            </a:schemeClr>
-          </a:solidFill>
-          <a:ln w="6350">
-            <a:noFill/>
-          </a:ln>
-          <a:effectLst>
-            <a:outerShdw blurRad="101600" dist="50800" dir="5400000" algn="t" rotWithShape="0">
-              <a:prstClr val="black">
-                <a:alpha val="20000"/>
-              </a:prstClr>
-            </a:outerShdw>
-          </a:effectLst>
-        </p:spPr>
-        <p:style>
-          <a:lnRef idx="2">
-            <a:schemeClr val="accent1">
-              <a:shade val="50000"/>
-            </a:schemeClr>
-          </a:lnRef>
-          <a:fillRef idx="1">
-            <a:schemeClr val="accent1"/>
-          </a:fillRef>
-          <a:effectRef idx="0">
-            <a:schemeClr val="accent1"/>
-          </a:effectRef>
-          <a:fontRef idx="minor">
-            <a:schemeClr val="lt1"/>
-          </a:fontRef>
-        </p:style>
-        <p:txBody>
-          <a:bodyPr rtlCol="0" anchor="ctr"/>
-          <a:lstStyle/>
-          <a:p>
-            <a:pPr algn="ctr"/>
+        </p:spPr>
+        <p:txBody>
+          <a:bodyPr vert="horz" lIns="91440" tIns="45720" rIns="91440" bIns="45720" rtlCol="0" anchor="ctr">
+            <a:normAutofit/>
+          </a:bodyPr>
+          <a:lstStyle/>
+          <a:p>
+            <a:r>
+              <a:rPr lang="en-US" smtClean="0"/>
+              <a:t>Click to edit Master title style</a:t>
+            </a:r>
             <a:endParaRPr lang="en-US"/>
           </a:p>
         </p:txBody>
       </p:sp>
       <p:sp>
         <p:nvSpPr>
-          <p:cNvPr id="12" name="Rectangle 11"/>
-          <p:cNvSpPr/>
-          <p:nvPr/>
+          <p:cNvPr id="3" name="Text Placeholder 2"/>
+          <p:cNvSpPr>
+            <a:spLocks noGrp="1"/>
+          </p:cNvSpPr>
+          <p:nvPr>
+            <p:ph type="body" idx="1"/>
+          </p:nvPr>
         </p:nvSpPr>
         <p:spPr>
           <a:xfrm>
-            <a:off x="731520" y="576072"/>
-            <a:ext cx="7696200" cy="5715000"/>
+            <a:off x="457200" y="1600200"/>
+            <a:ext cx="8229600" cy="4525963"/>
           </a:xfrm>
           <a:prstGeom prst="rect">
             <a:avLst/>
           </a:prstGeom>
-          <a:blipFill dpi="0" rotWithShape="1">
-            <a:blip r:embed="rId13" cstate="print">
-              <a:alphaModFix amt="20000"/>
-              <a:grayscl/>
-              <a:lum contrast="12000"/>
-            </a:blip>
-            <a:srcRect/>
-            <a:tile tx="0" ty="0" sx="100000" sy="100000" flip="none" algn="tl"/>
-          </a:blipFill>
-          <a:ln w="6350">
-            <a:noFill/>
-          </a:ln>
-          <a:effectLst>
-            <a:outerShdw blurRad="101600" dist="50800" dir="5400000" algn="t" rotWithShape="0">
-              <a:prstClr val="black">
-                <a:alpha val="20000"/>
-              </a:prstClr>
-            </a:outerShdw>
-          </a:effectLst>
-        </p:spPr>
-        <p:style>
-          <a:lnRef idx="2">
-            <a:schemeClr val="accent1">
-              <a:shade val="50000"/>
-            </a:schemeClr>
-          </a:lnRef>
-          <a:fillRef idx="1">
-            <a:schemeClr val="accent1"/>
-          </a:fillRef>
-          <a:effectRef idx="0">
-            <a:schemeClr val="accent1"/>
-          </a:effectRef>
-          <a:fontRef idx="minor">
-            <a:schemeClr val="lt1"/>
-          </a:fontRef>
-        </p:style>
-        <p:txBody>
-          <a:bodyPr rtlCol="0" anchor="ctr"/>
-          <a:lstStyle/>
-          <a:p>
-            <a:pPr algn="ctr"/>
+        </p:spPr>
+        <p:txBody>
+          <a:bodyPr vert="horz" lIns="91440" tIns="45720" rIns="91440" bIns="45720" rtlCol="0">
+            <a:normAutofit/>
+          </a:bodyPr>
+          <a:lstStyle/>
+          <a:p>
+            <a:pPr lvl="0"/>
+            <a:r>
+              <a:rPr lang="en-US" smtClean="0"/>
+              <a:t>Click to edit Master text styles</a:t>
+            </a:r>
+          </a:p>
+          <a:p>
+            <a:pPr lvl="1"/>
+            <a:r>
+              <a:rPr lang="en-US" smtClean="0"/>
+              <a:t>Second level</a:t>
+            </a:r>
+          </a:p>
+          <a:p>
+            <a:pPr lvl="2"/>
+            <a:r>
+              <a:rPr lang="en-US" smtClean="0"/>
+              <a:t>Third level</a:t>
+            </a:r>
+          </a:p>
+          <a:p>
+            <a:pPr lvl="3"/>
+            <a:r>
+              <a:rPr lang="en-US" smtClean="0"/>
+              <a:t>Fourth level</a:t>
+            </a:r>
+          </a:p>
+          <a:p>
+            <a:pPr lvl="4"/>
+            <a:r>
+              <a:rPr lang="en-US" smtClean="0"/>
+              <a:t>Fifth level</a:t>
+            </a:r>
             <a:endParaRPr lang="en-US"/>
           </a:p>
         </p:txBody>
       </p:sp>
-      <p:pic>
-        <p:nvPicPr>
-          <p:cNvPr id="13" name="Picture 2" descr="C:\Users\Administrator\Desktop\Pushpin Dev\Assets\pushpinLeft.png"/>
-          <p:cNvPicPr>
-            <a:picLocks noChangeAspect="1" noChangeArrowheads="1"/>
-          </p:cNvPicPr>
-          <p:nvPr/>
-        </p:nvPicPr>
-        <p:blipFill>
-          <a:blip r:embed="rId14" cstate="print"/>
-          <a:srcRect/>
-          <a:stretch>
-            <a:fillRect/>
-          </a:stretch>
-        </p:blipFill>
-        <p:spPr bwMode="auto">
-          <a:xfrm rot="1435684">
-            <a:off x="543741" y="273091"/>
-            <a:ext cx="567831" cy="567830"/>
+      <p:sp>
+        <p:nvSpPr>
+          <p:cNvPr id="4" name="Date Placeholder 3"/>
+          <p:cNvSpPr>
+            <a:spLocks noGrp="1"/>
+          </p:cNvSpPr>
+          <p:nvPr>
+            <p:ph type="dt" sz="half" idx="2"/>
+          </p:nvPr>
+        </p:nvSpPr>
+        <p:spPr>
+          <a:xfrm>
+            <a:off x="457200" y="6356350"/>
+            <a:ext cx="2133600" cy="365125"/>
           </a:xfrm>
           <a:prstGeom prst="rect">
             <a:avLst/>
           </a:prstGeom>
-          <a:noFill/>
-        </p:spPr>
-      </p:pic>
-      <p:pic>
-        <p:nvPicPr>
-          <p:cNvPr id="14" name="Picture 2" descr="C:\Users\Administrator\Desktop\Pushpin Dev\Assets\pushpinLeft.png"/>
-          <p:cNvPicPr>
-            <a:picLocks noChangeAspect="1" noChangeArrowheads="1"/>
-          </p:cNvPicPr>
-          <p:nvPr/>
-        </p:nvPicPr>
-        <p:blipFill>
-          <a:blip r:embed="rId14" cstate="print"/>
-          <a:srcRect/>
-          <a:stretch>
-            <a:fillRect/>
-          </a:stretch>
-        </p:blipFill>
-        <p:spPr bwMode="auto">
-          <a:xfrm rot="4096196">
-            <a:off x="8115079" y="298163"/>
-            <a:ext cx="566928" cy="566928"/>
+        </p:spPr>
+        <p:txBody>
+          <a:bodyPr vert="horz" lIns="91440" tIns="45720" rIns="91440" bIns="45720" rtlCol="0" anchor="ctr"/>
+          <a:lstStyle>
+            <a:lvl1pPr algn="l">
+              <a:defRPr sz="1200">
+                <a:solidFill>
+                  <a:schemeClr val="tx1">
+                    <a:tint val="75000"/>
+                  </a:schemeClr>
+                </a:solidFill>
+              </a:defRPr>
+            </a:lvl1pPr>
+          </a:lstStyle>
+          <a:p>
+            <a:fld id="{21ECAC6E-94D0-4AF5-9658-136DB119C8EB}" type="datetimeFigureOut">
+              <a:rPr lang="en-US" smtClean="0"/>
+              <a:t>3/22/2014</a:t>
+            </a:fld>
+            <a:endParaRPr lang="en-US"/>
+          </a:p>
+        </p:txBody>
+      </p:sp>
+      <p:sp>
+        <p:nvSpPr>
+          <p:cNvPr id="5" name="Footer Placeholder 4"/>
+          <p:cNvSpPr>
+            <a:spLocks noGrp="1"/>
+          </p:cNvSpPr>
+          <p:nvPr>
+            <p:ph type="ftr" sz="quarter" idx="3"/>
+          </p:nvPr>
+        </p:nvSpPr>
+        <p:spPr>
+          <a:xfrm>
+            <a:off x="3124200" y="6356350"/>
+            <a:ext cx="2895600" cy="365125"/>
           </a:xfrm>
           <a:prstGeom prst="rect">
             <a:avLst/>
           </a:prstGeom>
-          <a:noFill/>
-        </p:spPr>
-      </p:pic>
-      <p:sp>
-        <p:nvSpPr>
-          <p:cNvPr id="2" name="Title Placeholder 1"/>
-          <p:cNvSpPr>
-            <a:spLocks noGrp="1"/>
-          </p:cNvSpPr>
-          <p:nvPr>
-            <p:ph type="title"/>
+        </p:spPr>
+        <p:txBody>
+          <a:bodyPr vert="horz" lIns="91440" tIns="45720" rIns="91440" bIns="45720" rtlCol="0" anchor="ctr"/>
+          <a:lstStyle>
+            <a:lvl1pPr algn="ctr">
+              <a:defRPr sz="1200">
+                <a:solidFill>
+                  <a:schemeClr val="tx1">
+                    <a:tint val="75000"/>
+                  </a:schemeClr>
+                </a:solidFill>
+              </a:defRPr>
+            </a:lvl1pPr>
+          </a:lstStyle>
+          <a:p>
+            <a:endParaRPr lang="en-US"/>
+          </a:p>
+        </p:txBody>
+      </p:sp>
+      <p:sp>
+        <p:nvSpPr>
+          <p:cNvPr id="6" name="Slide Number Placeholder 5"/>
+          <p:cNvSpPr>
+            <a:spLocks noGrp="1"/>
+          </p:cNvSpPr>
+          <p:nvPr>
+            <p:ph type="sldNum" sz="quarter" idx="4"/>
           </p:nvPr>
         </p:nvSpPr>
         <p:spPr>
           <a:xfrm>
-            <a:off x="1095023" y="817582"/>
-            <a:ext cx="6965245" cy="1202485"/>
-          </a:xfrm>
-          <a:prstGeom prst="rect">
-            <a:avLst/>
-          </a:prstGeom>
-        </p:spPr>
-        <p:txBody>
-          <a:bodyPr vert="horz" lIns="91440" tIns="45720" rIns="91440" bIns="45720" rtlCol="0" anchor="ctr">
-            <a:normAutofit/>
-          </a:bodyPr>
-          <a:lstStyle/>
-          <a:p>
-            <a:r>
-              <a:rPr lang="en-US" smtClean="0"/>
-              <a:t>Click to edit Master title style</a:t>
-            </a:r>
-            <a:endParaRPr lang="en-US" dirty="0"/>
-          </a:p>
-        </p:txBody>
-      </p:sp>
-      <p:sp>
-        <p:nvSpPr>
-          <p:cNvPr id="3" name="Text Placeholder 2"/>
-          <p:cNvSpPr>
-            <a:spLocks noGrp="1"/>
-          </p:cNvSpPr>
-          <p:nvPr>
-            <p:ph type="body" idx="1"/>
-          </p:nvPr>
-        </p:nvSpPr>
-        <p:spPr>
-          <a:xfrm>
-            <a:off x="1463040" y="2119257"/>
-            <a:ext cx="6196405" cy="3603812"/>
-          </a:xfrm>
-          <a:prstGeom prst="rect">
-            <a:avLst/>
-          </a:prstGeom>
-        </p:spPr>
-        <p:txBody>
-          <a:bodyPr vert="horz" lIns="91440" tIns="45720" rIns="91440" bIns="45720" rtlCol="0" anchor="t">
-            <a:normAutofit/>
-          </a:bodyPr>
-          <a:lstStyle/>
-          <a:p>
-            <a:pPr lvl="0"/>
-            <a:r>
-              <a:rPr lang="en-US" smtClean="0"/>
-              <a:t>Click to edit Master text styles</a:t>
-            </a:r>
-          </a:p>
-          <a:p>
-            <a:pPr lvl="1"/>
-            <a:r>
-              <a:rPr lang="en-US" smtClean="0"/>
-              <a:t>Second level</a:t>
-            </a:r>
-          </a:p>
-          <a:p>
-            <a:pPr lvl="2"/>
-            <a:r>
-              <a:rPr lang="en-US" smtClean="0"/>
-              <a:t>Third level</a:t>
-            </a:r>
-          </a:p>
-          <a:p>
-            <a:pPr lvl="3"/>
-            <a:r>
-              <a:rPr lang="en-US" smtClean="0"/>
-              <a:t>Fourth level</a:t>
-            </a:r>
-          </a:p>
-          <a:p>
-            <a:pPr lvl="4"/>
-            <a:r>
-              <a:rPr lang="en-US" smtClean="0"/>
-              <a:t>Fifth level</a:t>
-            </a:r>
-            <a:endParaRPr lang="en-US" dirty="0"/>
-          </a:p>
-        </p:txBody>
-      </p:sp>
-      <p:sp>
-        <p:nvSpPr>
-          <p:cNvPr id="4" name="Date Placeholder 3"/>
-          <p:cNvSpPr>
-            <a:spLocks noGrp="1"/>
-          </p:cNvSpPr>
-          <p:nvPr>
-            <p:ph type="dt" sz="half" idx="2"/>
-          </p:nvPr>
-        </p:nvSpPr>
-        <p:spPr>
-          <a:xfrm>
-            <a:off x="6454588" y="5809152"/>
-            <a:ext cx="1213821" cy="365125"/>
+            <a:off x="6553200" y="6356350"/>
+            <a:ext cx="2133600" cy="365125"/>
           </a:xfrm>
           <a:prstGeom prst="rect">
             <a:avLst/>
@@ -5704,90 +3333,15 @@
             <a:lvl1pPr algn="r">
               <a:defRPr sz="1200">
                 <a:solidFill>
-                  <a:schemeClr val="tx2"/>
+                  <a:schemeClr val="tx1">
+                    <a:tint val="75000"/>
+                  </a:schemeClr>
                 </a:solidFill>
-                <a:latin typeface="Rage Italic" pitchFamily="66" charset="0"/>
               </a:defRPr>
             </a:lvl1pPr>
           </a:lstStyle>
           <a:p>
-            <a:fld id="{895BDD07-FA17-7040-B996-1CC07D7E86FC}" type="datetimeFigureOut">
-              <a:rPr lang="en-US" smtClean="0"/>
-              <a:t>9/26/12</a:t>
-            </a:fld>
-            <a:endParaRPr lang="en-US"/>
-          </a:p>
-        </p:txBody>
-      </p:sp>
-      <p:sp>
-        <p:nvSpPr>
-          <p:cNvPr id="5" name="Footer Placeholder 4"/>
-          <p:cNvSpPr>
-            <a:spLocks noGrp="1"/>
-          </p:cNvSpPr>
-          <p:nvPr>
-            <p:ph type="ftr" sz="quarter" idx="3"/>
-          </p:nvPr>
-        </p:nvSpPr>
-        <p:spPr>
-          <a:xfrm>
-            <a:off x="914401" y="5809152"/>
-            <a:ext cx="5540188" cy="365125"/>
-          </a:xfrm>
-          <a:prstGeom prst="rect">
-            <a:avLst/>
-          </a:prstGeom>
-        </p:spPr>
-        <p:txBody>
-          <a:bodyPr vert="horz" lIns="91440" tIns="45720" rIns="91440" bIns="45720" rtlCol="0" anchor="ctr"/>
-          <a:lstStyle>
-            <a:lvl1pPr algn="l">
-              <a:defRPr sz="1400">
-                <a:solidFill>
-                  <a:schemeClr val="tx2"/>
-                </a:solidFill>
-                <a:latin typeface="Rage Italic" pitchFamily="66" charset="0"/>
-              </a:defRPr>
-            </a:lvl1pPr>
-          </a:lstStyle>
-          <a:p>
-            <a:endParaRPr lang="en-US"/>
-          </a:p>
-        </p:txBody>
-      </p:sp>
-      <p:sp>
-        <p:nvSpPr>
-          <p:cNvPr id="6" name="Slide Number Placeholder 5"/>
-          <p:cNvSpPr>
-            <a:spLocks noGrp="1"/>
-          </p:cNvSpPr>
-          <p:nvPr>
-            <p:ph type="sldNum" sz="quarter" idx="4"/>
-          </p:nvPr>
-        </p:nvSpPr>
-        <p:spPr>
-          <a:xfrm>
-            <a:off x="7670202" y="5809152"/>
-            <a:ext cx="554023" cy="365125"/>
-          </a:xfrm>
-          <a:prstGeom prst="rect">
-            <a:avLst/>
-          </a:prstGeom>
-        </p:spPr>
-        <p:txBody>
-          <a:bodyPr vert="horz" lIns="91440" tIns="45720" rIns="91440" bIns="45720" rtlCol="0" anchor="ctr"/>
-          <a:lstStyle>
-            <a:lvl1pPr algn="r">
-              <a:defRPr sz="1400">
-                <a:solidFill>
-                  <a:schemeClr val="tx2"/>
-                </a:solidFill>
-                <a:latin typeface="Rage Italic" pitchFamily="66" charset="0"/>
-              </a:defRPr>
-            </a:lvl1pPr>
-          </a:lstStyle>
-          <a:p>
-            <a:fld id="{D317DBB7-695D-DD48-BA1F-D151B96165CE}" type="slidenum">
+            <a:fld id="{FA1242F2-E3EC-4932-BC6C-A1E578482084}" type="slidenum">
               <a:rPr lang="en-US" smtClean="0"/>
               <a:t>‹#›</a:t>
             </a:fld>
@@ -5796,20 +3350,25 @@
         </p:txBody>
       </p:sp>
     </p:spTree>
+    <p:extLst>
+      <p:ext uri="{BB962C8B-B14F-4D97-AF65-F5344CB8AC3E}">
+        <p14:creationId xmlns:p14="http://schemas.microsoft.com/office/powerpoint/2010/main" val="336411804"/>
+      </p:ext>
+    </p:extLst>
   </p:cSld>
-  <p:clrMap bg1="lt1" tx1="dk1" bg2="lt2" tx2="dk2" accent1="accent1" accent2="accent2" accent3="accent3" accent4="accent4" accent5="accent5" accent6="accent6" hlink="hlink" folHlink="folHlink"/>
+  <p:clrMap bg1="dk1" tx1="lt1" bg2="dk2" tx2="lt2" accent1="accent1" accent2="accent2" accent3="accent3" accent4="accent4" accent5="accent5" accent6="accent6" hlink="hlink" folHlink="folHlink"/>
   <p:sldLayoutIdLst>
-    <p:sldLayoutId id="2147484076" r:id="rId1"/>
-    <p:sldLayoutId id="2147484077" r:id="rId2"/>
-    <p:sldLayoutId id="2147484078" r:id="rId3"/>
-    <p:sldLayoutId id="2147484079" r:id="rId4"/>
-    <p:sldLayoutId id="2147484080" r:id="rId5"/>
-    <p:sldLayoutId id="2147484081" r:id="rId6"/>
-    <p:sldLayoutId id="2147484082" r:id="rId7"/>
-    <p:sldLayoutId id="2147484083" r:id="rId8"/>
-    <p:sldLayoutId id="2147484084" r:id="rId9"/>
-    <p:sldLayoutId id="2147484085" r:id="rId10"/>
-    <p:sldLayoutId id="2147484086" r:id="rId11"/>
+    <p:sldLayoutId id="2147483649" r:id="rId1"/>
+    <p:sldLayoutId id="2147483650" r:id="rId2"/>
+    <p:sldLayoutId id="2147483651" r:id="rId3"/>
+    <p:sldLayoutId id="2147483652" r:id="rId4"/>
+    <p:sldLayoutId id="2147483653" r:id="rId5"/>
+    <p:sldLayoutId id="2147483654" r:id="rId6"/>
+    <p:sldLayoutId id="2147483655" r:id="rId7"/>
+    <p:sldLayoutId id="2147483656" r:id="rId8"/>
+    <p:sldLayoutId id="2147483657" r:id="rId9"/>
+    <p:sldLayoutId id="2147483658" r:id="rId10"/>
+    <p:sldLayoutId id="2147483659" r:id="rId11"/>
   </p:sldLayoutIdLst>
   <p:txStyles>
     <p:titleStyle>
@@ -5827,74 +3386,44 @@
           <a:cs typeface="+mj-cs"/>
         </a:defRPr>
       </a:lvl1pPr>
-      <a:lvl2pPr eaLnBrk="1" hangingPunct="1">
-        <a:defRPr>
-          <a:solidFill>
-            <a:schemeClr val="tx2"/>
-          </a:solidFill>
-        </a:defRPr>
-      </a:lvl2pPr>
-      <a:lvl3pPr eaLnBrk="1" hangingPunct="1">
-        <a:defRPr>
-          <a:solidFill>
-            <a:schemeClr val="tx2"/>
-          </a:solidFill>
-        </a:defRPr>
-      </a:lvl3pPr>
-      <a:lvl4pPr eaLnBrk="1" hangingPunct="1">
-        <a:defRPr>
-          <a:solidFill>
-            <a:schemeClr val="tx2"/>
-          </a:solidFill>
-        </a:defRPr>
-      </a:lvl4pPr>
-      <a:lvl5pPr eaLnBrk="1" hangingPunct="1">
-        <a:defRPr>
-          <a:solidFill>
-            <a:schemeClr val="tx2"/>
-          </a:solidFill>
-        </a:defRPr>
-      </a:lvl5pPr>
-      <a:lvl6pPr eaLnBrk="1" hangingPunct="1">
-        <a:defRPr>
-          <a:solidFill>
-            <a:schemeClr val="tx2"/>
-          </a:solidFill>
-        </a:defRPr>
-      </a:lvl6pPr>
-      <a:lvl7pPr eaLnBrk="1" hangingPunct="1">
-        <a:defRPr>
-          <a:solidFill>
-            <a:schemeClr val="tx2"/>
-          </a:solidFill>
-        </a:defRPr>
-      </a:lvl7pPr>
-      <a:lvl8pPr eaLnBrk="1" hangingPunct="1">
-        <a:defRPr>
-          <a:solidFill>
-            <a:schemeClr val="tx2"/>
-          </a:solidFill>
-        </a:defRPr>
-      </a:lvl8pPr>
-      <a:lvl9pPr eaLnBrk="1" hangingPunct="1">
-        <a:defRPr>
-          <a:solidFill>
-            <a:schemeClr val="tx2"/>
-          </a:solidFill>
-        </a:defRPr>
-      </a:lvl9pPr>
     </p:titleStyle>
     <p:bodyStyle>
-      <a:lvl1pPr marL="274320" indent="-274320" algn="l" defTabSz="914400" rtl="0" eaLnBrk="1" latinLnBrk="0" hangingPunct="1">
+      <a:lvl1pPr marL="342900" indent="-342900" algn="l" defTabSz="914400" rtl="0" eaLnBrk="1" latinLnBrk="0" hangingPunct="1">
         <a:spcBef>
           <a:spcPct val="20000"/>
         </a:spcBef>
-        <a:buClr>
-          <a:schemeClr val="accent2"/>
-        </a:buClr>
-        <a:buSzPct val="85000"/>
-        <a:buFont typeface="Brush Script MT" pitchFamily="66" charset="0"/>
-        <a:buChar char="O"/>
+        <a:buFont typeface="Arial" panose="020B0604020202020204" pitchFamily="34" charset="0"/>
+        <a:buChar char="•"/>
+        <a:defRPr sz="3200" kern="1200">
+          <a:solidFill>
+            <a:schemeClr val="tx1"/>
+          </a:solidFill>
+          <a:latin typeface="+mn-lt"/>
+          <a:ea typeface="+mn-ea"/>
+          <a:cs typeface="+mn-cs"/>
+        </a:defRPr>
+      </a:lvl1pPr>
+      <a:lvl2pPr marL="742950" indent="-285750" algn="l" defTabSz="914400" rtl="0" eaLnBrk="1" latinLnBrk="0" hangingPunct="1">
+        <a:spcBef>
+          <a:spcPct val="20000"/>
+        </a:spcBef>
+        <a:buFont typeface="Arial" panose="020B0604020202020204" pitchFamily="34" charset="0"/>
+        <a:buChar char="–"/>
+        <a:defRPr sz="2800" kern="1200">
+          <a:solidFill>
+            <a:schemeClr val="tx1"/>
+          </a:solidFill>
+          <a:latin typeface="+mn-lt"/>
+          <a:ea typeface="+mn-ea"/>
+          <a:cs typeface="+mn-cs"/>
+        </a:defRPr>
+      </a:lvl2pPr>
+      <a:lvl3pPr marL="1143000" indent="-228600" algn="l" defTabSz="914400" rtl="0" eaLnBrk="1" latinLnBrk="0" hangingPunct="1">
+        <a:spcBef>
+          <a:spcPct val="20000"/>
+        </a:spcBef>
+        <a:buFont typeface="Arial" panose="020B0604020202020204" pitchFamily="34" charset="0"/>
+        <a:buChar char="•"/>
         <a:defRPr sz="2400" kern="1200">
           <a:solidFill>
             <a:schemeClr val="tx1"/>
@@ -5903,36 +3432,13 @@
           <a:ea typeface="+mn-ea"/>
           <a:cs typeface="+mn-cs"/>
         </a:defRPr>
-      </a:lvl1pPr>
-      <a:lvl2pPr marL="640080" indent="-274320" algn="l" defTabSz="914400" rtl="0" eaLnBrk="1" latinLnBrk="0" hangingPunct="1">
+      </a:lvl3pPr>
+      <a:lvl4pPr marL="1600200" indent="-228600" algn="l" defTabSz="914400" rtl="0" eaLnBrk="1" latinLnBrk="0" hangingPunct="1">
         <a:spcBef>
           <a:spcPct val="20000"/>
         </a:spcBef>
-        <a:buClr>
-          <a:schemeClr val="accent2"/>
-        </a:buClr>
-        <a:buSzPct val="85000"/>
-        <a:buFont typeface="Brush Script MT" pitchFamily="66" charset="0"/>
-        <a:buChar char="O"/>
-        <a:defRPr sz="2200" kern="1200">
-          <a:solidFill>
-            <a:schemeClr val="tx1"/>
-          </a:solidFill>
-          <a:latin typeface="+mn-lt"/>
-          <a:ea typeface="+mn-ea"/>
-          <a:cs typeface="+mn-cs"/>
-        </a:defRPr>
-      </a:lvl2pPr>
-      <a:lvl3pPr marL="914400" indent="-228600" algn="l" defTabSz="914400" rtl="0" eaLnBrk="1" latinLnBrk="0" hangingPunct="1">
-        <a:spcBef>
-          <a:spcPct val="20000"/>
-        </a:spcBef>
-        <a:buClr>
-          <a:schemeClr val="accent2"/>
-        </a:buClr>
-        <a:buSzPct val="85000"/>
-        <a:buFont typeface="Brush Script MT" pitchFamily="66" charset="0"/>
-        <a:buChar char="O"/>
+        <a:buFont typeface="Arial" panose="020B0604020202020204" pitchFamily="34" charset="0"/>
+        <a:buChar char="–"/>
         <a:defRPr sz="2000" kern="1200">
           <a:solidFill>
             <a:schemeClr val="tx1"/>
@@ -5941,37 +3447,14 @@
           <a:ea typeface="+mn-ea"/>
           <a:cs typeface="+mn-cs"/>
         </a:defRPr>
-      </a:lvl3pPr>
-      <a:lvl4pPr marL="1280160" indent="-228600" algn="l" defTabSz="914400" rtl="0" eaLnBrk="1" latinLnBrk="0" hangingPunct="1">
+      </a:lvl4pPr>
+      <a:lvl5pPr marL="2057400" indent="-228600" algn="l" defTabSz="914400" rtl="0" eaLnBrk="1" latinLnBrk="0" hangingPunct="1">
         <a:spcBef>
           <a:spcPct val="20000"/>
         </a:spcBef>
-        <a:buClr>
-          <a:schemeClr val="accent2"/>
-        </a:buClr>
-        <a:buSzPct val="85000"/>
-        <a:buFont typeface="Brush Script MT" pitchFamily="66" charset="0"/>
-        <a:buChar char="O"/>
-        <a:defRPr sz="1800" kern="1200">
-          <a:solidFill>
-            <a:schemeClr val="tx1"/>
-          </a:solidFill>
-          <a:latin typeface="+mn-lt"/>
-          <a:ea typeface="+mn-ea"/>
-          <a:cs typeface="+mn-cs"/>
-        </a:defRPr>
-      </a:lvl4pPr>
-      <a:lvl5pPr marL="1645920" indent="-228600" algn="l" defTabSz="914400" rtl="0" eaLnBrk="1" latinLnBrk="0" hangingPunct="1">
-        <a:spcBef>
-          <a:spcPct val="20000"/>
-        </a:spcBef>
-        <a:buClr>
-          <a:schemeClr val="accent2"/>
-        </a:buClr>
-        <a:buSzPct val="85000"/>
-        <a:buFont typeface="Brush Script MT" pitchFamily="66" charset="0"/>
-        <a:buChar char="O"/>
-        <a:defRPr sz="1600" kern="1200">
+        <a:buFont typeface="Arial" panose="020B0604020202020204" pitchFamily="34" charset="0"/>
+        <a:buChar char="»"/>
+        <a:defRPr sz="2000" kern="1200">
           <a:solidFill>
             <a:schemeClr val="tx1"/>
           </a:solidFill>
@@ -5980,17 +3463,13 @@
           <a:cs typeface="+mn-cs"/>
         </a:defRPr>
       </a:lvl5pPr>
-      <a:lvl6pPr marL="2011680" indent="-228600" algn="l" defTabSz="914400" rtl="0" eaLnBrk="1" latinLnBrk="0" hangingPunct="1">
+      <a:lvl6pPr marL="2514600" indent="-228600" algn="l" defTabSz="914400" rtl="0" eaLnBrk="1" latinLnBrk="0" hangingPunct="1">
         <a:spcBef>
           <a:spcPct val="20000"/>
         </a:spcBef>
-        <a:buClr>
-          <a:schemeClr val="accent2"/>
-        </a:buClr>
-        <a:buSzPct val="85000"/>
-        <a:buFont typeface="Brush Script MT" pitchFamily="66" charset="0"/>
-        <a:buChar char="O"/>
-        <a:defRPr sz="1600" kern="1200">
+        <a:buFont typeface="Arial" panose="020B0604020202020204" pitchFamily="34" charset="0"/>
+        <a:buChar char="•"/>
+        <a:defRPr sz="2000" kern="1200">
           <a:solidFill>
             <a:schemeClr val="tx1"/>
           </a:solidFill>
@@ -5999,17 +3478,13 @@
           <a:cs typeface="+mn-cs"/>
         </a:defRPr>
       </a:lvl6pPr>
-      <a:lvl7pPr marL="2377440" indent="-228600" algn="l" defTabSz="914400" rtl="0" eaLnBrk="1" latinLnBrk="0" hangingPunct="1">
+      <a:lvl7pPr marL="2971800" indent="-228600" algn="l" defTabSz="914400" rtl="0" eaLnBrk="1" latinLnBrk="0" hangingPunct="1">
         <a:spcBef>
           <a:spcPct val="20000"/>
         </a:spcBef>
-        <a:buClr>
-          <a:schemeClr val="accent2"/>
-        </a:buClr>
-        <a:buSzPct val="85000"/>
-        <a:buFont typeface="Brush Script MT" pitchFamily="66" charset="0"/>
-        <a:buChar char="O"/>
-        <a:defRPr sz="1600" kern="1200">
+        <a:buFont typeface="Arial" panose="020B0604020202020204" pitchFamily="34" charset="0"/>
+        <a:buChar char="•"/>
+        <a:defRPr sz="2000" kern="1200">
           <a:solidFill>
             <a:schemeClr val="tx1"/>
           </a:solidFill>
@@ -6018,17 +3493,13 @@
           <a:cs typeface="+mn-cs"/>
         </a:defRPr>
       </a:lvl7pPr>
-      <a:lvl8pPr marL="2743200" indent="-228600" algn="l" defTabSz="914400" rtl="0" eaLnBrk="1" latinLnBrk="0" hangingPunct="1">
+      <a:lvl8pPr marL="3429000" indent="-228600" algn="l" defTabSz="914400" rtl="0" eaLnBrk="1" latinLnBrk="0" hangingPunct="1">
         <a:spcBef>
           <a:spcPct val="20000"/>
         </a:spcBef>
-        <a:buClr>
-          <a:schemeClr val="accent2"/>
-        </a:buClr>
-        <a:buSzPct val="85000"/>
-        <a:buFont typeface="Brush Script MT" pitchFamily="66" charset="0"/>
-        <a:buChar char="O"/>
-        <a:defRPr sz="1600" kern="1200">
+        <a:buFont typeface="Arial" panose="020B0604020202020204" pitchFamily="34" charset="0"/>
+        <a:buChar char="•"/>
+        <a:defRPr sz="2000" kern="1200">
           <a:solidFill>
             <a:schemeClr val="tx1"/>
           </a:solidFill>
@@ -6037,17 +3508,13 @@
           <a:cs typeface="+mn-cs"/>
         </a:defRPr>
       </a:lvl8pPr>
-      <a:lvl9pPr marL="3108960" indent="-228600" algn="l" defTabSz="914400" rtl="0" eaLnBrk="1" latinLnBrk="0" hangingPunct="1">
+      <a:lvl9pPr marL="3886200" indent="-228600" algn="l" defTabSz="914400" rtl="0" eaLnBrk="1" latinLnBrk="0" hangingPunct="1">
         <a:spcBef>
           <a:spcPct val="20000"/>
         </a:spcBef>
-        <a:buClr>
-          <a:schemeClr val="accent2"/>
-        </a:buClr>
-        <a:buSzPct val="85000"/>
-        <a:buFont typeface="Brush Script MT" pitchFamily="66" charset="0"/>
-        <a:buChar char="O"/>
-        <a:defRPr sz="1600" kern="1200">
+        <a:buFont typeface="Arial" panose="020B0604020202020204" pitchFamily="34" charset="0"/>
+        <a:buChar char="•"/>
+        <a:defRPr sz="2000" kern="1200">
           <a:solidFill>
             <a:schemeClr val="tx1"/>
           </a:solidFill>
@@ -6183,77 +3650,184 @@
             <p:ph type="ctrTitle"/>
           </p:nvPr>
         </p:nvSpPr>
+        <p:spPr>
+          <a:xfrm>
+            <a:off x="762000" y="1981200"/>
+            <a:ext cx="7772400" cy="1470025"/>
+          </a:xfrm>
+        </p:spPr>
+        <p:txBody>
+          <a:bodyPr/>
+          <a:lstStyle/>
+          <a:p>
+            <a:endParaRPr lang="en-US"/>
+          </a:p>
+        </p:txBody>
+      </p:sp>
+      <p:sp>
+        <p:nvSpPr>
+          <p:cNvPr id="3" name="Subtitle 2"/>
+          <p:cNvSpPr>
+            <a:spLocks noGrp="1"/>
+          </p:cNvSpPr>
+          <p:nvPr>
+            <p:ph type="subTitle" idx="1"/>
+          </p:nvPr>
+        </p:nvSpPr>
         <p:spPr/>
         <p:txBody>
-          <a:bodyPr>
-            <a:normAutofit fontScale="90000"/>
+          <a:bodyPr/>
+          <a:lstStyle/>
+          <a:p>
+            <a:endParaRPr lang="en-US"/>
+          </a:p>
+        </p:txBody>
+      </p:sp>
+      <p:pic>
+        <p:nvPicPr>
+          <p:cNvPr id="1026" name="Picture 2" descr="http://www.thetimes.co.uk/tto/multimedia/archive/00399/114811914__399728c.jpg"/>
+          <p:cNvPicPr>
+            <a:picLocks noChangeAspect="1" noChangeArrowheads="1"/>
+          </p:cNvPicPr>
+          <p:nvPr/>
+        </p:nvPicPr>
+        <p:blipFill>
+          <a:blip r:embed="rId2">
+            <a:extLst>
+              <a:ext uri="{28A0092B-C50C-407E-A947-70E740481C1C}">
+                <a14:useLocalDpi xmlns:a14="http://schemas.microsoft.com/office/drawing/2010/main" val="0"/>
+              </a:ext>
+            </a:extLst>
+          </a:blip>
+          <a:srcRect/>
+          <a:stretch>
+            <a:fillRect/>
+          </a:stretch>
+        </p:blipFill>
+        <p:spPr bwMode="auto">
+          <a:xfrm>
+            <a:off x="-10236" y="-152401"/>
+            <a:ext cx="10241114" cy="7010399"/>
+          </a:xfrm>
+          <a:prstGeom prst="rect">
+            <a:avLst/>
+          </a:prstGeom>
+          <a:noFill/>
+          <a:extLst>
+            <a:ext uri="{909E8E84-426E-40DD-AFC4-6F175D3DCCD1}">
+              <a14:hiddenFill xmlns:a14="http://schemas.microsoft.com/office/drawing/2010/main">
+                <a:solidFill>
+                  <a:srgbClr val="FFFFFF"/>
+                </a:solidFill>
+              </a14:hiddenFill>
+            </a:ext>
+          </a:extLst>
+        </p:spPr>
+      </p:pic>
+      <p:sp>
+        <p:nvSpPr>
+          <p:cNvPr id="4" name="TextBox 3"/>
+          <p:cNvSpPr txBox="1"/>
+          <p:nvPr/>
+        </p:nvSpPr>
+        <p:spPr>
+          <a:xfrm>
+            <a:off x="113927" y="2667000"/>
+            <a:ext cx="7233070" cy="954107"/>
+          </a:xfrm>
+          <a:prstGeom prst="rect">
+            <a:avLst/>
+          </a:prstGeom>
+          <a:noFill/>
+        </p:spPr>
+        <p:txBody>
+          <a:bodyPr wrap="none" rtlCol="0">
+            <a:spAutoFit/>
           </a:bodyPr>
           <a:lstStyle/>
           <a:p>
             <a:r>
-              <a:rPr lang="en-US" dirty="0" smtClean="0"/>
-              <a:t>The Business of </a:t>
-            </a:r>
-            <a:r>
-              <a:rPr lang="en-US" smtClean="0"/>
-              <a:t>You:</a:t>
-            </a:r>
-            <a:br>
-              <a:rPr lang="en-US" smtClean="0"/>
-            </a:br>
-            <a:r>
-              <a:rPr lang="en-US" smtClean="0"/>
-              <a:t>10 </a:t>
-            </a:r>
-            <a:r>
-              <a:rPr lang="en-US" dirty="0" smtClean="0"/>
-              <a:t>Steps to Run Your Career Like a Business</a:t>
-            </a:r>
-            <a:endParaRPr lang="en-US" dirty="0"/>
-          </a:p>
-        </p:txBody>
-      </p:sp>
-      <p:sp>
-        <p:nvSpPr>
-          <p:cNvPr id="3" name="Subtitle 2"/>
-          <p:cNvSpPr>
-            <a:spLocks noGrp="1"/>
-          </p:cNvSpPr>
-          <p:nvPr>
-            <p:ph type="subTitle" idx="1"/>
-          </p:nvPr>
-        </p:nvSpPr>
-        <p:spPr/>
-        <p:txBody>
-          <a:bodyPr anchor="b" anchorCtr="1"/>
-          <a:lstStyle/>
-          <a:p>
-            <a:r>
-              <a:rPr lang="en-US" dirty="0" smtClean="0"/>
-              <a:t>Jon Kruger</a:t>
-            </a:r>
-          </a:p>
-          <a:p>
-            <a:r>
-              <a:rPr lang="en-US" dirty="0" smtClean="0"/>
-              <a:t>(@</a:t>
-            </a:r>
-            <a:r>
-              <a:rPr lang="en-US" dirty="0" err="1" smtClean="0"/>
+              <a:rPr lang="en-US" sz="2800" b="1" dirty="0" smtClean="0">
+                <a:solidFill>
+                  <a:schemeClr val="bg1"/>
+                </a:solidFill>
+                <a:latin typeface="Agency FB" panose="020B0503020202020204" pitchFamily="34" charset="0"/>
+              </a:rPr>
+              <a:t>THE BUSINESS OF YOU: </a:t>
+            </a:r>
+          </a:p>
+          <a:p>
+            <a:r>
+              <a:rPr lang="en-US" sz="2800" b="1" dirty="0" smtClean="0">
+                <a:solidFill>
+                  <a:schemeClr val="bg1"/>
+                </a:solidFill>
+                <a:latin typeface="Agency FB" panose="020B0503020202020204" pitchFamily="34" charset="0"/>
+              </a:rPr>
+              <a:t>10 STEPS TO RUN YOUR LIFE AND CAREER LIKE A BUSINESS</a:t>
+            </a:r>
+            <a:endParaRPr lang="en-US" sz="2800" b="1" dirty="0">
+              <a:solidFill>
+                <a:schemeClr val="bg1"/>
+              </a:solidFill>
+              <a:latin typeface="Agency FB" panose="020B0503020202020204" pitchFamily="34" charset="0"/>
+            </a:endParaRPr>
+          </a:p>
+        </p:txBody>
+      </p:sp>
+      <p:sp>
+        <p:nvSpPr>
+          <p:cNvPr id="6" name="TextBox 5"/>
+          <p:cNvSpPr txBox="1"/>
+          <p:nvPr/>
+        </p:nvSpPr>
+        <p:spPr>
+          <a:xfrm>
+            <a:off x="141223" y="4191000"/>
+            <a:ext cx="1705916" cy="523220"/>
+          </a:xfrm>
+          <a:prstGeom prst="rect">
+            <a:avLst/>
+          </a:prstGeom>
+          <a:noFill/>
+        </p:spPr>
+        <p:txBody>
+          <a:bodyPr wrap="none" rtlCol="0">
+            <a:spAutoFit/>
+          </a:bodyPr>
+          <a:lstStyle/>
+          <a:p>
+            <a:r>
+              <a:rPr lang="en-US" sz="2800" b="1" dirty="0" smtClean="0">
+                <a:solidFill>
+                  <a:schemeClr val="bg1"/>
+                </a:solidFill>
+                <a:latin typeface="Agency FB" panose="020B0503020202020204" pitchFamily="34" charset="0"/>
+              </a:rPr>
+              <a:t>@</a:t>
+            </a:r>
+            <a:r>
+              <a:rPr lang="en-US" sz="2800" b="1" dirty="0" err="1" smtClean="0">
+                <a:solidFill>
+                  <a:schemeClr val="bg1"/>
+                </a:solidFill>
+                <a:latin typeface="Agency FB" panose="020B0503020202020204" pitchFamily="34" charset="0"/>
+              </a:rPr>
               <a:t>JonKruger</a:t>
             </a:r>
-            <a:r>
-              <a:rPr lang="en-US" dirty="0" smtClean="0"/>
-              <a:t>)</a:t>
-            </a:r>
-            <a:endParaRPr lang="en-US" dirty="0"/>
+            <a:endParaRPr lang="en-US" sz="2800" b="1" dirty="0">
+              <a:solidFill>
+                <a:schemeClr val="bg1"/>
+              </a:solidFill>
+              <a:latin typeface="Agency FB" panose="020B0503020202020204" pitchFamily="34" charset="0"/>
+            </a:endParaRPr>
           </a:p>
         </p:txBody>
       </p:sp>
     </p:spTree>
     <p:extLst>
       <p:ext uri="{BB962C8B-B14F-4D97-AF65-F5344CB8AC3E}">
-        <p14:creationId xmlns:p14="http://schemas.microsoft.com/office/powerpoint/2010/main" val="1767367017"/>
+        <p14:creationId xmlns:p14="http://schemas.microsoft.com/office/powerpoint/2010/main" val="94343148"/>
       </p:ext>
     </p:extLst>
   </p:cSld>
@@ -6263,7 +3837,7 @@
   <p:timing>
     <p:tnLst>
       <p:par>
-        <p:cTn xmlns:p14="http://schemas.microsoft.com/office/powerpoint/2010/main" id="1" dur="indefinite" restart="never" nodeType="tmRoot"/>
+        <p:cTn id="1" dur="indefinite" restart="never" nodeType="tmRoot"/>
       </p:par>
     </p:tnLst>
   </p:timing>
@@ -6287,40 +3861,113 @@
           <a:chExt cx="0" cy="0"/>
         </a:xfrm>
       </p:grpSpPr>
-      <p:sp>
-        <p:nvSpPr>
-          <p:cNvPr id="4" name="Title 3"/>
-          <p:cNvSpPr>
-            <a:spLocks noGrp="1"/>
-          </p:cNvSpPr>
-          <p:nvPr>
-            <p:ph type="ctrTitle"/>
-          </p:nvPr>
+      <p:pic>
+        <p:nvPicPr>
+          <p:cNvPr id="4100" name="Picture 4" descr="http://i95.photobucket.com/albums/l153/Myke-JinX/Facepalm%20gallery/DoubleFacepalmRickerPicard.jpg"/>
+          <p:cNvPicPr>
+            <a:picLocks noChangeAspect="1" noChangeArrowheads="1"/>
+          </p:cNvPicPr>
+          <p:nvPr/>
+        </p:nvPicPr>
+        <p:blipFill>
+          <a:blip r:embed="rId2">
+            <a:extLst>
+              <a:ext uri="{28A0092B-C50C-407E-A947-70E740481C1C}">
+                <a14:useLocalDpi xmlns:a14="http://schemas.microsoft.com/office/drawing/2010/main" val="0"/>
+              </a:ext>
+            </a:extLst>
+          </a:blip>
+          <a:srcRect/>
+          <a:stretch>
+            <a:fillRect/>
+          </a:stretch>
+        </p:blipFill>
+        <p:spPr bwMode="auto">
+          <a:xfrm>
+            <a:off x="0" y="0"/>
+            <a:ext cx="9144000" cy="6858000"/>
+          </a:xfrm>
+          <a:prstGeom prst="rect">
+            <a:avLst/>
+          </a:prstGeom>
+          <a:noFill/>
+          <a:extLst>
+            <a:ext uri="{909E8E84-426E-40DD-AFC4-6F175D3DCCD1}">
+              <a14:hiddenFill xmlns:a14="http://schemas.microsoft.com/office/drawing/2010/main">
+                <a:solidFill>
+                  <a:srgbClr val="FFFFFF"/>
+                </a:solidFill>
+              </a14:hiddenFill>
+            </a:ext>
+          </a:extLst>
+        </p:spPr>
+      </p:pic>
+      <p:sp>
+        <p:nvSpPr>
+          <p:cNvPr id="4" name="TextBox 3"/>
+          <p:cNvSpPr txBox="1"/>
+          <p:nvPr/>
         </p:nvSpPr>
         <p:spPr>
           <a:xfrm>
-            <a:off x="1710266" y="1647636"/>
-            <a:ext cx="5723468" cy="3535553"/>
-          </a:xfrm>
-        </p:spPr>
-        <p:txBody>
-          <a:bodyPr anchor="ctr" anchorCtr="1">
-            <a:normAutofit/>
+            <a:off x="60034" y="6479569"/>
+            <a:ext cx="184731" cy="246221"/>
+          </a:xfrm>
+          <a:prstGeom prst="rect">
+            <a:avLst/>
+          </a:prstGeom>
+          <a:noFill/>
+        </p:spPr>
+        <p:txBody>
+          <a:bodyPr wrap="none" rtlCol="0">
+            <a:spAutoFit/>
           </a:bodyPr>
           <a:lstStyle/>
           <a:p>
-            <a:r>
-              <a:rPr lang="en-US" dirty="0" smtClean="0"/>
-              <a:t>Learn from “failures”</a:t>
-            </a:r>
-            <a:endParaRPr lang="en-US" dirty="0"/>
+            <a:endParaRPr lang="en-US" sz="1000" dirty="0"/>
+          </a:p>
+        </p:txBody>
+      </p:sp>
+      <p:sp>
+        <p:nvSpPr>
+          <p:cNvPr id="5" name="TextBox 4"/>
+          <p:cNvSpPr txBox="1"/>
+          <p:nvPr/>
+        </p:nvSpPr>
+        <p:spPr>
+          <a:xfrm>
+            <a:off x="-29975" y="5739825"/>
+            <a:ext cx="3692036" cy="584775"/>
+          </a:xfrm>
+          <a:prstGeom prst="rect">
+            <a:avLst/>
+          </a:prstGeom>
+          <a:solidFill>
+            <a:schemeClr val="bg1"/>
+          </a:solidFill>
+        </p:spPr>
+        <p:txBody>
+          <a:bodyPr wrap="none" rtlCol="0">
+            <a:spAutoFit/>
+          </a:bodyPr>
+          <a:lstStyle/>
+          <a:p>
+            <a:r>
+              <a:rPr lang="en-US" sz="3200" b="1" dirty="0" smtClean="0">
+                <a:latin typeface="Agency FB" panose="020B0503020202020204" pitchFamily="34" charset="0"/>
+              </a:rPr>
+              <a:t> LEARN FROM “FAILURES”</a:t>
+            </a:r>
+            <a:endParaRPr lang="en-US" sz="3200" b="1" dirty="0">
+              <a:latin typeface="Agency FB" panose="020B0503020202020204" pitchFamily="34" charset="0"/>
+            </a:endParaRPr>
           </a:p>
         </p:txBody>
       </p:sp>
     </p:spTree>
     <p:extLst>
       <p:ext uri="{BB962C8B-B14F-4D97-AF65-F5344CB8AC3E}">
-        <p14:creationId xmlns:p14="http://schemas.microsoft.com/office/powerpoint/2010/main" val="1813978185"/>
+        <p14:creationId xmlns:p14="http://schemas.microsoft.com/office/powerpoint/2010/main" val="1231281279"/>
       </p:ext>
     </p:extLst>
   </p:cSld>
@@ -6330,7 +3977,7 @@
   <p:timing>
     <p:tnLst>
       <p:par>
-        <p:cTn xmlns:p14="http://schemas.microsoft.com/office/powerpoint/2010/main" id="1" dur="indefinite" restart="never" nodeType="tmRoot"/>
+        <p:cTn id="1" dur="indefinite" restart="never" nodeType="tmRoot"/>
       </p:par>
     </p:tnLst>
   </p:timing>
@@ -6356,7 +4003,7 @@
       </p:grpSpPr>
       <p:pic>
         <p:nvPicPr>
-          <p:cNvPr id="6" name="Picture 5"/>
+          <p:cNvPr id="2" name="Picture 1"/>
           <p:cNvPicPr>
             <a:picLocks noChangeAspect="1"/>
           </p:cNvPicPr>
@@ -6370,8 +4017,8 @@
         </p:blipFill>
         <p:spPr>
           <a:xfrm>
-            <a:off x="2645791" y="973618"/>
-            <a:ext cx="3852418" cy="4626873"/>
+            <a:off x="2340991" y="471974"/>
+            <a:ext cx="4364609" cy="5242030"/>
           </a:xfrm>
           <a:prstGeom prst="rect">
             <a:avLst/>
@@ -6380,14 +4027,14 @@
       </p:pic>
       <p:sp>
         <p:nvSpPr>
-          <p:cNvPr id="7" name="TextBox 6"/>
+          <p:cNvPr id="3" name="TextBox 2"/>
           <p:cNvSpPr txBox="1"/>
           <p:nvPr/>
         </p:nvSpPr>
         <p:spPr>
           <a:xfrm>
-            <a:off x="3043840" y="5755284"/>
-            <a:ext cx="3119482" cy="369332"/>
+            <a:off x="152400" y="6059269"/>
+            <a:ext cx="5554726" cy="646331"/>
           </a:xfrm>
           <a:prstGeom prst="rect">
             <a:avLst/>
@@ -6401,21 +4048,26 @@
           <a:lstStyle/>
           <a:p>
             <a:r>
-              <a:rPr lang="en-US" i="1" dirty="0" smtClean="0"/>
-              <a:t>Source: </a:t>
-            </a:r>
-            <a:r>
-              <a:rPr lang="en-US" i="1" dirty="0" err="1" smtClean="0"/>
-              <a:t>christopheravery.com</a:t>
-            </a:r>
-            <a:endParaRPr lang="en-US" i="1" dirty="0"/>
+              <a:rPr lang="en-US" dirty="0" smtClean="0"/>
+              <a:t>Source: Christopher Avery</a:t>
+            </a:r>
+          </a:p>
+          <a:p>
+            <a:r>
+              <a:rPr lang="en-US" dirty="0" smtClean="0"/>
+              <a:t>http</a:t>
+            </a:r>
+            <a:r>
+              <a:rPr lang="en-US" dirty="0"/>
+              <a:t>://www.christopheravery.com/responsibility-poster</a:t>
+            </a:r>
           </a:p>
         </p:txBody>
       </p:sp>
     </p:spTree>
     <p:extLst>
       <p:ext uri="{BB962C8B-B14F-4D97-AF65-F5344CB8AC3E}">
-        <p14:creationId xmlns:p14="http://schemas.microsoft.com/office/powerpoint/2010/main" val="3729532641"/>
+        <p14:creationId xmlns:p14="http://schemas.microsoft.com/office/powerpoint/2010/main" val="1154699293"/>
       </p:ext>
     </p:extLst>
   </p:cSld>
@@ -6425,7 +4077,7 @@
   <p:timing>
     <p:tnLst>
       <p:par>
-        <p:cTn xmlns:p14="http://schemas.microsoft.com/office/powerpoint/2010/main" id="1" dur="indefinite" restart="never" nodeType="tmRoot"/>
+        <p:cTn id="1" dur="indefinite" restart="never" nodeType="tmRoot"/>
       </p:par>
     </p:tnLst>
   </p:timing>
@@ -6449,40 +4101,117 @@
           <a:chExt cx="0" cy="0"/>
         </a:xfrm>
       </p:grpSpPr>
-      <p:sp>
-        <p:nvSpPr>
-          <p:cNvPr id="4" name="Title 3"/>
-          <p:cNvSpPr>
-            <a:spLocks noGrp="1"/>
-          </p:cNvSpPr>
-          <p:nvPr>
-            <p:ph type="ctrTitle"/>
-          </p:nvPr>
+      <p:pic>
+        <p:nvPicPr>
+          <p:cNvPr id="6146" name="Picture 2" descr="05"/>
+          <p:cNvPicPr>
+            <a:picLocks noChangeAspect="1" noChangeArrowheads="1"/>
+          </p:cNvPicPr>
+          <p:nvPr/>
+        </p:nvPicPr>
+        <p:blipFill>
+          <a:blip r:embed="rId2">
+            <a:extLst>
+              <a:ext uri="{28A0092B-C50C-407E-A947-70E740481C1C}">
+                <a14:useLocalDpi xmlns:a14="http://schemas.microsoft.com/office/drawing/2010/main" val="0"/>
+              </a:ext>
+            </a:extLst>
+          </a:blip>
+          <a:srcRect/>
+          <a:stretch>
+            <a:fillRect/>
+          </a:stretch>
+        </p:blipFill>
+        <p:spPr bwMode="auto">
+          <a:xfrm>
+            <a:off x="-152400" y="0"/>
+            <a:ext cx="9296400" cy="6972300"/>
+          </a:xfrm>
+          <a:prstGeom prst="rect">
+            <a:avLst/>
+          </a:prstGeom>
+          <a:noFill/>
+          <a:extLst>
+            <a:ext uri="{909E8E84-426E-40DD-AFC4-6F175D3DCCD1}">
+              <a14:hiddenFill xmlns:a14="http://schemas.microsoft.com/office/drawing/2010/main">
+                <a:solidFill>
+                  <a:srgbClr val="FFFFFF"/>
+                </a:solidFill>
+              </a14:hiddenFill>
+            </a:ext>
+          </a:extLst>
+        </p:spPr>
+      </p:pic>
+      <p:sp>
+        <p:nvSpPr>
+          <p:cNvPr id="4" name="TextBox 3"/>
+          <p:cNvSpPr txBox="1"/>
+          <p:nvPr/>
         </p:nvSpPr>
         <p:spPr>
           <a:xfrm>
-            <a:off x="1710266" y="1647636"/>
-            <a:ext cx="5723468" cy="3535553"/>
-          </a:xfrm>
-        </p:spPr>
-        <p:txBody>
-          <a:bodyPr anchor="ctr" anchorCtr="1">
-            <a:normAutofit/>
+            <a:off x="60034" y="6479569"/>
+            <a:ext cx="4830168" cy="246221"/>
+          </a:xfrm>
+          <a:prstGeom prst="rect">
+            <a:avLst/>
+          </a:prstGeom>
+          <a:noFill/>
+        </p:spPr>
+        <p:txBody>
+          <a:bodyPr wrap="none" rtlCol="0">
+            <a:spAutoFit/>
           </a:bodyPr>
           <a:lstStyle/>
           <a:p>
             <a:r>
-              <a:rPr lang="en-US" dirty="0" smtClean="0"/>
-              <a:t>Be confident</a:t>
-            </a:r>
-            <a:endParaRPr lang="en-US" dirty="0"/>
+              <a:rPr lang="en-US" sz="1000" dirty="0" smtClean="0"/>
+              <a:t>http://www.earthporm.com/photoshop-10-amazing-places-wont-believe-arent-artificial/</a:t>
+            </a:r>
+            <a:endParaRPr lang="en-US" sz="1000" dirty="0"/>
+          </a:p>
+        </p:txBody>
+      </p:sp>
+      <p:sp>
+        <p:nvSpPr>
+          <p:cNvPr id="5" name="TextBox 4"/>
+          <p:cNvSpPr txBox="1"/>
+          <p:nvPr/>
+        </p:nvSpPr>
+        <p:spPr>
+          <a:xfrm>
+            <a:off x="-29975" y="685800"/>
+            <a:ext cx="2244525" cy="584775"/>
+          </a:xfrm>
+          <a:prstGeom prst="rect">
+            <a:avLst/>
+          </a:prstGeom>
+          <a:solidFill>
+            <a:schemeClr val="bg1"/>
+          </a:solidFill>
+        </p:spPr>
+        <p:txBody>
+          <a:bodyPr wrap="none" rtlCol="0">
+            <a:spAutoFit/>
+          </a:bodyPr>
+          <a:lstStyle/>
+          <a:p>
+            <a:r>
+              <a:rPr lang="en-US" sz="3200" b="1" dirty="0" smtClean="0">
+                <a:latin typeface="Agency FB" panose="020B0503020202020204" pitchFamily="34" charset="0"/>
+              </a:rPr>
+              <a:t> BE CONFIDENT</a:t>
+            </a:r>
+            <a:endParaRPr lang="en-US" sz="3200" b="1" dirty="0">
+              <a:latin typeface="Agency FB" panose="020B0503020202020204" pitchFamily="34" charset="0"/>
+            </a:endParaRPr>
           </a:p>
         </p:txBody>
       </p:sp>
     </p:spTree>
     <p:extLst>
       <p:ext uri="{BB962C8B-B14F-4D97-AF65-F5344CB8AC3E}">
-        <p14:creationId xmlns:p14="http://schemas.microsoft.com/office/powerpoint/2010/main" val="3353601920"/>
+        <p14:creationId xmlns:p14="http://schemas.microsoft.com/office/powerpoint/2010/main" val="3939461964"/>
       </p:ext>
     </p:extLst>
   </p:cSld>
@@ -6492,7 +4221,7 @@
   <p:timing>
     <p:tnLst>
       <p:par>
-        <p:cTn xmlns:p14="http://schemas.microsoft.com/office/powerpoint/2010/main" id="1" dur="indefinite" restart="never" nodeType="tmRoot"/>
+        <p:cTn id="1" dur="indefinite" restart="never" nodeType="tmRoot"/>
       </p:par>
     </p:tnLst>
   </p:timing>
@@ -6516,40 +4245,113 @@
           <a:chExt cx="0" cy="0"/>
         </a:xfrm>
       </p:grpSpPr>
-      <p:sp>
-        <p:nvSpPr>
-          <p:cNvPr id="4" name="Title 3"/>
-          <p:cNvSpPr>
-            <a:spLocks noGrp="1"/>
-          </p:cNvSpPr>
-          <p:nvPr>
-            <p:ph type="ctrTitle"/>
-          </p:nvPr>
+      <p:pic>
+        <p:nvPicPr>
+          <p:cNvPr id="4100" name="Picture 4" descr="http://4.images.spike.com/images/BiffTannenBacktotheFuture.jpg?quality=0.91"/>
+          <p:cNvPicPr>
+            <a:picLocks noChangeAspect="1" noChangeArrowheads="1"/>
+          </p:cNvPicPr>
+          <p:nvPr/>
+        </p:nvPicPr>
+        <p:blipFill>
+          <a:blip r:embed="rId2">
+            <a:extLst>
+              <a:ext uri="{28A0092B-C50C-407E-A947-70E740481C1C}">
+                <a14:useLocalDpi xmlns:a14="http://schemas.microsoft.com/office/drawing/2010/main" val="0"/>
+              </a:ext>
+            </a:extLst>
+          </a:blip>
+          <a:srcRect/>
+          <a:stretch>
+            <a:fillRect/>
+          </a:stretch>
+        </p:blipFill>
+        <p:spPr bwMode="auto">
+          <a:xfrm>
+            <a:off x="-990600" y="0"/>
+            <a:ext cx="11273421" cy="6858000"/>
+          </a:xfrm>
+          <a:prstGeom prst="rect">
+            <a:avLst/>
+          </a:prstGeom>
+          <a:noFill/>
+          <a:extLst>
+            <a:ext uri="{909E8E84-426E-40DD-AFC4-6F175D3DCCD1}">
+              <a14:hiddenFill xmlns:a14="http://schemas.microsoft.com/office/drawing/2010/main">
+                <a:solidFill>
+                  <a:srgbClr val="FFFFFF"/>
+                </a:solidFill>
+              </a14:hiddenFill>
+            </a:ext>
+          </a:extLst>
+        </p:spPr>
+      </p:pic>
+      <p:sp>
+        <p:nvSpPr>
+          <p:cNvPr id="4" name="TextBox 3"/>
+          <p:cNvSpPr txBox="1"/>
+          <p:nvPr/>
         </p:nvSpPr>
         <p:spPr>
           <a:xfrm>
-            <a:off x="1710266" y="1647636"/>
-            <a:ext cx="5723468" cy="3535553"/>
-          </a:xfrm>
-        </p:spPr>
-        <p:txBody>
-          <a:bodyPr anchor="ctr" anchorCtr="1">
-            <a:normAutofit/>
+            <a:off x="60034" y="6479569"/>
+            <a:ext cx="184731" cy="246221"/>
+          </a:xfrm>
+          <a:prstGeom prst="rect">
+            <a:avLst/>
+          </a:prstGeom>
+          <a:noFill/>
+        </p:spPr>
+        <p:txBody>
+          <a:bodyPr wrap="none" rtlCol="0">
+            <a:spAutoFit/>
           </a:bodyPr>
           <a:lstStyle/>
           <a:p>
-            <a:r>
-              <a:rPr lang="en-US" dirty="0" smtClean="0"/>
-              <a:t>Bullies</a:t>
-            </a:r>
-            <a:endParaRPr lang="en-US" dirty="0"/>
+            <a:endParaRPr lang="en-US" sz="1000" dirty="0"/>
+          </a:p>
+        </p:txBody>
+      </p:sp>
+      <p:sp>
+        <p:nvSpPr>
+          <p:cNvPr id="5" name="TextBox 4"/>
+          <p:cNvSpPr txBox="1"/>
+          <p:nvPr/>
+        </p:nvSpPr>
+        <p:spPr>
+          <a:xfrm>
+            <a:off x="-29975" y="685800"/>
+            <a:ext cx="1391728" cy="584775"/>
+          </a:xfrm>
+          <a:prstGeom prst="rect">
+            <a:avLst/>
+          </a:prstGeom>
+          <a:solidFill>
+            <a:schemeClr val="bg1"/>
+          </a:solidFill>
+        </p:spPr>
+        <p:txBody>
+          <a:bodyPr wrap="none" rtlCol="0">
+            <a:spAutoFit/>
+          </a:bodyPr>
+          <a:lstStyle/>
+          <a:p>
+            <a:r>
+              <a:rPr lang="en-US" sz="3200" b="1" dirty="0" smtClean="0">
+                <a:latin typeface="Agency FB" panose="020B0503020202020204" pitchFamily="34" charset="0"/>
+              </a:rPr>
+              <a:t> BULLIES</a:t>
+            </a:r>
+            <a:endParaRPr lang="en-US" sz="3200" b="1" dirty="0">
+              <a:latin typeface="Agency FB" panose="020B0503020202020204" pitchFamily="34" charset="0"/>
+            </a:endParaRPr>
           </a:p>
         </p:txBody>
       </p:sp>
     </p:spTree>
     <p:extLst>
       <p:ext uri="{BB962C8B-B14F-4D97-AF65-F5344CB8AC3E}">
-        <p14:creationId xmlns:p14="http://schemas.microsoft.com/office/powerpoint/2010/main" val="1664208962"/>
+        <p14:creationId xmlns:p14="http://schemas.microsoft.com/office/powerpoint/2010/main" val="3140197024"/>
       </p:ext>
     </p:extLst>
   </p:cSld>
@@ -6559,7 +4361,7 @@
   <p:timing>
     <p:tnLst>
       <p:par>
-        <p:cTn xmlns:p14="http://schemas.microsoft.com/office/powerpoint/2010/main" id="1" dur="indefinite" restart="never" nodeType="tmRoot"/>
+        <p:cTn id="1" dur="indefinite" restart="never" nodeType="tmRoot"/>
       </p:par>
     </p:tnLst>
   </p:timing>
@@ -6601,14 +4403,17 @@
         </p:spPr>
         <p:txBody>
           <a:bodyPr anchor="ctr" anchorCtr="1">
-            <a:normAutofit/>
+            <a:normAutofit fontScale="90000"/>
           </a:bodyPr>
           <a:lstStyle/>
           <a:p>
             <a:r>
-              <a:rPr lang="en-US" sz="6000" b="1" dirty="0" smtClean="0"/>
+              <a:rPr lang="en-US" sz="13800" b="1" dirty="0" smtClean="0"/>
               <a:t>You</a:t>
             </a:r>
+            <a:br>
+              <a:rPr lang="en-US" sz="13800" b="1" dirty="0" smtClean="0"/>
+            </a:br>
             <a:r>
               <a:rPr lang="en-US" dirty="0" smtClean="0"/>
               <a:t/>
@@ -6618,7 +4423,22 @@
             </a:br>
             <a:r>
               <a:rPr lang="en-US" dirty="0" smtClean="0"/>
-              <a:t>are responsible for your life and career</a:t>
+              <a:t>are </a:t>
+            </a:r>
+            <a:r>
+              <a:rPr lang="en-US" dirty="0" smtClean="0"/>
+              <a:t>responsible</a:t>
+            </a:r>
+            <a:br>
+              <a:rPr lang="en-US" dirty="0" smtClean="0"/>
+            </a:br>
+            <a:r>
+              <a:rPr lang="en-US" dirty="0" smtClean="0"/>
+              <a:t>for </a:t>
+            </a:r>
+            <a:r>
+              <a:rPr lang="en-US" dirty="0" smtClean="0"/>
+              <a:t>your life and career</a:t>
             </a:r>
             <a:endParaRPr lang="en-US" dirty="0"/>
           </a:p>
@@ -6653,7 +4473,7 @@
     </p:spTree>
     <p:extLst>
       <p:ext uri="{BB962C8B-B14F-4D97-AF65-F5344CB8AC3E}">
-        <p14:creationId xmlns:p14="http://schemas.microsoft.com/office/powerpoint/2010/main" val="1093864587"/>
+        <p14:creationId xmlns:p14="http://schemas.microsoft.com/office/powerpoint/2010/main" val="2897351082"/>
       </p:ext>
     </p:extLst>
   </p:cSld>
@@ -6663,7 +4483,7 @@
   <p:timing>
     <p:tnLst>
       <p:par>
-        <p:cTn xmlns:p14="http://schemas.microsoft.com/office/powerpoint/2010/main" id="1" dur="indefinite" restart="never" nodeType="tmRoot"/>
+        <p:cTn id="1" dur="indefinite" restart="never" nodeType="tmRoot"/>
       </p:par>
     </p:tnLst>
   </p:timing>
@@ -6699,8 +4519,8 @@
         </p:nvSpPr>
         <p:spPr>
           <a:xfrm>
-            <a:off x="1710266" y="1647637"/>
-            <a:ext cx="5723468" cy="3066434"/>
+            <a:off x="685800" y="1647637"/>
+            <a:ext cx="7848600" cy="3066434"/>
           </a:xfrm>
         </p:spPr>
         <p:txBody>
@@ -6758,8 +4578,8 @@
         </p:nvSpPr>
         <p:spPr>
           <a:xfrm>
-            <a:off x="1710266" y="4942907"/>
-            <a:ext cx="5723468" cy="507831"/>
+            <a:off x="1600200" y="4940632"/>
+            <a:ext cx="5809085" cy="507831"/>
           </a:xfrm>
           <a:prstGeom prst="rect">
             <a:avLst/>
@@ -6775,7 +4595,7 @@
             <a:pPr algn="r"/>
             <a:r>
               <a:rPr lang="en-US" sz="2700" dirty="0">
-                <a:latin typeface="Constantia"/>
+                <a:latin typeface="+mj-lt"/>
                 <a:cs typeface="Constantia"/>
               </a:rPr>
               <a:t>-- Howard Thurman</a:t>
@@ -6786,7 +4606,7 @@
     </p:spTree>
     <p:extLst>
       <p:ext uri="{BB962C8B-B14F-4D97-AF65-F5344CB8AC3E}">
-        <p14:creationId xmlns:p14="http://schemas.microsoft.com/office/powerpoint/2010/main" val="703011799"/>
+        <p14:creationId xmlns:p14="http://schemas.microsoft.com/office/powerpoint/2010/main" val="1678303884"/>
       </p:ext>
     </p:extLst>
   </p:cSld>
@@ -6796,7 +4616,7 @@
   <p:timing>
     <p:tnLst>
       <p:par>
-        <p:cTn xmlns:p14="http://schemas.microsoft.com/office/powerpoint/2010/main" id="1" dur="indefinite" restart="never" nodeType="tmRoot"/>
+        <p:cTn id="1" dur="indefinite" restart="never" nodeType="tmRoot"/>
       </p:par>
     </p:tnLst>
   </p:timing>
@@ -6852,7 +4672,7 @@
             <a:spLocks noGrp="1"/>
           </p:cNvSpPr>
           <p:nvPr>
-            <p:ph sz="quarter" idx="13"/>
+            <p:ph sz="quarter" idx="4294967295"/>
           </p:nvPr>
         </p:nvSpPr>
         <p:spPr>
@@ -6860,6 +4680,9 @@
             <a:off x="1298448" y="2121407"/>
             <a:ext cx="3200400" cy="3141876"/>
           </a:xfrm>
+          <a:prstGeom prst="rect">
+            <a:avLst/>
+          </a:prstGeom>
         </p:spPr>
         <p:txBody>
           <a:bodyPr/>
@@ -6949,7 +4772,7 @@
             <a:picLocks noGrp="1" noChangeAspect="1"/>
           </p:cNvPicPr>
           <p:nvPr>
-            <p:ph sz="quarter" idx="14"/>
+            <p:ph sz="quarter" idx="4294967295"/>
           </p:nvPr>
         </p:nvPicPr>
         <p:blipFill rotWithShape="1">
@@ -6962,6 +4785,9 @@
             <a:off x="4901184" y="1261169"/>
             <a:ext cx="2967844" cy="3605212"/>
           </a:xfrm>
+          <a:prstGeom prst="rect">
+            <a:avLst/>
+          </a:prstGeom>
         </p:spPr>
       </p:pic>
       <p:sp>
@@ -6998,7 +4824,7 @@
         </p:nvSpPr>
         <p:spPr>
           <a:xfrm>
-            <a:off x="1298448" y="5537889"/>
+            <a:off x="135020" y="6400800"/>
             <a:ext cx="6570580" cy="307777"/>
           </a:xfrm>
           <a:prstGeom prst="rect">
@@ -7030,7 +4856,7 @@
     </p:spTree>
     <p:extLst>
       <p:ext uri="{BB962C8B-B14F-4D97-AF65-F5344CB8AC3E}">
-        <p14:creationId xmlns:p14="http://schemas.microsoft.com/office/powerpoint/2010/main" val="812928522"/>
+        <p14:creationId xmlns:p14="http://schemas.microsoft.com/office/powerpoint/2010/main" val="694639368"/>
       </p:ext>
     </p:extLst>
   </p:cSld>
@@ -7040,7 +4866,7 @@
   <p:timing>
     <p:tnLst>
       <p:par>
-        <p:cTn xmlns:p14="http://schemas.microsoft.com/office/powerpoint/2010/main" id="1" dur="indefinite" restart="never" nodeType="tmRoot"/>
+        <p:cTn id="1" dur="indefinite" restart="never" nodeType="tmRoot"/>
       </p:par>
     </p:tnLst>
   </p:timing>
@@ -7096,14 +4922,17 @@
             <a:spLocks noGrp="1"/>
           </p:cNvSpPr>
           <p:nvPr>
-            <p:ph sz="quarter" idx="13"/>
+            <p:ph sz="quarter" idx="4294967295"/>
           </p:nvPr>
         </p:nvSpPr>
         <p:spPr>
           <a:xfrm>
-            <a:off x="1298448" y="2121407"/>
-            <a:ext cx="3200400" cy="3141876"/>
-          </a:xfrm>
+            <a:off x="533400" y="2121407"/>
+            <a:ext cx="4343400" cy="3141876"/>
+          </a:xfrm>
+          <a:prstGeom prst="rect">
+            <a:avLst/>
+          </a:prstGeom>
         </p:spPr>
         <p:txBody>
           <a:bodyPr/>
@@ -7114,7 +4943,21 @@
             </a:pPr>
             <a:r>
               <a:rPr lang="en-US" dirty="0" smtClean="0"/>
-              <a:t>Brian Prince – “Driving Your Career”</a:t>
+              <a:t>Brian Prince – </a:t>
+            </a:r>
+            <a:endParaRPr lang="en-US" dirty="0" smtClean="0"/>
+          </a:p>
+          <a:p>
+            <a:pPr marL="0" indent="0">
+              <a:buNone/>
+            </a:pPr>
+            <a:r>
+              <a:rPr lang="en-US" dirty="0" smtClean="0"/>
+              <a:t>“</a:t>
+            </a:r>
+            <a:r>
+              <a:rPr lang="en-US" dirty="0" smtClean="0"/>
+              <a:t>Driving Your Career”</a:t>
             </a:r>
           </a:p>
           <a:p>
@@ -7128,7 +4971,7 @@
               <a:buNone/>
             </a:pPr>
             <a:r>
-              <a:rPr lang="en-US" dirty="0" err="1" smtClean="0"/>
+              <a:rPr lang="en-US" dirty="0" smtClean="0"/>
               <a:t>google</a:t>
             </a:r>
             <a:r>
@@ -7144,7 +4987,11 @@
             </a:br>
             <a:r>
               <a:rPr lang="en-US" dirty="0" smtClean="0"/>
-              <a:t>“Brian Prince driving”</a:t>
+              <a:t>“Brian Prince </a:t>
+            </a:r>
+            <a:r>
+              <a:rPr lang="en-US" dirty="0" smtClean="0"/>
+              <a:t>driving your career”</a:t>
             </a:r>
             <a:endParaRPr lang="en-US" dirty="0"/>
           </a:p>
@@ -7184,7 +5031,7 @@
         </p:nvSpPr>
         <p:spPr>
           <a:xfrm>
-            <a:off x="1298448" y="5537889"/>
+            <a:off x="152400" y="6400800"/>
             <a:ext cx="6570580" cy="307777"/>
           </a:xfrm>
           <a:prstGeom prst="rect">
@@ -7200,32 +5047,9 @@
           <a:p>
             <a:r>
               <a:rPr lang="en-US" sz="1400" dirty="0"/>
-              <a:t>http://</a:t>
-            </a:r>
-            <a:r>
-              <a:rPr lang="en-US" sz="1400" dirty="0" err="1"/>
-              <a:t>www.msdnevents.com</a:t>
-            </a:r>
-            <a:r>
-              <a:rPr lang="en-US" sz="1400" dirty="0"/>
-              <a:t>/</a:t>
-            </a:r>
-            <a:r>
-              <a:rPr lang="en-US" sz="1400" dirty="0" err="1"/>
-              <a:t>thrivedev</a:t>
-            </a:r>
-            <a:r>
-              <a:rPr lang="en-US" sz="1400" dirty="0"/>
-              <a:t>/</a:t>
-            </a:r>
-            <a:r>
-              <a:rPr lang="en-US" sz="1400" dirty="0" err="1"/>
-              <a:t>DriveCareer</a:t>
-            </a:r>
-            <a:r>
-              <a:rPr lang="en-US" sz="1400" dirty="0"/>
-              <a:t>/</a:t>
-            </a:r>
+              <a:t>http://www.brianhprince.com/2010/04/14/driving-your-career-series-transcripts/</a:t>
+            </a:r>
+            <a:endParaRPr lang="en-US" sz="1400" dirty="0"/>
           </a:p>
         </p:txBody>
       </p:sp>
@@ -7236,7 +5060,7 @@
             <a:picLocks noGrp="1" noChangeAspect="1"/>
           </p:cNvPicPr>
           <p:nvPr>
-            <p:ph sz="quarter" idx="14"/>
+            <p:ph sz="quarter" idx="4294967295"/>
           </p:nvPr>
         </p:nvPicPr>
         <p:blipFill>
@@ -7248,15 +5072,18 @@
         </p:blipFill>
         <p:spPr>
           <a:xfrm>
-            <a:off x="4823614" y="1947683"/>
+            <a:off x="5382850" y="1981200"/>
             <a:ext cx="3075350" cy="3464345"/>
           </a:xfrm>
+          <a:prstGeom prst="rect">
+            <a:avLst/>
+          </a:prstGeom>
         </p:spPr>
       </p:pic>
     </p:spTree>
     <p:extLst>
       <p:ext uri="{BB962C8B-B14F-4D97-AF65-F5344CB8AC3E}">
-        <p14:creationId xmlns:p14="http://schemas.microsoft.com/office/powerpoint/2010/main" val="3084591174"/>
+        <p14:creationId xmlns:p14="http://schemas.microsoft.com/office/powerpoint/2010/main" val="1266568342"/>
       </p:ext>
     </p:extLst>
   </p:cSld>
@@ -7266,7 +5093,7 @@
   <p:timing>
     <p:tnLst>
       <p:par>
-        <p:cTn xmlns:p14="http://schemas.microsoft.com/office/powerpoint/2010/main" id="1" dur="indefinite" restart="never" nodeType="tmRoot"/>
+        <p:cTn id="1" dur="indefinite" restart="never" nodeType="tmRoot"/>
       </p:par>
     </p:tnLst>
   </p:timing>
@@ -7322,7 +5149,7 @@
             <a:spLocks noGrp="1"/>
           </p:cNvSpPr>
           <p:nvPr>
-            <p:ph sz="quarter" idx="13"/>
+            <p:ph sz="quarter" idx="4294967295"/>
           </p:nvPr>
         </p:nvSpPr>
         <p:spPr>
@@ -7330,6 +5157,9 @@
             <a:off x="1298448" y="2121407"/>
             <a:ext cx="3200400" cy="3141876"/>
           </a:xfrm>
+          <a:prstGeom prst="rect">
+            <a:avLst/>
+          </a:prstGeom>
         </p:spPr>
         <p:txBody>
           <a:bodyPr/>
@@ -7393,7 +5223,7 @@
             <a:picLocks noGrp="1" noChangeAspect="1"/>
           </p:cNvPicPr>
           <p:nvPr>
-            <p:ph sz="quarter" idx="14"/>
+            <p:ph sz="quarter" idx="4294967295"/>
           </p:nvPr>
         </p:nvPicPr>
         <p:blipFill>
@@ -7408,12 +5238,15 @@
             <a:off x="4663440" y="2121407"/>
             <a:ext cx="3200400" cy="3605212"/>
           </a:xfrm>
+          <a:prstGeom prst="rect">
+            <a:avLst/>
+          </a:prstGeom>
         </p:spPr>
       </p:pic>
     </p:spTree>
     <p:extLst>
       <p:ext uri="{BB962C8B-B14F-4D97-AF65-F5344CB8AC3E}">
-        <p14:creationId xmlns:p14="http://schemas.microsoft.com/office/powerpoint/2010/main" val="841155880"/>
+        <p14:creationId xmlns:p14="http://schemas.microsoft.com/office/powerpoint/2010/main" val="1476028153"/>
       </p:ext>
     </p:extLst>
   </p:cSld>
@@ -7423,7 +5256,7 @@
   <p:timing>
     <p:tnLst>
       <p:par>
-        <p:cTn xmlns:p14="http://schemas.microsoft.com/office/powerpoint/2010/main" id="1" dur="indefinite" restart="never" nodeType="tmRoot"/>
+        <p:cTn id="1" dur="indefinite" restart="never" nodeType="tmRoot"/>
       </p:par>
     </p:tnLst>
   </p:timing>
@@ -7485,7 +5318,7 @@
         <p:spPr/>
         <p:txBody>
           <a:bodyPr anchor="ctr">
-            <a:normAutofit fontScale="92500" lnSpcReduction="20000"/>
+            <a:normAutofit lnSpcReduction="10000"/>
           </a:bodyPr>
           <a:lstStyle/>
           <a:p>
@@ -7494,8 +5327,9 @@
             </a:pPr>
             <a:r>
               <a:rPr lang="en-US" sz="3600" dirty="0" smtClean="0"/>
-              <a:t>Slides, code, links:</a:t>
-            </a:r>
+              <a:t>Slides:</a:t>
+            </a:r>
+            <a:endParaRPr lang="en-US" sz="3600" dirty="0" smtClean="0"/>
           </a:p>
           <a:p>
             <a:pPr algn="ctr">
@@ -7583,7 +5417,7 @@
     </p:spTree>
     <p:extLst>
       <p:ext uri="{BB962C8B-B14F-4D97-AF65-F5344CB8AC3E}">
-        <p14:creationId xmlns:p14="http://schemas.microsoft.com/office/powerpoint/2010/main" val="2819104356"/>
+        <p14:creationId xmlns:p14="http://schemas.microsoft.com/office/powerpoint/2010/main" val="3145525503"/>
       </p:ext>
     </p:extLst>
   </p:cSld>
@@ -7593,7 +5427,7 @@
   <p:timing>
     <p:tnLst>
       <p:par>
-        <p:cTn xmlns:p14="http://schemas.microsoft.com/office/powerpoint/2010/main" id="1" dur="indefinite" restart="never" nodeType="tmRoot"/>
+        <p:cTn id="1" dur="indefinite" restart="never" nodeType="tmRoot"/>
       </p:par>
     </p:tnLst>
   </p:timing>
@@ -7617,40 +5451,123 @@
           <a:chExt cx="0" cy="0"/>
         </a:xfrm>
       </p:grpSpPr>
-      <p:sp>
-        <p:nvSpPr>
-          <p:cNvPr id="4" name="Title 3"/>
-          <p:cNvSpPr>
-            <a:spLocks noGrp="1"/>
-          </p:cNvSpPr>
-          <p:nvPr>
-            <p:ph type="ctrTitle"/>
-          </p:nvPr>
+      <p:pic>
+        <p:nvPicPr>
+          <p:cNvPr id="1028" name="Picture 4" descr="http://www.newyorker.com/online/blogs/photobooth/JimmyChin-12.jpg"/>
+          <p:cNvPicPr>
+            <a:picLocks noChangeAspect="1" noChangeArrowheads="1"/>
+          </p:cNvPicPr>
+          <p:nvPr/>
+        </p:nvPicPr>
+        <p:blipFill>
+          <a:blip r:embed="rId2">
+            <a:extLst>
+              <a:ext uri="{28A0092B-C50C-407E-A947-70E740481C1C}">
+                <a14:useLocalDpi xmlns:a14="http://schemas.microsoft.com/office/drawing/2010/main" val="0"/>
+              </a:ext>
+            </a:extLst>
+          </a:blip>
+          <a:srcRect/>
+          <a:stretch>
+            <a:fillRect/>
+          </a:stretch>
+        </p:blipFill>
+        <p:spPr bwMode="auto">
+          <a:xfrm>
+            <a:off x="-533400" y="-685800"/>
+            <a:ext cx="14287500" cy="9563101"/>
+          </a:xfrm>
+          <a:prstGeom prst="rect">
+            <a:avLst/>
+          </a:prstGeom>
+          <a:noFill/>
+          <a:extLst>
+            <a:ext uri="{909E8E84-426E-40DD-AFC4-6F175D3DCCD1}">
+              <a14:hiddenFill xmlns:a14="http://schemas.microsoft.com/office/drawing/2010/main">
+                <a:solidFill>
+                  <a:srgbClr val="FFFFFF"/>
+                </a:solidFill>
+              </a14:hiddenFill>
+            </a:ext>
+          </a:extLst>
+        </p:spPr>
+      </p:pic>
+      <p:sp>
+        <p:nvSpPr>
+          <p:cNvPr id="4" name="TextBox 3"/>
+          <p:cNvSpPr txBox="1"/>
+          <p:nvPr/>
         </p:nvSpPr>
         <p:spPr>
           <a:xfrm>
-            <a:off x="1710266" y="3083031"/>
-            <a:ext cx="5723468" cy="691939"/>
-          </a:xfrm>
-        </p:spPr>
-        <p:txBody>
-          <a:bodyPr>
-            <a:normAutofit fontScale="90000"/>
+            <a:off x="60034" y="6479569"/>
+            <a:ext cx="8153194" cy="246221"/>
+          </a:xfrm>
+          <a:prstGeom prst="rect">
+            <a:avLst/>
+          </a:prstGeom>
+          <a:noFill/>
+        </p:spPr>
+        <p:txBody>
+          <a:bodyPr wrap="none" rtlCol="0">
+            <a:spAutoFit/>
           </a:bodyPr>
           <a:lstStyle/>
           <a:p>
             <a:r>
-              <a:rPr lang="en-US" dirty="0" smtClean="0"/>
-              <a:t>Mission, Vision, Values</a:t>
-            </a:r>
-            <a:endParaRPr lang="en-US" dirty="0"/>
+              <a:rPr lang="en-US" sz="1000" dirty="0"/>
+              <a:t>http://www.newyorker.com/online/blogs/photobooth/2013/05/slide-show-jimmy-chin-and-conrad-ankers-photographs-of-everest.html#slide_ss_0=12/</a:t>
+            </a:r>
+            <a:endParaRPr lang="en-US" sz="1000" dirty="0"/>
+          </a:p>
+        </p:txBody>
+      </p:sp>
+      <p:sp>
+        <p:nvSpPr>
+          <p:cNvPr id="5" name="TextBox 4"/>
+          <p:cNvSpPr txBox="1"/>
+          <p:nvPr/>
+        </p:nvSpPr>
+        <p:spPr>
+          <a:xfrm>
+            <a:off x="-29975" y="685800"/>
+            <a:ext cx="3757760" cy="584775"/>
+          </a:xfrm>
+          <a:prstGeom prst="rect">
+            <a:avLst/>
+          </a:prstGeom>
+          <a:solidFill>
+            <a:schemeClr val="bg1"/>
+          </a:solidFill>
+        </p:spPr>
+        <p:txBody>
+          <a:bodyPr wrap="none" rtlCol="0">
+            <a:spAutoFit/>
+          </a:bodyPr>
+          <a:lstStyle/>
+          <a:p>
+            <a:r>
+              <a:rPr lang="en-US" sz="3200" b="1" dirty="0" smtClean="0">
+                <a:latin typeface="Agency FB" panose="020B0503020202020204" pitchFamily="34" charset="0"/>
+              </a:rPr>
+              <a:t> </a:t>
+            </a:r>
+            <a:r>
+              <a:rPr lang="en-US" sz="3200" b="1" dirty="0" smtClean="0">
+                <a:latin typeface="Agency FB" panose="020B0503020202020204" pitchFamily="34" charset="0"/>
+              </a:rPr>
+              <a:t>MISSION, VISION, VALUES</a:t>
+            </a:r>
+            <a:endParaRPr lang="en-US" sz="3200" b="1" dirty="0">
+              <a:latin typeface="Agency FB" panose="020B0503020202020204" pitchFamily="34" charset="0"/>
+            </a:endParaRPr>
           </a:p>
         </p:txBody>
       </p:sp>
     </p:spTree>
     <p:extLst>
       <p:ext uri="{BB962C8B-B14F-4D97-AF65-F5344CB8AC3E}">
-        <p14:creationId xmlns:p14="http://schemas.microsoft.com/office/powerpoint/2010/main" val="3113108118"/>
+        <p14:creationId xmlns:p14="http://schemas.microsoft.com/office/powerpoint/2010/main" val="2191225084"/>
       </p:ext>
     </p:extLst>
   </p:cSld>
@@ -7660,7 +5577,7 @@
   <p:timing>
     <p:tnLst>
       <p:par>
-        <p:cTn xmlns:p14="http://schemas.microsoft.com/office/powerpoint/2010/main" id="1" dur="indefinite" restart="never" nodeType="tmRoot"/>
+        <p:cTn id="1" dur="indefinite" restart="never" nodeType="tmRoot"/>
       </p:par>
     </p:tnLst>
   </p:timing>
@@ -7686,103 +5603,131 @@
       </p:grpSpPr>
       <p:sp>
         <p:nvSpPr>
-          <p:cNvPr id="4" name="Title 3"/>
-          <p:cNvSpPr>
-            <a:spLocks noGrp="1"/>
-          </p:cNvSpPr>
-          <p:nvPr>
-            <p:ph type="title"/>
-          </p:nvPr>
-        </p:nvSpPr>
-        <p:spPr/>
+          <p:cNvPr id="2" name="Content Placeholder 1"/>
+          <p:cNvSpPr>
+            <a:spLocks noGrp="1"/>
+          </p:cNvSpPr>
+          <p:nvPr>
+            <p:ph idx="1"/>
+          </p:nvPr>
+        </p:nvSpPr>
+        <p:spPr>
+          <a:xfrm>
+            <a:off x="457200" y="2057400"/>
+            <a:ext cx="8229600" cy="4297363"/>
+          </a:xfrm>
+        </p:spPr>
         <p:txBody>
           <a:bodyPr>
             <a:normAutofit/>
           </a:bodyPr>
           <a:lstStyle/>
           <a:p>
-            <a:r>
-              <a:rPr lang="en-US" dirty="0" smtClean="0"/>
-              <a:t>Mission, Vision, Values</a:t>
-            </a:r>
-            <a:endParaRPr lang="en-US" dirty="0"/>
-          </a:p>
-        </p:txBody>
-      </p:sp>
-      <p:sp>
-        <p:nvSpPr>
-          <p:cNvPr id="2" name="Content Placeholder 1"/>
-          <p:cNvSpPr>
-            <a:spLocks noGrp="1"/>
-          </p:cNvSpPr>
-          <p:nvPr>
-            <p:ph idx="1"/>
-          </p:nvPr>
-        </p:nvSpPr>
-        <p:spPr/>
-        <p:txBody>
-          <a:bodyPr>
-            <a:normAutofit/>
-          </a:bodyPr>
-          <a:lstStyle/>
-          <a:p>
-            <a:r>
-              <a:rPr lang="en-US" smtClean="0"/>
-              <a:t> </a:t>
-            </a:r>
-            <a:r>
-              <a:rPr lang="en-US" dirty="0"/>
-              <a:t>Mission </a:t>
-            </a:r>
-            <a:r>
-              <a:rPr lang="en-US" dirty="0" smtClean="0"/>
-              <a:t>– who </a:t>
-            </a:r>
-            <a:r>
-              <a:rPr lang="en-US" smtClean="0"/>
-              <a:t>are you?</a:t>
-            </a:r>
-            <a:endParaRPr lang="en-US" dirty="0"/>
-          </a:p>
-          <a:p>
+            <a:pPr marL="0" indent="0">
+              <a:buNone/>
+            </a:pPr>
             <a:r>
               <a:rPr lang="en-US" dirty="0" smtClean="0"/>
               <a:t> </a:t>
             </a:r>
             <a:r>
-              <a:rPr lang="en-US" dirty="0"/>
-              <a:t>Vision - </a:t>
+              <a:rPr lang="en-US" b="1" dirty="0" smtClean="0"/>
+              <a:t>Mission</a:t>
             </a:r>
             <a:r>
               <a:rPr lang="en-US" dirty="0" smtClean="0"/>
-              <a:t>where </a:t>
-            </a:r>
-            <a:r>
-              <a:rPr lang="en-US" dirty="0"/>
-              <a:t>do you want to go?</a:t>
-            </a:r>
-          </a:p>
-          <a:p>
+              <a:t>… </a:t>
+            </a:r>
+            <a:r>
+              <a:rPr lang="en-US" i="1" dirty="0" smtClean="0"/>
+              <a:t>who </a:t>
+            </a:r>
+            <a:r>
+              <a:rPr lang="en-US" i="1" dirty="0" smtClean="0"/>
+              <a:t>are you</a:t>
+            </a:r>
+            <a:r>
+              <a:rPr lang="en-US" i="1" dirty="0" smtClean="0"/>
+              <a:t>?</a:t>
+            </a:r>
+          </a:p>
+          <a:p>
+            <a:pPr marL="0" indent="0">
+              <a:buNone/>
+            </a:pPr>
+            <a:endParaRPr lang="en-US" dirty="0"/>
+          </a:p>
+          <a:p>
+            <a:pPr marL="0" indent="0">
+              <a:buNone/>
+            </a:pPr>
             <a:r>
               <a:rPr lang="en-US" dirty="0" smtClean="0"/>
               <a:t> </a:t>
             </a:r>
             <a:r>
-              <a:rPr lang="en-US" dirty="0"/>
-              <a:t>Values - what things do you </a:t>
+              <a:rPr lang="en-US" b="1" dirty="0" smtClean="0"/>
+              <a:t>Vision</a:t>
             </a:r>
             <a:r>
               <a:rPr lang="en-US" dirty="0" smtClean="0"/>
+              <a:t>…  </a:t>
+            </a:r>
+            <a:r>
+              <a:rPr lang="en-US" i="1" dirty="0" smtClean="0"/>
+              <a:t>where </a:t>
+            </a:r>
+            <a:r>
+              <a:rPr lang="en-US" i="1" dirty="0"/>
+              <a:t>do you want to go</a:t>
+            </a:r>
+            <a:r>
+              <a:rPr lang="en-US" i="1" dirty="0" smtClean="0"/>
+              <a:t>?</a:t>
+            </a:r>
+          </a:p>
+          <a:p>
+            <a:pPr marL="0" indent="0">
+              <a:buNone/>
+            </a:pPr>
+            <a:endParaRPr lang="en-US" dirty="0"/>
+          </a:p>
+          <a:p>
+            <a:pPr marL="0" indent="0">
+              <a:buNone/>
+            </a:pPr>
+            <a:r>
+              <a:rPr lang="en-US" dirty="0" smtClean="0"/>
+              <a:t> </a:t>
+            </a:r>
+            <a:r>
+              <a:rPr lang="en-US" b="1" dirty="0" smtClean="0"/>
+              <a:t>Values</a:t>
+            </a:r>
+            <a:r>
+              <a:rPr lang="en-US" dirty="0" smtClean="0"/>
+              <a:t>… </a:t>
+            </a:r>
+            <a:r>
+              <a:rPr lang="en-US" i="1" dirty="0" smtClean="0"/>
+              <a:t>what </a:t>
+            </a:r>
+            <a:r>
+              <a:rPr lang="en-US" i="1" dirty="0"/>
+              <a:t>things do you </a:t>
+            </a:r>
+            <a:r>
+              <a:rPr lang="en-US" i="1" dirty="0" smtClean="0"/>
               <a:t>value? </a:t>
             </a:r>
-            <a:endParaRPr lang="en-US" dirty="0"/>
+            <a:endParaRPr lang="en-US" i="1" dirty="0"/>
           </a:p>
         </p:txBody>
       </p:sp>
     </p:spTree>
     <p:extLst>
       <p:ext uri="{BB962C8B-B14F-4D97-AF65-F5344CB8AC3E}">
-        <p14:creationId xmlns:p14="http://schemas.microsoft.com/office/powerpoint/2010/main" val="1415269971"/>
+        <p14:creationId xmlns:p14="http://schemas.microsoft.com/office/powerpoint/2010/main" val="1763655560"/>
       </p:ext>
     </p:extLst>
   </p:cSld>
@@ -7792,7 +5737,7 @@
   <p:timing>
     <p:tnLst>
       <p:par>
-        <p:cTn xmlns:p14="http://schemas.microsoft.com/office/powerpoint/2010/main" id="1" dur="indefinite" restart="never" nodeType="tmRoot"/>
+        <p:cTn id="1" dur="indefinite" restart="never" nodeType="tmRoot"/>
       </p:par>
     </p:tnLst>
   </p:timing>
@@ -7818,31 +5763,6 @@
       </p:grpSpPr>
       <p:sp>
         <p:nvSpPr>
-          <p:cNvPr id="4" name="Title 3"/>
-          <p:cNvSpPr>
-            <a:spLocks noGrp="1"/>
-          </p:cNvSpPr>
-          <p:nvPr>
-            <p:ph type="title"/>
-          </p:nvPr>
-        </p:nvSpPr>
-        <p:spPr/>
-        <p:txBody>
-          <a:bodyPr>
-            <a:normAutofit/>
-          </a:bodyPr>
-          <a:lstStyle/>
-          <a:p>
-            <a:r>
-              <a:rPr lang="en-US" dirty="0" smtClean="0"/>
-              <a:t>Mission, Vision, Values</a:t>
-            </a:r>
-            <a:endParaRPr lang="en-US" dirty="0"/>
-          </a:p>
-        </p:txBody>
-      </p:sp>
-      <p:sp>
-        <p:nvSpPr>
           <p:cNvPr id="2" name="Content Placeholder 1"/>
           <p:cNvSpPr>
             <a:spLocks noGrp="1"/>
@@ -7853,8 +5773,8 @@
         </p:nvSpPr>
         <p:spPr>
           <a:xfrm>
-            <a:off x="1463040" y="1765906"/>
-            <a:ext cx="6196405" cy="4414762"/>
+            <a:off x="838200" y="304800"/>
+            <a:ext cx="7467600" cy="6248400"/>
           </a:xfrm>
         </p:spPr>
         <p:txBody>
@@ -7867,27 +5787,26 @@
               <a:buNone/>
             </a:pPr>
             <a:r>
-              <a:rPr lang="en-US" sz="1800" b="1" dirty="0"/>
+              <a:rPr lang="en-US" b="1" dirty="0"/>
               <a:t>Canadian Cancer </a:t>
             </a:r>
             <a:r>
-              <a:rPr lang="en-US" sz="1800" b="1" dirty="0" smtClean="0"/>
+              <a:rPr lang="en-US" b="1" dirty="0" smtClean="0"/>
               <a:t>Society</a:t>
             </a:r>
-            <a:endParaRPr lang="en-US" sz="1800" b="1" dirty="0" smtClean="0"/>
           </a:p>
           <a:p>
             <a:pPr marL="0" indent="0">
               <a:buNone/>
             </a:pPr>
-            <a:endParaRPr lang="en-US" sz="1500" dirty="0"/>
+            <a:endParaRPr lang="en-US" sz="2000" dirty="0"/>
           </a:p>
           <a:p>
             <a:pPr marL="0" indent="0">
               <a:buNone/>
             </a:pPr>
             <a:r>
-              <a:rPr lang="en-US" sz="1500" b="1" dirty="0"/>
+              <a:rPr lang="en-US" sz="2000" b="1" dirty="0"/>
               <a:t>Mission</a:t>
             </a:r>
           </a:p>
@@ -7896,11 +5815,11 @@
               <a:buNone/>
             </a:pPr>
             <a:r>
-              <a:rPr lang="en-US" sz="1500" dirty="0"/>
+              <a:rPr lang="en-US" sz="2000" dirty="0"/>
               <a:t>The Canadian Cancer Society is a national, community-based organization of volunteers whose mission is the eradication of cancer and the enhancement of the quality of life of people living with cancer</a:t>
             </a:r>
             <a:r>
-              <a:rPr lang="en-US" sz="1500" dirty="0" smtClean="0"/>
+              <a:rPr lang="en-US" sz="2000" dirty="0" smtClean="0"/>
               <a:t>.</a:t>
             </a:r>
           </a:p>
@@ -7908,14 +5827,14 @@
             <a:pPr marL="365760" lvl="1" indent="0">
               <a:buNone/>
             </a:pPr>
-            <a:endParaRPr lang="en-US" sz="1500" dirty="0"/>
+            <a:endParaRPr lang="en-US" sz="2000" dirty="0"/>
           </a:p>
           <a:p>
             <a:pPr marL="0" indent="0">
               <a:buNone/>
             </a:pPr>
             <a:r>
-              <a:rPr lang="en-US" sz="1500" b="1" dirty="0"/>
+              <a:rPr lang="en-US" sz="2000" b="1" dirty="0"/>
               <a:t>Vision</a:t>
             </a:r>
           </a:p>
@@ -7924,11 +5843,11 @@
               <a:buNone/>
             </a:pPr>
             <a:r>
-              <a:rPr lang="en-US" sz="1500" dirty="0"/>
+              <a:rPr lang="en-US" sz="2000" dirty="0"/>
               <a:t>Creating a world where no Canadian fears cancer</a:t>
             </a:r>
             <a:r>
-              <a:rPr lang="en-US" sz="1500" dirty="0" smtClean="0"/>
+              <a:rPr lang="en-US" sz="2000" dirty="0" smtClean="0"/>
               <a:t>.</a:t>
             </a:r>
           </a:p>
@@ -7936,32 +5855,32 @@
             <a:pPr marL="365760" lvl="1" indent="0">
               <a:buNone/>
             </a:pPr>
-            <a:endParaRPr lang="en-US" sz="1500" dirty="0"/>
+            <a:endParaRPr lang="en-US" sz="2000" dirty="0"/>
           </a:p>
           <a:p>
             <a:pPr marL="0" indent="0">
               <a:buNone/>
             </a:pPr>
             <a:r>
-              <a:rPr lang="en-US" sz="1500" b="1" dirty="0" smtClean="0"/>
+              <a:rPr lang="en-US" sz="2000" b="1" dirty="0" smtClean="0"/>
               <a:t>Values</a:t>
             </a:r>
-            <a:endParaRPr lang="en-US" sz="1500" b="1" dirty="0"/>
+            <a:endParaRPr lang="en-US" sz="2000" b="1" dirty="0"/>
           </a:p>
           <a:p>
             <a:pPr marL="365760" lvl="1" indent="0">
               <a:buNone/>
             </a:pPr>
             <a:r>
-              <a:rPr lang="en-US" sz="1500" b="1" i="1" dirty="0"/>
+              <a:rPr lang="en-US" sz="2000" b="1" i="1" dirty="0"/>
               <a:t>Quality</a:t>
             </a:r>
             <a:r>
-              <a:rPr lang="en-US" sz="1500" dirty="0"/>
+              <a:rPr lang="en-US" sz="2000" dirty="0"/>
               <a:t> - our focus is on the people we serve (cancer patients, their families, donors, and the public) and we will strive for excellence through evaluation and continuous improvement</a:t>
             </a:r>
             <a:r>
-              <a:rPr lang="en-US" sz="1500" dirty="0" smtClean="0"/>
+              <a:rPr lang="en-US" sz="2000" dirty="0" smtClean="0"/>
               <a:t>.</a:t>
             </a:r>
           </a:p>
@@ -7969,32 +5888,32 @@
             <a:pPr marL="365760" lvl="1" indent="0">
               <a:buNone/>
             </a:pPr>
-            <a:endParaRPr lang="en-US" sz="1500" dirty="0"/>
+            <a:endParaRPr lang="en-US" sz="2000" dirty="0"/>
           </a:p>
           <a:p>
             <a:pPr marL="365760" lvl="1" indent="0">
               <a:buNone/>
             </a:pPr>
             <a:r>
-              <a:rPr lang="en-US" sz="1500" b="1" i="1" dirty="0"/>
+              <a:rPr lang="en-US" sz="2000" b="1" i="1" dirty="0"/>
               <a:t>Caring</a:t>
             </a:r>
             <a:r>
-              <a:rPr lang="en-US" sz="1500" dirty="0"/>
+              <a:rPr lang="en-US" sz="2000" dirty="0"/>
               <a:t> - we are committed to serving with empathy and compassion</a:t>
             </a:r>
             <a:r>
-              <a:rPr lang="en-US" sz="1500" dirty="0" smtClean="0"/>
+              <a:rPr lang="en-US" sz="2000" dirty="0" smtClean="0"/>
               <a:t>.</a:t>
             </a:r>
-            <a:endParaRPr lang="en-US" sz="1500" dirty="0"/>
+            <a:endParaRPr lang="en-US" sz="2000" dirty="0"/>
           </a:p>
         </p:txBody>
       </p:sp>
     </p:spTree>
     <p:extLst>
       <p:ext uri="{BB962C8B-B14F-4D97-AF65-F5344CB8AC3E}">
-        <p14:creationId xmlns:p14="http://schemas.microsoft.com/office/powerpoint/2010/main" val="2789636343"/>
+        <p14:creationId xmlns:p14="http://schemas.microsoft.com/office/powerpoint/2010/main" val="2357895146"/>
       </p:ext>
     </p:extLst>
   </p:cSld>
@@ -8004,7 +5923,7 @@
   <p:timing>
     <p:tnLst>
       <p:par>
-        <p:cTn xmlns:p14="http://schemas.microsoft.com/office/powerpoint/2010/main" id="1" dur="indefinite" restart="never" nodeType="tmRoot"/>
+        <p:cTn id="1" dur="indefinite" restart="never" nodeType="tmRoot"/>
       </p:par>
     </p:tnLst>
   </p:timing>
@@ -8028,40 +5947,117 @@
           <a:chExt cx="0" cy="0"/>
         </a:xfrm>
       </p:grpSpPr>
-      <p:sp>
-        <p:nvSpPr>
-          <p:cNvPr id="4" name="Title 3"/>
-          <p:cNvSpPr>
-            <a:spLocks noGrp="1"/>
-          </p:cNvSpPr>
-          <p:nvPr>
-            <p:ph type="ctrTitle"/>
-          </p:nvPr>
+      <p:pic>
+        <p:nvPicPr>
+          <p:cNvPr id="2050" name="Picture 2" descr="06"/>
+          <p:cNvPicPr>
+            <a:picLocks noChangeAspect="1" noChangeArrowheads="1"/>
+          </p:cNvPicPr>
+          <p:nvPr/>
+        </p:nvPicPr>
+        <p:blipFill>
+          <a:blip r:embed="rId2">
+            <a:extLst>
+              <a:ext uri="{28A0092B-C50C-407E-A947-70E740481C1C}">
+                <a14:useLocalDpi xmlns:a14="http://schemas.microsoft.com/office/drawing/2010/main" val="0"/>
+              </a:ext>
+            </a:extLst>
+          </a:blip>
+          <a:srcRect/>
+          <a:stretch>
+            <a:fillRect/>
+          </a:stretch>
+        </p:blipFill>
+        <p:spPr bwMode="auto">
+          <a:xfrm>
+            <a:off x="-840164" y="25021"/>
+            <a:ext cx="10593764" cy="6832979"/>
+          </a:xfrm>
+          <a:prstGeom prst="rect">
+            <a:avLst/>
+          </a:prstGeom>
+          <a:noFill/>
+          <a:extLst>
+            <a:ext uri="{909E8E84-426E-40DD-AFC4-6F175D3DCCD1}">
+              <a14:hiddenFill xmlns:a14="http://schemas.microsoft.com/office/drawing/2010/main">
+                <a:solidFill>
+                  <a:srgbClr val="FFFFFF"/>
+                </a:solidFill>
+              </a14:hiddenFill>
+            </a:ext>
+          </a:extLst>
+        </p:spPr>
+      </p:pic>
+      <p:sp>
+        <p:nvSpPr>
+          <p:cNvPr id="4" name="TextBox 3"/>
+          <p:cNvSpPr txBox="1"/>
+          <p:nvPr/>
         </p:nvSpPr>
         <p:spPr>
           <a:xfrm>
-            <a:off x="1710266" y="3083031"/>
-            <a:ext cx="5723468" cy="691939"/>
-          </a:xfrm>
-        </p:spPr>
-        <p:txBody>
-          <a:bodyPr>
-            <a:normAutofit fontScale="90000"/>
+            <a:off x="60034" y="6479569"/>
+            <a:ext cx="4830168" cy="246221"/>
+          </a:xfrm>
+          <a:prstGeom prst="rect">
+            <a:avLst/>
+          </a:prstGeom>
+          <a:noFill/>
+        </p:spPr>
+        <p:txBody>
+          <a:bodyPr wrap="none" rtlCol="0">
+            <a:spAutoFit/>
           </a:bodyPr>
           <a:lstStyle/>
           <a:p>
             <a:r>
-              <a:rPr lang="en-US" dirty="0" smtClean="0"/>
-              <a:t>Goals</a:t>
-            </a:r>
-            <a:endParaRPr lang="en-US" dirty="0"/>
+              <a:rPr lang="en-US" sz="1000" dirty="0" smtClean="0"/>
+              <a:t>http://www.earthporm.com/photoshop-10-amazing-places-wont-believe-arent-artificial/</a:t>
+            </a:r>
+            <a:endParaRPr lang="en-US" sz="1000" dirty="0"/>
+          </a:p>
+        </p:txBody>
+      </p:sp>
+      <p:sp>
+        <p:nvSpPr>
+          <p:cNvPr id="5" name="TextBox 4"/>
+          <p:cNvSpPr txBox="1"/>
+          <p:nvPr/>
+        </p:nvSpPr>
+        <p:spPr>
+          <a:xfrm>
+            <a:off x="-29975" y="685800"/>
+            <a:ext cx="1181734" cy="584775"/>
+          </a:xfrm>
+          <a:prstGeom prst="rect">
+            <a:avLst/>
+          </a:prstGeom>
+          <a:solidFill>
+            <a:schemeClr val="bg1"/>
+          </a:solidFill>
+        </p:spPr>
+        <p:txBody>
+          <a:bodyPr wrap="none" rtlCol="0">
+            <a:spAutoFit/>
+          </a:bodyPr>
+          <a:lstStyle/>
+          <a:p>
+            <a:r>
+              <a:rPr lang="en-US" sz="3200" b="1" dirty="0" smtClean="0">
+                <a:latin typeface="Agency FB" panose="020B0503020202020204" pitchFamily="34" charset="0"/>
+              </a:rPr>
+              <a:t> GOALS</a:t>
+            </a:r>
+            <a:endParaRPr lang="en-US" sz="3200" b="1" dirty="0">
+              <a:latin typeface="Agency FB" panose="020B0503020202020204" pitchFamily="34" charset="0"/>
+            </a:endParaRPr>
           </a:p>
         </p:txBody>
       </p:sp>
     </p:spTree>
     <p:extLst>
       <p:ext uri="{BB962C8B-B14F-4D97-AF65-F5344CB8AC3E}">
-        <p14:creationId xmlns:p14="http://schemas.microsoft.com/office/powerpoint/2010/main" val="2920598944"/>
+        <p14:creationId xmlns:p14="http://schemas.microsoft.com/office/powerpoint/2010/main" val="3566404897"/>
       </p:ext>
     </p:extLst>
   </p:cSld>
@@ -8071,7 +6067,7 @@
   <p:timing>
     <p:tnLst>
       <p:par>
-        <p:cTn xmlns:p14="http://schemas.microsoft.com/office/powerpoint/2010/main" id="1" dur="indefinite" restart="never" nodeType="tmRoot"/>
+        <p:cTn id="1" dur="indefinite" restart="never" nodeType="tmRoot"/>
       </p:par>
     </p:tnLst>
   </p:timing>
@@ -8095,40 +6091,127 @@
           <a:chExt cx="0" cy="0"/>
         </a:xfrm>
       </p:grpSpPr>
-      <p:sp>
-        <p:nvSpPr>
-          <p:cNvPr id="4" name="Title 3"/>
-          <p:cNvSpPr>
-            <a:spLocks noGrp="1"/>
-          </p:cNvSpPr>
-          <p:nvPr>
-            <p:ph type="ctrTitle"/>
-          </p:nvPr>
+      <p:pic>
+        <p:nvPicPr>
+          <p:cNvPr id="2" name="Picture 2" descr="http://megandagata.files.wordpress.com/2012/06/525898_4022546921516_1299898072_n.jpg"/>
+          <p:cNvPicPr>
+            <a:picLocks noChangeAspect="1" noChangeArrowheads="1"/>
+          </p:cNvPicPr>
+          <p:nvPr/>
+        </p:nvPicPr>
+        <p:blipFill>
+          <a:blip r:embed="rId2">
+            <a:extLst>
+              <a:ext uri="{28A0092B-C50C-407E-A947-70E740481C1C}">
+                <a14:useLocalDpi xmlns:a14="http://schemas.microsoft.com/office/drawing/2010/main" val="0"/>
+              </a:ext>
+            </a:extLst>
+          </a:blip>
+          <a:srcRect/>
+          <a:stretch>
+            <a:fillRect/>
+          </a:stretch>
+        </p:blipFill>
+        <p:spPr bwMode="auto">
+          <a:xfrm>
+            <a:off x="762000" y="-304800"/>
+            <a:ext cx="7382641" cy="7382642"/>
+          </a:xfrm>
+          <a:prstGeom prst="rect">
+            <a:avLst/>
+          </a:prstGeom>
+          <a:noFill/>
+          <a:extLst>
+            <a:ext uri="{909E8E84-426E-40DD-AFC4-6F175D3DCCD1}">
+              <a14:hiddenFill xmlns:a14="http://schemas.microsoft.com/office/drawing/2010/main">
+                <a:solidFill>
+                  <a:srgbClr val="FFFFFF"/>
+                </a:solidFill>
+              </a14:hiddenFill>
+            </a:ext>
+          </a:extLst>
+        </p:spPr>
+      </p:pic>
+      <p:sp>
+        <p:nvSpPr>
+          <p:cNvPr id="4" name="TextBox 3"/>
+          <p:cNvSpPr txBox="1"/>
+          <p:nvPr/>
         </p:nvSpPr>
         <p:spPr>
           <a:xfrm>
-            <a:off x="1710266" y="2760080"/>
-            <a:ext cx="5723468" cy="1337841"/>
-          </a:xfrm>
-        </p:spPr>
-        <p:txBody>
-          <a:bodyPr>
-            <a:normAutofit fontScale="90000"/>
+            <a:off x="60034" y="6479569"/>
+            <a:ext cx="3877985" cy="246221"/>
+          </a:xfrm>
+          <a:prstGeom prst="rect">
+            <a:avLst/>
+          </a:prstGeom>
+          <a:noFill/>
+        </p:spPr>
+        <p:txBody>
+          <a:bodyPr wrap="none" rtlCol="0">
+            <a:spAutoFit/>
           </a:bodyPr>
           <a:lstStyle/>
           <a:p>
             <a:r>
-              <a:rPr lang="en-US" dirty="0" smtClean="0"/>
-              <a:t>Take ownership of your life</a:t>
-            </a:r>
-            <a:endParaRPr lang="en-US" dirty="0"/>
+              <a:rPr lang="en-US" sz="1000" dirty="0"/>
+              <a:t>http://megandagata.wordpress.com/2012/06/13/take-ownership</a:t>
+            </a:r>
+            <a:r>
+              <a:rPr lang="en-US" sz="1000" dirty="0" smtClean="0"/>
+              <a:t>/	</a:t>
+            </a:r>
+            <a:endParaRPr lang="en-US" sz="1000" dirty="0"/>
+          </a:p>
+        </p:txBody>
+      </p:sp>
+      <p:sp>
+        <p:nvSpPr>
+          <p:cNvPr id="5" name="TextBox 4"/>
+          <p:cNvSpPr txBox="1"/>
+          <p:nvPr/>
+        </p:nvSpPr>
+        <p:spPr>
+          <a:xfrm>
+            <a:off x="2145637" y="102358"/>
+            <a:ext cx="4615366" cy="584775"/>
+          </a:xfrm>
+          <a:prstGeom prst="rect">
+            <a:avLst/>
+          </a:prstGeom>
+          <a:solidFill>
+            <a:schemeClr val="bg1"/>
+          </a:solidFill>
+        </p:spPr>
+        <p:txBody>
+          <a:bodyPr wrap="none" rtlCol="0">
+            <a:spAutoFit/>
+          </a:bodyPr>
+          <a:lstStyle/>
+          <a:p>
+            <a:r>
+              <a:rPr lang="en-US" sz="3200" b="1" dirty="0">
+                <a:latin typeface="Agency FB" panose="020B0503020202020204" pitchFamily="34" charset="0"/>
+              </a:rPr>
+              <a:t> </a:t>
+            </a:r>
+            <a:r>
+              <a:rPr lang="en-US" sz="3200" b="1" dirty="0" smtClean="0">
+                <a:latin typeface="Agency FB" panose="020B0503020202020204" pitchFamily="34" charset="0"/>
+              </a:rPr>
+              <a:t>TAKE OWNERSHIP OF YOUR LIFE</a:t>
+            </a:r>
+            <a:endParaRPr lang="en-US" sz="3200" b="1" dirty="0">
+              <a:latin typeface="Agency FB" panose="020B0503020202020204" pitchFamily="34" charset="0"/>
+            </a:endParaRPr>
           </a:p>
         </p:txBody>
       </p:sp>
     </p:spTree>
     <p:extLst>
       <p:ext uri="{BB962C8B-B14F-4D97-AF65-F5344CB8AC3E}">
-        <p14:creationId xmlns:p14="http://schemas.microsoft.com/office/powerpoint/2010/main" val="3966526462"/>
+        <p14:creationId xmlns:p14="http://schemas.microsoft.com/office/powerpoint/2010/main" val="1360894732"/>
       </p:ext>
     </p:extLst>
   </p:cSld>
@@ -8138,7 +6221,7 @@
   <p:timing>
     <p:tnLst>
       <p:par>
-        <p:cTn xmlns:p14="http://schemas.microsoft.com/office/powerpoint/2010/main" id="1" dur="indefinite" restart="never" nodeType="tmRoot"/>
+        <p:cTn id="1" dur="indefinite" restart="never" nodeType="tmRoot"/>
       </p:par>
     </p:tnLst>
   </p:timing>
@@ -8162,40 +6245,123 @@
           <a:chExt cx="0" cy="0"/>
         </a:xfrm>
       </p:grpSpPr>
-      <p:sp>
-        <p:nvSpPr>
-          <p:cNvPr id="4" name="Title 3"/>
-          <p:cNvSpPr>
-            <a:spLocks noGrp="1"/>
-          </p:cNvSpPr>
-          <p:nvPr>
-            <p:ph type="ctrTitle"/>
-          </p:nvPr>
+      <p:pic>
+        <p:nvPicPr>
+          <p:cNvPr id="2" name="Picture 2" descr="http://www.rontravel.com/Web_Photos_Happy_Cannibal/X_Siberia/China_Beijing_Market.jpg"/>
+          <p:cNvPicPr>
+            <a:picLocks noChangeAspect="1" noChangeArrowheads="1"/>
+          </p:cNvPicPr>
+          <p:nvPr/>
+        </p:nvPicPr>
+        <p:blipFill>
+          <a:blip r:embed="rId2">
+            <a:extLst>
+              <a:ext uri="{28A0092B-C50C-407E-A947-70E740481C1C}">
+                <a14:useLocalDpi xmlns:a14="http://schemas.microsoft.com/office/drawing/2010/main" val="0"/>
+              </a:ext>
+            </a:extLst>
+          </a:blip>
+          <a:srcRect/>
+          <a:stretch>
+            <a:fillRect/>
+          </a:stretch>
+        </p:blipFill>
+        <p:spPr bwMode="auto">
+          <a:xfrm>
+            <a:off x="-29975" y="0"/>
+            <a:ext cx="10304172" cy="6858000"/>
+          </a:xfrm>
+          <a:prstGeom prst="rect">
+            <a:avLst/>
+          </a:prstGeom>
+          <a:noFill/>
+          <a:extLst>
+            <a:ext uri="{909E8E84-426E-40DD-AFC4-6F175D3DCCD1}">
+              <a14:hiddenFill xmlns:a14="http://schemas.microsoft.com/office/drawing/2010/main">
+                <a:solidFill>
+                  <a:srgbClr val="FFFFFF"/>
+                </a:solidFill>
+              </a14:hiddenFill>
+            </a:ext>
+          </a:extLst>
+        </p:spPr>
+      </p:pic>
+      <p:sp>
+        <p:nvSpPr>
+          <p:cNvPr id="4" name="TextBox 3"/>
+          <p:cNvSpPr txBox="1"/>
+          <p:nvPr/>
         </p:nvSpPr>
         <p:spPr>
           <a:xfrm>
-            <a:off x="1710266" y="2760080"/>
-            <a:ext cx="5723468" cy="1337841"/>
-          </a:xfrm>
-        </p:spPr>
-        <p:txBody>
-          <a:bodyPr>
-            <a:normAutofit fontScale="90000"/>
+            <a:off x="60034" y="6479569"/>
+            <a:ext cx="5125121" cy="246221"/>
+          </a:xfrm>
+          <a:prstGeom prst="rect">
+            <a:avLst/>
+          </a:prstGeom>
+          <a:noFill/>
+        </p:spPr>
+        <p:txBody>
+          <a:bodyPr wrap="none" rtlCol="0">
+            <a:spAutoFit/>
           </a:bodyPr>
           <a:lstStyle/>
           <a:p>
             <a:r>
-              <a:rPr lang="en-US" dirty="0" smtClean="0"/>
-              <a:t>Find your value proposition</a:t>
-            </a:r>
-            <a:endParaRPr lang="en-US" dirty="0"/>
+              <a:rPr lang="en-US" sz="1000" dirty="0"/>
+              <a:t>http://www.rontravel.com/travel_photo_pages/pictures_china_siberia_happy_cannibal.htm</a:t>
+            </a:r>
+            <a:endParaRPr lang="en-US" sz="1000" dirty="0"/>
+          </a:p>
+        </p:txBody>
+      </p:sp>
+      <p:sp>
+        <p:nvSpPr>
+          <p:cNvPr id="5" name="TextBox 4"/>
+          <p:cNvSpPr txBox="1"/>
+          <p:nvPr/>
+        </p:nvSpPr>
+        <p:spPr>
+          <a:xfrm>
+            <a:off x="-29975" y="685800"/>
+            <a:ext cx="4653838" cy="584775"/>
+          </a:xfrm>
+          <a:prstGeom prst="rect">
+            <a:avLst/>
+          </a:prstGeom>
+          <a:solidFill>
+            <a:schemeClr val="bg1"/>
+          </a:solidFill>
+        </p:spPr>
+        <p:txBody>
+          <a:bodyPr wrap="none" rtlCol="0">
+            <a:spAutoFit/>
+          </a:bodyPr>
+          <a:lstStyle/>
+          <a:p>
+            <a:r>
+              <a:rPr lang="en-US" sz="3200" b="1" dirty="0">
+                <a:latin typeface="Agency FB" panose="020B0503020202020204" pitchFamily="34" charset="0"/>
+              </a:rPr>
+              <a:t> </a:t>
+            </a:r>
+            <a:r>
+              <a:rPr lang="en-US" sz="3200" b="1" dirty="0" smtClean="0">
+                <a:latin typeface="Agency FB" panose="020B0503020202020204" pitchFamily="34" charset="0"/>
+              </a:rPr>
+              <a:t>FIND YOUR VALUE PROPOSITION</a:t>
+            </a:r>
+            <a:endParaRPr lang="en-US" sz="3200" b="1" dirty="0">
+              <a:latin typeface="Agency FB" panose="020B0503020202020204" pitchFamily="34" charset="0"/>
+            </a:endParaRPr>
           </a:p>
         </p:txBody>
       </p:sp>
     </p:spTree>
     <p:extLst>
       <p:ext uri="{BB962C8B-B14F-4D97-AF65-F5344CB8AC3E}">
-        <p14:creationId xmlns:p14="http://schemas.microsoft.com/office/powerpoint/2010/main" val="3650977637"/>
+        <p14:creationId xmlns:p14="http://schemas.microsoft.com/office/powerpoint/2010/main" val="2919479709"/>
       </p:ext>
     </p:extLst>
   </p:cSld>
@@ -8205,7 +6371,7 @@
   <p:timing>
     <p:tnLst>
       <p:par>
-        <p:cTn xmlns:p14="http://schemas.microsoft.com/office/powerpoint/2010/main" id="1" dur="indefinite" restart="never" nodeType="tmRoot"/>
+        <p:cTn id="1" dur="indefinite" restart="never" nodeType="tmRoot"/>
       </p:par>
     </p:tnLst>
   </p:timing>
@@ -8229,54 +6395,117 @@
           <a:chExt cx="0" cy="0"/>
         </a:xfrm>
       </p:grpSpPr>
-      <p:sp>
-        <p:nvSpPr>
-          <p:cNvPr id="4" name="Title 3"/>
-          <p:cNvSpPr>
-            <a:spLocks noGrp="1"/>
-          </p:cNvSpPr>
-          <p:nvPr>
-            <p:ph type="ctrTitle"/>
-          </p:nvPr>
+      <p:pic>
+        <p:nvPicPr>
+          <p:cNvPr id="3074" name="Picture 2" descr="Man Tries to Hug a Wild Lion, You Won't Believe What Happens Next!"/>
+          <p:cNvPicPr>
+            <a:picLocks noChangeAspect="1" noChangeArrowheads="1"/>
+          </p:cNvPicPr>
+          <p:nvPr/>
+        </p:nvPicPr>
+        <p:blipFill>
+          <a:blip r:embed="rId2">
+            <a:extLst>
+              <a:ext uri="{28A0092B-C50C-407E-A947-70E740481C1C}">
+                <a14:useLocalDpi xmlns:a14="http://schemas.microsoft.com/office/drawing/2010/main" val="0"/>
+              </a:ext>
+            </a:extLst>
+          </a:blip>
+          <a:srcRect/>
+          <a:stretch>
+            <a:fillRect/>
+          </a:stretch>
+        </p:blipFill>
+        <p:spPr bwMode="auto">
+          <a:xfrm>
+            <a:off x="-1883391" y="-30708"/>
+            <a:ext cx="12246591" cy="6888707"/>
+          </a:xfrm>
+          <a:prstGeom prst="rect">
+            <a:avLst/>
+          </a:prstGeom>
+          <a:noFill/>
+          <a:extLst>
+            <a:ext uri="{909E8E84-426E-40DD-AFC4-6F175D3DCCD1}">
+              <a14:hiddenFill xmlns:a14="http://schemas.microsoft.com/office/drawing/2010/main">
+                <a:solidFill>
+                  <a:srgbClr val="FFFFFF"/>
+                </a:solidFill>
+              </a14:hiddenFill>
+            </a:ext>
+          </a:extLst>
+        </p:spPr>
+      </p:pic>
+      <p:sp>
+        <p:nvSpPr>
+          <p:cNvPr id="4" name="TextBox 3"/>
+          <p:cNvSpPr txBox="1"/>
+          <p:nvPr/>
         </p:nvSpPr>
         <p:spPr>
           <a:xfrm>
-            <a:off x="1710266" y="1647636"/>
-            <a:ext cx="5723468" cy="3535553"/>
-          </a:xfrm>
-        </p:spPr>
-        <p:txBody>
-          <a:bodyPr anchor="ctr" anchorCtr="1">
-            <a:normAutofit fontScale="90000"/>
+            <a:off x="60034" y="6479569"/>
+            <a:ext cx="4456669" cy="246221"/>
+          </a:xfrm>
+          <a:prstGeom prst="rect">
+            <a:avLst/>
+          </a:prstGeom>
+          <a:noFill/>
+        </p:spPr>
+        <p:txBody>
+          <a:bodyPr wrap="none" rtlCol="0">
+            <a:spAutoFit/>
           </a:bodyPr>
           <a:lstStyle/>
           <a:p>
             <a:r>
-              <a:rPr lang="en-US" dirty="0" smtClean="0"/>
-              <a:t>Experience is irrelevant.</a:t>
-            </a:r>
-            <a:br>
-              <a:rPr lang="en-US" dirty="0" smtClean="0"/>
-            </a:br>
-            <a:r>
-              <a:rPr lang="en-US" dirty="0"/>
-              <a:t/>
-            </a:r>
-            <a:br>
-              <a:rPr lang="en-US" dirty="0"/>
-            </a:br>
-            <a:r>
-              <a:rPr lang="en-US" dirty="0" smtClean="0"/>
-              <a:t>Accomplishments are everything.</a:t>
-            </a:r>
-            <a:endParaRPr lang="en-US" dirty="0"/>
+              <a:rPr lang="en-US" sz="1000" dirty="0" smtClean="0"/>
+              <a:t>http://www.earthporm.com/man-tries-hug-wild-lion-wont-believe-happens-next/</a:t>
+            </a:r>
+            <a:endParaRPr lang="en-US" sz="1000" dirty="0"/>
+          </a:p>
+        </p:txBody>
+      </p:sp>
+      <p:sp>
+        <p:nvSpPr>
+          <p:cNvPr id="5" name="TextBox 4"/>
+          <p:cNvSpPr txBox="1"/>
+          <p:nvPr/>
+        </p:nvSpPr>
+        <p:spPr>
+          <a:xfrm>
+            <a:off x="-29975" y="685800"/>
+            <a:ext cx="3491661" cy="584775"/>
+          </a:xfrm>
+          <a:prstGeom prst="rect">
+            <a:avLst/>
+          </a:prstGeom>
+          <a:solidFill>
+            <a:schemeClr val="bg1"/>
+          </a:solidFill>
+        </p:spPr>
+        <p:txBody>
+          <a:bodyPr wrap="none" rtlCol="0">
+            <a:spAutoFit/>
+          </a:bodyPr>
+          <a:lstStyle/>
+          <a:p>
+            <a:r>
+              <a:rPr lang="en-US" sz="3200" b="1" dirty="0" smtClean="0">
+                <a:latin typeface="Agency FB" panose="020B0503020202020204" pitchFamily="34" charset="0"/>
+              </a:rPr>
+              <a:t> MAKE TIME FOR PEOPLE</a:t>
+            </a:r>
+            <a:endParaRPr lang="en-US" sz="3200" b="1" dirty="0">
+              <a:latin typeface="Agency FB" panose="020B0503020202020204" pitchFamily="34" charset="0"/>
+            </a:endParaRPr>
           </a:p>
         </p:txBody>
       </p:sp>
     </p:spTree>
     <p:extLst>
       <p:ext uri="{BB962C8B-B14F-4D97-AF65-F5344CB8AC3E}">
-        <p14:creationId xmlns:p14="http://schemas.microsoft.com/office/powerpoint/2010/main" val="3491254877"/>
+        <p14:creationId xmlns:p14="http://schemas.microsoft.com/office/powerpoint/2010/main" val="2671182705"/>
       </p:ext>
     </p:extLst>
   </p:cSld>
@@ -8286,7 +6515,7 @@
   <p:timing>
     <p:tnLst>
       <p:par>
-        <p:cTn xmlns:p14="http://schemas.microsoft.com/office/powerpoint/2010/main" id="1" dur="indefinite" restart="never" nodeType="tmRoot"/>
+        <p:cTn id="1" dur="indefinite" restart="never" nodeType="tmRoot"/>
       </p:par>
     </p:tnLst>
   </p:timing>
@@ -8310,40 +6539,146 @@
           <a:chExt cx="0" cy="0"/>
         </a:xfrm>
       </p:grpSpPr>
-      <p:sp>
-        <p:nvSpPr>
-          <p:cNvPr id="4" name="Title 3"/>
-          <p:cNvSpPr>
-            <a:spLocks noGrp="1"/>
-          </p:cNvSpPr>
-          <p:nvPr>
-            <p:ph type="ctrTitle"/>
-          </p:nvPr>
+      <p:pic>
+        <p:nvPicPr>
+          <p:cNvPr id="5122" name="Picture 2" descr="http://inspiredworlds.com/wp-content/uploads/2014/01/mountainTop.jpg"/>
+          <p:cNvPicPr>
+            <a:picLocks noChangeAspect="1" noChangeArrowheads="1"/>
+          </p:cNvPicPr>
+          <p:nvPr/>
+        </p:nvPicPr>
+        <p:blipFill>
+          <a:blip r:embed="rId2">
+            <a:extLst>
+              <a:ext uri="{28A0092B-C50C-407E-A947-70E740481C1C}">
+                <a14:useLocalDpi xmlns:a14="http://schemas.microsoft.com/office/drawing/2010/main" val="0"/>
+              </a:ext>
+            </a:extLst>
+          </a:blip>
+          <a:srcRect/>
+          <a:stretch>
+            <a:fillRect/>
+          </a:stretch>
+        </p:blipFill>
+        <p:spPr bwMode="auto">
+          <a:xfrm>
+            <a:off x="-228600" y="0"/>
+            <a:ext cx="9753600" cy="7315200"/>
+          </a:xfrm>
+          <a:prstGeom prst="rect">
+            <a:avLst/>
+          </a:prstGeom>
+          <a:noFill/>
+          <a:extLst>
+            <a:ext uri="{909E8E84-426E-40DD-AFC4-6F175D3DCCD1}">
+              <a14:hiddenFill xmlns:a14="http://schemas.microsoft.com/office/drawing/2010/main">
+                <a:solidFill>
+                  <a:srgbClr val="FFFFFF"/>
+                </a:solidFill>
+              </a14:hiddenFill>
+            </a:ext>
+          </a:extLst>
+        </p:spPr>
+      </p:pic>
+      <p:sp>
+        <p:nvSpPr>
+          <p:cNvPr id="4" name="TextBox 3"/>
+          <p:cNvSpPr txBox="1"/>
+          <p:nvPr/>
         </p:nvSpPr>
         <p:spPr>
           <a:xfrm>
-            <a:off x="1710266" y="1647636"/>
-            <a:ext cx="5723468" cy="3535553"/>
-          </a:xfrm>
-        </p:spPr>
-        <p:txBody>
-          <a:bodyPr anchor="ctr" anchorCtr="1">
-            <a:normAutofit/>
+            <a:off x="60034" y="6479569"/>
+            <a:ext cx="184731" cy="246221"/>
+          </a:xfrm>
+          <a:prstGeom prst="rect">
+            <a:avLst/>
+          </a:prstGeom>
+          <a:noFill/>
+        </p:spPr>
+        <p:txBody>
+          <a:bodyPr wrap="none" rtlCol="0">
+            <a:spAutoFit/>
           </a:bodyPr>
           <a:lstStyle/>
           <a:p>
-            <a:r>
-              <a:rPr lang="en-US" dirty="0" smtClean="0"/>
-              <a:t>Make time for people</a:t>
-            </a:r>
-            <a:endParaRPr lang="en-US" dirty="0"/>
+            <a:endParaRPr lang="en-US" sz="1000" dirty="0"/>
+          </a:p>
+        </p:txBody>
+      </p:sp>
+      <p:sp>
+        <p:nvSpPr>
+          <p:cNvPr id="5" name="TextBox 4"/>
+          <p:cNvSpPr txBox="1"/>
+          <p:nvPr/>
+        </p:nvSpPr>
+        <p:spPr>
+          <a:xfrm>
+            <a:off x="-29975" y="685800"/>
+            <a:ext cx="4046301" cy="584775"/>
+          </a:xfrm>
+          <a:prstGeom prst="rect">
+            <a:avLst/>
+          </a:prstGeom>
+          <a:solidFill>
+            <a:schemeClr val="bg1"/>
+          </a:solidFill>
+        </p:spPr>
+        <p:txBody>
+          <a:bodyPr wrap="none" rtlCol="0">
+            <a:spAutoFit/>
+          </a:bodyPr>
+          <a:lstStyle/>
+          <a:p>
+            <a:r>
+              <a:rPr lang="en-US" sz="3200" b="1" dirty="0" smtClean="0">
+                <a:latin typeface="Agency FB" panose="020B0503020202020204" pitchFamily="34" charset="0"/>
+              </a:rPr>
+              <a:t>EXPERIENCE IS IRRELEVANT.</a:t>
+            </a:r>
+          </a:p>
+        </p:txBody>
+      </p:sp>
+      <p:sp>
+        <p:nvSpPr>
+          <p:cNvPr id="6" name="TextBox 5"/>
+          <p:cNvSpPr txBox="1"/>
+          <p:nvPr/>
+        </p:nvSpPr>
+        <p:spPr>
+          <a:xfrm>
+            <a:off x="-29976" y="5511225"/>
+            <a:ext cx="5405647" cy="584775"/>
+          </a:xfrm>
+          <a:prstGeom prst="rect">
+            <a:avLst/>
+          </a:prstGeom>
+          <a:solidFill>
+            <a:schemeClr val="bg1"/>
+          </a:solidFill>
+        </p:spPr>
+        <p:txBody>
+          <a:bodyPr wrap="none" rtlCol="0">
+            <a:spAutoFit/>
+          </a:bodyPr>
+          <a:lstStyle/>
+          <a:p>
+            <a:r>
+              <a:rPr lang="en-US" sz="3200" b="1" dirty="0" smtClean="0">
+                <a:latin typeface="Agency FB" panose="020B0503020202020204" pitchFamily="34" charset="0"/>
+              </a:rPr>
+              <a:t>ACCOMPLISHMENTS ARE EVERYTHING.</a:t>
+            </a:r>
+            <a:endParaRPr lang="en-US" sz="3200" b="1" dirty="0">
+              <a:latin typeface="Agency FB" panose="020B0503020202020204" pitchFamily="34" charset="0"/>
+            </a:endParaRPr>
           </a:p>
         </p:txBody>
       </p:sp>
     </p:spTree>
     <p:extLst>
       <p:ext uri="{BB962C8B-B14F-4D97-AF65-F5344CB8AC3E}">
-        <p14:creationId xmlns:p14="http://schemas.microsoft.com/office/powerpoint/2010/main" val="3601997900"/>
+        <p14:creationId xmlns:p14="http://schemas.microsoft.com/office/powerpoint/2010/main" val="606277461"/>
       </p:ext>
     </p:extLst>
   </p:cSld>
@@ -8353,7 +6688,7 @@
   <p:timing>
     <p:tnLst>
       <p:par>
-        <p:cTn xmlns:p14="http://schemas.microsoft.com/office/powerpoint/2010/main" id="1" dur="indefinite" restart="never" nodeType="tmRoot"/>
+        <p:cTn id="1" dur="indefinite" restart="never" nodeType="tmRoot"/>
       </p:par>
     </p:tnLst>
   </p:timing>
@@ -8361,9 +6696,9 @@
 </file>
 
 <file path=ppt/theme/theme1.xml><?xml version="1.0" encoding="utf-8"?>
-<a:theme xmlns:a="http://schemas.openxmlformats.org/drawingml/2006/main" name="Pushpin">
+<a:theme xmlns:a="http://schemas.openxmlformats.org/drawingml/2006/main" name="Office Theme">
   <a:themeElements>
-    <a:clrScheme name="Pushpin">
+    <a:clrScheme name="Office">
       <a:dk1>
         <a:sysClr val="windowText" lastClr="000000"/>
       </a:dk1>
@@ -8371,52 +6706,52 @@
         <a:sysClr val="window" lastClr="FFFFFF"/>
       </a:lt1>
       <a:dk2>
-        <a:srgbClr val="465E9C"/>
+        <a:srgbClr val="1F497D"/>
       </a:dk2>
       <a:lt2>
-        <a:srgbClr val="CCDDEA"/>
+        <a:srgbClr val="EEECE1"/>
       </a:lt2>
       <a:accent1>
-        <a:srgbClr val="FDA023"/>
+        <a:srgbClr val="4F81BD"/>
       </a:accent1>
       <a:accent2>
-        <a:srgbClr val="AA2B1E"/>
+        <a:srgbClr val="C0504D"/>
       </a:accent2>
       <a:accent3>
-        <a:srgbClr val="71685C"/>
+        <a:srgbClr val="9BBB59"/>
       </a:accent3>
       <a:accent4>
-        <a:srgbClr val="64A73B"/>
+        <a:srgbClr val="8064A2"/>
       </a:accent4>
       <a:accent5>
-        <a:srgbClr val="EB5605"/>
+        <a:srgbClr val="4BACC6"/>
       </a:accent5>
       <a:accent6>
-        <a:srgbClr val="B9CA1A"/>
+        <a:srgbClr val="F79646"/>
       </a:accent6>
       <a:hlink>
-        <a:srgbClr val="D83E2C"/>
+        <a:srgbClr val="0000FF"/>
       </a:hlink>
       <a:folHlink>
-        <a:srgbClr val="ED7D27"/>
+        <a:srgbClr val="800080"/>
       </a:folHlink>
     </a:clrScheme>
-    <a:fontScheme name="Pushpin">
+    <a:fontScheme name="Waveform">
       <a:majorFont>
-        <a:latin typeface="Constantia"/>
+        <a:latin typeface="Candara"/>
         <a:ea typeface=""/>
         <a:cs typeface=""/>
-        <a:font script="Jpan" typeface="HGS明朝E"/>
-        <a:font script="Hang" typeface="HY신명조"/>
-        <a:font script="Hans" typeface="宋体"/>
-        <a:font script="Hant" typeface="新細明體"/>
-        <a:font script="Arab" typeface="Majalla UI"/>
-        <a:font script="Hebr" typeface="David"/>
-        <a:font script="Thai" typeface="Browallia New"/>
+        <a:font script="Jpan" typeface="HGP明朝E"/>
+        <a:font script="Hang" typeface="HY그래픽M"/>
+        <a:font script="Hans" typeface="华文新魏"/>
+        <a:font script="Hant" typeface="標楷體"/>
+        <a:font script="Arab" typeface="Arial"/>
+        <a:font script="Hebr" typeface="Arial"/>
+        <a:font script="Thai" typeface="KodchiangUPC"/>
         <a:font script="Ethi" typeface="Nyala"/>
         <a:font script="Beng" typeface="Vrinda"/>
         <a:font script="Gujr" typeface="Shruti"/>
-        <a:font script="Khmr" typeface="MoolBoran"/>
+        <a:font script="Khmr" typeface="DaunPenh"/>
         <a:font script="Knda" typeface="Tunga"/>
         <a:font script="Guru" typeface="Raavi"/>
         <a:font script="Cans" typeface="Euphemia"/>
@@ -8433,27 +6768,25 @@
         <a:font script="Laoo" typeface="DokChampa"/>
         <a:font script="Sinh" typeface="Iskoola Pota"/>
         <a:font script="Mong" typeface="Mongolian Baiti"/>
-        <a:font script="Viet" typeface="Times New Roman"/>
+        <a:font script="Viet" typeface="Tahoma"/>
         <a:font script="Uigh" typeface="Microsoft Uighur"/>
         <a:font script="Geor" typeface="Sylfaen"/>
       </a:majorFont>
       <a:minorFont>
-        <a:latin typeface="Franklin Gothic Book"/>
+        <a:latin typeface="Candara"/>
         <a:ea typeface=""/>
         <a:cs typeface=""/>
-        <a:font script="Grek" typeface="Arial"/>
-        <a:font script="Cyrl" typeface="Arial"/>
-        <a:font script="Jpan" typeface="ＭＳ Ｐゴシック"/>
-        <a:font script="Hang" typeface="맑은 고딕"/>
-        <a:font script="Hans" typeface="黑体"/>
-        <a:font script="Hant" typeface="微軟正黑體"/>
+        <a:font script="Jpan" typeface="HGP明朝E"/>
+        <a:font script="Hang" typeface="HY그래픽M"/>
+        <a:font script="Hans" typeface="华文楷体"/>
+        <a:font script="Hant" typeface="標楷體"/>
         <a:font script="Arab" typeface="Arial"/>
         <a:font script="Hebr" typeface="Arial"/>
-        <a:font script="Thai" typeface="Cordia New"/>
+        <a:font script="Thai" typeface="KodchiangUPC"/>
         <a:font script="Ethi" typeface="Nyala"/>
         <a:font script="Beng" typeface="Vrinda"/>
         <a:font script="Gujr" typeface="Shruti"/>
-        <a:font script="Khmr" typeface="MoolBoran"/>
+        <a:font script="Khmr" typeface="DaunPenh"/>
         <a:font script="Knda" typeface="Tunga"/>
         <a:font script="Guru" typeface="Raavi"/>
         <a:font script="Cans" typeface="Euphemia"/>
@@ -8470,12 +6803,12 @@
         <a:font script="Laoo" typeface="DokChampa"/>
         <a:font script="Sinh" typeface="Iskoola Pota"/>
         <a:font script="Mong" typeface="Mongolian Baiti"/>
-        <a:font script="Viet" typeface="Arial"/>
+        <a:font script="Viet" typeface="Tahoma"/>
         <a:font script="Uigh" typeface="Microsoft Uighur"/>
         <a:font script="Geor" typeface="Sylfaen"/>
       </a:minorFont>
     </a:fontScheme>
-    <a:fmtScheme name="Pushpin">
+    <a:fmtScheme name="Office">
       <a:fillStyleLst>
         <a:solidFill>
           <a:schemeClr val="phClr"/>
@@ -8485,53 +6818,54 @@
             <a:gs pos="0">
               <a:schemeClr val="phClr">
                 <a:tint val="50000"/>
-                <a:satMod val="180000"/>
-                <a:lumMod val="100000"/>
+                <a:satMod val="300000"/>
               </a:schemeClr>
             </a:gs>
-            <a:gs pos="40000">
+            <a:gs pos="35000">
               <a:schemeClr val="phClr">
-                <a:tint val="60000"/>
-                <a:satMod val="130000"/>
-                <a:lumMod val="100000"/>
+                <a:tint val="37000"/>
+                <a:satMod val="300000"/>
               </a:schemeClr>
             </a:gs>
             <a:gs pos="100000">
               <a:schemeClr val="phClr">
-                <a:tint val="96000"/>
-                <a:lumMod val="108000"/>
+                <a:tint val="15000"/>
+                <a:satMod val="350000"/>
               </a:schemeClr>
             </a:gs>
           </a:gsLst>
-          <a:lin ang="5400000" scaled="0"/>
+          <a:lin ang="16200000" scaled="1"/>
         </a:gradFill>
         <a:gradFill rotWithShape="1">
           <a:gsLst>
             <a:gs pos="0">
-              <a:schemeClr val="phClr"/>
+              <a:schemeClr val="phClr">
+                <a:shade val="51000"/>
+                <a:satMod val="130000"/>
+              </a:schemeClr>
+            </a:gs>
+            <a:gs pos="80000">
+              <a:schemeClr val="phClr">
+                <a:shade val="93000"/>
+                <a:satMod val="130000"/>
+              </a:schemeClr>
             </a:gs>
             <a:gs pos="100000">
               <a:schemeClr val="phClr">
-                <a:shade val="76000"/>
-                <a:lumMod val="90000"/>
+                <a:shade val="94000"/>
+                <a:satMod val="135000"/>
               </a:schemeClr>
             </a:gs>
           </a:gsLst>
-          <a:lin ang="5400000" scaled="0"/>
+          <a:lin ang="16200000" scaled="0"/>
         </a:gradFill>
       </a:fillStyleLst>
       <a:lnStyleLst>
         <a:ln w="9525" cap="flat" cmpd="sng" algn="ctr">
           <a:solidFill>
-            <a:schemeClr val="phClr"/>
-          </a:solidFill>
-          <a:prstDash val="solid"/>
-        </a:ln>
-        <a:ln w="15875" cap="flat" cmpd="sng" algn="ctr">
-          <a:solidFill>
             <a:schemeClr val="phClr">
-              <a:shade val="80000"/>
-              <a:lumMod val="90000"/>
+              <a:shade val="95000"/>
+              <a:satMod val="105000"/>
             </a:schemeClr>
           </a:solidFill>
           <a:prstDash val="solid"/>
@@ -8542,25 +6876,37 @@
           </a:solidFill>
           <a:prstDash val="solid"/>
         </a:ln>
+        <a:ln w="38100" cap="flat" cmpd="sng" algn="ctr">
+          <a:solidFill>
+            <a:schemeClr val="phClr"/>
+          </a:solidFill>
+          <a:prstDash val="solid"/>
+        </a:ln>
       </a:lnStyleLst>
       <a:effectStyleLst>
         <a:effectStyle>
-          <a:effectLst/>
-        </a:effectStyle>
-        <a:effectStyle>
           <a:effectLst>
-            <a:outerShdw blurRad="38100" dist="38100" dir="4800000" sx="98000" sy="98000" rotWithShape="0">
+            <a:outerShdw blurRad="40000" dist="20000" dir="5400000" rotWithShape="0">
               <a:srgbClr val="000000">
-                <a:alpha val="32000"/>
+                <a:alpha val="38000"/>
               </a:srgbClr>
             </a:outerShdw>
           </a:effectLst>
         </a:effectStyle>
         <a:effectStyle>
           <a:effectLst>
-            <a:outerShdw blurRad="38100" dist="38100" dir="4800000" sx="96000" sy="96000" rotWithShape="0">
+            <a:outerShdw blurRad="40000" dist="23000" dir="5400000" rotWithShape="0">
               <a:srgbClr val="000000">
-                <a:alpha val="40000"/>
+                <a:alpha val="35000"/>
+              </a:srgbClr>
+            </a:outerShdw>
+          </a:effectLst>
+        </a:effectStyle>
+        <a:effectStyle>
+          <a:effectLst>
+            <a:outerShdw blurRad="40000" dist="23000" dir="5400000" rotWithShape="0">
+              <a:srgbClr val="000000">
+                <a:alpha val="35000"/>
               </a:srgbClr>
             </a:outerShdw>
           </a:effectLst>
@@ -8569,55 +6915,63 @@
               <a:rot lat="0" lon="0" rev="0"/>
             </a:camera>
             <a:lightRig rig="threePt" dir="t">
-              <a:rot lat="0" lon="0" rev="3240000"/>
+              <a:rot lat="0" lon="0" rev="1200000"/>
             </a:lightRig>
           </a:scene3d>
           <a:sp3d>
-            <a:bevelT w="28575" h="28575"/>
+            <a:bevelT w="63500" h="25400"/>
           </a:sp3d>
         </a:effectStyle>
       </a:effectStyleLst>
       <a:bgFillStyleLst>
         <a:solidFill>
-          <a:schemeClr val="phClr">
-            <a:tint val="93000"/>
-          </a:schemeClr>
+          <a:schemeClr val="phClr"/>
         </a:solidFill>
-        <a:blipFill rotWithShape="1">
-          <a:blip xmlns:r="http://schemas.openxmlformats.org/officeDocument/2006/relationships" r:embed="rId1">
-            <a:duotone>
+        <a:gradFill rotWithShape="1">
+          <a:gsLst>
+            <a:gs pos="0">
               <a:schemeClr val="phClr">
-                <a:shade val="80000"/>
-                <a:satMod val="140000"/>
-                <a:lumMod val="50000"/>
+                <a:tint val="40000"/>
+                <a:satMod val="350000"/>
               </a:schemeClr>
+            </a:gs>
+            <a:gs pos="40000">
               <a:schemeClr val="phClr">
-                <a:tint val="95000"/>
-                <a:satMod val="180000"/>
-                <a:lumMod val="160000"/>
+                <a:tint val="45000"/>
+                <a:shade val="99000"/>
+                <a:satMod val="350000"/>
               </a:schemeClr>
-            </a:duotone>
-          </a:blip>
-          <a:stretch/>
-        </a:blipFill>
-        <a:blipFill rotWithShape="1">
-          <a:blip xmlns:r="http://schemas.openxmlformats.org/officeDocument/2006/relationships" r:embed="rId2">
-            <a:duotone>
+            </a:gs>
+            <a:gs pos="100000">
               <a:schemeClr val="phClr">
-                <a:tint val="98000"/>
-                <a:shade val="90000"/>
-                <a:satMod val="120000"/>
-                <a:lumMod val="54000"/>
+                <a:shade val="20000"/>
+                <a:satMod val="255000"/>
               </a:schemeClr>
+            </a:gs>
+          </a:gsLst>
+          <a:path path="circle">
+            <a:fillToRect l="50000" t="-80000" r="50000" b="180000"/>
+          </a:path>
+        </a:gradFill>
+        <a:gradFill rotWithShape="1">
+          <a:gsLst>
+            <a:gs pos="0">
               <a:schemeClr val="phClr">
                 <a:tint val="80000"/>
-                <a:satMod val="160000"/>
-                <a:lumMod val="140000"/>
+                <a:satMod val="300000"/>
               </a:schemeClr>
-            </a:duotone>
-          </a:blip>
-          <a:stretch/>
-        </a:blipFill>
+            </a:gs>
+            <a:gs pos="100000">
+              <a:schemeClr val="phClr">
+                <a:shade val="30000"/>
+                <a:satMod val="200000"/>
+              </a:schemeClr>
+            </a:gs>
+          </a:gsLst>
+          <a:path path="circle">
+            <a:fillToRect l="50000" t="50000" r="50000" b="50000"/>
+          </a:path>
+        </a:gradFill>
       </a:bgFillStyleLst>
     </a:fmtScheme>
   </a:themeElements>
@@ -8771,16 +7125,20 @@
           <a:gsLst>
             <a:gs pos="0">
               <a:schemeClr val="phClr">
-                <a:tint val="100000"/>
-                <a:shade val="100000"/>
+                <a:shade val="51000"/>
+                <a:satMod val="130000"/>
+              </a:schemeClr>
+            </a:gs>
+            <a:gs pos="80000">
+              <a:schemeClr val="phClr">
+                <a:shade val="93000"/>
                 <a:satMod val="130000"/>
               </a:schemeClr>
             </a:gs>
             <a:gs pos="100000">
               <a:schemeClr val="phClr">
-                <a:tint val="50000"/>
-                <a:shade val="100000"/>
-                <a:satMod val="350000"/>
+                <a:shade val="94000"/>
+                <a:satMod val="135000"/>
               </a:schemeClr>
             </a:gs>
           </a:gsLst>
@@ -8902,46 +7260,7 @@
       </a:bgFillStyleLst>
     </a:fmtScheme>
   </a:themeElements>
-  <a:objectDefaults>
-    <a:spDef>
-      <a:spPr/>
-      <a:bodyPr/>
-      <a:lstStyle/>
-      <a:style>
-        <a:lnRef idx="1">
-          <a:schemeClr val="accent1"/>
-        </a:lnRef>
-        <a:fillRef idx="3">
-          <a:schemeClr val="accent1"/>
-        </a:fillRef>
-        <a:effectRef idx="2">
-          <a:schemeClr val="accent1"/>
-        </a:effectRef>
-        <a:fontRef idx="minor">
-          <a:schemeClr val="lt1"/>
-        </a:fontRef>
-      </a:style>
-    </a:spDef>
-    <a:lnDef>
-      <a:spPr/>
-      <a:bodyPr/>
-      <a:lstStyle/>
-      <a:style>
-        <a:lnRef idx="2">
-          <a:schemeClr val="accent1"/>
-        </a:lnRef>
-        <a:fillRef idx="0">
-          <a:schemeClr val="accent1"/>
-        </a:fillRef>
-        <a:effectRef idx="1">
-          <a:schemeClr val="accent1"/>
-        </a:effectRef>
-        <a:fontRef idx="minor">
-          <a:schemeClr val="tx1"/>
-        </a:fontRef>
-      </a:style>
-    </a:lnDef>
-  </a:objectDefaults>
+  <a:objectDefaults/>
   <a:extraClrSchemeLst/>
 </a:theme>
 </file>
--- a/The Business of You.pptx
+++ b/The Business of You.pptx
@@ -5,7 +5,7 @@
     <p:sldMasterId id="2147483648" r:id="rId1"/>
   </p:sldMasterIdLst>
   <p:notesMasterIdLst>
-    <p:notesMasterId r:id="rId21"/>
+    <p:notesMasterId r:id="rId22"/>
   </p:notesMasterIdLst>
   <p:sldIdLst>
     <p:sldId id="256" r:id="rId2"/>
@@ -25,8 +25,9 @@
     <p:sldId id="271" r:id="rId16"/>
     <p:sldId id="272" r:id="rId17"/>
     <p:sldId id="273" r:id="rId18"/>
-    <p:sldId id="274" r:id="rId19"/>
-    <p:sldId id="275" r:id="rId20"/>
+    <p:sldId id="276" r:id="rId19"/>
+    <p:sldId id="274" r:id="rId20"/>
+    <p:sldId id="275" r:id="rId21"/>
   </p:sldIdLst>
   <p:sldSz cx="9144000" cy="6858000" type="screen4x3"/>
   <p:notesSz cx="6858000" cy="9144000"/>
@@ -210,7 +211,7 @@
           <a:p>
             <a:fld id="{91D68126-6C17-4EB5-89B9-C9BABC67D8F3}" type="datetimeFigureOut">
               <a:rPr lang="en-US" smtClean="0"/>
-              <a:t>3/22/2014</a:t>
+              <a:t>4/3/2014</a:t>
             </a:fld>
             <a:endParaRPr lang="en-US"/>
           </a:p>
@@ -638,7 +639,7 @@
             <a:fld id="{46B52E04-8F68-435C-880A-7C7B12D9BA2F}" type="slidenum">
               <a:rPr lang="en-US" smtClean="0"/>
               <a:pPr/>
-              <a:t>19</a:t>
+              <a:t>20</a:t>
             </a:fld>
             <a:endParaRPr lang="en-US"/>
           </a:p>
@@ -833,7 +834,7 @@
           <a:p>
             <a:fld id="{21ECAC6E-94D0-4AF5-9658-136DB119C8EB}" type="datetimeFigureOut">
               <a:rPr lang="en-US" smtClean="0"/>
-              <a:t>3/22/2014</a:t>
+              <a:t>4/3/2014</a:t>
             </a:fld>
             <a:endParaRPr lang="en-US"/>
           </a:p>
@@ -1003,7 +1004,7 @@
           <a:p>
             <a:fld id="{21ECAC6E-94D0-4AF5-9658-136DB119C8EB}" type="datetimeFigureOut">
               <a:rPr lang="en-US" smtClean="0"/>
-              <a:t>3/22/2014</a:t>
+              <a:t>4/3/2014</a:t>
             </a:fld>
             <a:endParaRPr lang="en-US"/>
           </a:p>
@@ -1183,7 +1184,7 @@
           <a:p>
             <a:fld id="{21ECAC6E-94D0-4AF5-9658-136DB119C8EB}" type="datetimeFigureOut">
               <a:rPr lang="en-US" smtClean="0"/>
-              <a:t>3/22/2014</a:t>
+              <a:t>4/3/2014</a:t>
             </a:fld>
             <a:endParaRPr lang="en-US"/>
           </a:p>
@@ -1353,7 +1354,7 @@
           <a:p>
             <a:fld id="{21ECAC6E-94D0-4AF5-9658-136DB119C8EB}" type="datetimeFigureOut">
               <a:rPr lang="en-US" smtClean="0"/>
-              <a:t>3/22/2014</a:t>
+              <a:t>4/3/2014</a:t>
             </a:fld>
             <a:endParaRPr lang="en-US"/>
           </a:p>
@@ -1599,7 +1600,7 @@
           <a:p>
             <a:fld id="{21ECAC6E-94D0-4AF5-9658-136DB119C8EB}" type="datetimeFigureOut">
               <a:rPr lang="en-US" smtClean="0"/>
-              <a:t>3/22/2014</a:t>
+              <a:t>4/3/2014</a:t>
             </a:fld>
             <a:endParaRPr lang="en-US"/>
           </a:p>
@@ -1887,7 +1888,7 @@
           <a:p>
             <a:fld id="{21ECAC6E-94D0-4AF5-9658-136DB119C8EB}" type="datetimeFigureOut">
               <a:rPr lang="en-US" smtClean="0"/>
-              <a:t>3/22/2014</a:t>
+              <a:t>4/3/2014</a:t>
             </a:fld>
             <a:endParaRPr lang="en-US"/>
           </a:p>
@@ -2309,7 +2310,7 @@
           <a:p>
             <a:fld id="{21ECAC6E-94D0-4AF5-9658-136DB119C8EB}" type="datetimeFigureOut">
               <a:rPr lang="en-US" smtClean="0"/>
-              <a:t>3/22/2014</a:t>
+              <a:t>4/3/2014</a:t>
             </a:fld>
             <a:endParaRPr lang="en-US"/>
           </a:p>
@@ -2427,7 +2428,7 @@
           <a:p>
             <a:fld id="{21ECAC6E-94D0-4AF5-9658-136DB119C8EB}" type="datetimeFigureOut">
               <a:rPr lang="en-US" smtClean="0"/>
-              <a:t>3/22/2014</a:t>
+              <a:t>4/3/2014</a:t>
             </a:fld>
             <a:endParaRPr lang="en-US"/>
           </a:p>
@@ -2522,7 +2523,7 @@
           <a:p>
             <a:fld id="{21ECAC6E-94D0-4AF5-9658-136DB119C8EB}" type="datetimeFigureOut">
               <a:rPr lang="en-US" smtClean="0"/>
-              <a:t>3/22/2014</a:t>
+              <a:t>4/3/2014</a:t>
             </a:fld>
             <a:endParaRPr lang="en-US"/>
           </a:p>
@@ -2799,7 +2800,7 @@
           <a:p>
             <a:fld id="{21ECAC6E-94D0-4AF5-9658-136DB119C8EB}" type="datetimeFigureOut">
               <a:rPr lang="en-US" smtClean="0"/>
-              <a:t>3/22/2014</a:t>
+              <a:t>4/3/2014</a:t>
             </a:fld>
             <a:endParaRPr lang="en-US"/>
           </a:p>
@@ -3052,7 +3053,7 @@
           <a:p>
             <a:fld id="{21ECAC6E-94D0-4AF5-9658-136DB119C8EB}" type="datetimeFigureOut">
               <a:rPr lang="en-US" smtClean="0"/>
-              <a:t>3/22/2014</a:t>
+              <a:t>4/3/2014</a:t>
             </a:fld>
             <a:endParaRPr lang="en-US"/>
           </a:p>
@@ -3265,7 +3266,7 @@
           <a:p>
             <a:fld id="{21ECAC6E-94D0-4AF5-9658-136DB119C8EB}" type="datetimeFigureOut">
               <a:rPr lang="en-US" smtClean="0"/>
-              <a:t>3/22/2014</a:t>
+              <a:t>4/3/2014</a:t>
             </a:fld>
             <a:endParaRPr lang="en-US"/>
           </a:p>
@@ -3733,7 +3734,7 @@
         <p:spPr>
           <a:xfrm>
             <a:off x="113927" y="2667000"/>
-            <a:ext cx="7233070" cy="954107"/>
+            <a:ext cx="6848350" cy="954107"/>
           </a:xfrm>
           <a:prstGeom prst="rect">
             <a:avLst/>
@@ -3764,7 +3765,34 @@
                 </a:solidFill>
                 <a:latin typeface="Agency FB" panose="020B0503020202020204" pitchFamily="34" charset="0"/>
               </a:rPr>
-              <a:t>10 STEPS TO RUN YOUR LIFE AND CAREER LIKE A BUSINESS</a:t>
+              <a:t>10 STEPS </a:t>
+            </a:r>
+            <a:r>
+              <a:rPr lang="en-US" sz="2800" b="1" dirty="0" smtClean="0">
+                <a:solidFill>
+                  <a:schemeClr val="bg1"/>
+                </a:solidFill>
+                <a:latin typeface="Agency FB" panose="020B0503020202020204" pitchFamily="34" charset="0"/>
+              </a:rPr>
+              <a:t>FOR</a:t>
+            </a:r>
+            <a:r>
+              <a:rPr lang="en-US" sz="2800" b="1" dirty="0" smtClean="0">
+                <a:solidFill>
+                  <a:schemeClr val="bg1"/>
+                </a:solidFill>
+                <a:latin typeface="Agency FB" panose="020B0503020202020204" pitchFamily="34" charset="0"/>
+              </a:rPr>
+              <a:t> </a:t>
+            </a:r>
+            <a:r>
+              <a:rPr lang="en-US" sz="2800" b="1" dirty="0" smtClean="0">
+                <a:solidFill>
+                  <a:schemeClr val="bg1"/>
+                </a:solidFill>
+                <a:latin typeface="Agency FB" panose="020B0503020202020204" pitchFamily="34" charset="0"/>
+              </a:rPr>
+              <a:t>RUNNING YOUR CAREER LIKE A BUSINESS</a:t>
             </a:r>
             <a:endParaRPr lang="en-US" sz="2800" b="1" dirty="0">
               <a:solidFill>
@@ -4423,22 +4451,14 @@
             </a:br>
             <a:r>
               <a:rPr lang="en-US" dirty="0" smtClean="0"/>
-              <a:t>are </a:t>
-            </a:r>
-            <a:r>
-              <a:rPr lang="en-US" dirty="0" smtClean="0"/>
-              <a:t>responsible</a:t>
+              <a:t>are responsible</a:t>
             </a:r>
             <a:br>
               <a:rPr lang="en-US" dirty="0" smtClean="0"/>
             </a:br>
             <a:r>
               <a:rPr lang="en-US" dirty="0" smtClean="0"/>
-              <a:t>for </a:t>
-            </a:r>
-            <a:r>
-              <a:rPr lang="en-US" dirty="0" smtClean="0"/>
-              <a:t>your life and career</a:t>
+              <a:t>for your life and career</a:t>
             </a:r>
             <a:endParaRPr lang="en-US" dirty="0"/>
           </a:p>
@@ -4685,7 +4705,9 @@
           </a:prstGeom>
         </p:spPr>
         <p:txBody>
-          <a:bodyPr/>
+          <a:bodyPr>
+            <a:normAutofit lnSpcReduction="10000"/>
+          </a:bodyPr>
           <a:lstStyle/>
           <a:p>
             <a:pPr marL="0" indent="0">
@@ -4935,7 +4957,9 @@
           </a:prstGeom>
         </p:spPr>
         <p:txBody>
-          <a:bodyPr/>
+          <a:bodyPr>
+            <a:normAutofit lnSpcReduction="10000"/>
+          </a:bodyPr>
           <a:lstStyle/>
           <a:p>
             <a:pPr marL="0" indent="0">
@@ -4945,7 +4969,6 @@
               <a:rPr lang="en-US" dirty="0" smtClean="0"/>
               <a:t>Brian Prince – </a:t>
             </a:r>
-            <a:endParaRPr lang="en-US" dirty="0" smtClean="0"/>
           </a:p>
           <a:p>
             <a:pPr marL="0" indent="0">
@@ -4953,11 +4976,7 @@
             </a:pPr>
             <a:r>
               <a:rPr lang="en-US" dirty="0" smtClean="0"/>
-              <a:t>“</a:t>
-            </a:r>
-            <a:r>
-              <a:rPr lang="en-US" dirty="0" smtClean="0"/>
-              <a:t>Driving Your Career”</a:t>
+              <a:t>“Driving Your Career”</a:t>
             </a:r>
           </a:p>
           <a:p>
@@ -4987,11 +5006,7 @@
             </a:br>
             <a:r>
               <a:rPr lang="en-US" dirty="0" smtClean="0"/>
-              <a:t>“Brian Prince </a:t>
-            </a:r>
-            <a:r>
-              <a:rPr lang="en-US" dirty="0" smtClean="0"/>
-              <a:t>driving your career”</a:t>
+              <a:t>“Brian Prince driving your career”</a:t>
             </a:r>
             <a:endParaRPr lang="en-US" dirty="0"/>
           </a:p>
@@ -5049,7 +5064,6 @@
               <a:rPr lang="en-US" sz="1400" dirty="0"/>
               <a:t>http://www.brianhprince.com/2010/04/14/driving-your-career-series-transcripts/</a:t>
             </a:r>
-            <a:endParaRPr lang="en-US" sz="1400" dirty="0"/>
           </a:p>
         </p:txBody>
       </p:sp>
@@ -5169,24 +5183,27 @@
               <a:buNone/>
             </a:pPr>
             <a:r>
-              <a:rPr lang="en-US" dirty="0" smtClean="0"/>
-              <a:t> </a:t>
-            </a:r>
-            <a:r>
               <a:rPr lang="en-US" i="1" dirty="0" smtClean="0"/>
-              <a:t>Good to Great</a:t>
+              <a:t>The Passionate Programmer</a:t>
             </a:r>
             <a:r>
               <a:rPr lang="en-US" dirty="0" smtClean="0"/>
               <a:t>, </a:t>
             </a:r>
-            <a:br>
-              <a:rPr lang="en-US" dirty="0" smtClean="0"/>
-            </a:br>
-            <a:r>
-              <a:rPr lang="en-US" dirty="0" smtClean="0"/>
-              <a:t>   by Jim Collins</a:t>
-            </a:r>
+          </a:p>
+          <a:p>
+            <a:pPr marL="0" indent="0">
+              <a:buNone/>
+            </a:pPr>
+            <a:r>
+              <a:rPr lang="en-US"/>
+              <a:t> </a:t>
+            </a:r>
+            <a:r>
+              <a:rPr lang="en-US" smtClean="0"/>
+              <a:t>  by Chad Fowler</a:t>
+            </a:r>
+            <a:endParaRPr lang="en-US" i="1" dirty="0" smtClean="0"/>
           </a:p>
         </p:txBody>
       </p:sp>
@@ -5216,37 +5233,90 @@
           </a:p>
         </p:txBody>
       </p:sp>
+      <p:sp>
+        <p:nvSpPr>
+          <p:cNvPr id="5" name="AutoShape 2" descr="data:image/jpeg;base64,/9j/4AAQSkZJRgABAQAAAQABAAD/2wCEAAkGBxMREBUUEBQUFhUVGBYUFxcWFRYXFxkWGxobFhQaFRgYHCggGB4lHBcWIjEiJSkrLi46Fx8zODMsNygwLisBCgoKDg0OGxAQGiwlHyQvLDcsLCwsLDQsLC0sLCssLCwsNCwsLC0sLCwsLCwsLCwsLCwsLCwsLCwsLCwsLCwsLP/AABEIARMAtwMBIgACEQEDEQH/xAAcAAEAAgMBAQEAAAAAAAAAAAAABQYBAwQCBwj/xABIEAACAQIDAwYJCQcCBgMAAAABAgMAEQQSIQUxQQcTIjVRYQYycXJ0gZGysxQXI0JUYpOh0hUWUoKS0fCx4SQzU6LB8TRDlP/EABkBAQEBAQEBAAAAAAAAAAAAAAABAgMEBf/EAC8RAQEAAQMDAgMHBAMAAAAAAAABAgMRIRIxQQQTFVHwYXGRoaLB0SIygbEjM1L/2gAMAwEAAhEDEQA/AKTs3kl2jiMMmIjEJjkQSreSzZSMw0tvtVEIr9f8nXVGC9Hh9wV+X/DrZfyXaeKhG5JWK+axzp/2sKCO2bsqSe/NZTltfM6rvYIPGOvSZR/MK14zZssVzJG6i+W5UgX3jXdqATVz/aWDE04URqodAjocgZGliNgqIOjHkzi9zca3GhlZtlQzxJNI3OwgAHpFRGqGNZWjI1yqDLvL6lbcbh8spV5wWzdnytGoKhzzIyCSRszMLSoOOhGmo1PHRa9DZ+BduaQoXyxoigvd5gswIfTMAZOZuVtoeHAKJWRXXJh+cmyQLfM+VFDZr3NlAYgX7L2Fa8RhHjy5xbOoddRfKQCpIBuLggi/Ag0GzZ2z3nYrHa4Fzc2FSH7rz/c/qqc8AtjTSxySRRSOMwjuiMwBADEXA39JfbVq/YOK+zz/AIT/ANq82pq5zLaR9v0fofT6mlMtTLa37Y+c/uxP9z+qn7rz/c/qr6cmzMWIjGMNNYkknmn3HLYWtb6m/vO7jsm2fin5sNhJrR5Rbm36QCopB00vkO7+Lt1Ofez+o6/D/S79/wBUfLP3Yn+5/VWf3Yn+5/VX1M4HFGUyHCzgsLHJG62bS7IbEre3/c3bXvDYLEoXPyOY5nDi6SHKVJKakdKxI377d9X3c/qJ8P8ATfP9UfKf3Xn+5/VT92J/uf1V9STZ2JAkHyOYiUm943uo1KhdNLMQT224V5TZ+LBivh8QREQbFHsbPm3W0009VT3s/qL8P9N8/wBUfL/3Yn+5/VT915/uf1V9NTZOKEeT5NiBqTcI4BvbRxl6QFtNfrGsYfY+JUOGwuIIZbaRsCOkGvqp/h/OnvZr8O9Lt/d+cfM/3Xn+5/VT92J/uf1V9Qg2bikMZ+Sz/R5//rfXNe3DS1/ypFs3FBJFOGxBMljfm30tm33GoOb8qe9mnw/0vz/VHy/92J/uf1U/dif7n9VfRv2Divs8/wCE/wDan7BxX2ef8J/7VPe1Pk6fDfR/+vzj5ljdhSxIXfLYW3G+/Ss1cvDDZM8eDdpIZUUFLsyMoHSAGpFK76edym9fK9Z6fT09Tp07vNvm+8cnPVGC9Hh90V8f5dvBXEPtJZ8NBNKssS5jHG72kQlSGyg26OTf39lfYOTnqjBejw+6KsVq6vA/G37rY/7Hi/8A88v6as2x2x2GjiVdm4tjHnBzRyZGzuH1Xmr6Zf4q/UlKD8xYbGY9ChOzcY2Qg9JJiXsEF5TzXTYc30Wt0b7jW5dpY4MD+y8YReJiuSW2aMoRk+hug6A6I6OpNq/S9KD8xR43aAWFTs/Gnm2RnJRyZcjKwDloCdMgAINxrvqA2xsbHTyBxgcaLRxR2aKVz9Gixg3yDflvu4mv15Sgp3JLsZ8HsnDxyqVkbPI6kWILsWAYcCFyj1VcaUoFKUoFKUoFKUoFKUoFKUoFKUoKBy6dST+dD8VaU5dOpJ/Oh+KtKCc5OeqMF6PD7oqx1XOTnqjBejw+6KsdApSlApSlApSlApSlApSlApSlApSlApSlApSlApSlBQOXTqSfzofirSnLp1JP50PxVpQTnJz1RgvR4fdFWOq5yc9UYL0eH3RViJoM0rF6XoOLE7USNwrLJctlFo2ILZS9gQLHQH2U/aiZZG6YEQBe6MCBlz7t56JvpXnaGHZ3gZQLJJna5tpkdNNNTdx7K4sZsx3GK01lFo/pGUH6MJ0wNBqO+s71XfHtNGYqA9wVBORrAsAVufIR5ONd1QcGCkEpcrvMZH0rAABAjXUCzfWt26buE0GqweqVjNTNVRmlYzUzUGaVjNS9BmlYzUzUGaVgGl6DNKxel6DNKxWaCgcunUk/nQ/FWlOXTqSfzofirSgnOTnqjBejw+6K18oUX/ASuCwaMBlZWKkG4G8GtnJz1RgvR4fdFOULq3EeaPeFZy7V10P+zH744tt7MEODOIwzvFLFHztw7lWsLsHUmzAi9SW0Mc7YWMJ0JsQFRR/CzLdm/lXMfVWxNkiRF52SR0src2SoTtAOVQWA7CTurjlimxGKMkDxosAaFc8TSBnNjKVs62tZV47mqbOnVL38W8/6j34D4wvhebk/5mHZsO9990NlPfdbG9a2nimx0sOIYdBY+biZrKwYEs+Xc5vpre2XvriwKS4TadpnRhjVOqIY1EsY00LNqVvx4VLbX2HhceDzi3aMlM6kq6kakX9d9dKk32aymEz3vazvPH1WYdkcxPzkBYRFGDRZ2KZ9CjIpNhuINq4PBuPD43DLJKRLKwvJdjmRz4yqL3jAOgtatGz8PLs7ELG07y4aRJGHOavGYxmOo3i1/wAtK6dp+BeGmfnYi8Ep6WeFrXJ4kbvZanPiLemcZZfdZ+7ZPssx4LEJIzuF5x4mZ2Lhcl16V73U3A14Co/ZGOMOz8Gses+KyKGYlukVLSO19+VQTbyCujATTfJMZDiH5x8OHj5y1s6mISKSO0B7eqoaOTmsNsidvEjKq54KJIygJ7Bepb5bxw3lxvPP48Wz8VwOwIWX6QGRuLuzF79oN+j5FsKhkL4XFJhZmaXD4kMIi5JdHUXMbOdWFtxJvVuVr1W/CVOcxeBjXxhM0x7o0Rrk9xZlHrrWU+Tz6WVtuOXba/4Rew9sNhMS+Hnzcw0rxwSsScrCzc27HX62l6mPDLBK+HLHMGVksysymxdQRdSLggmteF2ZHiY8XFKLq2Ifyg5UsQeBFQk20pIYnwWMN5FMZhk4TRiRbfzDiP8A3We02rttM8plj3m2/wDP8rvNIkMRY9FEW/kUD/aqx4L4yZMXNFifGnVcVGDwBAVk/lAUeqpLwiV52TDxMqsbSuWUuoRCLAqGHjNbiLhWqF8JsPiYDDjJJInGGcZhHC0bc05CyXJka4A1tbhWsr5Y0cZZcb3y+p+KVfwXiyu8hkZ2LuWE0qi5JIAUNYACw9VRPgfsGLEYGOSUys7Zrnn5huYgbn7BVylcGMkagqSPJbSoLk76tg/n99qlk3JqZ+1bv5n7ozwh2YqTbPRmc5n5mQh2UuqxkjNY66j86mv2BCssTRllZGLW5xzmWxVgVLWPjA+yuDw1iz4jALdhedhdTlYfRtuI3VI4bYgixKzCSRgI3QiRy+8owK33eKb+qknNXLL/AI8efF/3U2KzWBWa6PIoHLp1JP50PxVpTl06kn86H4q0oJzk56owXo8Puiuvwk2X8qhMJlMat41gpJG+3S3C9cnJz1RgvR4fdFa/DSFD8kLqp/4uFSSB4pzZgb8NN1Zy7NYZXHKWJTCYV0gyGbMQMqyFVuLaAkA2JrxsDZ/yePmzNzupYFgobpEs17b9SajDg4zjE+TBTGySDEItjERYc0So6Ie/rteoDAR4d9lRpHzfysqeayFRNzoYldR0tON9LXvWd9l3tl+1bfCLYZxRiIlaLmnEqlVUnONxueGp041pg2S4laWHE2Z7c6uVXjZgMobLe6tYAaHhXpSZ8UYpDdII42deDyvfxhxUBdBuu3cK97a2IrxloAIp0BaORAFIYagNbxlNrEHtq/as1MpOnw6YdlDMXlYyOVKXIACofGCKN19LnUmw10rh2XsuSJOaixZZF0AZUd0HAB78O8GuLY+0TtCVMwtEkEUzpwaWW9g3aqhTpuN+6pLb+zcOYjnZIG3JKCI2RraZWFvZuNO/KdeXZ6xGyV+TvCkpQyXLyGzO2bRib8Tu7rAAWAFeNm7BVML8mlbnosuQZlA6PYSN/l4WqN2+IflOAeTmipMgLtlysOaJW5O8X1FdWwYk+VzPhbfJ2RAch+jMwY5jGBpotgSNLntqeV68ttt/tdGA2PLAuSLEsYx4qyoHKjsVrgkDvvXXhNmqhZwxaRxYyNYm31QALAKL3yiw9ete9sTsseVDaSQiND2M29v5VDN/LUZ4IMY1lwrklsM5RSTctC3ThJ7eibfymtcS7Jc8ry6dibKbDtJecy52MjBlUEObXtl4abq97d2JHi1USaFGV0YWuCDfTuNrEVCeED/JsfFiVACBBHiLcUdwqOe3K1teypjwnxDDDskRtJIrhW35VCku/qG7vK1N5tYvXl1dW/LGC2YyYmScz5+dCqVKqAAt8gQ3uLZj5b117YwPPwPFmyiRShNg3ROjWB0vaq5idnrLsaJVCqxigZDbxZDkswPbc6nvqZ2BtbncIJZbK0YZZgfqvGSsl+7S/kIpL4S5Xfq8x5wWy3iw3MDEE2UKrlVzqo011s2nG3trPg3ssYSERCbnEW+XNlBFySdRv1NRnguGkxmMeZRmbmLAjVI2QkR+y1+03qO2LiMBDFiBiBh7riMT0WVC+USNlCqRfdYAVJZxWrnlZZfKf25sU4iWKT5QY+ZOdAqoekdLktv009teZNhSSspmxUkkYNzGqoivbcHKi7Du3GuDwjwcMMmzw4XIkvNFpMviCF8oYnQ6hfXXTseJDjnfCFeY5oLJkI5sz5rjKBpmC3zW7Vp5Pcy2kWUCvVBSujkoHLp1JP50PxVpTl06kn86H4q0oJzk56owXo8PuivHhnLb5LZJGy4mKVskbvZFvmJyg9o0r3yc9UYL0eH3RVitUs3g53mVYy4BygZrBTe2/RQL37rXqpbI2aZ9mRRgPFiIOnGXR0KShmK+MBdSNDa4sauteGlUbyPWRUuO67qjhsVMJlxfMSdKNYcVFkbOjoSVeMW+lUXYdG9xa1TmI2kXjIw6u0jCy5o3RVJ4uXUWA323nsqSEi3AuLnUajUd1YaZRvZdd1yNfJSYm6rxbMfATRyRK8kPMph5QgvIDH4kgUavvIIGuul66vCGf5VhZYcOjs8qlBmjdFW/F2dQBbs39gqfEi9o4fnurKup3EG2+nT4N1a25LkxWBushEZkLlIpHVQYyi3KqRvr1zbYPFl0Vmw2JN3CKW5qb+LKtzlcbyBoRc76seYWvw/tvrHOL2juqdJug8seKxTrLGzJCoCc5G4Rmb/mMpYZWsAqgj73A1x4zDpg8dDJDEwSRXimEUTsAPGidsgO5rr5G7qtOYVguO0dvqq9JugcQUmxcsMiOUkw6x3Mb5CczlxntlvlZTv/ADFc2y8LMmFkbFgl443w6WBZmjW4DhVBJaQ5Tp2LVnzjtHZQSL2js9dOk3VKLEldl4ZTHLmHyZGUQyFhkZDJdct7AKddx4V0tsuT5Yxj/wDjYkJNLwtJHYWCn/qDJcfdbtqyBx2jSgccCKnSbq9suW20cYSsgVlhsxjcKSisHysVsbXHl4VxbEx8ccE6zxz2efENl+TYhsyO5K2snEGrdzg7Rpv13eWnOr2j206RVts4wvLgXMUoyzNKwEbuUjMbxqXyKcpJZdN4ueyt80bYTF89GrNh8RbnlRWYpKNFlCKL2YWDWHAE1ZFsd1ZtV6TcU1mlqVpFA5dOpJ/Oh+KtKcunUk/nQ/FWlBOcnPVGC9Hh90VY6rnJz1RgvR4fdFWOgwaiMTscurrmFmcuCVu4JIJAa/dYd1hwqYpQQg2ZzbKRIoKx80txrZcwU2DAEjOL6cOF6RbKRMnSUrDK0gzAEgMjAqzE/wAUhb1gd9dW09nCY6kAZJYyCuYESAA317t3G9aDs8BDEWY52zgte4Ay2GZSDcZRZr30F78W40JspAUPOqCqpusMyIxk1F93SBB+rbvIO3AokVgJ4iRGsa+INFvZjrcnXXhpXs7HuCC5IJDaqMwYRCLeDuIF7W4nWxtW+LZqqyG9wiOhB1zZihJuT9zd30HNBg0WKWNZVKvmO8HKSPpCTfW7XY97GsnBKGAzrdVfQ78rG9yL6+U1rw3g+qKyliyOdVKjxLAFbjtCoCTe+U9tZXYZz5zKS3NrEbre4Cutzr43TGvce2myzKxmLAoEN5FKMqxk3FiqlrLmv963qPbWHwak9KZS3NhDe1yCCoJF95zDX+9dEezCIo489+bZWByk3Cm4BBYn860psMAvdiVdMhWxFu9TmsLE6aaWABqbReujYVcoQyqCt2G4HMNQW11tY3/2o+zwHzc4oLOGF+JvcAa68d3bWJdlXBu5GaMxsSp1Jz5m0YC5MhNiDWEwWfRpAbqqMMltEYlChzdFulv13Ai1TherJvw2HX6QCRTzmbxTqDxtqd168SQK4yGSMGw8WwN9ObNr8CQR6q8DYQCqAxDK7PmAsTmLabzYZXZf5r6GtUGwQilSwKFI0IKm1kVV4NYXC9l9d9VnqrZLhUzNmlQGQ7iQNQV3DNfepHr7q2NsknN0vGy30P1cvf8Ad8te4Nm25u7lubkaS7AEtdXUAnuD7+Nu+u1pgOPrtp7anDXVkYSLIgW98ote1tBurfWFrNaYKUpQUDl06kn86H4q0py6dST+dD8VaUE5yc9UYL0eH3RVjqucnPVGC9Hh90VY6BSlKDy1GrNYy1ABrINc8mpA11v+XD/OyufB4YQs/TZs7F7Hcgb6oI+rcG3ZRUjXi969NurANVHlG8vrr0HHdWqSUC/5ncPbRTxIGl/VWd+VYxANjutauBpgttVGoUai5a17DvtwrZjujdlL3ay6EkA8DlJsBVJ2dtl4nLsxYEnP0VsPq3vvucvs04V59XUxmW1ejR0rljdl9lxIyeNlJuAdDbQm+unC+tckWJaSMbr7ib7zew3duntrzjMVhwgaRlyEAjjcGw0A3+ML+WuXZGP56dzGLQIummhYMel27vd7q6W8yWsTHi3ZMshUaEm28WGvkturbkV17jrXDjMLLIpKSGM5TlAto31SxN7jtFq37OD82BIRnFgxW9r2BNr8Lk11cnWBWaClVClKUFA5dOpJ/Oh+KtKcunUk/nQ/FWlBOcnPVGC9Hh90VY6rnJz1RgvR4fdFWOgUpSgUpS9BpmjB7fKOFaplyrxN9CdN1vUB/vXRI1q15QwsRod4qK9I+nquP7V5Zrrdf89VeIHAOU6HW3eL3Fj5KzMWW+UXJBsCbDMNwJsbX7dalHooCuUjQ/nXJjYC3RAJFtbSMh1vqCut9B2b+6t2EkzoGAKH6ym3RbiDbsPEb6TAm54gWZTuI/y9RYi5sSY42CqXZd4LDMbb7k8eNQng5h1eN0kW+eR1ZgL2sQoKm4IF91v9K8eE0kisJEChjmQkG5UN0b8L6EHdp/rL7EgiMMCBgQhU3Um5kTUqOxQVF/JbjXlw/rysvh7L/Rp7zy8R+DSto7SmPgpfW+m6w0A1176nsJg0jTJGoC28t+8k6k95rm2hj+bI0OUnKxClrd9huA4k6C4rvwhuoP8At5LdnbXpxwkvDy555ZTmsAONLA997flavcSWGu86ny1spXRzKUpQKUpQUDl06kn86H4q0py6dST+dD8VaUE5yc9UYL0eH3RVjqucnPVGC9Hh90VY6BSlKBWthx7K2V4K1KNd7a+2uYY8Emwa4tpbXUXvr3W9tdEiaEd3+tckxY2JFrCx1HEi+X2cbb6zWo9KGIzZr3IIHYe4+2unPdQR/g/v/auHAkjNfQr269xH5V1kZTcDQ7/XuNTGeFy7sg2YEbm0PncD6xp6hTEtYX77eo6H/O6ueLNlZXN2GoYC1yOwX0II/MV0Bg1t1tD6+6reYnlQ/C2aQc6Cy5LdAC1xYX4cQc3tFTPgpiIjDG0d9yqw/hZmU2IHDpLYnhvqO2/spY0AUktZ73Ngxtci2tgdbLx799e+TrGl42iljClAACLlWUG993RNzu32AryaMympZX0NXa6Es8LbDEGtm3gkEd5N7ntvoa7RUaJwpAOrDosOJ4gjt4n1mu2KYHdw9R9YNe3d86t1KUqoUpSgUpSgoHLp1JP50PxVpTl06kn86H4q0oJzk56owXo8PuirHVc5OeqMF6PD7oqx0ClKUCtTPW2vDCpRqxD2UtbcCa4cPi8zlDbiDYHsvqL/AOXHqkm41wzBUzaZSQLEaacQDwO//N0salcRjYEm5DWtqGINrGx0IsTmNx/F3VvM4LAWYmxGXVRu1NjrwNjpxr0mIGUlRcXOUk8ALkg+UG39q4IzJzskcgVQcoR/HJsBmYk6LqdAew+SuTp3dzYi1m103m2mo1v2cCezLXNI3NuBqQ9wzjgSCB5De1z5fVmdTnsbi5HSsLNuuQL9+veO+uXBxLGzKobJYNpZkBN7gAHMtrA3tbUVjPKy7bcNY4zZHeFsEboHaIuYTGQVY5mF1bUjfqSdb7r1EbAx/wAnxYylgk2hVtBncErv4iwAH3vbIY3bAVnUtdbx3KmxGUXINrHfY/luql7einxUmaNDozOh3sFFsuVuPi3469u+vJjnLnvK+jpaVuHRnOH1bDpJkDFBzt8zZTvHFbnxr7rnuNSuEibe5u2gPq/9n21SPA/HriHd5A4lUJHIhbMocKcskeulwo3brHtq+Yc9EeQf6V9DTssfM1sbhltW2lKV1cSlKUClKUFA5dOpJ/Oh+KtKcunUk/nQ/FWlBOcnPVGC9Hh90VY6rnJz1RgvR4fdFWOgUpSgUNKUHjJXki1emrVPorW32P8ApwrKuKYKSbICb+NYDKfKONc00TLmNg+bxrWzWAbSw7ye3jUlKFUKLgW3VolXpAbwFuO89vfYD86xd43K4JAcq2OgIOuhGmmUjeNL8ePAVG4qZSxZXIYXJJa6dhOUaEHfv3+StW25WcOQTkR8ttwy2DEkdpPu+W9Yxa4ZlHPzZToXUWYsRqdCRx017DpXh1dTfLpke/R0eOq10JFdrpCjr9VpMozDfdF0VUJNhfQ30qSOEdSss9+haTKmgJW7BRmA6ItcsAL2001qLg8JUz5MHHdwC2eZhoBoWsNxF99vy1qZwOzJZUd5wjMVyEkMzhm4I5boAHKNBwB143DTxn3umpllP7uJ+aK2BjzDM7sLCR7sbaW3Bh5G0N/4u/X6RgZdBl1Qi6ns7j/4P+H5hgcOWLI+oC31vfpZQN24kWB3+J7JzwL2yyyvDKCFuct/afXa+n3X7AK66GpZtMnL1WlMpcsfD6CKVhazXtfNKUpQKUpQUDl06kn86H4q0py6dST+dD8VaUE5yc9UYL0eH3RVjqucnPVGC9Hh90VY6BSlKBSlKDzxryxB37q9kVqKGpRw4iCQHoaiwAOlwAb210PZ7OzX3Hh+hZwL28oHkqQArh20H5iTmf8AmZTlPYe23G2+pY1MkfLggpuy3GgNxfuGu/ee2oZsDhp0z8yLHMQZEYMLE3GVjde0bu+pTYWxlgJtLJKzWZmkNwCLEhewk2vqdwrvxkIUggXBJzEm2UEE3A72AB8tccsOHfHU2r5YNkJhsWyul7gPHfKb5T0hrexA100Pste/BpcMyl1LAucuryAXUkeKW6D9trE6b607Z2OuJwzRtdTqVceMh368bdv+1Q2Fmmib6RJA5UqQpzRnTejWuRxsQdGPkrjhei8vVqZe9j35SOIQR4lubRmUAMOnYFrk2C6aAgb2A6Q07ah4Ic6+JZpWJImB1O4oHd7Ds6dv5j2V0v8AKziMxYrEQFVJT0tBboKu87xc6nNuNWXYuyDFl6NmtoONyb3a24XJJv0iSRwuWV6rxG5Zp43e82LlgJLoO649ht/4rqrkwaZVA/zsrrr2Y9nysu5SlK0hSlKCgcunUk/nQ/FWlOXTqSfzofirSgnOTnqjBejw+6KsdVzk56owXo8PuirHQKUpQKUpQKUpQa53spI4VzwxMDdmv3d/CusisBazcd7usvDGSvO8VtrzlqojtoQXsVF7G5X/AD2+qtcUYsAeAtcaflxHdXTtgsIrpfRkzZfGyZhzmW2t8t92vZrXHiSqkGFSSWjVhZsuVmsSOANibnyXrlceeHSZ8bV5MIB6PrsAp9ZUA10RR34WHd+dcceMe0eaM6sRIQLZFLMkZA3nUC9twua69mTuxsw0s99CpBV8q3vvzLr6u8VJhfK3P5JBBW2q/g86ZmA3zSJc5yQplOpU6EAAWtuv2Xra20JwVul1JYaKdwZkB36XvE3kz9ldZdnNN0qHxGPlQSjQsnNhbI1jcKX467z5K8x7Rl55VK9ArGS2U6FjKCL34FE7fG7xV3RNUrArNUUDl06kn86H4q0py6dST+dD8VaUE5yc9UYL0eH3RVjqucnPVGC9Hh90VY6BSlKBSlKBSlKBWuYkKSoubaDdc1spQcRnlzW5sWva9/Jw9vsrx8pmt/yhfszj/WpClBwGeWw+j/i+tbcLr7TcequefG4hXYLh8yg2VucUXGQncfvZV9ZPCpelBELjMTc3w40W4+kFi+YDLe3Zc37u+tDbQxdrjCgnXTnR2sBw10Cn+buqepQQYx+Kz2+S9H+LnB2X3cNdPUa9xY3FFGJwwDDJlXnBrdbvrbTKdO+pmlBDDHYm+uGsO3nF/wCpl3D7hz+ojsviHHYosobDWBKBjzi6AjpkDjlPDjU1SgwKzSlBQOXTqSfzofirSnLp1JP50PxVpQTnJz1RgvR4fdFWOq5yc9UYL0eH3RVjoFKUoFKUoFKUoFKUoFKUoFKUoFKUoFKUoFKUoFKUoKBy6dST+dD8VaU5dOpJ/Oh+KtKD4NgOUfakESRQ4pljjUIi5IjZRoBcpeuj51Nr/bH/AA4v0UpQPnU2v9sf8OL9FPnU2v8AbH/Di/RSlA+dTa/2x/w4v0U+dTa/2x/w4v0UpQPnU2v9sf8ADi/RT51Nr/bH/Di/RSlA+dTa/wBsf8OL9FPnU2v9sf8ADi/RSlA+dTa/2x/w4v0U+dTa/wBsf8OL9FKUD51Nr/bH/Di/RT51Nr/bH/Di/RSlA+dTa/2x/wAOL9FPnU2v9sf8OL9FKUD51Nr/AGx/w4v0U+dTa/2x/wAOL9FKUD51Nr/bH/Di/RT51Nr/AGx/w4v0UpQPnU2v9sf8OL9FPnU2v9sf8OL9FKUHDtnw82jjIWhxOJaSJiCVKRi5BzDVVB3gVmlKD//Z"/>
+          <p:cNvSpPr>
+            <a:spLocks noChangeAspect="1" noChangeArrowheads="1"/>
+          </p:cNvSpPr>
+          <p:nvPr/>
+        </p:nvSpPr>
+        <p:spPr bwMode="auto">
+          <a:xfrm>
+            <a:off x="155575" y="-144463"/>
+            <a:ext cx="304800" cy="304801"/>
+          </a:xfrm>
+          <a:prstGeom prst="rect">
+            <a:avLst/>
+          </a:prstGeom>
+          <a:noFill/>
+          <a:extLst>
+            <a:ext uri="{909E8E84-426E-40DD-AFC4-6F175D3DCCD1}">
+              <a14:hiddenFill xmlns:a14="http://schemas.microsoft.com/office/drawing/2010/main">
+                <a:solidFill>
+                  <a:srgbClr val="FFFFFF"/>
+                </a:solidFill>
+              </a14:hiddenFill>
+            </a:ext>
+          </a:extLst>
+        </p:spPr>
+        <p:txBody>
+          <a:bodyPr vert="horz" wrap="square" lIns="91440" tIns="45720" rIns="91440" bIns="45720" numCol="1" anchor="t" anchorCtr="0" compatLnSpc="1">
+            <a:prstTxWarp prst="textNoShape">
+              <a:avLst/>
+            </a:prstTxWarp>
+          </a:bodyPr>
+          <a:lstStyle/>
+          <a:p>
+            <a:endParaRPr lang="en-US"/>
+          </a:p>
+        </p:txBody>
+      </p:sp>
       <p:pic>
         <p:nvPicPr>
-          <p:cNvPr id="6" name="Content Placeholder 5"/>
+          <p:cNvPr id="1028" name="Picture 4" descr="http://www.codeodor.com/images/passionate_programmer.jpg"/>
           <p:cNvPicPr>
-            <a:picLocks noGrp="1" noChangeAspect="1"/>
+            <a:picLocks noChangeAspect="1" noChangeArrowheads="1"/>
           </p:cNvPicPr>
-          <p:nvPr>
-            <p:ph sz="quarter" idx="4294967295"/>
-          </p:nvPr>
+          <p:nvPr/>
         </p:nvPicPr>
         <p:blipFill>
-          <a:blip r:embed="rId2"/>
-          <a:srcRect l="-13956" r="-13956"/>
+          <a:blip r:embed="rId2">
+            <a:extLst>
+              <a:ext uri="{28A0092B-C50C-407E-A947-70E740481C1C}">
+                <a14:useLocalDpi xmlns:a14="http://schemas.microsoft.com/office/drawing/2010/main" val="0"/>
+              </a:ext>
+            </a:extLst>
+          </a:blip>
+          <a:srcRect/>
           <a:stretch>
             <a:fillRect/>
           </a:stretch>
         </p:blipFill>
-        <p:spPr>
-          <a:xfrm>
-            <a:off x="4663440" y="2121407"/>
-            <a:ext cx="3200400" cy="3605212"/>
+        <p:spPr bwMode="auto">
+          <a:xfrm>
+            <a:off x="5105400" y="1371600"/>
+            <a:ext cx="3171825" cy="4752976"/>
           </a:xfrm>
           <a:prstGeom prst="rect">
             <a:avLst/>
           </a:prstGeom>
+          <a:noFill/>
+          <a:extLst>
+            <a:ext uri="{909E8E84-426E-40DD-AFC4-6F175D3DCCD1}">
+              <a14:hiddenFill xmlns:a14="http://schemas.microsoft.com/office/drawing/2010/main">
+                <a:solidFill>
+                  <a:srgbClr val="FFFFFF"/>
+                </a:solidFill>
+              </a14:hiddenFill>
+            </a:ext>
+          </a:extLst>
         </p:spPr>
       </p:pic>
     </p:spTree>
     <p:extLst>
       <p:ext uri="{BB962C8B-B14F-4D97-AF65-F5344CB8AC3E}">
-        <p14:creationId xmlns:p14="http://schemas.microsoft.com/office/powerpoint/2010/main" val="1476028153"/>
+        <p14:creationId xmlns:p14="http://schemas.microsoft.com/office/powerpoint/2010/main" val="4277543745"/>
       </p:ext>
     </p:extLst>
   </p:cSld>
@@ -5292,16 +5362,16 @@
         </p:nvSpPr>
         <p:spPr/>
         <p:txBody>
-          <a:bodyPr>
+          <a:bodyPr anchor="ctr" anchorCtr="1">
             <a:normAutofit/>
           </a:bodyPr>
           <a:lstStyle/>
           <a:p>
             <a:r>
-              <a:rPr lang="en-US" b="1" dirty="0" smtClean="0"/>
-              <a:t>Thanks!</a:t>
-            </a:r>
-            <a:endParaRPr lang="en-US" b="1" dirty="0"/>
+              <a:rPr lang="en-US" dirty="0" smtClean="0"/>
+              <a:t>Resources</a:t>
+            </a:r>
+            <a:endParaRPr lang="en-US" dirty="0"/>
           </a:p>
         </p:txBody>
       </p:sp>
@@ -5312,112 +5382,104 @@
             <a:spLocks noGrp="1"/>
           </p:cNvSpPr>
           <p:nvPr>
-            <p:ph idx="1"/>
-          </p:nvPr>
-        </p:nvSpPr>
-        <p:spPr/>
-        <p:txBody>
-          <a:bodyPr anchor="ctr">
-            <a:normAutofit lnSpcReduction="10000"/>
+            <p:ph sz="quarter" idx="4294967295"/>
+          </p:nvPr>
+        </p:nvSpPr>
+        <p:spPr>
+          <a:xfrm>
+            <a:off x="1298448" y="2121407"/>
+            <a:ext cx="3200400" cy="3141876"/>
+          </a:xfrm>
+          <a:prstGeom prst="rect">
+            <a:avLst/>
+          </a:prstGeom>
+        </p:spPr>
+        <p:txBody>
+          <a:bodyPr/>
+          <a:lstStyle/>
+          <a:p>
+            <a:pPr marL="0" indent="0">
+              <a:buNone/>
+            </a:pPr>
+            <a:r>
+              <a:rPr lang="en-US" dirty="0" smtClean="0"/>
+              <a:t> </a:t>
+            </a:r>
+            <a:r>
+              <a:rPr lang="en-US" i="1" dirty="0" smtClean="0"/>
+              <a:t>Good to Great</a:t>
+            </a:r>
+            <a:r>
+              <a:rPr lang="en-US" dirty="0" smtClean="0"/>
+              <a:t>, </a:t>
+            </a:r>
+            <a:br>
+              <a:rPr lang="en-US" dirty="0" smtClean="0"/>
+            </a:br>
+            <a:r>
+              <a:rPr lang="en-US" dirty="0" smtClean="0"/>
+              <a:t>   by Jim Collins</a:t>
+            </a:r>
+          </a:p>
+        </p:txBody>
+      </p:sp>
+      <p:sp>
+        <p:nvSpPr>
+          <p:cNvPr id="2" name="TextBox 1"/>
+          <p:cNvSpPr txBox="1"/>
+          <p:nvPr/>
+        </p:nvSpPr>
+        <p:spPr>
+          <a:xfrm>
+            <a:off x="3947050" y="4187742"/>
+            <a:ext cx="184666" cy="369332"/>
+          </a:xfrm>
+          <a:prstGeom prst="rect">
+            <a:avLst/>
+          </a:prstGeom>
+          <a:noFill/>
+        </p:spPr>
+        <p:txBody>
+          <a:bodyPr wrap="none" rtlCol="0">
+            <a:spAutoFit/>
           </a:bodyPr>
           <a:lstStyle/>
           <a:p>
-            <a:pPr algn="ctr">
-              <a:buNone/>
-            </a:pPr>
-            <a:r>
-              <a:rPr lang="en-US" sz="3600" dirty="0" smtClean="0"/>
-              <a:t>Slides:</a:t>
-            </a:r>
-            <a:endParaRPr lang="en-US" sz="3600" dirty="0" smtClean="0"/>
-          </a:p>
-          <a:p>
-            <a:pPr algn="ctr">
-              <a:buNone/>
-            </a:pPr>
-            <a:r>
-              <a:rPr lang="en-US" sz="3600" b="1" dirty="0" smtClean="0"/>
-              <a:t>http://</a:t>
-            </a:r>
-            <a:r>
-              <a:rPr lang="en-US" sz="3600" b="1" dirty="0" err="1" smtClean="0"/>
-              <a:t>jonkruger.com</a:t>
-            </a:r>
-            <a:r>
-              <a:rPr lang="en-US" sz="3600" b="1" dirty="0" smtClean="0"/>
-              <a:t>/, </a:t>
-            </a:r>
-          </a:p>
-          <a:p>
-            <a:pPr algn="ctr">
-              <a:buNone/>
-            </a:pPr>
-            <a:r>
-              <a:rPr lang="en-US" sz="3600" b="1" dirty="0" smtClean="0"/>
-              <a:t>click on Presentations</a:t>
-            </a:r>
-          </a:p>
-          <a:p>
-            <a:pPr algn="ctr">
-              <a:buNone/>
-            </a:pPr>
-            <a:endParaRPr lang="en-US" sz="3600" b="1" dirty="0" smtClean="0"/>
-          </a:p>
-          <a:p>
-            <a:pPr algn="ctr">
-              <a:buNone/>
-            </a:pPr>
-            <a:r>
-              <a:rPr lang="en-US" sz="3600" dirty="0" smtClean="0"/>
-              <a:t>Email:</a:t>
-            </a:r>
-            <a:r>
-              <a:rPr lang="en-US" sz="3600" b="1" dirty="0" smtClean="0"/>
-              <a:t> jon@jonkruger.com</a:t>
-            </a:r>
-          </a:p>
-          <a:p>
-            <a:pPr algn="ctr">
-              <a:buNone/>
-            </a:pPr>
-            <a:r>
-              <a:rPr lang="en-US" sz="3600" dirty="0" smtClean="0"/>
-              <a:t>Twitter:</a:t>
-            </a:r>
-            <a:r>
-              <a:rPr lang="en-US" sz="3600" b="1" dirty="0" smtClean="0"/>
-              <a:t> @</a:t>
-            </a:r>
-            <a:r>
-              <a:rPr lang="en-US" sz="3600" b="1" dirty="0" err="1" smtClean="0"/>
-              <a:t>JonKruger</a:t>
-            </a:r>
-            <a:endParaRPr lang="en-US" sz="3600" b="1" dirty="0" smtClean="0"/>
-          </a:p>
-          <a:p>
-            <a:pPr algn="ctr">
-              <a:buNone/>
-            </a:pPr>
-            <a:r>
-              <a:rPr lang="en-US" sz="3600" dirty="0" smtClean="0"/>
-              <a:t>Blog:</a:t>
-            </a:r>
-            <a:r>
-              <a:rPr lang="en-US" sz="3600" b="1" dirty="0" smtClean="0"/>
-              <a:t> http://</a:t>
-            </a:r>
-            <a:r>
-              <a:rPr lang="en-US" sz="3600" b="1" dirty="0" err="1" smtClean="0"/>
-              <a:t>jonkruger.com</a:t>
-            </a:r>
-            <a:endParaRPr lang="en-US" sz="3600" b="1" dirty="0"/>
-          </a:p>
-        </p:txBody>
-      </p:sp>
+            <a:endParaRPr lang="en-US" dirty="0"/>
+          </a:p>
+        </p:txBody>
+      </p:sp>
+      <p:pic>
+        <p:nvPicPr>
+          <p:cNvPr id="6" name="Content Placeholder 5"/>
+          <p:cNvPicPr>
+            <a:picLocks noGrp="1" noChangeAspect="1"/>
+          </p:cNvPicPr>
+          <p:nvPr>
+            <p:ph sz="quarter" idx="4294967295"/>
+          </p:nvPr>
+        </p:nvPicPr>
+        <p:blipFill>
+          <a:blip r:embed="rId2"/>
+          <a:srcRect l="-13956" r="-13956"/>
+          <a:stretch>
+            <a:fillRect/>
+          </a:stretch>
+        </p:blipFill>
+        <p:spPr>
+          <a:xfrm>
+            <a:off x="4663440" y="2121407"/>
+            <a:ext cx="3200400" cy="3605212"/>
+          </a:xfrm>
+          <a:prstGeom prst="rect">
+            <a:avLst/>
+          </a:prstGeom>
+        </p:spPr>
+      </p:pic>
     </p:spTree>
     <p:extLst>
       <p:ext uri="{BB962C8B-B14F-4D97-AF65-F5344CB8AC3E}">
-        <p14:creationId xmlns:p14="http://schemas.microsoft.com/office/powerpoint/2010/main" val="3145525503"/>
+        <p14:creationId xmlns:p14="http://schemas.microsoft.com/office/powerpoint/2010/main" val="1476028153"/>
       </p:ext>
     </p:extLst>
   </p:cSld>
@@ -5518,7 +5580,6 @@
               <a:rPr lang="en-US" sz="1000" dirty="0"/>
               <a:t>http://www.newyorker.com/online/blogs/photobooth/2013/05/slide-show-jimmy-chin-and-conrad-ankers-photographs-of-everest.html#slide_ss_0=12/</a:t>
             </a:r>
-            <a:endParaRPr lang="en-US" sz="1000" dirty="0"/>
           </a:p>
         </p:txBody>
       </p:sp>
@@ -5550,13 +5611,7 @@
               <a:rPr lang="en-US" sz="3200" b="1" dirty="0" smtClean="0">
                 <a:latin typeface="Agency FB" panose="020B0503020202020204" pitchFamily="34" charset="0"/>
               </a:rPr>
-              <a:t> </a:t>
-            </a:r>
-            <a:r>
-              <a:rPr lang="en-US" sz="3200" b="1" dirty="0" smtClean="0">
-                <a:latin typeface="Agency FB" panose="020B0503020202020204" pitchFamily="34" charset="0"/>
-              </a:rPr>
-              <a:t>MISSION, VISION, VALUES</a:t>
+              <a:t> MISSION, VISION, VALUES</a:t>
             </a:r>
             <a:endParaRPr lang="en-US" sz="3200" b="1" dirty="0">
               <a:latin typeface="Agency FB" panose="020B0503020202020204" pitchFamily="34" charset="0"/>
@@ -5568,6 +5623,176 @@
     <p:extLst>
       <p:ext uri="{BB962C8B-B14F-4D97-AF65-F5344CB8AC3E}">
         <p14:creationId xmlns:p14="http://schemas.microsoft.com/office/powerpoint/2010/main" val="2191225084"/>
+      </p:ext>
+    </p:extLst>
+  </p:cSld>
+  <p:clrMapOvr>
+    <a:masterClrMapping/>
+  </p:clrMapOvr>
+  <p:timing>
+    <p:tnLst>
+      <p:par>
+        <p:cTn id="1" dur="indefinite" restart="never" nodeType="tmRoot"/>
+      </p:par>
+    </p:tnLst>
+  </p:timing>
+</p:sld>
+</file>
+
+<file path=ppt/slides/slide20.xml><?xml version="1.0" encoding="utf-8"?>
+<p:sld xmlns:a="http://schemas.openxmlformats.org/drawingml/2006/main" xmlns:r="http://schemas.openxmlformats.org/officeDocument/2006/relationships" xmlns:p="http://schemas.openxmlformats.org/presentationml/2006/main">
+  <p:cSld>
+    <p:spTree>
+      <p:nvGrpSpPr>
+        <p:cNvPr id="1" name=""/>
+        <p:cNvGrpSpPr/>
+        <p:nvPr/>
+      </p:nvGrpSpPr>
+      <p:grpSpPr>
+        <a:xfrm>
+          <a:off x="0" y="0"/>
+          <a:ext cx="0" cy="0"/>
+          <a:chOff x="0" y="0"/>
+          <a:chExt cx="0" cy="0"/>
+        </a:xfrm>
+      </p:grpSpPr>
+      <p:sp>
+        <p:nvSpPr>
+          <p:cNvPr id="4" name="Title 3"/>
+          <p:cNvSpPr>
+            <a:spLocks noGrp="1"/>
+          </p:cNvSpPr>
+          <p:nvPr>
+            <p:ph type="title"/>
+          </p:nvPr>
+        </p:nvSpPr>
+        <p:spPr/>
+        <p:txBody>
+          <a:bodyPr>
+            <a:normAutofit/>
+          </a:bodyPr>
+          <a:lstStyle/>
+          <a:p>
+            <a:r>
+              <a:rPr lang="en-US" b="1" dirty="0" smtClean="0"/>
+              <a:t>Thanks!</a:t>
+            </a:r>
+            <a:endParaRPr lang="en-US" b="1" dirty="0"/>
+          </a:p>
+        </p:txBody>
+      </p:sp>
+      <p:sp>
+        <p:nvSpPr>
+          <p:cNvPr id="3" name="Content Placeholder 2"/>
+          <p:cNvSpPr>
+            <a:spLocks noGrp="1"/>
+          </p:cNvSpPr>
+          <p:nvPr>
+            <p:ph idx="1"/>
+          </p:nvPr>
+        </p:nvSpPr>
+        <p:spPr/>
+        <p:txBody>
+          <a:bodyPr anchor="ctr">
+            <a:normAutofit lnSpcReduction="10000"/>
+          </a:bodyPr>
+          <a:lstStyle/>
+          <a:p>
+            <a:pPr algn="ctr">
+              <a:buNone/>
+            </a:pPr>
+            <a:r>
+              <a:rPr lang="en-US" sz="3600" dirty="0" smtClean="0"/>
+              <a:t>Slides:</a:t>
+            </a:r>
+          </a:p>
+          <a:p>
+            <a:pPr algn="ctr">
+              <a:buNone/>
+            </a:pPr>
+            <a:r>
+              <a:rPr lang="en-US" sz="3600" b="1" dirty="0" smtClean="0"/>
+              <a:t>http://</a:t>
+            </a:r>
+            <a:r>
+              <a:rPr lang="en-US" sz="3600" b="1" dirty="0" err="1" smtClean="0"/>
+              <a:t>jonkruger.com</a:t>
+            </a:r>
+            <a:r>
+              <a:rPr lang="en-US" sz="3600" b="1" dirty="0" smtClean="0"/>
+              <a:t>/, </a:t>
+            </a:r>
+          </a:p>
+          <a:p>
+            <a:pPr algn="ctr">
+              <a:buNone/>
+            </a:pPr>
+            <a:r>
+              <a:rPr lang="en-US" sz="3600" b="1" dirty="0" smtClean="0"/>
+              <a:t>click on Presentations</a:t>
+            </a:r>
+          </a:p>
+          <a:p>
+            <a:pPr algn="ctr">
+              <a:buNone/>
+            </a:pPr>
+            <a:endParaRPr lang="en-US" sz="3600" b="1" dirty="0" smtClean="0"/>
+          </a:p>
+          <a:p>
+            <a:pPr algn="ctr">
+              <a:buNone/>
+            </a:pPr>
+            <a:r>
+              <a:rPr lang="en-US" sz="3600" dirty="0" smtClean="0"/>
+              <a:t>Email:</a:t>
+            </a:r>
+            <a:r>
+              <a:rPr lang="en-US" sz="3600" b="1" dirty="0" smtClean="0"/>
+              <a:t> jon@jonkruger.com</a:t>
+            </a:r>
+          </a:p>
+          <a:p>
+            <a:pPr algn="ctr">
+              <a:buNone/>
+            </a:pPr>
+            <a:r>
+              <a:rPr lang="en-US" sz="3600" dirty="0" smtClean="0"/>
+              <a:t>Twitter:</a:t>
+            </a:r>
+            <a:r>
+              <a:rPr lang="en-US" sz="3600" b="1" dirty="0" smtClean="0"/>
+              <a:t> @</a:t>
+            </a:r>
+            <a:r>
+              <a:rPr lang="en-US" sz="3600" b="1" dirty="0" err="1" smtClean="0"/>
+              <a:t>JonKruger</a:t>
+            </a:r>
+            <a:endParaRPr lang="en-US" sz="3600" b="1" dirty="0" smtClean="0"/>
+          </a:p>
+          <a:p>
+            <a:pPr algn="ctr">
+              <a:buNone/>
+            </a:pPr>
+            <a:r>
+              <a:rPr lang="en-US" sz="3600" dirty="0" smtClean="0"/>
+              <a:t>Blog:</a:t>
+            </a:r>
+            <a:r>
+              <a:rPr lang="en-US" sz="3600" b="1" dirty="0" smtClean="0"/>
+              <a:t> http://</a:t>
+            </a:r>
+            <a:r>
+              <a:rPr lang="en-US" sz="3600" b="1" dirty="0" err="1" smtClean="0"/>
+              <a:t>jonkruger.com</a:t>
+            </a:r>
+            <a:endParaRPr lang="en-US" sz="3600" b="1" dirty="0"/>
+          </a:p>
+        </p:txBody>
+      </p:sp>
+    </p:spTree>
+    <p:extLst>
+      <p:ext uri="{BB962C8B-B14F-4D97-AF65-F5344CB8AC3E}">
+        <p14:creationId xmlns:p14="http://schemas.microsoft.com/office/powerpoint/2010/main" val="3145525503"/>
       </p:ext>
     </p:extLst>
   </p:cSld>
@@ -5640,16 +5865,13 @@
             </a:r>
             <a:r>
               <a:rPr lang="en-US" i="1" dirty="0" smtClean="0"/>
-              <a:t>who </a:t>
+              <a:t>who are you</a:t>
             </a:r>
             <a:r>
               <a:rPr lang="en-US" i="1" dirty="0" smtClean="0"/>
-              <a:t>are you</a:t>
-            </a:r>
-            <a:r>
-              <a:rPr lang="en-US" i="1" dirty="0" smtClean="0"/>
-              <a:t>?</a:t>
-            </a:r>
+              <a:t>?  </a:t>
+            </a:r>
+            <a:endParaRPr lang="en-US" i="1" dirty="0" smtClean="0"/>
           </a:p>
           <a:p>
             <a:pPr marL="0" indent="0">
@@ -6312,7 +6534,6 @@
               <a:rPr lang="en-US" sz="1000" dirty="0"/>
               <a:t>http://www.rontravel.com/travel_photo_pages/pictures_china_siberia_happy_cannibal.htm</a:t>
             </a:r>
-            <a:endParaRPr lang="en-US" sz="1000" dirty="0"/>
           </a:p>
         </p:txBody>
       </p:sp>

--- a/The Business of You.pptx
+++ b/The Business of You.pptx
@@ -5,29 +5,28 @@
     <p:sldMasterId id="2147483648" r:id="rId1"/>
   </p:sldMasterIdLst>
   <p:notesMasterIdLst>
-    <p:notesMasterId r:id="rId22"/>
+    <p:notesMasterId r:id="rId21"/>
   </p:notesMasterIdLst>
   <p:sldIdLst>
     <p:sldId id="256" r:id="rId2"/>
     <p:sldId id="257" r:id="rId3"/>
-    <p:sldId id="264" r:id="rId4"/>
-    <p:sldId id="265" r:id="rId5"/>
-    <p:sldId id="262" r:id="rId6"/>
-    <p:sldId id="266" r:id="rId7"/>
-    <p:sldId id="258" r:id="rId8"/>
+    <p:sldId id="265" r:id="rId4"/>
+    <p:sldId id="262" r:id="rId5"/>
+    <p:sldId id="266" r:id="rId6"/>
+    <p:sldId id="258" r:id="rId7"/>
+    <p:sldId id="260" r:id="rId8"/>
     <p:sldId id="267" r:id="rId9"/>
-    <p:sldId id="260" r:id="rId10"/>
-    <p:sldId id="259" r:id="rId11"/>
-    <p:sldId id="268" r:id="rId12"/>
-    <p:sldId id="261" r:id="rId13"/>
-    <p:sldId id="269" r:id="rId14"/>
-    <p:sldId id="270" r:id="rId15"/>
-    <p:sldId id="271" r:id="rId16"/>
-    <p:sldId id="272" r:id="rId17"/>
-    <p:sldId id="273" r:id="rId18"/>
-    <p:sldId id="276" r:id="rId19"/>
-    <p:sldId id="274" r:id="rId20"/>
-    <p:sldId id="275" r:id="rId21"/>
+    <p:sldId id="259" r:id="rId10"/>
+    <p:sldId id="268" r:id="rId11"/>
+    <p:sldId id="261" r:id="rId12"/>
+    <p:sldId id="269" r:id="rId13"/>
+    <p:sldId id="270" r:id="rId14"/>
+    <p:sldId id="271" r:id="rId15"/>
+    <p:sldId id="272" r:id="rId16"/>
+    <p:sldId id="273" r:id="rId17"/>
+    <p:sldId id="276" r:id="rId18"/>
+    <p:sldId id="274" r:id="rId19"/>
+    <p:sldId id="275" r:id="rId20"/>
   </p:sldIdLst>
   <p:sldSz cx="9144000" cy="6858000" type="screen4x3"/>
   <p:notesSz cx="6858000" cy="9144000"/>
@@ -211,7 +210,7 @@
           <a:p>
             <a:fld id="{91D68126-6C17-4EB5-89B9-C9BABC67D8F3}" type="datetimeFigureOut">
               <a:rPr lang="en-US" smtClean="0"/>
-              <a:t>4/3/2014</a:t>
+              <a:t>4/4/2014</a:t>
             </a:fld>
             <a:endParaRPr lang="en-US"/>
           </a:p>
@@ -548,7 +547,7 @@
           <a:p>
             <a:fld id="{7F1E724F-8517-ED4E-940C-4C3AE9D10E2A}" type="slidenum">
               <a:rPr lang="en-US" smtClean="0"/>
-              <a:t>4</a:t>
+              <a:t>3</a:t>
             </a:fld>
             <a:endParaRPr lang="en-US"/>
           </a:p>
@@ -639,7 +638,7 @@
             <a:fld id="{46B52E04-8F68-435C-880A-7C7B12D9BA2F}" type="slidenum">
               <a:rPr lang="en-US" smtClean="0"/>
               <a:pPr/>
-              <a:t>20</a:t>
+              <a:t>19</a:t>
             </a:fld>
             <a:endParaRPr lang="en-US"/>
           </a:p>
@@ -834,7 +833,7 @@
           <a:p>
             <a:fld id="{21ECAC6E-94D0-4AF5-9658-136DB119C8EB}" type="datetimeFigureOut">
               <a:rPr lang="en-US" smtClean="0"/>
-              <a:t>4/3/2014</a:t>
+              <a:t>4/4/2014</a:t>
             </a:fld>
             <a:endParaRPr lang="en-US"/>
           </a:p>
@@ -1004,7 +1003,7 @@
           <a:p>
             <a:fld id="{21ECAC6E-94D0-4AF5-9658-136DB119C8EB}" type="datetimeFigureOut">
               <a:rPr lang="en-US" smtClean="0"/>
-              <a:t>4/3/2014</a:t>
+              <a:t>4/4/2014</a:t>
             </a:fld>
             <a:endParaRPr lang="en-US"/>
           </a:p>
@@ -1184,7 +1183,7 @@
           <a:p>
             <a:fld id="{21ECAC6E-94D0-4AF5-9658-136DB119C8EB}" type="datetimeFigureOut">
               <a:rPr lang="en-US" smtClean="0"/>
-              <a:t>4/3/2014</a:t>
+              <a:t>4/4/2014</a:t>
             </a:fld>
             <a:endParaRPr lang="en-US"/>
           </a:p>
@@ -1354,7 +1353,7 @@
           <a:p>
             <a:fld id="{21ECAC6E-94D0-4AF5-9658-136DB119C8EB}" type="datetimeFigureOut">
               <a:rPr lang="en-US" smtClean="0"/>
-              <a:t>4/3/2014</a:t>
+              <a:t>4/4/2014</a:t>
             </a:fld>
             <a:endParaRPr lang="en-US"/>
           </a:p>
@@ -1600,7 +1599,7 @@
           <a:p>
             <a:fld id="{21ECAC6E-94D0-4AF5-9658-136DB119C8EB}" type="datetimeFigureOut">
               <a:rPr lang="en-US" smtClean="0"/>
-              <a:t>4/3/2014</a:t>
+              <a:t>4/4/2014</a:t>
             </a:fld>
             <a:endParaRPr lang="en-US"/>
           </a:p>
@@ -1888,7 +1887,7 @@
           <a:p>
             <a:fld id="{21ECAC6E-94D0-4AF5-9658-136DB119C8EB}" type="datetimeFigureOut">
               <a:rPr lang="en-US" smtClean="0"/>
-              <a:t>4/3/2014</a:t>
+              <a:t>4/4/2014</a:t>
             </a:fld>
             <a:endParaRPr lang="en-US"/>
           </a:p>
@@ -2310,7 +2309,7 @@
           <a:p>
             <a:fld id="{21ECAC6E-94D0-4AF5-9658-136DB119C8EB}" type="datetimeFigureOut">
               <a:rPr lang="en-US" smtClean="0"/>
-              <a:t>4/3/2014</a:t>
+              <a:t>4/4/2014</a:t>
             </a:fld>
             <a:endParaRPr lang="en-US"/>
           </a:p>
@@ -2428,7 +2427,7 @@
           <a:p>
             <a:fld id="{21ECAC6E-94D0-4AF5-9658-136DB119C8EB}" type="datetimeFigureOut">
               <a:rPr lang="en-US" smtClean="0"/>
-              <a:t>4/3/2014</a:t>
+              <a:t>4/4/2014</a:t>
             </a:fld>
             <a:endParaRPr lang="en-US"/>
           </a:p>
@@ -2523,7 +2522,7 @@
           <a:p>
             <a:fld id="{21ECAC6E-94D0-4AF5-9658-136DB119C8EB}" type="datetimeFigureOut">
               <a:rPr lang="en-US" smtClean="0"/>
-              <a:t>4/3/2014</a:t>
+              <a:t>4/4/2014</a:t>
             </a:fld>
             <a:endParaRPr lang="en-US"/>
           </a:p>
@@ -2800,7 +2799,7 @@
           <a:p>
             <a:fld id="{21ECAC6E-94D0-4AF5-9658-136DB119C8EB}" type="datetimeFigureOut">
               <a:rPr lang="en-US" smtClean="0"/>
-              <a:t>4/3/2014</a:t>
+              <a:t>4/4/2014</a:t>
             </a:fld>
             <a:endParaRPr lang="en-US"/>
           </a:p>
@@ -3053,7 +3052,7 @@
           <a:p>
             <a:fld id="{21ECAC6E-94D0-4AF5-9658-136DB119C8EB}" type="datetimeFigureOut">
               <a:rPr lang="en-US" smtClean="0"/>
-              <a:t>4/3/2014</a:t>
+              <a:t>4/4/2014</a:t>
             </a:fld>
             <a:endParaRPr lang="en-US"/>
           </a:p>
@@ -3266,7 +3265,7 @@
           <a:p>
             <a:fld id="{21ECAC6E-94D0-4AF5-9658-136DB119C8EB}" type="datetimeFigureOut">
               <a:rPr lang="en-US" smtClean="0"/>
-              <a:t>4/3/2014</a:t>
+              <a:t>4/4/2014</a:t>
             </a:fld>
             <a:endParaRPr lang="en-US"/>
           </a:p>
@@ -3765,34 +3764,7 @@
                 </a:solidFill>
                 <a:latin typeface="Agency FB" panose="020B0503020202020204" pitchFamily="34" charset="0"/>
               </a:rPr>
-              <a:t>10 STEPS </a:t>
-            </a:r>
-            <a:r>
-              <a:rPr lang="en-US" sz="2800" b="1" dirty="0" smtClean="0">
-                <a:solidFill>
-                  <a:schemeClr val="bg1"/>
-                </a:solidFill>
-                <a:latin typeface="Agency FB" panose="020B0503020202020204" pitchFamily="34" charset="0"/>
-              </a:rPr>
-              <a:t>FOR</a:t>
-            </a:r>
-            <a:r>
-              <a:rPr lang="en-US" sz="2800" b="1" dirty="0" smtClean="0">
-                <a:solidFill>
-                  <a:schemeClr val="bg1"/>
-                </a:solidFill>
-                <a:latin typeface="Agency FB" panose="020B0503020202020204" pitchFamily="34" charset="0"/>
-              </a:rPr>
-              <a:t> </a:t>
-            </a:r>
-            <a:r>
-              <a:rPr lang="en-US" sz="2800" b="1" dirty="0" smtClean="0">
-                <a:solidFill>
-                  <a:schemeClr val="bg1"/>
-                </a:solidFill>
-                <a:latin typeface="Agency FB" panose="020B0503020202020204" pitchFamily="34" charset="0"/>
-              </a:rPr>
-              <a:t>RUNNING YOUR CAREER LIKE A BUSINESS</a:t>
+              <a:t>10 STEPS FOR RUNNING YOUR CAREER LIKE A BUSINESS</a:t>
             </a:r>
             <a:endParaRPr lang="en-US" sz="2800" b="1" dirty="0">
               <a:solidFill>
@@ -3891,146 +3863,6 @@
       </p:grpSpPr>
       <p:pic>
         <p:nvPicPr>
-          <p:cNvPr id="4100" name="Picture 4" descr="http://i95.photobucket.com/albums/l153/Myke-JinX/Facepalm%20gallery/DoubleFacepalmRickerPicard.jpg"/>
-          <p:cNvPicPr>
-            <a:picLocks noChangeAspect="1" noChangeArrowheads="1"/>
-          </p:cNvPicPr>
-          <p:nvPr/>
-        </p:nvPicPr>
-        <p:blipFill>
-          <a:blip r:embed="rId2">
-            <a:extLst>
-              <a:ext uri="{28A0092B-C50C-407E-A947-70E740481C1C}">
-                <a14:useLocalDpi xmlns:a14="http://schemas.microsoft.com/office/drawing/2010/main" val="0"/>
-              </a:ext>
-            </a:extLst>
-          </a:blip>
-          <a:srcRect/>
-          <a:stretch>
-            <a:fillRect/>
-          </a:stretch>
-        </p:blipFill>
-        <p:spPr bwMode="auto">
-          <a:xfrm>
-            <a:off x="0" y="0"/>
-            <a:ext cx="9144000" cy="6858000"/>
-          </a:xfrm>
-          <a:prstGeom prst="rect">
-            <a:avLst/>
-          </a:prstGeom>
-          <a:noFill/>
-          <a:extLst>
-            <a:ext uri="{909E8E84-426E-40DD-AFC4-6F175D3DCCD1}">
-              <a14:hiddenFill xmlns:a14="http://schemas.microsoft.com/office/drawing/2010/main">
-                <a:solidFill>
-                  <a:srgbClr val="FFFFFF"/>
-                </a:solidFill>
-              </a14:hiddenFill>
-            </a:ext>
-          </a:extLst>
-        </p:spPr>
-      </p:pic>
-      <p:sp>
-        <p:nvSpPr>
-          <p:cNvPr id="4" name="TextBox 3"/>
-          <p:cNvSpPr txBox="1"/>
-          <p:nvPr/>
-        </p:nvSpPr>
-        <p:spPr>
-          <a:xfrm>
-            <a:off x="60034" y="6479569"/>
-            <a:ext cx="184731" cy="246221"/>
-          </a:xfrm>
-          <a:prstGeom prst="rect">
-            <a:avLst/>
-          </a:prstGeom>
-          <a:noFill/>
-        </p:spPr>
-        <p:txBody>
-          <a:bodyPr wrap="none" rtlCol="0">
-            <a:spAutoFit/>
-          </a:bodyPr>
-          <a:lstStyle/>
-          <a:p>
-            <a:endParaRPr lang="en-US" sz="1000" dirty="0"/>
-          </a:p>
-        </p:txBody>
-      </p:sp>
-      <p:sp>
-        <p:nvSpPr>
-          <p:cNvPr id="5" name="TextBox 4"/>
-          <p:cNvSpPr txBox="1"/>
-          <p:nvPr/>
-        </p:nvSpPr>
-        <p:spPr>
-          <a:xfrm>
-            <a:off x="-29975" y="5739825"/>
-            <a:ext cx="3692036" cy="584775"/>
-          </a:xfrm>
-          <a:prstGeom prst="rect">
-            <a:avLst/>
-          </a:prstGeom>
-          <a:solidFill>
-            <a:schemeClr val="bg1"/>
-          </a:solidFill>
-        </p:spPr>
-        <p:txBody>
-          <a:bodyPr wrap="none" rtlCol="0">
-            <a:spAutoFit/>
-          </a:bodyPr>
-          <a:lstStyle/>
-          <a:p>
-            <a:r>
-              <a:rPr lang="en-US" sz="3200" b="1" dirty="0" smtClean="0">
-                <a:latin typeface="Agency FB" panose="020B0503020202020204" pitchFamily="34" charset="0"/>
-              </a:rPr>
-              <a:t> LEARN FROM “FAILURES”</a:t>
-            </a:r>
-            <a:endParaRPr lang="en-US" sz="3200" b="1" dirty="0">
-              <a:latin typeface="Agency FB" panose="020B0503020202020204" pitchFamily="34" charset="0"/>
-            </a:endParaRPr>
-          </a:p>
-        </p:txBody>
-      </p:sp>
-    </p:spTree>
-    <p:extLst>
-      <p:ext uri="{BB962C8B-B14F-4D97-AF65-F5344CB8AC3E}">
-        <p14:creationId xmlns:p14="http://schemas.microsoft.com/office/powerpoint/2010/main" val="1231281279"/>
-      </p:ext>
-    </p:extLst>
-  </p:cSld>
-  <p:clrMapOvr>
-    <a:masterClrMapping/>
-  </p:clrMapOvr>
-  <p:timing>
-    <p:tnLst>
-      <p:par>
-        <p:cTn id="1" dur="indefinite" restart="never" nodeType="tmRoot"/>
-      </p:par>
-    </p:tnLst>
-  </p:timing>
-</p:sld>
-</file>
-
-<file path=ppt/slides/slide11.xml><?xml version="1.0" encoding="utf-8"?>
-<p:sld xmlns:a="http://schemas.openxmlformats.org/drawingml/2006/main" xmlns:r="http://schemas.openxmlformats.org/officeDocument/2006/relationships" xmlns:p="http://schemas.openxmlformats.org/presentationml/2006/main">
-  <p:cSld>
-    <p:spTree>
-      <p:nvGrpSpPr>
-        <p:cNvPr id="1" name=""/>
-        <p:cNvGrpSpPr/>
-        <p:nvPr/>
-      </p:nvGrpSpPr>
-      <p:grpSpPr>
-        <a:xfrm>
-          <a:off x="0" y="0"/>
-          <a:ext cx="0" cy="0"/>
-          <a:chOff x="0" y="0"/>
-          <a:chExt cx="0" cy="0"/>
-        </a:xfrm>
-      </p:grpSpPr>
-      <p:pic>
-        <p:nvPicPr>
           <p:cNvPr id="2" name="Picture 1"/>
           <p:cNvPicPr>
             <a:picLocks noChangeAspect="1"/>
@@ -4112,7 +3944,7 @@
 </p:sld>
 </file>
 
-<file path=ppt/slides/slide12.xml><?xml version="1.0" encoding="utf-8"?>
+<file path=ppt/slides/slide11.xml><?xml version="1.0" encoding="utf-8"?>
 <p:sld xmlns:a="http://schemas.openxmlformats.org/drawingml/2006/main" xmlns:r="http://schemas.openxmlformats.org/officeDocument/2006/relationships" xmlns:p="http://schemas.openxmlformats.org/presentationml/2006/main">
   <p:cSld>
     <p:spTree>
@@ -4256,7 +4088,7 @@
 </p:sld>
 </file>
 
-<file path=ppt/slides/slide13.xml><?xml version="1.0" encoding="utf-8"?>
+<file path=ppt/slides/slide12.xml><?xml version="1.0" encoding="utf-8"?>
 <p:sld xmlns:a="http://schemas.openxmlformats.org/drawingml/2006/main" xmlns:r="http://schemas.openxmlformats.org/officeDocument/2006/relationships" xmlns:p="http://schemas.openxmlformats.org/presentationml/2006/main">
   <p:cSld>
     <p:spTree>
@@ -4396,6 +4228,120 @@
 </p:sld>
 </file>
 
+<file path=ppt/slides/slide13.xml><?xml version="1.0" encoding="utf-8"?>
+<p:sld xmlns:a="http://schemas.openxmlformats.org/drawingml/2006/main" xmlns:r="http://schemas.openxmlformats.org/officeDocument/2006/relationships" xmlns:p="http://schemas.openxmlformats.org/presentationml/2006/main">
+  <p:cSld>
+    <p:spTree>
+      <p:nvGrpSpPr>
+        <p:cNvPr id="1" name=""/>
+        <p:cNvGrpSpPr/>
+        <p:nvPr/>
+      </p:nvGrpSpPr>
+      <p:grpSpPr>
+        <a:xfrm>
+          <a:off x="0" y="0"/>
+          <a:ext cx="0" cy="0"/>
+          <a:chOff x="0" y="0"/>
+          <a:chExt cx="0" cy="0"/>
+        </a:xfrm>
+      </p:grpSpPr>
+      <p:sp>
+        <p:nvSpPr>
+          <p:cNvPr id="4" name="Title 3"/>
+          <p:cNvSpPr>
+            <a:spLocks noGrp="1"/>
+          </p:cNvSpPr>
+          <p:nvPr>
+            <p:ph type="ctrTitle"/>
+          </p:nvPr>
+        </p:nvSpPr>
+        <p:spPr>
+          <a:xfrm>
+            <a:off x="1710266" y="1647636"/>
+            <a:ext cx="5723468" cy="3535553"/>
+          </a:xfrm>
+        </p:spPr>
+        <p:txBody>
+          <a:bodyPr anchor="ctr" anchorCtr="1">
+            <a:normAutofit fontScale="90000"/>
+          </a:bodyPr>
+          <a:lstStyle/>
+          <a:p>
+            <a:r>
+              <a:rPr lang="en-US" sz="13800" b="1" dirty="0" smtClean="0"/>
+              <a:t>You</a:t>
+            </a:r>
+            <a:br>
+              <a:rPr lang="en-US" sz="13800" b="1" dirty="0" smtClean="0"/>
+            </a:br>
+            <a:r>
+              <a:rPr lang="en-US" dirty="0" smtClean="0"/>
+              <a:t/>
+            </a:r>
+            <a:br>
+              <a:rPr lang="en-US" dirty="0" smtClean="0"/>
+            </a:br>
+            <a:r>
+              <a:rPr lang="en-US" dirty="0" smtClean="0"/>
+              <a:t>are responsible</a:t>
+            </a:r>
+            <a:br>
+              <a:rPr lang="en-US" dirty="0" smtClean="0"/>
+            </a:br>
+            <a:r>
+              <a:rPr lang="en-US" dirty="0" smtClean="0"/>
+              <a:t>for your life and career</a:t>
+            </a:r>
+            <a:endParaRPr lang="en-US" dirty="0"/>
+          </a:p>
+        </p:txBody>
+      </p:sp>
+      <p:sp>
+        <p:nvSpPr>
+          <p:cNvPr id="2" name="TextBox 1"/>
+          <p:cNvSpPr txBox="1"/>
+          <p:nvPr/>
+        </p:nvSpPr>
+        <p:spPr>
+          <a:xfrm>
+            <a:off x="3947050" y="4187742"/>
+            <a:ext cx="184666" cy="369332"/>
+          </a:xfrm>
+          <a:prstGeom prst="rect">
+            <a:avLst/>
+          </a:prstGeom>
+          <a:noFill/>
+        </p:spPr>
+        <p:txBody>
+          <a:bodyPr wrap="none" rtlCol="0">
+            <a:spAutoFit/>
+          </a:bodyPr>
+          <a:lstStyle/>
+          <a:p>
+            <a:endParaRPr lang="en-US" dirty="0"/>
+          </a:p>
+        </p:txBody>
+      </p:sp>
+    </p:spTree>
+    <p:extLst>
+      <p:ext uri="{BB962C8B-B14F-4D97-AF65-F5344CB8AC3E}">
+        <p14:creationId xmlns:p14="http://schemas.microsoft.com/office/powerpoint/2010/main" val="2897351082"/>
+      </p:ext>
+    </p:extLst>
+  </p:cSld>
+  <p:clrMapOvr>
+    <a:masterClrMapping/>
+  </p:clrMapOvr>
+  <p:timing>
+    <p:tnLst>
+      <p:par>
+        <p:cTn id="1" dur="indefinite" restart="never" nodeType="tmRoot"/>
+      </p:par>
+    </p:tnLst>
+  </p:timing>
+</p:sld>
+</file>
+
 <file path=ppt/slides/slide14.xml><?xml version="1.0" encoding="utf-8"?>
 <p:sld xmlns:a="http://schemas.openxmlformats.org/drawingml/2006/main" xmlns:r="http://schemas.openxmlformats.org/officeDocument/2006/relationships" xmlns:p="http://schemas.openxmlformats.org/presentationml/2006/main">
   <p:cSld>
@@ -4425,42 +4371,28 @@
         </p:nvSpPr>
         <p:spPr>
           <a:xfrm>
-            <a:off x="1710266" y="1647636"/>
-            <a:ext cx="5723468" cy="3535553"/>
+            <a:off x="685800" y="1647637"/>
+            <a:ext cx="7848600" cy="3066434"/>
           </a:xfrm>
         </p:spPr>
         <p:txBody>
           <a:bodyPr anchor="ctr" anchorCtr="1">
-            <a:normAutofit fontScale="90000"/>
+            <a:noAutofit/>
           </a:bodyPr>
           <a:lstStyle/>
           <a:p>
             <a:r>
-              <a:rPr lang="en-US" sz="13800" b="1" dirty="0" smtClean="0"/>
-              <a:t>You</a:t>
+              <a:rPr lang="en-US" sz="3000" dirty="0"/>
+              <a:t>"Don't ask yourself what the world needs. Ask yourself what makes you come alive and then go do that. Because what the world needs is people who have come alive</a:t>
+            </a:r>
+            <a:r>
+              <a:rPr lang="en-US" sz="3000" dirty="0" smtClean="0"/>
+              <a:t>.”</a:t>
             </a:r>
             <a:br>
-              <a:rPr lang="en-US" sz="13800" b="1" dirty="0" smtClean="0"/>
+              <a:rPr lang="en-US" sz="3000" dirty="0" smtClean="0"/>
             </a:br>
-            <a:r>
-              <a:rPr lang="en-US" dirty="0" smtClean="0"/>
-              <a:t/>
-            </a:r>
-            <a:br>
-              <a:rPr lang="en-US" dirty="0" smtClean="0"/>
-            </a:br>
-            <a:r>
-              <a:rPr lang="en-US" dirty="0" smtClean="0"/>
-              <a:t>are responsible</a:t>
-            </a:r>
-            <a:br>
-              <a:rPr lang="en-US" dirty="0" smtClean="0"/>
-            </a:br>
-            <a:r>
-              <a:rPr lang="en-US" dirty="0" smtClean="0"/>
-              <a:t>for your life and career</a:t>
-            </a:r>
-            <a:endParaRPr lang="en-US" dirty="0"/>
+            <a:endParaRPr lang="en-US" sz="3000" dirty="0"/>
           </a:p>
         </p:txBody>
       </p:sp>
@@ -4490,10 +4422,43 @@
           </a:p>
         </p:txBody>
       </p:sp>
+      <p:sp>
+        <p:nvSpPr>
+          <p:cNvPr id="3" name="TextBox 2"/>
+          <p:cNvSpPr txBox="1"/>
+          <p:nvPr/>
+        </p:nvSpPr>
+        <p:spPr>
+          <a:xfrm>
+            <a:off x="1600200" y="4940632"/>
+            <a:ext cx="5809085" cy="507831"/>
+          </a:xfrm>
+          <a:prstGeom prst="rect">
+            <a:avLst/>
+          </a:prstGeom>
+          <a:noFill/>
+        </p:spPr>
+        <p:txBody>
+          <a:bodyPr wrap="square" rtlCol="0">
+            <a:spAutoFit/>
+          </a:bodyPr>
+          <a:lstStyle/>
+          <a:p>
+            <a:pPr algn="r"/>
+            <a:r>
+              <a:rPr lang="en-US" sz="2700" dirty="0">
+                <a:latin typeface="+mj-lt"/>
+                <a:cs typeface="Constantia"/>
+              </a:rPr>
+              <a:t>-- Howard Thurman</a:t>
+            </a:r>
+          </a:p>
+        </p:txBody>
+      </p:sp>
     </p:spTree>
     <p:extLst>
       <p:ext uri="{BB962C8B-B14F-4D97-AF65-F5344CB8AC3E}">
-        <p14:creationId xmlns:p14="http://schemas.microsoft.com/office/powerpoint/2010/main" val="2897351082"/>
+        <p14:creationId xmlns:p14="http://schemas.microsoft.com/office/powerpoint/2010/main" val="1678303884"/>
       </p:ext>
     </p:extLst>
   </p:cSld>
@@ -4534,36 +4499,151 @@
             <a:spLocks noGrp="1"/>
           </p:cNvSpPr>
           <p:nvPr>
-            <p:ph type="ctrTitle"/>
+            <p:ph type="title"/>
+          </p:nvPr>
+        </p:nvSpPr>
+        <p:spPr/>
+        <p:txBody>
+          <a:bodyPr anchor="ctr" anchorCtr="1">
+            <a:normAutofit/>
+          </a:bodyPr>
+          <a:lstStyle/>
+          <a:p>
+            <a:r>
+              <a:rPr lang="en-US" dirty="0" smtClean="0"/>
+              <a:t>Resources</a:t>
+            </a:r>
+            <a:endParaRPr lang="en-US" dirty="0"/>
+          </a:p>
+        </p:txBody>
+      </p:sp>
+      <p:sp>
+        <p:nvSpPr>
+          <p:cNvPr id="3" name="Content Placeholder 2"/>
+          <p:cNvSpPr>
+            <a:spLocks noGrp="1"/>
+          </p:cNvSpPr>
+          <p:nvPr>
+            <p:ph sz="quarter" idx="4294967295"/>
           </p:nvPr>
         </p:nvSpPr>
         <p:spPr>
           <a:xfrm>
-            <a:off x="685800" y="1647637"/>
-            <a:ext cx="7848600" cy="3066434"/>
-          </a:xfrm>
-        </p:spPr>
-        <p:txBody>
-          <a:bodyPr anchor="ctr" anchorCtr="1">
-            <a:noAutofit/>
+            <a:off x="1298448" y="2121407"/>
+            <a:ext cx="3200400" cy="3141876"/>
+          </a:xfrm>
+          <a:prstGeom prst="rect">
+            <a:avLst/>
+          </a:prstGeom>
+        </p:spPr>
+        <p:txBody>
+          <a:bodyPr>
+            <a:normAutofit lnSpcReduction="10000"/>
           </a:bodyPr>
           <a:lstStyle/>
           <a:p>
-            <a:r>
-              <a:rPr lang="en-US" sz="3000" dirty="0"/>
-              <a:t>"Don't ask yourself what the world needs. Ask yourself what makes you come alive and then go do that. Because what the world needs is people who have come alive</a:t>
-            </a:r>
-            <a:r>
-              <a:rPr lang="en-US" sz="3000" dirty="0" smtClean="0"/>
-              <a:t>.”</a:t>
+            <a:pPr marL="0" indent="0">
+              <a:buNone/>
+            </a:pPr>
+            <a:r>
+              <a:rPr lang="en-US" dirty="0" smtClean="0"/>
+              <a:t>Leon </a:t>
+            </a:r>
+            <a:r>
+              <a:rPr lang="en-US" dirty="0" err="1" smtClean="0"/>
+              <a:t>Gersing</a:t>
+            </a:r>
+            <a:r>
+              <a:rPr lang="en-US" dirty="0"/>
+              <a:t> </a:t>
+            </a:r>
+            <a:r>
+              <a:rPr lang="en-US" dirty="0" smtClean="0"/>
+              <a:t>– “You”</a:t>
+            </a:r>
+          </a:p>
+          <a:p>
+            <a:pPr marL="0" indent="0">
+              <a:buNone/>
+            </a:pPr>
+            <a:r>
+              <a:rPr lang="en-US" dirty="0"/>
+              <a:t> </a:t>
+            </a:r>
+            <a:endParaRPr lang="en-US" dirty="0" smtClean="0"/>
+          </a:p>
+          <a:p>
+            <a:pPr marL="0" indent="0">
+              <a:buNone/>
+            </a:pPr>
+            <a:r>
+              <a:rPr lang="en-US" dirty="0" err="1" smtClean="0"/>
+              <a:t>google</a:t>
+            </a:r>
+            <a:r>
+              <a:rPr lang="en-US" dirty="0"/>
+              <a:t>: </a:t>
+            </a:r>
+            <a:r>
+              <a:rPr lang="en-US" dirty="0" smtClean="0"/>
+              <a:t/>
             </a:r>
             <a:br>
-              <a:rPr lang="en-US" sz="3000" dirty="0" smtClean="0"/>
+              <a:rPr lang="en-US" dirty="0" smtClean="0"/>
             </a:br>
-            <a:endParaRPr lang="en-US" sz="3000" dirty="0"/>
-          </a:p>
-        </p:txBody>
-      </p:sp>
+            <a:r>
+              <a:rPr lang="en-US" dirty="0" smtClean="0"/>
+              <a:t>“</a:t>
+            </a:r>
+            <a:r>
+              <a:rPr lang="en-US" dirty="0" err="1"/>
+              <a:t>leon</a:t>
+            </a:r>
+            <a:r>
+              <a:rPr lang="en-US" dirty="0"/>
+              <a:t> </a:t>
+            </a:r>
+            <a:r>
+              <a:rPr lang="en-US" dirty="0" err="1"/>
+              <a:t>gersing</a:t>
+            </a:r>
+            <a:r>
+              <a:rPr lang="en-US" dirty="0"/>
+              <a:t> you </a:t>
+            </a:r>
+            <a:r>
+              <a:rPr lang="en-US" dirty="0" smtClean="0"/>
+              <a:t>keynote”</a:t>
+            </a:r>
+            <a:endParaRPr lang="en-US" dirty="0"/>
+          </a:p>
+        </p:txBody>
+      </p:sp>
+      <p:pic>
+        <p:nvPicPr>
+          <p:cNvPr id="6" name="Content Placeholder 5"/>
+          <p:cNvPicPr>
+            <a:picLocks noGrp="1" noChangeAspect="1"/>
+          </p:cNvPicPr>
+          <p:nvPr>
+            <p:ph sz="quarter" idx="4294967295"/>
+          </p:nvPr>
+        </p:nvPicPr>
+        <p:blipFill rotWithShape="1">
+          <a:blip r:embed="rId2"/>
+          <a:srcRect t="-47336" b="-47336"/>
+          <a:stretch/>
+        </p:blipFill>
+        <p:spPr>
+          <a:xfrm>
+            <a:off x="4901184" y="1261169"/>
+            <a:ext cx="2967844" cy="3605212"/>
+          </a:xfrm>
+          <a:prstGeom prst="rect">
+            <a:avLst/>
+          </a:prstGeom>
+        </p:spPr>
+      </p:pic>
       <p:sp>
         <p:nvSpPr>
           <p:cNvPr id="2" name="TextBox 1"/>
@@ -4592,14 +4672,14 @@
       </p:sp>
       <p:sp>
         <p:nvSpPr>
-          <p:cNvPr id="3" name="TextBox 2"/>
+          <p:cNvPr id="7" name="TextBox 6"/>
           <p:cNvSpPr txBox="1"/>
           <p:nvPr/>
         </p:nvSpPr>
         <p:spPr>
           <a:xfrm>
-            <a:off x="1600200" y="4940632"/>
-            <a:ext cx="5809085" cy="507831"/>
+            <a:off x="135020" y="6400800"/>
+            <a:ext cx="6570580" cy="307777"/>
           </a:xfrm>
           <a:prstGeom prst="rect">
             <a:avLst/>
@@ -4612,13 +4692,17 @@
           </a:bodyPr>
           <a:lstStyle/>
           <a:p>
-            <a:pPr algn="r"/>
-            <a:r>
-              <a:rPr lang="en-US" sz="2700" dirty="0">
-                <a:latin typeface="+mj-lt"/>
-                <a:cs typeface="Constantia"/>
-              </a:rPr>
-              <a:t>-- Howard Thurman</a:t>
+            <a:r>
+              <a:rPr lang="en-US" sz="1400" dirty="0"/>
+              <a:t>http://</a:t>
+            </a:r>
+            <a:r>
+              <a:rPr lang="en-US" sz="1400" dirty="0" err="1"/>
+              <a:t>www.davidgiard.com</a:t>
+            </a:r>
+            <a:r>
+              <a:rPr lang="en-US" sz="1400" dirty="0"/>
+              <a:t>/2012/05/11/GANG10KeynoteLeonGersingOnYou.aspx</a:t>
             </a:r>
           </a:p>
         </p:txBody>
@@ -4626,7 +4710,7 @@
     </p:spTree>
     <p:extLst>
       <p:ext uri="{BB962C8B-B14F-4D97-AF65-F5344CB8AC3E}">
-        <p14:creationId xmlns:p14="http://schemas.microsoft.com/office/powerpoint/2010/main" val="1678303884"/>
+        <p14:creationId xmlns:p14="http://schemas.microsoft.com/office/powerpoint/2010/main" val="694639368"/>
       </p:ext>
     </p:extLst>
   </p:cSld>
@@ -4697,8 +4781,8 @@
         </p:nvSpPr>
         <p:spPr>
           <a:xfrm>
-            <a:off x="1298448" y="2121407"/>
-            <a:ext cx="3200400" cy="3141876"/>
+            <a:off x="533400" y="2121407"/>
+            <a:ext cx="4343400" cy="3141876"/>
           </a:xfrm>
           <a:prstGeom prst="rect">
             <a:avLst/>
@@ -4715,29 +4799,22 @@
             </a:pPr>
             <a:r>
               <a:rPr lang="en-US" dirty="0" smtClean="0"/>
-              <a:t>Leon </a:t>
-            </a:r>
-            <a:r>
-              <a:rPr lang="en-US" dirty="0" err="1" smtClean="0"/>
-              <a:t>Gersing</a:t>
-            </a:r>
-            <a:r>
-              <a:rPr lang="en-US" dirty="0"/>
-              <a:t> </a:t>
-            </a:r>
+              <a:t>Brian Prince – </a:t>
+            </a:r>
+          </a:p>
+          <a:p>
+            <a:pPr marL="0" indent="0">
+              <a:buNone/>
+            </a:pPr>
             <a:r>
               <a:rPr lang="en-US" dirty="0" smtClean="0"/>
-              <a:t>– “You”</a:t>
+              <a:t>“Driving Your Career”</a:t>
             </a:r>
           </a:p>
           <a:p>
             <a:pPr marL="0" indent="0">
               <a:buNone/>
             </a:pPr>
-            <a:r>
-              <a:rPr lang="en-US" dirty="0"/>
-              <a:t> </a:t>
-            </a:r>
             <a:endParaRPr lang="en-US" dirty="0" smtClean="0"/>
           </a:p>
           <a:p>
@@ -4745,7 +4822,7 @@
               <a:buNone/>
             </a:pPr>
             <a:r>
-              <a:rPr lang="en-US" dirty="0" err="1" smtClean="0"/>
+              <a:rPr lang="en-US" dirty="0" smtClean="0"/>
               <a:t>google</a:t>
             </a:r>
             <a:r>
@@ -4761,57 +4838,12 @@
             </a:br>
             <a:r>
               <a:rPr lang="en-US" dirty="0" smtClean="0"/>
-              <a:t>“</a:t>
-            </a:r>
-            <a:r>
-              <a:rPr lang="en-US" dirty="0" err="1"/>
-              <a:t>leon</a:t>
-            </a:r>
-            <a:r>
-              <a:rPr lang="en-US" dirty="0"/>
-              <a:t> </a:t>
-            </a:r>
-            <a:r>
-              <a:rPr lang="en-US" dirty="0" err="1"/>
-              <a:t>gersing</a:t>
-            </a:r>
-            <a:r>
-              <a:rPr lang="en-US" dirty="0"/>
-              <a:t> you </a:t>
-            </a:r>
-            <a:r>
-              <a:rPr lang="en-US" dirty="0" smtClean="0"/>
-              <a:t>keynote”</a:t>
+              <a:t>“Brian Prince driving your career”</a:t>
             </a:r>
             <a:endParaRPr lang="en-US" dirty="0"/>
           </a:p>
         </p:txBody>
       </p:sp>
-      <p:pic>
-        <p:nvPicPr>
-          <p:cNvPr id="6" name="Content Placeholder 5"/>
-          <p:cNvPicPr>
-            <a:picLocks noGrp="1" noChangeAspect="1"/>
-          </p:cNvPicPr>
-          <p:nvPr>
-            <p:ph sz="quarter" idx="4294967295"/>
-          </p:nvPr>
-        </p:nvPicPr>
-        <p:blipFill rotWithShape="1">
-          <a:blip r:embed="rId2"/>
-          <a:srcRect t="-47336" b="-47336"/>
-          <a:stretch/>
-        </p:blipFill>
-        <p:spPr>
-          <a:xfrm>
-            <a:off x="4901184" y="1261169"/>
-            <a:ext cx="2967844" cy="3605212"/>
-          </a:xfrm>
-          <a:prstGeom prst="rect">
-            <a:avLst/>
-          </a:prstGeom>
-        </p:spPr>
-      </p:pic>
       <p:sp>
         <p:nvSpPr>
           <p:cNvPr id="2" name="TextBox 1"/>
@@ -4846,7 +4878,7 @@
         </p:nvSpPr>
         <p:spPr>
           <a:xfrm>
-            <a:off x="135020" y="6400800"/>
+            <a:off x="152400" y="6400800"/>
             <a:ext cx="6570580" cy="307777"/>
           </a:xfrm>
           <a:prstGeom prst="rect">
@@ -4862,23 +4894,42 @@
           <a:p>
             <a:r>
               <a:rPr lang="en-US" sz="1400" dirty="0"/>
-              <a:t>http://</a:t>
-            </a:r>
-            <a:r>
-              <a:rPr lang="en-US" sz="1400" dirty="0" err="1"/>
-              <a:t>www.davidgiard.com</a:t>
-            </a:r>
-            <a:r>
-              <a:rPr lang="en-US" sz="1400" dirty="0"/>
-              <a:t>/2012/05/11/GANG10KeynoteLeonGersingOnYou.aspx</a:t>
-            </a:r>
-          </a:p>
-        </p:txBody>
-      </p:sp>
+              <a:t>http://www.brianhprince.com/2010/04/14/driving-your-career-series-transcripts/</a:t>
+            </a:r>
+          </a:p>
+        </p:txBody>
+      </p:sp>
+      <p:pic>
+        <p:nvPicPr>
+          <p:cNvPr id="8" name="Content Placeholder 7"/>
+          <p:cNvPicPr>
+            <a:picLocks noGrp="1" noChangeAspect="1"/>
+          </p:cNvPicPr>
+          <p:nvPr>
+            <p:ph sz="quarter" idx="4294967295"/>
+          </p:nvPr>
+        </p:nvPicPr>
+        <p:blipFill>
+          <a:blip r:embed="rId2"/>
+          <a:srcRect l="11162" r="11162"/>
+          <a:stretch>
+            <a:fillRect/>
+          </a:stretch>
+        </p:blipFill>
+        <p:spPr>
+          <a:xfrm>
+            <a:off x="5382850" y="1981200"/>
+            <a:ext cx="3075350" cy="3464345"/>
+          </a:xfrm>
+          <a:prstGeom prst="rect">
+            <a:avLst/>
+          </a:prstGeom>
+        </p:spPr>
+      </p:pic>
     </p:spTree>
     <p:extLst>
       <p:ext uri="{BB962C8B-B14F-4D97-AF65-F5344CB8AC3E}">
-        <p14:creationId xmlns:p14="http://schemas.microsoft.com/office/powerpoint/2010/main" val="694639368"/>
+        <p14:creationId xmlns:p14="http://schemas.microsoft.com/office/powerpoint/2010/main" val="1266568342"/>
       </p:ext>
     </p:extLst>
   </p:cSld>
@@ -4949,25 +5000,27 @@
         </p:nvSpPr>
         <p:spPr>
           <a:xfrm>
-            <a:off x="533400" y="2121407"/>
-            <a:ext cx="4343400" cy="3141876"/>
+            <a:off x="1298448" y="2121407"/>
+            <a:ext cx="3200400" cy="3141876"/>
           </a:xfrm>
           <a:prstGeom prst="rect">
             <a:avLst/>
           </a:prstGeom>
         </p:spPr>
         <p:txBody>
-          <a:bodyPr>
-            <a:normAutofit lnSpcReduction="10000"/>
-          </a:bodyPr>
+          <a:bodyPr/>
           <a:lstStyle/>
           <a:p>
             <a:pPr marL="0" indent="0">
               <a:buNone/>
             </a:pPr>
             <a:r>
+              <a:rPr lang="en-US" i="1" dirty="0" smtClean="0"/>
+              <a:t>The Passionate Programmer</a:t>
+            </a:r>
+            <a:r>
               <a:rPr lang="en-US" dirty="0" smtClean="0"/>
-              <a:t>Brian Prince – </a:t>
+              <a:t>, </a:t>
             </a:r>
           </a:p>
           <a:p>
@@ -4975,40 +5028,14 @@
               <a:buNone/>
             </a:pPr>
             <a:r>
-              <a:rPr lang="en-US" dirty="0" smtClean="0"/>
-              <a:t>“Driving Your Career”</a:t>
-            </a:r>
-          </a:p>
-          <a:p>
-            <a:pPr marL="0" indent="0">
-              <a:buNone/>
-            </a:pPr>
-            <a:endParaRPr lang="en-US" dirty="0" smtClean="0"/>
-          </a:p>
-          <a:p>
-            <a:pPr marL="0" indent="0">
-              <a:buNone/>
-            </a:pPr>
-            <a:r>
-              <a:rPr lang="en-US" dirty="0" smtClean="0"/>
-              <a:t>google</a:t>
-            </a:r>
-            <a:r>
-              <a:rPr lang="en-US" dirty="0"/>
-              <a:t>: </a:t>
-            </a:r>
-            <a:r>
-              <a:rPr lang="en-US" dirty="0" smtClean="0"/>
-              <a:t/>
-            </a:r>
-            <a:br>
-              <a:rPr lang="en-US" dirty="0" smtClean="0"/>
-            </a:br>
-            <a:r>
-              <a:rPr lang="en-US" dirty="0" smtClean="0"/>
-              <a:t>“Brian Prince driving your career”</a:t>
-            </a:r>
-            <a:endParaRPr lang="en-US" dirty="0"/>
+              <a:rPr lang="en-US"/>
+              <a:t> </a:t>
+            </a:r>
+            <a:r>
+              <a:rPr lang="en-US" smtClean="0"/>
+              <a:t>  by Chad Fowler</a:t>
+            </a:r>
+            <a:endParaRPr lang="en-US" i="1" dirty="0" smtClean="0"/>
           </a:p>
         </p:txBody>
       </p:sp>
@@ -5040,64 +5067,88 @@
       </p:sp>
       <p:sp>
         <p:nvSpPr>
-          <p:cNvPr id="7" name="TextBox 6"/>
-          <p:cNvSpPr txBox="1"/>
+          <p:cNvPr id="5" name="AutoShape 2" descr="data:image/jpeg;base64,/9j/4AAQSkZJRgABAQAAAQABAAD/2wCEAAkGBxMREBUUEBQUFhUVGBYUFxcWFRYXFxkWGxobFhQaFRgYHCggGB4lHBcWIjEiJSkrLi46Fx8zODMsNygwLisBCgoKDg0OGxAQGiwlHyQvLDcsLCwsLDQsLC0sLCssLCwsNCwsLC0sLCwsLCwsLCwsLCwsLCwsLCwsLCwsLCwsLP/AABEIARMAtwMBIgACEQEDEQH/xAAcAAEAAgMBAQEAAAAAAAAAAAAABQYBAwQCBwj/xABIEAACAQIDAwYJCQcCBgMAAAABAgMAEQQSIQUxQQcTIjVRYQYycXJ0gZGysxQXI0JUYpOh0hUWUoKS0fCx4SQzU6LB8TRDlP/EABkBAQEBAQEBAAAAAAAAAAAAAAABAgMEBf/EAC8RAQEAAQMDAgMHBAMAAAAAAAABAgMRIRIxQQQTFVHwYXGRoaLB0SIygbEjM1L/2gAMAwEAAhEDEQA/AKTs3kl2jiMMmIjEJjkQSreSzZSMw0tvtVEIr9f8nXVGC9Hh9wV+X/DrZfyXaeKhG5JWK+axzp/2sKCO2bsqSe/NZTltfM6rvYIPGOvSZR/MK14zZssVzJG6i+W5UgX3jXdqATVz/aWDE04URqodAjocgZGliNgqIOjHkzi9zca3GhlZtlQzxJNI3OwgAHpFRGqGNZWjI1yqDLvL6lbcbh8spV5wWzdnytGoKhzzIyCSRszMLSoOOhGmo1PHRa9DZ+BduaQoXyxoigvd5gswIfTMAZOZuVtoeHAKJWRXXJh+cmyQLfM+VFDZr3NlAYgX7L2Fa8RhHjy5xbOoddRfKQCpIBuLggi/Ag0GzZ2z3nYrHa4Fzc2FSH7rz/c/qqc8AtjTSxySRRSOMwjuiMwBADEXA39JfbVq/YOK+zz/AIT/ANq82pq5zLaR9v0fofT6mlMtTLa37Y+c/uxP9z+qn7rz/c/qr6cmzMWIjGMNNYkknmn3HLYWtb6m/vO7jsm2fin5sNhJrR5Rbm36QCopB00vkO7+Lt1Ofez+o6/D/S79/wBUfLP3Yn+5/VWf3Yn+5/VX1M4HFGUyHCzgsLHJG62bS7IbEre3/c3bXvDYLEoXPyOY5nDi6SHKVJKakdKxI377d9X3c/qJ8P8ATfP9UfKf3Xn+5/VT92J/uf1V9STZ2JAkHyOYiUm943uo1KhdNLMQT224V5TZ+LBivh8QREQbFHsbPm3W0009VT3s/qL8P9N8/wBUfL/3Yn+5/VT915/uf1V9NTZOKEeT5NiBqTcI4BvbRxl6QFtNfrGsYfY+JUOGwuIIZbaRsCOkGvqp/h/OnvZr8O9Lt/d+cfM/3Xn+5/VT92J/uf1V9Qg2bikMZ+Sz/R5//rfXNe3DS1/ypFs3FBJFOGxBMljfm30tm33GoOb8qe9mnw/0vz/VHy/92J/uf1U/dif7n9VfRv2Divs8/wCE/wDan7BxX2ef8J/7VPe1Pk6fDfR/+vzj5ljdhSxIXfLYW3G+/Ss1cvDDZM8eDdpIZUUFLsyMoHSAGpFK76edym9fK9Z6fT09Tp07vNvm+8cnPVGC9Hh90V8f5dvBXEPtJZ8NBNKssS5jHG72kQlSGyg26OTf39lfYOTnqjBejw+6KsVq6vA/G37rY/7Hi/8A88v6as2x2x2GjiVdm4tjHnBzRyZGzuH1Xmr6Zf4q/UlKD8xYbGY9ChOzcY2Qg9JJiXsEF5TzXTYc30Wt0b7jW5dpY4MD+y8YReJiuSW2aMoRk+hug6A6I6OpNq/S9KD8xR43aAWFTs/Gnm2RnJRyZcjKwDloCdMgAINxrvqA2xsbHTyBxgcaLRxR2aKVz9Gixg3yDflvu4mv15Sgp3JLsZ8HsnDxyqVkbPI6kWILsWAYcCFyj1VcaUoFKUoFKUoFKUoFKUoFKUoFKUoKBy6dST+dD8VaU5dOpJ/Oh+KtKCc5OeqMF6PD7oqx1XOTnqjBejw+6KsdApSlApSlApSlApSlApSlApSlApSlApSlApSlApSlBQOXTqSfzofirSnLp1JP50PxVpQTnJz1RgvR4fdFWOq5yc9UYL0eH3RViJoM0rF6XoOLE7USNwrLJctlFo2ILZS9gQLHQH2U/aiZZG6YEQBe6MCBlz7t56JvpXnaGHZ3gZQLJJna5tpkdNNNTdx7K4sZsx3GK01lFo/pGUH6MJ0wNBqO+s71XfHtNGYqA9wVBORrAsAVufIR5ONd1QcGCkEpcrvMZH0rAABAjXUCzfWt26buE0GqweqVjNTNVRmlYzUzUGaVjNS9BmlYzUzUGaVgGl6DNKxel6DNKxWaCgcunUk/nQ/FWlOXTqSfzofirSgnOTnqjBejw+6K18oUX/ASuCwaMBlZWKkG4G8GtnJz1RgvR4fdFOULq3EeaPeFZy7V10P+zH744tt7MEODOIwzvFLFHztw7lWsLsHUmzAi9SW0Mc7YWMJ0JsQFRR/CzLdm/lXMfVWxNkiRF52SR0src2SoTtAOVQWA7CTurjlimxGKMkDxosAaFc8TSBnNjKVs62tZV47mqbOnVL38W8/6j34D4wvhebk/5mHZsO9990NlPfdbG9a2nimx0sOIYdBY+biZrKwYEs+Xc5vpre2XvriwKS4TadpnRhjVOqIY1EsY00LNqVvx4VLbX2HhceDzi3aMlM6kq6kakX9d9dKk32aymEz3vazvPH1WYdkcxPzkBYRFGDRZ2KZ9CjIpNhuINq4PBuPD43DLJKRLKwvJdjmRz4yqL3jAOgtatGz8PLs7ELG07y4aRJGHOavGYxmOo3i1/wAtK6dp+BeGmfnYi8Ep6WeFrXJ4kbvZanPiLemcZZfdZ+7ZPssx4LEJIzuF5x4mZ2Lhcl16V73U3A14Co/ZGOMOz8Gses+KyKGYlukVLSO19+VQTbyCujATTfJMZDiH5x8OHj5y1s6mISKSO0B7eqoaOTmsNsidvEjKq54KJIygJ7Bepb5bxw3lxvPP48Wz8VwOwIWX6QGRuLuzF79oN+j5FsKhkL4XFJhZmaXD4kMIi5JdHUXMbOdWFtxJvVuVr1W/CVOcxeBjXxhM0x7o0Rrk9xZlHrrWU+Tz6WVtuOXba/4Rew9sNhMS+Hnzcw0rxwSsScrCzc27HX62l6mPDLBK+HLHMGVksysymxdQRdSLggmteF2ZHiY8XFKLq2Ifyg5UsQeBFQk20pIYnwWMN5FMZhk4TRiRbfzDiP8A3We02rttM8plj3m2/wDP8rvNIkMRY9FEW/kUD/aqx4L4yZMXNFifGnVcVGDwBAVk/lAUeqpLwiV52TDxMqsbSuWUuoRCLAqGHjNbiLhWqF8JsPiYDDjJJInGGcZhHC0bc05CyXJka4A1tbhWsr5Y0cZZcb3y+p+KVfwXiyu8hkZ2LuWE0qi5JIAUNYACw9VRPgfsGLEYGOSUys7Zrnn5huYgbn7BVylcGMkagqSPJbSoLk76tg/n99qlk3JqZ+1bv5n7ozwh2YqTbPRmc5n5mQh2UuqxkjNY66j86mv2BCssTRllZGLW5xzmWxVgVLWPjA+yuDw1iz4jALdhedhdTlYfRtuI3VI4bYgixKzCSRgI3QiRy+8owK33eKb+qknNXLL/AI8efF/3U2KzWBWa6PIoHLp1JP50PxVpTl06kn86H4q0oJzk56owXo8Puiuvwk2X8qhMJlMat41gpJG+3S3C9cnJz1RgvR4fdFa/DSFD8kLqp/4uFSSB4pzZgb8NN1Zy7NYZXHKWJTCYV0gyGbMQMqyFVuLaAkA2JrxsDZ/yePmzNzupYFgobpEs17b9SajDg4zjE+TBTGySDEItjERYc0So6Ie/rteoDAR4d9lRpHzfysqeayFRNzoYldR0tON9LXvWd9l3tl+1bfCLYZxRiIlaLmnEqlVUnONxueGp041pg2S4laWHE2Z7c6uVXjZgMobLe6tYAaHhXpSZ8UYpDdII42deDyvfxhxUBdBuu3cK97a2IrxloAIp0BaORAFIYagNbxlNrEHtq/as1MpOnw6YdlDMXlYyOVKXIACofGCKN19LnUmw10rh2XsuSJOaixZZF0AZUd0HAB78O8GuLY+0TtCVMwtEkEUzpwaWW9g3aqhTpuN+6pLb+zcOYjnZIG3JKCI2RraZWFvZuNO/KdeXZ6xGyV+TvCkpQyXLyGzO2bRib8Tu7rAAWAFeNm7BVML8mlbnosuQZlA6PYSN/l4WqN2+IflOAeTmipMgLtlysOaJW5O8X1FdWwYk+VzPhbfJ2RAch+jMwY5jGBpotgSNLntqeV68ttt/tdGA2PLAuSLEsYx4qyoHKjsVrgkDvvXXhNmqhZwxaRxYyNYm31QALAKL3yiw9ete9sTsseVDaSQiND2M29v5VDN/LUZ4IMY1lwrklsM5RSTctC3ThJ7eibfymtcS7Jc8ry6dibKbDtJecy52MjBlUEObXtl4abq97d2JHi1USaFGV0YWuCDfTuNrEVCeED/JsfFiVACBBHiLcUdwqOe3K1teypjwnxDDDskRtJIrhW35VCku/qG7vK1N5tYvXl1dW/LGC2YyYmScz5+dCqVKqAAt8gQ3uLZj5b117YwPPwPFmyiRShNg3ROjWB0vaq5idnrLsaJVCqxigZDbxZDkswPbc6nvqZ2BtbncIJZbK0YZZgfqvGSsl+7S/kIpL4S5Xfq8x5wWy3iw3MDEE2UKrlVzqo011s2nG3trPg3ssYSERCbnEW+XNlBFySdRv1NRnguGkxmMeZRmbmLAjVI2QkR+y1+03qO2LiMBDFiBiBh7riMT0WVC+USNlCqRfdYAVJZxWrnlZZfKf25sU4iWKT5QY+ZOdAqoekdLktv009teZNhSSspmxUkkYNzGqoivbcHKi7Du3GuDwjwcMMmzw4XIkvNFpMviCF8oYnQ6hfXXTseJDjnfCFeY5oLJkI5sz5rjKBpmC3zW7Vp5Pcy2kWUCvVBSujkoHLp1JP50PxVpTl06kn86H4q0oJzk56owXo8PuivHhnLb5LZJGy4mKVskbvZFvmJyg9o0r3yc9UYL0eH3RVitUs3g53mVYy4BygZrBTe2/RQL37rXqpbI2aZ9mRRgPFiIOnGXR0KShmK+MBdSNDa4sauteGlUbyPWRUuO67qjhsVMJlxfMSdKNYcVFkbOjoSVeMW+lUXYdG9xa1TmI2kXjIw6u0jCy5o3RVJ4uXUWA323nsqSEi3AuLnUajUd1YaZRvZdd1yNfJSYm6rxbMfATRyRK8kPMph5QgvIDH4kgUavvIIGuul66vCGf5VhZYcOjs8qlBmjdFW/F2dQBbs39gqfEi9o4fnurKup3EG2+nT4N1a25LkxWBushEZkLlIpHVQYyi3KqRvr1zbYPFl0Vmw2JN3CKW5qb+LKtzlcbyBoRc76seYWvw/tvrHOL2juqdJug8seKxTrLGzJCoCc5G4Rmb/mMpYZWsAqgj73A1x4zDpg8dDJDEwSRXimEUTsAPGidsgO5rr5G7qtOYVguO0dvqq9JugcQUmxcsMiOUkw6x3Mb5CczlxntlvlZTv/ADFc2y8LMmFkbFgl443w6WBZmjW4DhVBJaQ5Tp2LVnzjtHZQSL2js9dOk3VKLEldl4ZTHLmHyZGUQyFhkZDJdct7AKddx4V0tsuT5Yxj/wDjYkJNLwtJHYWCn/qDJcfdbtqyBx2jSgccCKnSbq9suW20cYSsgVlhsxjcKSisHysVsbXHl4VxbEx8ccE6zxz2efENl+TYhsyO5K2snEGrdzg7Rpv13eWnOr2j206RVts4wvLgXMUoyzNKwEbuUjMbxqXyKcpJZdN4ueyt80bYTF89GrNh8RbnlRWYpKNFlCKL2YWDWHAE1ZFsd1ZtV6TcU1mlqVpFA5dOpJ/Oh+KtKcunUk/nQ/FWlBOcnPVGC9Hh90VY6rnJz1RgvR4fdFWOgwaiMTscurrmFmcuCVu4JIJAa/dYd1hwqYpQQg2ZzbKRIoKx80txrZcwU2DAEjOL6cOF6RbKRMnSUrDK0gzAEgMjAqzE/wAUhb1gd9dW09nCY6kAZJYyCuYESAA317t3G9aDs8BDEWY52zgte4Ay2GZSDcZRZr30F78W40JspAUPOqCqpusMyIxk1F93SBB+rbvIO3AokVgJ4iRGsa+INFvZjrcnXXhpXs7HuCC5IJDaqMwYRCLeDuIF7W4nWxtW+LZqqyG9wiOhB1zZihJuT9zd30HNBg0WKWNZVKvmO8HKSPpCTfW7XY97GsnBKGAzrdVfQ78rG9yL6+U1rw3g+qKyliyOdVKjxLAFbjtCoCTe+U9tZXYZz5zKS3NrEbre4Cutzr43TGvce2myzKxmLAoEN5FKMqxk3FiqlrLmv963qPbWHwak9KZS3NhDe1yCCoJF95zDX+9dEezCIo489+bZWByk3Cm4BBYn860psMAvdiVdMhWxFu9TmsLE6aaWABqbReujYVcoQyqCt2G4HMNQW11tY3/2o+zwHzc4oLOGF+JvcAa68d3bWJdlXBu5GaMxsSp1Jz5m0YC5MhNiDWEwWfRpAbqqMMltEYlChzdFulv13Ai1TherJvw2HX6QCRTzmbxTqDxtqd168SQK4yGSMGw8WwN9ObNr8CQR6q8DYQCqAxDK7PmAsTmLabzYZXZf5r6GtUGwQilSwKFI0IKm1kVV4NYXC9l9d9VnqrZLhUzNmlQGQ7iQNQV3DNfepHr7q2NsknN0vGy30P1cvf8Ad8te4Nm25u7lubkaS7AEtdXUAnuD7+Nu+u1pgOPrtp7anDXVkYSLIgW98ote1tBurfWFrNaYKUpQUDl06kn86H4q0py6dST+dD8VaUE5yc9UYL0eH3RVjqucnPVGC9Hh90VY6BSlKDy1GrNYy1ABrINc8mpA11v+XD/OyufB4YQs/TZs7F7Hcgb6oI+rcG3ZRUjXi969NurANVHlG8vrr0HHdWqSUC/5ncPbRTxIGl/VWd+VYxANjutauBpgttVGoUai5a17DvtwrZjujdlL3ay6EkA8DlJsBVJ2dtl4nLsxYEnP0VsPq3vvucvs04V59XUxmW1ejR0rljdl9lxIyeNlJuAdDbQm+unC+tckWJaSMbr7ib7zew3duntrzjMVhwgaRlyEAjjcGw0A3+ML+WuXZGP56dzGLQIummhYMel27vd7q6W8yWsTHi3ZMshUaEm28WGvkturbkV17jrXDjMLLIpKSGM5TlAto31SxN7jtFq37OD82BIRnFgxW9r2BNr8Lk11cnWBWaClVClKUFA5dOpJ/Oh+KtKcunUk/nQ/FWlBOcnPVGC9Hh90VY6rnJz1RgvR4fdFWOgUpSgUpS9BpmjB7fKOFaplyrxN9CdN1vUB/vXRI1q15QwsRod4qK9I+nquP7V5Zrrdf89VeIHAOU6HW3eL3Fj5KzMWW+UXJBsCbDMNwJsbX7dalHooCuUjQ/nXJjYC3RAJFtbSMh1vqCut9B2b+6t2EkzoGAKH6ym3RbiDbsPEb6TAm54gWZTuI/y9RYi5sSY42CqXZd4LDMbb7k8eNQng5h1eN0kW+eR1ZgL2sQoKm4IF91v9K8eE0kisJEChjmQkG5UN0b8L6EHdp/rL7EgiMMCBgQhU3Um5kTUqOxQVF/JbjXlw/rysvh7L/Rp7zy8R+DSto7SmPgpfW+m6w0A1176nsJg0jTJGoC28t+8k6k95rm2hj+bI0OUnKxClrd9huA4k6C4rvwhuoP8At5LdnbXpxwkvDy555ZTmsAONLA997flavcSWGu86ny1spXRzKUpQKUpQUDl06kn86H4q0py6dST+dD8VaUE5yc9UYL0eH3RVjqucnPVGC9Hh90VY6BSlKBWthx7K2V4K1KNd7a+2uYY8Emwa4tpbXUXvr3W9tdEiaEd3+tckxY2JFrCx1HEi+X2cbb6zWo9KGIzZr3IIHYe4+2unPdQR/g/v/auHAkjNfQr269xH5V1kZTcDQ7/XuNTGeFy7sg2YEbm0PncD6xp6hTEtYX77eo6H/O6ueLNlZXN2GoYC1yOwX0II/MV0Bg1t1tD6+6reYnlQ/C2aQc6Cy5LdAC1xYX4cQc3tFTPgpiIjDG0d9yqw/hZmU2IHDpLYnhvqO2/spY0AUktZ73Ngxtci2tgdbLx799e+TrGl42iljClAACLlWUG993RNzu32AryaMympZX0NXa6Es8LbDEGtm3gkEd5N7ntvoa7RUaJwpAOrDosOJ4gjt4n1mu2KYHdw9R9YNe3d86t1KUqoUpSgUpSgoHLp1JP50PxVpTl06kn86H4q0oJzk56owXo8PuirHVc5OeqMF6PD7oqx0ClKUCtTPW2vDCpRqxD2UtbcCa4cPi8zlDbiDYHsvqL/AOXHqkm41wzBUzaZSQLEaacQDwO//N0salcRjYEm5DWtqGINrGx0IsTmNx/F3VvM4LAWYmxGXVRu1NjrwNjpxr0mIGUlRcXOUk8ALkg+UG39q4IzJzskcgVQcoR/HJsBmYk6LqdAew+SuTp3dzYi1m103m2mo1v2cCezLXNI3NuBqQ9wzjgSCB5De1z5fVmdTnsbi5HSsLNuuQL9+veO+uXBxLGzKobJYNpZkBN7gAHMtrA3tbUVjPKy7bcNY4zZHeFsEboHaIuYTGQVY5mF1bUjfqSdb7r1EbAx/wAnxYylgk2hVtBncErv4iwAH3vbIY3bAVnUtdbx3KmxGUXINrHfY/luql7einxUmaNDozOh3sFFsuVuPi3469u+vJjnLnvK+jpaVuHRnOH1bDpJkDFBzt8zZTvHFbnxr7rnuNSuEibe5u2gPq/9n21SPA/HriHd5A4lUJHIhbMocKcskeulwo3brHtq+Yc9EeQf6V9DTssfM1sbhltW2lKV1cSlKUClKUFA5dOpJ/Oh+KtKcunUk/nQ/FWlBOcnPVGC9Hh90VY6rnJz1RgvR4fdFWOgUpSgUNKUHjJXki1emrVPorW32P8ApwrKuKYKSbICb+NYDKfKONc00TLmNg+bxrWzWAbSw7ye3jUlKFUKLgW3VolXpAbwFuO89vfYD86xd43K4JAcq2OgIOuhGmmUjeNL8ePAVG4qZSxZXIYXJJa6dhOUaEHfv3+StW25WcOQTkR8ttwy2DEkdpPu+W9Yxa4ZlHPzZToXUWYsRqdCRx017DpXh1dTfLpke/R0eOq10JFdrpCjr9VpMozDfdF0VUJNhfQ30qSOEdSss9+haTKmgJW7BRmA6ItcsAL2001qLg8JUz5MHHdwC2eZhoBoWsNxF99vy1qZwOzJZUd5wjMVyEkMzhm4I5boAHKNBwB143DTxn3umpllP7uJ+aK2BjzDM7sLCR7sbaW3Bh5G0N/4u/X6RgZdBl1Qi6ns7j/4P+H5hgcOWLI+oC31vfpZQN24kWB3+J7JzwL2yyyvDKCFuct/afXa+n3X7AK66GpZtMnL1WlMpcsfD6CKVhazXtfNKUpQKUpQUDl06kn86H4q0py6dST+dD8VaUE5yc9UYL0eH3RVjqucnPVGC9Hh90VY6BSlKBSlKDzxryxB37q9kVqKGpRw4iCQHoaiwAOlwAb210PZ7OzX3Hh+hZwL28oHkqQArh20H5iTmf8AmZTlPYe23G2+pY1MkfLggpuy3GgNxfuGu/ee2oZsDhp0z8yLHMQZEYMLE3GVjde0bu+pTYWxlgJtLJKzWZmkNwCLEhewk2vqdwrvxkIUggXBJzEm2UEE3A72AB8tccsOHfHU2r5YNkJhsWyul7gPHfKb5T0hrexA100Pste/BpcMyl1LAucuryAXUkeKW6D9trE6b607Z2OuJwzRtdTqVceMh368bdv+1Q2Fmmib6RJA5UqQpzRnTejWuRxsQdGPkrjhei8vVqZe9j35SOIQR4lubRmUAMOnYFrk2C6aAgb2A6Q07ah4Ic6+JZpWJImB1O4oHd7Ds6dv5j2V0v8AKziMxYrEQFVJT0tBboKu87xc6nNuNWXYuyDFl6NmtoONyb3a24XJJv0iSRwuWV6rxG5Zp43e82LlgJLoO649ht/4rqrkwaZVA/zsrrr2Y9nysu5SlK0hSlKCgcunUk/nQ/FWlOXTqSfzofirSgnOTnqjBejw+6KsdVzk56owXo8PuirHQKUpQKUpQKUpQa53spI4VzwxMDdmv3d/CusisBazcd7usvDGSvO8VtrzlqojtoQXsVF7G5X/AD2+qtcUYsAeAtcaflxHdXTtgsIrpfRkzZfGyZhzmW2t8t92vZrXHiSqkGFSSWjVhZsuVmsSOANibnyXrlceeHSZ8bV5MIB6PrsAp9ZUA10RR34WHd+dcceMe0eaM6sRIQLZFLMkZA3nUC9twua69mTuxsw0s99CpBV8q3vvzLr6u8VJhfK3P5JBBW2q/g86ZmA3zSJc5yQplOpU6EAAWtuv2Xra20JwVul1JYaKdwZkB36XvE3kz9ldZdnNN0qHxGPlQSjQsnNhbI1jcKX467z5K8x7Rl55VK9ArGS2U6FjKCL34FE7fG7xV3RNUrArNUUDl06kn86H4q0py6dST+dD8VaUE5yc9UYL0eH3RVjqucnPVGC9Hh90VY6BSlKBSlKBSlKBWuYkKSoubaDdc1spQcRnlzW5sWva9/Jw9vsrx8pmt/yhfszj/WpClBwGeWw+j/i+tbcLr7TcequefG4hXYLh8yg2VucUXGQncfvZV9ZPCpelBELjMTc3w40W4+kFi+YDLe3Zc37u+tDbQxdrjCgnXTnR2sBw10Cn+buqepQQYx+Kz2+S9H+LnB2X3cNdPUa9xY3FFGJwwDDJlXnBrdbvrbTKdO+pmlBDDHYm+uGsO3nF/wCpl3D7hz+ojsviHHYosobDWBKBjzi6AjpkDjlPDjU1SgwKzSlBQOXTqSfzofirSnLp1JP50PxVpQTnJz1RgvR4fdFWOq5yc9UYL0eH3RVjoFKUoFKUoFKUoFKUoFKUoFKUoFKUoFKUoFKUoFKUoKBy6dST+dD8VaU5dOpJ/Oh+KtKD4NgOUfakESRQ4pljjUIi5IjZRoBcpeuj51Nr/bH/AA4v0UpQPnU2v9sf8OL9FPnU2v8AbH/Di/RSlA+dTa/2x/w4v0U+dTa/2x/w4v0UpQPnU2v9sf8ADi/RT51Nr/bH/Di/RSlA+dTa/wBsf8OL9FPnU2v9sf8ADi/RSlA+dTa/2x/w4v0U+dTa/wBsf8OL9FKUD51Nr/bH/Di/RT51Nr/bH/Di/RSlA+dTa/2x/wAOL9FPnU2v9sf8OL9FKUD51Nr/AGx/w4v0U+dTa/2x/wAOL9FKUD51Nr/bH/Di/RT51Nr/AGx/w4v0UpQPnU2v9sf8OL9FPnU2v9sf8OL9FKUHDtnw82jjIWhxOJaSJiCVKRi5BzDVVB3gVmlKD//Z"/>
+          <p:cNvSpPr>
+            <a:spLocks noChangeAspect="1" noChangeArrowheads="1"/>
+          </p:cNvSpPr>
           <p:nvPr/>
         </p:nvSpPr>
-        <p:spPr>
-          <a:xfrm>
-            <a:off x="152400" y="6400800"/>
-            <a:ext cx="6570580" cy="307777"/>
+        <p:spPr bwMode="auto">
+          <a:xfrm>
+            <a:off x="155575" y="-144463"/>
+            <a:ext cx="304800" cy="304801"/>
           </a:xfrm>
           <a:prstGeom prst="rect">
             <a:avLst/>
           </a:prstGeom>
           <a:noFill/>
-        </p:spPr>
-        <p:txBody>
-          <a:bodyPr wrap="square" rtlCol="0">
-            <a:spAutoFit/>
+          <a:extLst>
+            <a:ext uri="{909E8E84-426E-40DD-AFC4-6F175D3DCCD1}">
+              <a14:hiddenFill xmlns:a14="http://schemas.microsoft.com/office/drawing/2010/main">
+                <a:solidFill>
+                  <a:srgbClr val="FFFFFF"/>
+                </a:solidFill>
+              </a14:hiddenFill>
+            </a:ext>
+          </a:extLst>
+        </p:spPr>
+        <p:txBody>
+          <a:bodyPr vert="horz" wrap="square" lIns="91440" tIns="45720" rIns="91440" bIns="45720" numCol="1" anchor="t" anchorCtr="0" compatLnSpc="1">
+            <a:prstTxWarp prst="textNoShape">
+              <a:avLst/>
+            </a:prstTxWarp>
           </a:bodyPr>
           <a:lstStyle/>
           <a:p>
-            <a:r>
-              <a:rPr lang="en-US" sz="1400" dirty="0"/>
-              <a:t>http://www.brianhprince.com/2010/04/14/driving-your-career-series-transcripts/</a:t>
-            </a:r>
+            <a:endParaRPr lang="en-US"/>
           </a:p>
         </p:txBody>
       </p:sp>
       <p:pic>
         <p:nvPicPr>
-          <p:cNvPr id="8" name="Content Placeholder 7"/>
+          <p:cNvPr id="1028" name="Picture 4" descr="http://www.codeodor.com/images/passionate_programmer.jpg"/>
           <p:cNvPicPr>
-            <a:picLocks noGrp="1" noChangeAspect="1"/>
+            <a:picLocks noChangeAspect="1" noChangeArrowheads="1"/>
           </p:cNvPicPr>
-          <p:nvPr>
-            <p:ph sz="quarter" idx="4294967295"/>
-          </p:nvPr>
+          <p:nvPr/>
         </p:nvPicPr>
         <p:blipFill>
-          <a:blip r:embed="rId2"/>
-          <a:srcRect l="11162" r="11162"/>
+          <a:blip r:embed="rId2">
+            <a:extLst>
+              <a:ext uri="{28A0092B-C50C-407E-A947-70E740481C1C}">
+                <a14:useLocalDpi xmlns:a14="http://schemas.microsoft.com/office/drawing/2010/main" val="0"/>
+              </a:ext>
+            </a:extLst>
+          </a:blip>
+          <a:srcRect/>
           <a:stretch>
             <a:fillRect/>
           </a:stretch>
         </p:blipFill>
-        <p:spPr>
-          <a:xfrm>
-            <a:off x="5382850" y="1981200"/>
-            <a:ext cx="3075350" cy="3464345"/>
+        <p:spPr bwMode="auto">
+          <a:xfrm>
+            <a:off x="5105400" y="1371600"/>
+            <a:ext cx="3171825" cy="4752976"/>
           </a:xfrm>
           <a:prstGeom prst="rect">
             <a:avLst/>
           </a:prstGeom>
+          <a:noFill/>
+          <a:extLst>
+            <a:ext uri="{909E8E84-426E-40DD-AFC4-6F175D3DCCD1}">
+              <a14:hiddenFill xmlns:a14="http://schemas.microsoft.com/office/drawing/2010/main">
+                <a:solidFill>
+                  <a:srgbClr val="FFFFFF"/>
+                </a:solidFill>
+              </a14:hiddenFill>
+            </a:ext>
+          </a:extLst>
         </p:spPr>
       </p:pic>
     </p:spTree>
     <p:extLst>
       <p:ext uri="{BB962C8B-B14F-4D97-AF65-F5344CB8AC3E}">
-        <p14:creationId xmlns:p14="http://schemas.microsoft.com/office/powerpoint/2010/main" val="1266568342"/>
+        <p14:creationId xmlns:p14="http://schemas.microsoft.com/office/powerpoint/2010/main" val="4277543745"/>
       </p:ext>
     </p:extLst>
   </p:cSld>
@@ -5183,27 +5234,24 @@
               <a:buNone/>
             </a:pPr>
             <a:r>
+              <a:rPr lang="en-US" dirty="0" smtClean="0"/>
+              <a:t> </a:t>
+            </a:r>
+            <a:r>
               <a:rPr lang="en-US" i="1" dirty="0" smtClean="0"/>
-              <a:t>The Passionate Programmer</a:t>
+              <a:t>Good to Great</a:t>
             </a:r>
             <a:r>
               <a:rPr lang="en-US" dirty="0" smtClean="0"/>
               <a:t>, </a:t>
             </a:r>
-          </a:p>
-          <a:p>
-            <a:pPr marL="0" indent="0">
-              <a:buNone/>
-            </a:pPr>
-            <a:r>
-              <a:rPr lang="en-US"/>
-              <a:t> </a:t>
-            </a:r>
-            <a:r>
-              <a:rPr lang="en-US" smtClean="0"/>
-              <a:t>  by Chad Fowler</a:t>
-            </a:r>
-            <a:endParaRPr lang="en-US" i="1" dirty="0" smtClean="0"/>
+            <a:br>
+              <a:rPr lang="en-US" dirty="0" smtClean="0"/>
+            </a:br>
+            <a:r>
+              <a:rPr lang="en-US" dirty="0" smtClean="0"/>
+              <a:t>   by Jim Collins</a:t>
+            </a:r>
           </a:p>
         </p:txBody>
       </p:sp>
@@ -5233,90 +5281,37 @@
           </a:p>
         </p:txBody>
       </p:sp>
-      <p:sp>
-        <p:nvSpPr>
-          <p:cNvPr id="5" name="AutoShape 2" descr="data:image/jpeg;base64,/9j/4AAQSkZJRgABAQAAAQABAAD/2wCEAAkGBxMREBUUEBQUFhUVGBYUFxcWFRYXFxkWGxobFhQaFRgYHCggGB4lHBcWIjEiJSkrLi46Fx8zODMsNygwLisBCgoKDg0OGxAQGiwlHyQvLDcsLCwsLDQsLC0sLCssLCwsNCwsLC0sLCwsLCwsLCwsLCwsLCwsLCwsLCwsLCwsLP/AABEIARMAtwMBIgACEQEDEQH/xAAcAAEAAgMBAQEAAAAAAAAAAAAABQYBAwQCBwj/xABIEAACAQIDAwYJCQcCBgMAAAABAgMAEQQSIQUxQQcTIjVRYQYycXJ0gZGysxQXI0JUYpOh0hUWUoKS0fCx4SQzU6LB8TRDlP/EABkBAQEBAQEBAAAAAAAAAAAAAAABAgMEBf/EAC8RAQEAAQMDAgMHBAMAAAAAAAABAgMRIRIxQQQTFVHwYXGRoaLB0SIygbEjM1L/2gAMAwEAAhEDEQA/AKTs3kl2jiMMmIjEJjkQSreSzZSMw0tvtVEIr9f8nXVGC9Hh9wV+X/DrZfyXaeKhG5JWK+axzp/2sKCO2bsqSe/NZTltfM6rvYIPGOvSZR/MK14zZssVzJG6i+W5UgX3jXdqATVz/aWDE04URqodAjocgZGliNgqIOjHkzi9zca3GhlZtlQzxJNI3OwgAHpFRGqGNZWjI1yqDLvL6lbcbh8spV5wWzdnytGoKhzzIyCSRszMLSoOOhGmo1PHRa9DZ+BduaQoXyxoigvd5gswIfTMAZOZuVtoeHAKJWRXXJh+cmyQLfM+VFDZr3NlAYgX7L2Fa8RhHjy5xbOoddRfKQCpIBuLggi/Ag0GzZ2z3nYrHa4Fzc2FSH7rz/c/qqc8AtjTSxySRRSOMwjuiMwBADEXA39JfbVq/YOK+zz/AIT/ANq82pq5zLaR9v0fofT6mlMtTLa37Y+c/uxP9z+qn7rz/c/qr6cmzMWIjGMNNYkknmn3HLYWtb6m/vO7jsm2fin5sNhJrR5Rbm36QCopB00vkO7+Lt1Ofez+o6/D/S79/wBUfLP3Yn+5/VWf3Yn+5/VX1M4HFGUyHCzgsLHJG62bS7IbEre3/c3bXvDYLEoXPyOY5nDi6SHKVJKakdKxI377d9X3c/qJ8P8ATfP9UfKf3Xn+5/VT92J/uf1V9STZ2JAkHyOYiUm943uo1KhdNLMQT224V5TZ+LBivh8QREQbFHsbPm3W0009VT3s/qL8P9N8/wBUfL/3Yn+5/VT915/uf1V9NTZOKEeT5NiBqTcI4BvbRxl6QFtNfrGsYfY+JUOGwuIIZbaRsCOkGvqp/h/OnvZr8O9Lt/d+cfM/3Xn+5/VT92J/uf1V9Qg2bikMZ+Sz/R5//rfXNe3DS1/ypFs3FBJFOGxBMljfm30tm33GoOb8qe9mnw/0vz/VHy/92J/uf1U/dif7n9VfRv2Divs8/wCE/wDan7BxX2ef8J/7VPe1Pk6fDfR/+vzj5ljdhSxIXfLYW3G+/Ss1cvDDZM8eDdpIZUUFLsyMoHSAGpFK76edym9fK9Z6fT09Tp07vNvm+8cnPVGC9Hh90V8f5dvBXEPtJZ8NBNKssS5jHG72kQlSGyg26OTf39lfYOTnqjBejw+6KsVq6vA/G37rY/7Hi/8A88v6as2x2x2GjiVdm4tjHnBzRyZGzuH1Xmr6Zf4q/UlKD8xYbGY9ChOzcY2Qg9JJiXsEF5TzXTYc30Wt0b7jW5dpY4MD+y8YReJiuSW2aMoRk+hug6A6I6OpNq/S9KD8xR43aAWFTs/Gnm2RnJRyZcjKwDloCdMgAINxrvqA2xsbHTyBxgcaLRxR2aKVz9Gixg3yDflvu4mv15Sgp3JLsZ8HsnDxyqVkbPI6kWILsWAYcCFyj1VcaUoFKUoFKUoFKUoFKUoFKUoFKUoKBy6dST+dD8VaU5dOpJ/Oh+KtKCc5OeqMF6PD7oqx1XOTnqjBejw+6KsdApSlApSlApSlApSlApSlApSlApSlApSlApSlApSlBQOXTqSfzofirSnLp1JP50PxVpQTnJz1RgvR4fdFWOq5yc9UYL0eH3RViJoM0rF6XoOLE7USNwrLJctlFo2ILZS9gQLHQH2U/aiZZG6YEQBe6MCBlz7t56JvpXnaGHZ3gZQLJJna5tpkdNNNTdx7K4sZsx3GK01lFo/pGUH6MJ0wNBqO+s71XfHtNGYqA9wVBORrAsAVufIR5ONd1QcGCkEpcrvMZH0rAABAjXUCzfWt26buE0GqweqVjNTNVRmlYzUzUGaVjNS9BmlYzUzUGaVgGl6DNKxel6DNKxWaCgcunUk/nQ/FWlOXTqSfzofirSgnOTnqjBejw+6K18oUX/ASuCwaMBlZWKkG4G8GtnJz1RgvR4fdFOULq3EeaPeFZy7V10P+zH744tt7MEODOIwzvFLFHztw7lWsLsHUmzAi9SW0Mc7YWMJ0JsQFRR/CzLdm/lXMfVWxNkiRF52SR0src2SoTtAOVQWA7CTurjlimxGKMkDxosAaFc8TSBnNjKVs62tZV47mqbOnVL38W8/6j34D4wvhebk/5mHZsO9990NlPfdbG9a2nimx0sOIYdBY+biZrKwYEs+Xc5vpre2XvriwKS4TadpnRhjVOqIY1EsY00LNqVvx4VLbX2HhceDzi3aMlM6kq6kakX9d9dKk32aymEz3vazvPH1WYdkcxPzkBYRFGDRZ2KZ9CjIpNhuINq4PBuPD43DLJKRLKwvJdjmRz4yqL3jAOgtatGz8PLs7ELG07y4aRJGHOavGYxmOo3i1/wAtK6dp+BeGmfnYi8Ep6WeFrXJ4kbvZanPiLemcZZfdZ+7ZPssx4LEJIzuF5x4mZ2Lhcl16V73U3A14Co/ZGOMOz8Gses+KyKGYlukVLSO19+VQTbyCujATTfJMZDiH5x8OHj5y1s6mISKSO0B7eqoaOTmsNsidvEjKq54KJIygJ7Bepb5bxw3lxvPP48Wz8VwOwIWX6QGRuLuzF79oN+j5FsKhkL4XFJhZmaXD4kMIi5JdHUXMbOdWFtxJvVuVr1W/CVOcxeBjXxhM0x7o0Rrk9xZlHrrWU+Tz6WVtuOXba/4Rew9sNhMS+Hnzcw0rxwSsScrCzc27HX62l6mPDLBK+HLHMGVksysymxdQRdSLggmteF2ZHiY8XFKLq2Ifyg5UsQeBFQk20pIYnwWMN5FMZhk4TRiRbfzDiP8A3We02rttM8plj3m2/wDP8rvNIkMRY9FEW/kUD/aqx4L4yZMXNFifGnVcVGDwBAVk/lAUeqpLwiV52TDxMqsbSuWUuoRCLAqGHjNbiLhWqF8JsPiYDDjJJInGGcZhHC0bc05CyXJka4A1tbhWsr5Y0cZZcb3y+p+KVfwXiyu8hkZ2LuWE0qi5JIAUNYACw9VRPgfsGLEYGOSUys7Zrnn5huYgbn7BVylcGMkagqSPJbSoLk76tg/n99qlk3JqZ+1bv5n7ozwh2YqTbPRmc5n5mQh2UuqxkjNY66j86mv2BCssTRllZGLW5xzmWxVgVLWPjA+yuDw1iz4jALdhedhdTlYfRtuI3VI4bYgixKzCSRgI3QiRy+8owK33eKb+qknNXLL/AI8efF/3U2KzWBWa6PIoHLp1JP50PxVpTl06kn86H4q0oJzk56owXo8Puiuvwk2X8qhMJlMat41gpJG+3S3C9cnJz1RgvR4fdFa/DSFD8kLqp/4uFSSB4pzZgb8NN1Zy7NYZXHKWJTCYV0gyGbMQMqyFVuLaAkA2JrxsDZ/yePmzNzupYFgobpEs17b9SajDg4zjE+TBTGySDEItjERYc0So6Ie/rteoDAR4d9lRpHzfysqeayFRNzoYldR0tON9LXvWd9l3tl+1bfCLYZxRiIlaLmnEqlVUnONxueGp041pg2S4laWHE2Z7c6uVXjZgMobLe6tYAaHhXpSZ8UYpDdII42deDyvfxhxUBdBuu3cK97a2IrxloAIp0BaORAFIYagNbxlNrEHtq/as1MpOnw6YdlDMXlYyOVKXIACofGCKN19LnUmw10rh2XsuSJOaixZZF0AZUd0HAB78O8GuLY+0TtCVMwtEkEUzpwaWW9g3aqhTpuN+6pLb+zcOYjnZIG3JKCI2RraZWFvZuNO/KdeXZ6xGyV+TvCkpQyXLyGzO2bRib8Tu7rAAWAFeNm7BVML8mlbnosuQZlA6PYSN/l4WqN2+IflOAeTmipMgLtlysOaJW5O8X1FdWwYk+VzPhbfJ2RAch+jMwY5jGBpotgSNLntqeV68ttt/tdGA2PLAuSLEsYx4qyoHKjsVrgkDvvXXhNmqhZwxaRxYyNYm31QALAKL3yiw9ete9sTsseVDaSQiND2M29v5VDN/LUZ4IMY1lwrklsM5RSTctC3ThJ7eibfymtcS7Jc8ry6dibKbDtJecy52MjBlUEObXtl4abq97d2JHi1USaFGV0YWuCDfTuNrEVCeED/JsfFiVACBBHiLcUdwqOe3K1teypjwnxDDDskRtJIrhW35VCku/qG7vK1N5tYvXl1dW/LGC2YyYmScz5+dCqVKqAAt8gQ3uLZj5b117YwPPwPFmyiRShNg3ROjWB0vaq5idnrLsaJVCqxigZDbxZDkswPbc6nvqZ2BtbncIJZbK0YZZgfqvGSsl+7S/kIpL4S5Xfq8x5wWy3iw3MDEE2UKrlVzqo011s2nG3trPg3ssYSERCbnEW+XNlBFySdRv1NRnguGkxmMeZRmbmLAjVI2QkR+y1+03qO2LiMBDFiBiBh7riMT0WVC+USNlCqRfdYAVJZxWrnlZZfKf25sU4iWKT5QY+ZOdAqoekdLktv009teZNhSSspmxUkkYNzGqoivbcHKi7Du3GuDwjwcMMmzw4XIkvNFpMviCF8oYnQ6hfXXTseJDjnfCFeY5oLJkI5sz5rjKBpmC3zW7Vp5Pcy2kWUCvVBSujkoHLp1JP50PxVpTl06kn86H4q0oJzk56owXo8PuivHhnLb5LZJGy4mKVskbvZFvmJyg9o0r3yc9UYL0eH3RVitUs3g53mVYy4BygZrBTe2/RQL37rXqpbI2aZ9mRRgPFiIOnGXR0KShmK+MBdSNDa4sauteGlUbyPWRUuO67qjhsVMJlxfMSdKNYcVFkbOjoSVeMW+lUXYdG9xa1TmI2kXjIw6u0jCy5o3RVJ4uXUWA323nsqSEi3AuLnUajUd1YaZRvZdd1yNfJSYm6rxbMfATRyRK8kPMph5QgvIDH4kgUavvIIGuul66vCGf5VhZYcOjs8qlBmjdFW/F2dQBbs39gqfEi9o4fnurKup3EG2+nT4N1a25LkxWBushEZkLlIpHVQYyi3KqRvr1zbYPFl0Vmw2JN3CKW5qb+LKtzlcbyBoRc76seYWvw/tvrHOL2juqdJug8seKxTrLGzJCoCc5G4Rmb/mMpYZWsAqgj73A1x4zDpg8dDJDEwSRXimEUTsAPGidsgO5rr5G7qtOYVguO0dvqq9JugcQUmxcsMiOUkw6x3Mb5CczlxntlvlZTv/ADFc2y8LMmFkbFgl443w6WBZmjW4DhVBJaQ5Tp2LVnzjtHZQSL2js9dOk3VKLEldl4ZTHLmHyZGUQyFhkZDJdct7AKddx4V0tsuT5Yxj/wDjYkJNLwtJHYWCn/qDJcfdbtqyBx2jSgccCKnSbq9suW20cYSsgVlhsxjcKSisHysVsbXHl4VxbEx8ccE6zxz2efENl+TYhsyO5K2snEGrdzg7Rpv13eWnOr2j206RVts4wvLgXMUoyzNKwEbuUjMbxqXyKcpJZdN4ueyt80bYTF89GrNh8RbnlRWYpKNFlCKL2YWDWHAE1ZFsd1ZtV6TcU1mlqVpFA5dOpJ/Oh+KtKcunUk/nQ/FWlBOcnPVGC9Hh90VY6rnJz1RgvR4fdFWOgwaiMTscurrmFmcuCVu4JIJAa/dYd1hwqYpQQg2ZzbKRIoKx80txrZcwU2DAEjOL6cOF6RbKRMnSUrDK0gzAEgMjAqzE/wAUhb1gd9dW09nCY6kAZJYyCuYESAA317t3G9aDs8BDEWY52zgte4Ay2GZSDcZRZr30F78W40JspAUPOqCqpusMyIxk1F93SBB+rbvIO3AokVgJ4iRGsa+INFvZjrcnXXhpXs7HuCC5IJDaqMwYRCLeDuIF7W4nWxtW+LZqqyG9wiOhB1zZihJuT9zd30HNBg0WKWNZVKvmO8HKSPpCTfW7XY97GsnBKGAzrdVfQ78rG9yL6+U1rw3g+qKyliyOdVKjxLAFbjtCoCTe+U9tZXYZz5zKS3NrEbre4Cutzr43TGvce2myzKxmLAoEN5FKMqxk3FiqlrLmv963qPbWHwak9KZS3NhDe1yCCoJF95zDX+9dEezCIo489+bZWByk3Cm4BBYn860psMAvdiVdMhWxFu9TmsLE6aaWABqbReujYVcoQyqCt2G4HMNQW11tY3/2o+zwHzc4oLOGF+JvcAa68d3bWJdlXBu5GaMxsSp1Jz5m0YC5MhNiDWEwWfRpAbqqMMltEYlChzdFulv13Ai1TherJvw2HX6QCRTzmbxTqDxtqd168SQK4yGSMGw8WwN9ObNr8CQR6q8DYQCqAxDK7PmAsTmLabzYZXZf5r6GtUGwQilSwKFI0IKm1kVV4NYXC9l9d9VnqrZLhUzNmlQGQ7iQNQV3DNfepHr7q2NsknN0vGy30P1cvf8Ad8te4Nm25u7lubkaS7AEtdXUAnuD7+Nu+u1pgOPrtp7anDXVkYSLIgW98ote1tBurfWFrNaYKUpQUDl06kn86H4q0py6dST+dD8VaUE5yc9UYL0eH3RVjqucnPVGC9Hh90VY6BSlKDy1GrNYy1ABrINc8mpA11v+XD/OyufB4YQs/TZs7F7Hcgb6oI+rcG3ZRUjXi969NurANVHlG8vrr0HHdWqSUC/5ncPbRTxIGl/VWd+VYxANjutauBpgttVGoUai5a17DvtwrZjujdlL3ay6EkA8DlJsBVJ2dtl4nLsxYEnP0VsPq3vvucvs04V59XUxmW1ejR0rljdl9lxIyeNlJuAdDbQm+unC+tckWJaSMbr7ib7zew3duntrzjMVhwgaRlyEAjjcGw0A3+ML+WuXZGP56dzGLQIummhYMel27vd7q6W8yWsTHi3ZMshUaEm28WGvkturbkV17jrXDjMLLIpKSGM5TlAto31SxN7jtFq37OD82BIRnFgxW9r2BNr8Lk11cnWBWaClVClKUFA5dOpJ/Oh+KtKcunUk/nQ/FWlBOcnPVGC9Hh90VY6rnJz1RgvR4fdFWOgUpSgUpS9BpmjB7fKOFaplyrxN9CdN1vUB/vXRI1q15QwsRod4qK9I+nquP7V5Zrrdf89VeIHAOU6HW3eL3Fj5KzMWW+UXJBsCbDMNwJsbX7dalHooCuUjQ/nXJjYC3RAJFtbSMh1vqCut9B2b+6t2EkzoGAKH6ym3RbiDbsPEb6TAm54gWZTuI/y9RYi5sSY42CqXZd4LDMbb7k8eNQng5h1eN0kW+eR1ZgL2sQoKm4IF91v9K8eE0kisJEChjmQkG5UN0b8L6EHdp/rL7EgiMMCBgQhU3Um5kTUqOxQVF/JbjXlw/rysvh7L/Rp7zy8R+DSto7SmPgpfW+m6w0A1176nsJg0jTJGoC28t+8k6k95rm2hj+bI0OUnKxClrd9huA4k6C4rvwhuoP8At5LdnbXpxwkvDy555ZTmsAONLA997flavcSWGu86ny1spXRzKUpQKUpQUDl06kn86H4q0py6dST+dD8VaUE5yc9UYL0eH3RVjqucnPVGC9Hh90VY6BSlKBWthx7K2V4K1KNd7a+2uYY8Emwa4tpbXUXvr3W9tdEiaEd3+tckxY2JFrCx1HEi+X2cbb6zWo9KGIzZr3IIHYe4+2unPdQR/g/v/auHAkjNfQr269xH5V1kZTcDQ7/XuNTGeFy7sg2YEbm0PncD6xp6hTEtYX77eo6H/O6ueLNlZXN2GoYC1yOwX0II/MV0Bg1t1tD6+6reYnlQ/C2aQc6Cy5LdAC1xYX4cQc3tFTPgpiIjDG0d9yqw/hZmU2IHDpLYnhvqO2/spY0AUktZ73Ngxtci2tgdbLx799e+TrGl42iljClAACLlWUG993RNzu32AryaMympZX0NXa6Es8LbDEGtm3gkEd5N7ntvoa7RUaJwpAOrDosOJ4gjt4n1mu2KYHdw9R9YNe3d86t1KUqoUpSgUpSgoHLp1JP50PxVpTl06kn86H4q0oJzk56owXo8PuirHVc5OeqMF6PD7oqx0ClKUCtTPW2vDCpRqxD2UtbcCa4cPi8zlDbiDYHsvqL/AOXHqkm41wzBUzaZSQLEaacQDwO//N0salcRjYEm5DWtqGINrGx0IsTmNx/F3VvM4LAWYmxGXVRu1NjrwNjpxr0mIGUlRcXOUk8ALkg+UG39q4IzJzskcgVQcoR/HJsBmYk6LqdAew+SuTp3dzYi1m103m2mo1v2cCezLXNI3NuBqQ9wzjgSCB5De1z5fVmdTnsbi5HSsLNuuQL9+veO+uXBxLGzKobJYNpZkBN7gAHMtrA3tbUVjPKy7bcNY4zZHeFsEboHaIuYTGQVY5mF1bUjfqSdb7r1EbAx/wAnxYylgk2hVtBncErv4iwAH3vbIY3bAVnUtdbx3KmxGUXINrHfY/luql7einxUmaNDozOh3sFFsuVuPi3469u+vJjnLnvK+jpaVuHRnOH1bDpJkDFBzt8zZTvHFbnxr7rnuNSuEibe5u2gPq/9n21SPA/HriHd5A4lUJHIhbMocKcskeulwo3brHtq+Yc9EeQf6V9DTssfM1sbhltW2lKV1cSlKUClKUFA5dOpJ/Oh+KtKcunUk/nQ/FWlBOcnPVGC9Hh90VY6rnJz1RgvR4fdFWOgUpSgUNKUHjJXki1emrVPorW32P8ApwrKuKYKSbICb+NYDKfKONc00TLmNg+bxrWzWAbSw7ye3jUlKFUKLgW3VolXpAbwFuO89vfYD86xd43K4JAcq2OgIOuhGmmUjeNL8ePAVG4qZSxZXIYXJJa6dhOUaEHfv3+StW25WcOQTkR8ttwy2DEkdpPu+W9Yxa4ZlHPzZToXUWYsRqdCRx017DpXh1dTfLpke/R0eOq10JFdrpCjr9VpMozDfdF0VUJNhfQ30qSOEdSss9+haTKmgJW7BRmA6ItcsAL2001qLg8JUz5MHHdwC2eZhoBoWsNxF99vy1qZwOzJZUd5wjMVyEkMzhm4I5boAHKNBwB143DTxn3umpllP7uJ+aK2BjzDM7sLCR7sbaW3Bh5G0N/4u/X6RgZdBl1Qi6ns7j/4P+H5hgcOWLI+oC31vfpZQN24kWB3+J7JzwL2yyyvDKCFuct/afXa+n3X7AK66GpZtMnL1WlMpcsfD6CKVhazXtfNKUpQKUpQUDl06kn86H4q0py6dST+dD8VaUE5yc9UYL0eH3RVjqucnPVGC9Hh90VY6BSlKBSlKDzxryxB37q9kVqKGpRw4iCQHoaiwAOlwAb210PZ7OzX3Hh+hZwL28oHkqQArh20H5iTmf8AmZTlPYe23G2+pY1MkfLggpuy3GgNxfuGu/ee2oZsDhp0z8yLHMQZEYMLE3GVjde0bu+pTYWxlgJtLJKzWZmkNwCLEhewk2vqdwrvxkIUggXBJzEm2UEE3A72AB8tccsOHfHU2r5YNkJhsWyul7gPHfKb5T0hrexA100Pste/BpcMyl1LAucuryAXUkeKW6D9trE6b607Z2OuJwzRtdTqVceMh368bdv+1Q2Fmmib6RJA5UqQpzRnTejWuRxsQdGPkrjhei8vVqZe9j35SOIQR4lubRmUAMOnYFrk2C6aAgb2A6Q07ah4Ic6+JZpWJImB1O4oHd7Ds6dv5j2V0v8AKziMxYrEQFVJT0tBboKu87xc6nNuNWXYuyDFl6NmtoONyb3a24XJJv0iSRwuWV6rxG5Zp43e82LlgJLoO649ht/4rqrkwaZVA/zsrrr2Y9nysu5SlK0hSlKCgcunUk/nQ/FWlOXTqSfzofirSgnOTnqjBejw+6KsdVzk56owXo8PuirHQKUpQKUpQKUpQa53spI4VzwxMDdmv3d/CusisBazcd7usvDGSvO8VtrzlqojtoQXsVF7G5X/AD2+qtcUYsAeAtcaflxHdXTtgsIrpfRkzZfGyZhzmW2t8t92vZrXHiSqkGFSSWjVhZsuVmsSOANibnyXrlceeHSZ8bV5MIB6PrsAp9ZUA10RR34WHd+dcceMe0eaM6sRIQLZFLMkZA3nUC9twua69mTuxsw0s99CpBV8q3vvzLr6u8VJhfK3P5JBBW2q/g86ZmA3zSJc5yQplOpU6EAAWtuv2Xra20JwVul1JYaKdwZkB36XvE3kz9ldZdnNN0qHxGPlQSjQsnNhbI1jcKX467z5K8x7Rl55VK9ArGS2U6FjKCL34FE7fG7xV3RNUrArNUUDl06kn86H4q0py6dST+dD8VaUE5yc9UYL0eH3RVjqucnPVGC9Hh90VY6BSlKBSlKBSlKBWuYkKSoubaDdc1spQcRnlzW5sWva9/Jw9vsrx8pmt/yhfszj/WpClBwGeWw+j/i+tbcLr7TcequefG4hXYLh8yg2VucUXGQncfvZV9ZPCpelBELjMTc3w40W4+kFi+YDLe3Zc37u+tDbQxdrjCgnXTnR2sBw10Cn+buqepQQYx+Kz2+S9H+LnB2X3cNdPUa9xY3FFGJwwDDJlXnBrdbvrbTKdO+pmlBDDHYm+uGsO3nF/wCpl3D7hz+ojsviHHYosobDWBKBjzi6AjpkDjlPDjU1SgwKzSlBQOXTqSfzofirSnLp1JP50PxVpQTnJz1RgvR4fdFWOq5yc9UYL0eH3RVjoFKUoFKUoFKUoFKUoFKUoFKUoFKUoFKUoFKUoFKUoKBy6dST+dD8VaU5dOpJ/Oh+KtKD4NgOUfakESRQ4pljjUIi5IjZRoBcpeuj51Nr/bH/AA4v0UpQPnU2v9sf8OL9FPnU2v8AbH/Di/RSlA+dTa/2x/w4v0U+dTa/2x/w4v0UpQPnU2v9sf8ADi/RT51Nr/bH/Di/RSlA+dTa/wBsf8OL9FPnU2v9sf8ADi/RSlA+dTa/2x/w4v0U+dTa/wBsf8OL9FKUD51Nr/bH/Di/RT51Nr/bH/Di/RSlA+dTa/2x/wAOL9FPnU2v9sf8OL9FKUD51Nr/AGx/w4v0U+dTa/2x/wAOL9FKUD51Nr/bH/Di/RT51Nr/AGx/w4v0UpQPnU2v9sf8OL9FPnU2v9sf8OL9FKUHDtnw82jjIWhxOJaSJiCVKRi5BzDVVB3gVmlKD//Z"/>
-          <p:cNvSpPr>
-            <a:spLocks noChangeAspect="1" noChangeArrowheads="1"/>
-          </p:cNvSpPr>
-          <p:nvPr/>
-        </p:nvSpPr>
-        <p:spPr bwMode="auto">
-          <a:xfrm>
-            <a:off x="155575" y="-144463"/>
-            <a:ext cx="304800" cy="304801"/>
-          </a:xfrm>
-          <a:prstGeom prst="rect">
-            <a:avLst/>
-          </a:prstGeom>
-          <a:noFill/>
-          <a:extLst>
-            <a:ext uri="{909E8E84-426E-40DD-AFC4-6F175D3DCCD1}">
-              <a14:hiddenFill xmlns:a14="http://schemas.microsoft.com/office/drawing/2010/main">
-                <a:solidFill>
-                  <a:srgbClr val="FFFFFF"/>
-                </a:solidFill>
-              </a14:hiddenFill>
-            </a:ext>
-          </a:extLst>
-        </p:spPr>
-        <p:txBody>
-          <a:bodyPr vert="horz" wrap="square" lIns="91440" tIns="45720" rIns="91440" bIns="45720" numCol="1" anchor="t" anchorCtr="0" compatLnSpc="1">
-            <a:prstTxWarp prst="textNoShape">
-              <a:avLst/>
-            </a:prstTxWarp>
-          </a:bodyPr>
-          <a:lstStyle/>
-          <a:p>
-            <a:endParaRPr lang="en-US"/>
-          </a:p>
-        </p:txBody>
-      </p:sp>
       <p:pic>
         <p:nvPicPr>
-          <p:cNvPr id="1028" name="Picture 4" descr="http://www.codeodor.com/images/passionate_programmer.jpg"/>
+          <p:cNvPr id="6" name="Content Placeholder 5"/>
           <p:cNvPicPr>
-            <a:picLocks noChangeAspect="1" noChangeArrowheads="1"/>
+            <a:picLocks noGrp="1" noChangeAspect="1"/>
           </p:cNvPicPr>
-          <p:nvPr/>
+          <p:nvPr>
+            <p:ph sz="quarter" idx="4294967295"/>
+          </p:nvPr>
         </p:nvPicPr>
         <p:blipFill>
-          <a:blip r:embed="rId2">
-            <a:extLst>
-              <a:ext uri="{28A0092B-C50C-407E-A947-70E740481C1C}">
-                <a14:useLocalDpi xmlns:a14="http://schemas.microsoft.com/office/drawing/2010/main" val="0"/>
-              </a:ext>
-            </a:extLst>
-          </a:blip>
-          <a:srcRect/>
+          <a:blip r:embed="rId2"/>
+          <a:srcRect l="-13956" r="-13956"/>
           <a:stretch>
             <a:fillRect/>
           </a:stretch>
         </p:blipFill>
-        <p:spPr bwMode="auto">
-          <a:xfrm>
-            <a:off x="5105400" y="1371600"/>
-            <a:ext cx="3171825" cy="4752976"/>
+        <p:spPr>
+          <a:xfrm>
+            <a:off x="4663440" y="2121407"/>
+            <a:ext cx="3200400" cy="3605212"/>
           </a:xfrm>
           <a:prstGeom prst="rect">
             <a:avLst/>
           </a:prstGeom>
-          <a:noFill/>
-          <a:extLst>
-            <a:ext uri="{909E8E84-426E-40DD-AFC4-6F175D3DCCD1}">
-              <a14:hiddenFill xmlns:a14="http://schemas.microsoft.com/office/drawing/2010/main">
-                <a:solidFill>
-                  <a:srgbClr val="FFFFFF"/>
-                </a:solidFill>
-              </a14:hiddenFill>
-            </a:ext>
-          </a:extLst>
         </p:spPr>
       </p:pic>
     </p:spTree>
     <p:extLst>
       <p:ext uri="{BB962C8B-B14F-4D97-AF65-F5344CB8AC3E}">
-        <p14:creationId xmlns:p14="http://schemas.microsoft.com/office/powerpoint/2010/main" val="4277543745"/>
+        <p14:creationId xmlns:p14="http://schemas.microsoft.com/office/powerpoint/2010/main" val="1476028153"/>
       </p:ext>
     </p:extLst>
   </p:cSld>
@@ -5362,16 +5357,16 @@
         </p:nvSpPr>
         <p:spPr/>
         <p:txBody>
-          <a:bodyPr anchor="ctr" anchorCtr="1">
+          <a:bodyPr>
             <a:normAutofit/>
           </a:bodyPr>
           <a:lstStyle/>
           <a:p>
             <a:r>
-              <a:rPr lang="en-US" dirty="0" smtClean="0"/>
-              <a:t>Resources</a:t>
-            </a:r>
-            <a:endParaRPr lang="en-US" dirty="0"/>
+              <a:rPr lang="en-US" b="1" dirty="0" smtClean="0"/>
+              <a:t>Thanks!</a:t>
+            </a:r>
+            <a:endParaRPr lang="en-US" b="1" dirty="0"/>
           </a:p>
         </p:txBody>
       </p:sp>
@@ -5382,104 +5377,111 @@
             <a:spLocks noGrp="1"/>
           </p:cNvSpPr>
           <p:nvPr>
-            <p:ph sz="quarter" idx="4294967295"/>
-          </p:nvPr>
-        </p:nvSpPr>
-        <p:spPr>
-          <a:xfrm>
-            <a:off x="1298448" y="2121407"/>
-            <a:ext cx="3200400" cy="3141876"/>
-          </a:xfrm>
-          <a:prstGeom prst="rect">
-            <a:avLst/>
-          </a:prstGeom>
-        </p:spPr>
-        <p:txBody>
-          <a:bodyPr/>
-          <a:lstStyle/>
-          <a:p>
-            <a:pPr marL="0" indent="0">
+            <p:ph idx="1"/>
+          </p:nvPr>
+        </p:nvSpPr>
+        <p:spPr/>
+        <p:txBody>
+          <a:bodyPr anchor="ctr">
+            <a:normAutofit lnSpcReduction="10000"/>
+          </a:bodyPr>
+          <a:lstStyle/>
+          <a:p>
+            <a:pPr algn="ctr">
               <a:buNone/>
             </a:pPr>
             <a:r>
-              <a:rPr lang="en-US" dirty="0" smtClean="0"/>
-              <a:t> </a:t>
-            </a:r>
-            <a:r>
-              <a:rPr lang="en-US" i="1" dirty="0" smtClean="0"/>
-              <a:t>Good to Great</a:t>
-            </a:r>
-            <a:r>
-              <a:rPr lang="en-US" dirty="0" smtClean="0"/>
-              <a:t>, </a:t>
-            </a:r>
-            <a:br>
-              <a:rPr lang="en-US" dirty="0" smtClean="0"/>
-            </a:br>
-            <a:r>
-              <a:rPr lang="en-US" dirty="0" smtClean="0"/>
-              <a:t>   by Jim Collins</a:t>
-            </a:r>
-          </a:p>
-        </p:txBody>
-      </p:sp>
-      <p:sp>
-        <p:nvSpPr>
-          <p:cNvPr id="2" name="TextBox 1"/>
-          <p:cNvSpPr txBox="1"/>
-          <p:nvPr/>
-        </p:nvSpPr>
-        <p:spPr>
-          <a:xfrm>
-            <a:off x="3947050" y="4187742"/>
-            <a:ext cx="184666" cy="369332"/>
-          </a:xfrm>
-          <a:prstGeom prst="rect">
-            <a:avLst/>
-          </a:prstGeom>
-          <a:noFill/>
-        </p:spPr>
-        <p:txBody>
-          <a:bodyPr wrap="none" rtlCol="0">
-            <a:spAutoFit/>
-          </a:bodyPr>
-          <a:lstStyle/>
-          <a:p>
-            <a:endParaRPr lang="en-US" dirty="0"/>
-          </a:p>
-        </p:txBody>
-      </p:sp>
-      <p:pic>
-        <p:nvPicPr>
-          <p:cNvPr id="6" name="Content Placeholder 5"/>
-          <p:cNvPicPr>
-            <a:picLocks noGrp="1" noChangeAspect="1"/>
-          </p:cNvPicPr>
-          <p:nvPr>
-            <p:ph sz="quarter" idx="4294967295"/>
-          </p:nvPr>
-        </p:nvPicPr>
-        <p:blipFill>
-          <a:blip r:embed="rId2"/>
-          <a:srcRect l="-13956" r="-13956"/>
-          <a:stretch>
-            <a:fillRect/>
-          </a:stretch>
-        </p:blipFill>
-        <p:spPr>
-          <a:xfrm>
-            <a:off x="4663440" y="2121407"/>
-            <a:ext cx="3200400" cy="3605212"/>
-          </a:xfrm>
-          <a:prstGeom prst="rect">
-            <a:avLst/>
-          </a:prstGeom>
-        </p:spPr>
-      </p:pic>
+              <a:rPr lang="en-US" sz="3600" dirty="0" smtClean="0"/>
+              <a:t>Slides:</a:t>
+            </a:r>
+          </a:p>
+          <a:p>
+            <a:pPr algn="ctr">
+              <a:buNone/>
+            </a:pPr>
+            <a:r>
+              <a:rPr lang="en-US" sz="3600" b="1" dirty="0" smtClean="0"/>
+              <a:t>http://</a:t>
+            </a:r>
+            <a:r>
+              <a:rPr lang="en-US" sz="3600" b="1" dirty="0" err="1" smtClean="0"/>
+              <a:t>jonkruger.com</a:t>
+            </a:r>
+            <a:r>
+              <a:rPr lang="en-US" sz="3600" b="1" dirty="0" smtClean="0"/>
+              <a:t>/, </a:t>
+            </a:r>
+          </a:p>
+          <a:p>
+            <a:pPr algn="ctr">
+              <a:buNone/>
+            </a:pPr>
+            <a:r>
+              <a:rPr lang="en-US" sz="3600" b="1" dirty="0" smtClean="0"/>
+              <a:t>click on Presentations</a:t>
+            </a:r>
+          </a:p>
+          <a:p>
+            <a:pPr algn="ctr">
+              <a:buNone/>
+            </a:pPr>
+            <a:endParaRPr lang="en-US" sz="3600" b="1" dirty="0" smtClean="0"/>
+          </a:p>
+          <a:p>
+            <a:pPr algn="ctr">
+              <a:buNone/>
+            </a:pPr>
+            <a:r>
+              <a:rPr lang="en-US" sz="3600" dirty="0" smtClean="0"/>
+              <a:t>Email:</a:t>
+            </a:r>
+            <a:r>
+              <a:rPr lang="en-US" sz="3600" b="1" dirty="0" smtClean="0"/>
+              <a:t> jon@jonkruger.com</a:t>
+            </a:r>
+          </a:p>
+          <a:p>
+            <a:pPr algn="ctr">
+              <a:buNone/>
+            </a:pPr>
+            <a:r>
+              <a:rPr lang="en-US" sz="3600" dirty="0" smtClean="0"/>
+              <a:t>Twitter:</a:t>
+            </a:r>
+            <a:r>
+              <a:rPr lang="en-US" sz="3600" b="1" dirty="0" smtClean="0"/>
+              <a:t> @</a:t>
+            </a:r>
+            <a:r>
+              <a:rPr lang="en-US" sz="3600" b="1" dirty="0" err="1" smtClean="0"/>
+              <a:t>JonKruger</a:t>
+            </a:r>
+            <a:endParaRPr lang="en-US" sz="3600" b="1" dirty="0" smtClean="0"/>
+          </a:p>
+          <a:p>
+            <a:pPr algn="ctr">
+              <a:buNone/>
+            </a:pPr>
+            <a:r>
+              <a:rPr lang="en-US" sz="3600" dirty="0" smtClean="0"/>
+              <a:t>Blog:</a:t>
+            </a:r>
+            <a:r>
+              <a:rPr lang="en-US" sz="3600" b="1" dirty="0" smtClean="0"/>
+              <a:t> http://</a:t>
+            </a:r>
+            <a:r>
+              <a:rPr lang="en-US" sz="3600" b="1" dirty="0" err="1" smtClean="0"/>
+              <a:t>jonkruger.com</a:t>
+            </a:r>
+            <a:endParaRPr lang="en-US" sz="3600" b="1" dirty="0"/>
+          </a:p>
+        </p:txBody>
+      </p:sp>
     </p:spTree>
     <p:extLst>
       <p:ext uri="{BB962C8B-B14F-4D97-AF65-F5344CB8AC3E}">
-        <p14:creationId xmlns:p14="http://schemas.microsoft.com/office/powerpoint/2010/main" val="1476028153"/>
+        <p14:creationId xmlns:p14="http://schemas.microsoft.com/office/powerpoint/2010/main" val="3145525503"/>
       </p:ext>
     </p:extLst>
   </p:cSld>
@@ -5639,334 +5641,7 @@
 </p:sld>
 </file>
 
-<file path=ppt/slides/slide20.xml><?xml version="1.0" encoding="utf-8"?>
-<p:sld xmlns:a="http://schemas.openxmlformats.org/drawingml/2006/main" xmlns:r="http://schemas.openxmlformats.org/officeDocument/2006/relationships" xmlns:p="http://schemas.openxmlformats.org/presentationml/2006/main">
-  <p:cSld>
-    <p:spTree>
-      <p:nvGrpSpPr>
-        <p:cNvPr id="1" name=""/>
-        <p:cNvGrpSpPr/>
-        <p:nvPr/>
-      </p:nvGrpSpPr>
-      <p:grpSpPr>
-        <a:xfrm>
-          <a:off x="0" y="0"/>
-          <a:ext cx="0" cy="0"/>
-          <a:chOff x="0" y="0"/>
-          <a:chExt cx="0" cy="0"/>
-        </a:xfrm>
-      </p:grpSpPr>
-      <p:sp>
-        <p:nvSpPr>
-          <p:cNvPr id="4" name="Title 3"/>
-          <p:cNvSpPr>
-            <a:spLocks noGrp="1"/>
-          </p:cNvSpPr>
-          <p:nvPr>
-            <p:ph type="title"/>
-          </p:nvPr>
-        </p:nvSpPr>
-        <p:spPr/>
-        <p:txBody>
-          <a:bodyPr>
-            <a:normAutofit/>
-          </a:bodyPr>
-          <a:lstStyle/>
-          <a:p>
-            <a:r>
-              <a:rPr lang="en-US" b="1" dirty="0" smtClean="0"/>
-              <a:t>Thanks!</a:t>
-            </a:r>
-            <a:endParaRPr lang="en-US" b="1" dirty="0"/>
-          </a:p>
-        </p:txBody>
-      </p:sp>
-      <p:sp>
-        <p:nvSpPr>
-          <p:cNvPr id="3" name="Content Placeholder 2"/>
-          <p:cNvSpPr>
-            <a:spLocks noGrp="1"/>
-          </p:cNvSpPr>
-          <p:nvPr>
-            <p:ph idx="1"/>
-          </p:nvPr>
-        </p:nvSpPr>
-        <p:spPr/>
-        <p:txBody>
-          <a:bodyPr anchor="ctr">
-            <a:normAutofit lnSpcReduction="10000"/>
-          </a:bodyPr>
-          <a:lstStyle/>
-          <a:p>
-            <a:pPr algn="ctr">
-              <a:buNone/>
-            </a:pPr>
-            <a:r>
-              <a:rPr lang="en-US" sz="3600" dirty="0" smtClean="0"/>
-              <a:t>Slides:</a:t>
-            </a:r>
-          </a:p>
-          <a:p>
-            <a:pPr algn="ctr">
-              <a:buNone/>
-            </a:pPr>
-            <a:r>
-              <a:rPr lang="en-US" sz="3600" b="1" dirty="0" smtClean="0"/>
-              <a:t>http://</a:t>
-            </a:r>
-            <a:r>
-              <a:rPr lang="en-US" sz="3600" b="1" dirty="0" err="1" smtClean="0"/>
-              <a:t>jonkruger.com</a:t>
-            </a:r>
-            <a:r>
-              <a:rPr lang="en-US" sz="3600" b="1" dirty="0" smtClean="0"/>
-              <a:t>/, </a:t>
-            </a:r>
-          </a:p>
-          <a:p>
-            <a:pPr algn="ctr">
-              <a:buNone/>
-            </a:pPr>
-            <a:r>
-              <a:rPr lang="en-US" sz="3600" b="1" dirty="0" smtClean="0"/>
-              <a:t>click on Presentations</a:t>
-            </a:r>
-          </a:p>
-          <a:p>
-            <a:pPr algn="ctr">
-              <a:buNone/>
-            </a:pPr>
-            <a:endParaRPr lang="en-US" sz="3600" b="1" dirty="0" smtClean="0"/>
-          </a:p>
-          <a:p>
-            <a:pPr algn="ctr">
-              <a:buNone/>
-            </a:pPr>
-            <a:r>
-              <a:rPr lang="en-US" sz="3600" dirty="0" smtClean="0"/>
-              <a:t>Email:</a:t>
-            </a:r>
-            <a:r>
-              <a:rPr lang="en-US" sz="3600" b="1" dirty="0" smtClean="0"/>
-              <a:t> jon@jonkruger.com</a:t>
-            </a:r>
-          </a:p>
-          <a:p>
-            <a:pPr algn="ctr">
-              <a:buNone/>
-            </a:pPr>
-            <a:r>
-              <a:rPr lang="en-US" sz="3600" dirty="0" smtClean="0"/>
-              <a:t>Twitter:</a:t>
-            </a:r>
-            <a:r>
-              <a:rPr lang="en-US" sz="3600" b="1" dirty="0" smtClean="0"/>
-              <a:t> @</a:t>
-            </a:r>
-            <a:r>
-              <a:rPr lang="en-US" sz="3600" b="1" dirty="0" err="1" smtClean="0"/>
-              <a:t>JonKruger</a:t>
-            </a:r>
-            <a:endParaRPr lang="en-US" sz="3600" b="1" dirty="0" smtClean="0"/>
-          </a:p>
-          <a:p>
-            <a:pPr algn="ctr">
-              <a:buNone/>
-            </a:pPr>
-            <a:r>
-              <a:rPr lang="en-US" sz="3600" dirty="0" smtClean="0"/>
-              <a:t>Blog:</a:t>
-            </a:r>
-            <a:r>
-              <a:rPr lang="en-US" sz="3600" b="1" dirty="0" smtClean="0"/>
-              <a:t> http://</a:t>
-            </a:r>
-            <a:r>
-              <a:rPr lang="en-US" sz="3600" b="1" dirty="0" err="1" smtClean="0"/>
-              <a:t>jonkruger.com</a:t>
-            </a:r>
-            <a:endParaRPr lang="en-US" sz="3600" b="1" dirty="0"/>
-          </a:p>
-        </p:txBody>
-      </p:sp>
-    </p:spTree>
-    <p:extLst>
-      <p:ext uri="{BB962C8B-B14F-4D97-AF65-F5344CB8AC3E}">
-        <p14:creationId xmlns:p14="http://schemas.microsoft.com/office/powerpoint/2010/main" val="3145525503"/>
-      </p:ext>
-    </p:extLst>
-  </p:cSld>
-  <p:clrMapOvr>
-    <a:masterClrMapping/>
-  </p:clrMapOvr>
-  <p:timing>
-    <p:tnLst>
-      <p:par>
-        <p:cTn id="1" dur="indefinite" restart="never" nodeType="tmRoot"/>
-      </p:par>
-    </p:tnLst>
-  </p:timing>
-</p:sld>
-</file>
-
 <file path=ppt/slides/slide3.xml><?xml version="1.0" encoding="utf-8"?>
-<p:sld xmlns:a="http://schemas.openxmlformats.org/drawingml/2006/main" xmlns:r="http://schemas.openxmlformats.org/officeDocument/2006/relationships" xmlns:p="http://schemas.openxmlformats.org/presentationml/2006/main">
-  <p:cSld>
-    <p:spTree>
-      <p:nvGrpSpPr>
-        <p:cNvPr id="1" name=""/>
-        <p:cNvGrpSpPr/>
-        <p:nvPr/>
-      </p:nvGrpSpPr>
-      <p:grpSpPr>
-        <a:xfrm>
-          <a:off x="0" y="0"/>
-          <a:ext cx="0" cy="0"/>
-          <a:chOff x="0" y="0"/>
-          <a:chExt cx="0" cy="0"/>
-        </a:xfrm>
-      </p:grpSpPr>
-      <p:sp>
-        <p:nvSpPr>
-          <p:cNvPr id="2" name="Content Placeholder 1"/>
-          <p:cNvSpPr>
-            <a:spLocks noGrp="1"/>
-          </p:cNvSpPr>
-          <p:nvPr>
-            <p:ph idx="1"/>
-          </p:nvPr>
-        </p:nvSpPr>
-        <p:spPr>
-          <a:xfrm>
-            <a:off x="457200" y="2057400"/>
-            <a:ext cx="8229600" cy="4297363"/>
-          </a:xfrm>
-        </p:spPr>
-        <p:txBody>
-          <a:bodyPr>
-            <a:normAutofit/>
-          </a:bodyPr>
-          <a:lstStyle/>
-          <a:p>
-            <a:pPr marL="0" indent="0">
-              <a:buNone/>
-            </a:pPr>
-            <a:r>
-              <a:rPr lang="en-US" dirty="0" smtClean="0"/>
-              <a:t> </a:t>
-            </a:r>
-            <a:r>
-              <a:rPr lang="en-US" b="1" dirty="0" smtClean="0"/>
-              <a:t>Mission</a:t>
-            </a:r>
-            <a:r>
-              <a:rPr lang="en-US" dirty="0" smtClean="0"/>
-              <a:t>… </a:t>
-            </a:r>
-            <a:r>
-              <a:rPr lang="en-US" i="1" dirty="0" smtClean="0"/>
-              <a:t>who are you</a:t>
-            </a:r>
-            <a:r>
-              <a:rPr lang="en-US" i="1" dirty="0" smtClean="0"/>
-              <a:t>?  </a:t>
-            </a:r>
-            <a:endParaRPr lang="en-US" i="1" dirty="0" smtClean="0"/>
-          </a:p>
-          <a:p>
-            <a:pPr marL="0" indent="0">
-              <a:buNone/>
-            </a:pPr>
-            <a:endParaRPr lang="en-US" dirty="0"/>
-          </a:p>
-          <a:p>
-            <a:pPr marL="0" indent="0">
-              <a:buNone/>
-            </a:pPr>
-            <a:r>
-              <a:rPr lang="en-US" dirty="0" smtClean="0"/>
-              <a:t> </a:t>
-            </a:r>
-            <a:r>
-              <a:rPr lang="en-US" b="1" dirty="0" smtClean="0"/>
-              <a:t>Vision</a:t>
-            </a:r>
-            <a:r>
-              <a:rPr lang="en-US" dirty="0" smtClean="0"/>
-              <a:t>…  </a:t>
-            </a:r>
-            <a:r>
-              <a:rPr lang="en-US" i="1" dirty="0" smtClean="0"/>
-              <a:t>where </a:t>
-            </a:r>
-            <a:r>
-              <a:rPr lang="en-US" i="1" dirty="0"/>
-              <a:t>do you want to go</a:t>
-            </a:r>
-            <a:r>
-              <a:rPr lang="en-US" i="1" dirty="0" smtClean="0"/>
-              <a:t>?</a:t>
-            </a:r>
-          </a:p>
-          <a:p>
-            <a:pPr marL="0" indent="0">
-              <a:buNone/>
-            </a:pPr>
-            <a:endParaRPr lang="en-US" dirty="0"/>
-          </a:p>
-          <a:p>
-            <a:pPr marL="0" indent="0">
-              <a:buNone/>
-            </a:pPr>
-            <a:r>
-              <a:rPr lang="en-US" dirty="0" smtClean="0"/>
-              <a:t> </a:t>
-            </a:r>
-            <a:r>
-              <a:rPr lang="en-US" b="1" dirty="0" smtClean="0"/>
-              <a:t>Values</a:t>
-            </a:r>
-            <a:r>
-              <a:rPr lang="en-US" dirty="0" smtClean="0"/>
-              <a:t>… </a:t>
-            </a:r>
-            <a:r>
-              <a:rPr lang="en-US" i="1" dirty="0" smtClean="0"/>
-              <a:t>what </a:t>
-            </a:r>
-            <a:r>
-              <a:rPr lang="en-US" i="1" dirty="0"/>
-              <a:t>things do you </a:t>
-            </a:r>
-            <a:r>
-              <a:rPr lang="en-US" i="1" dirty="0" smtClean="0"/>
-              <a:t>value? </a:t>
-            </a:r>
-            <a:endParaRPr lang="en-US" i="1" dirty="0"/>
-          </a:p>
-        </p:txBody>
-      </p:sp>
-    </p:spTree>
-    <p:extLst>
-      <p:ext uri="{BB962C8B-B14F-4D97-AF65-F5344CB8AC3E}">
-        <p14:creationId xmlns:p14="http://schemas.microsoft.com/office/powerpoint/2010/main" val="1763655560"/>
-      </p:ext>
-    </p:extLst>
-  </p:cSld>
-  <p:clrMapOvr>
-    <a:masterClrMapping/>
-  </p:clrMapOvr>
-  <p:timing>
-    <p:tnLst>
-      <p:par>
-        <p:cTn id="1" dur="indefinite" restart="never" nodeType="tmRoot"/>
-      </p:par>
-    </p:tnLst>
-  </p:timing>
-</p:sld>
-</file>
-
-<file path=ppt/slides/slide4.xml><?xml version="1.0" encoding="utf-8"?>
 <p:sld xmlns:a="http://schemas.openxmlformats.org/drawingml/2006/main" xmlns:r="http://schemas.openxmlformats.org/officeDocument/2006/relationships" xmlns:p="http://schemas.openxmlformats.org/presentationml/2006/main">
   <p:cSld>
     <p:spTree>
@@ -6152,7 +5827,7 @@
 </p:sld>
 </file>
 
-<file path=ppt/slides/slide5.xml><?xml version="1.0" encoding="utf-8"?>
+<file path=ppt/slides/slide4.xml><?xml version="1.0" encoding="utf-8"?>
 <p:sld xmlns:a="http://schemas.openxmlformats.org/drawingml/2006/main" xmlns:r="http://schemas.openxmlformats.org/officeDocument/2006/relationships" xmlns:p="http://schemas.openxmlformats.org/presentationml/2006/main">
   <p:cSld>
     <p:spTree>
@@ -6296,7 +5971,7 @@
 </p:sld>
 </file>
 
-<file path=ppt/slides/slide6.xml><?xml version="1.0" encoding="utf-8"?>
+<file path=ppt/slides/slide5.xml><?xml version="1.0" encoding="utf-8"?>
 <p:sld xmlns:a="http://schemas.openxmlformats.org/drawingml/2006/main" xmlns:r="http://schemas.openxmlformats.org/officeDocument/2006/relationships" xmlns:p="http://schemas.openxmlformats.org/presentationml/2006/main">
   <p:cSld>
     <p:spTree>
@@ -6450,7 +6125,7 @@
 </p:sld>
 </file>
 
-<file path=ppt/slides/slide7.xml><?xml version="1.0" encoding="utf-8"?>
+<file path=ppt/slides/slide6.xml><?xml version="1.0" encoding="utf-8"?>
 <p:sld xmlns:a="http://schemas.openxmlformats.org/drawingml/2006/main" xmlns:r="http://schemas.openxmlformats.org/officeDocument/2006/relationships" xmlns:p="http://schemas.openxmlformats.org/presentationml/2006/main">
   <p:cSld>
     <p:spTree>
@@ -6583,6 +6258,179 @@
     <p:extLst>
       <p:ext uri="{BB962C8B-B14F-4D97-AF65-F5344CB8AC3E}">
         <p14:creationId xmlns:p14="http://schemas.microsoft.com/office/powerpoint/2010/main" val="2919479709"/>
+      </p:ext>
+    </p:extLst>
+  </p:cSld>
+  <p:clrMapOvr>
+    <a:masterClrMapping/>
+  </p:clrMapOvr>
+  <p:timing>
+    <p:tnLst>
+      <p:par>
+        <p:cTn id="1" dur="indefinite" restart="never" nodeType="tmRoot"/>
+      </p:par>
+    </p:tnLst>
+  </p:timing>
+</p:sld>
+</file>
+
+<file path=ppt/slides/slide7.xml><?xml version="1.0" encoding="utf-8"?>
+<p:sld xmlns:a="http://schemas.openxmlformats.org/drawingml/2006/main" xmlns:r="http://schemas.openxmlformats.org/officeDocument/2006/relationships" xmlns:p="http://schemas.openxmlformats.org/presentationml/2006/main">
+  <p:cSld>
+    <p:spTree>
+      <p:nvGrpSpPr>
+        <p:cNvPr id="1" name=""/>
+        <p:cNvGrpSpPr/>
+        <p:nvPr/>
+      </p:nvGrpSpPr>
+      <p:grpSpPr>
+        <a:xfrm>
+          <a:off x="0" y="0"/>
+          <a:ext cx="0" cy="0"/>
+          <a:chOff x="0" y="0"/>
+          <a:chExt cx="0" cy="0"/>
+        </a:xfrm>
+      </p:grpSpPr>
+      <p:pic>
+        <p:nvPicPr>
+          <p:cNvPr id="5122" name="Picture 2" descr="http://inspiredworlds.com/wp-content/uploads/2014/01/mountainTop.jpg"/>
+          <p:cNvPicPr>
+            <a:picLocks noChangeAspect="1" noChangeArrowheads="1"/>
+          </p:cNvPicPr>
+          <p:nvPr/>
+        </p:nvPicPr>
+        <p:blipFill>
+          <a:blip r:embed="rId2">
+            <a:extLst>
+              <a:ext uri="{28A0092B-C50C-407E-A947-70E740481C1C}">
+                <a14:useLocalDpi xmlns:a14="http://schemas.microsoft.com/office/drawing/2010/main" val="0"/>
+              </a:ext>
+            </a:extLst>
+          </a:blip>
+          <a:srcRect/>
+          <a:stretch>
+            <a:fillRect/>
+          </a:stretch>
+        </p:blipFill>
+        <p:spPr bwMode="auto">
+          <a:xfrm>
+            <a:off x="-228600" y="0"/>
+            <a:ext cx="9753600" cy="7315200"/>
+          </a:xfrm>
+          <a:prstGeom prst="rect">
+            <a:avLst/>
+          </a:prstGeom>
+          <a:noFill/>
+          <a:extLst>
+            <a:ext uri="{909E8E84-426E-40DD-AFC4-6F175D3DCCD1}">
+              <a14:hiddenFill xmlns:a14="http://schemas.microsoft.com/office/drawing/2010/main">
+                <a:solidFill>
+                  <a:srgbClr val="FFFFFF"/>
+                </a:solidFill>
+              </a14:hiddenFill>
+            </a:ext>
+          </a:extLst>
+        </p:spPr>
+      </p:pic>
+      <p:sp>
+        <p:nvSpPr>
+          <p:cNvPr id="4" name="TextBox 3"/>
+          <p:cNvSpPr txBox="1"/>
+          <p:nvPr/>
+        </p:nvSpPr>
+        <p:spPr>
+          <a:xfrm>
+            <a:off x="60034" y="6479569"/>
+            <a:ext cx="184731" cy="246221"/>
+          </a:xfrm>
+          <a:prstGeom prst="rect">
+            <a:avLst/>
+          </a:prstGeom>
+          <a:noFill/>
+        </p:spPr>
+        <p:txBody>
+          <a:bodyPr wrap="none" rtlCol="0">
+            <a:spAutoFit/>
+          </a:bodyPr>
+          <a:lstStyle/>
+          <a:p>
+            <a:endParaRPr lang="en-US" sz="1000" dirty="0"/>
+          </a:p>
+        </p:txBody>
+      </p:sp>
+      <p:sp>
+        <p:nvSpPr>
+          <p:cNvPr id="5" name="TextBox 4"/>
+          <p:cNvSpPr txBox="1"/>
+          <p:nvPr/>
+        </p:nvSpPr>
+        <p:spPr>
+          <a:xfrm>
+            <a:off x="-29975" y="685800"/>
+            <a:ext cx="4046301" cy="584775"/>
+          </a:xfrm>
+          <a:prstGeom prst="rect">
+            <a:avLst/>
+          </a:prstGeom>
+          <a:solidFill>
+            <a:schemeClr val="bg1"/>
+          </a:solidFill>
+        </p:spPr>
+        <p:txBody>
+          <a:bodyPr wrap="none" rtlCol="0">
+            <a:spAutoFit/>
+          </a:bodyPr>
+          <a:lstStyle/>
+          <a:p>
+            <a:r>
+              <a:rPr lang="en-US" sz="3200" b="1" dirty="0" smtClean="0">
+                <a:latin typeface="Agency FB" panose="020B0503020202020204" pitchFamily="34" charset="0"/>
+              </a:rPr>
+              <a:t>EXPERIENCE IS IRRELEVANT.</a:t>
+            </a:r>
+          </a:p>
+        </p:txBody>
+      </p:sp>
+      <p:sp>
+        <p:nvSpPr>
+          <p:cNvPr id="6" name="TextBox 5"/>
+          <p:cNvSpPr txBox="1"/>
+          <p:nvPr/>
+        </p:nvSpPr>
+        <p:spPr>
+          <a:xfrm>
+            <a:off x="-29976" y="5511225"/>
+            <a:ext cx="5405647" cy="584775"/>
+          </a:xfrm>
+          <a:prstGeom prst="rect">
+            <a:avLst/>
+          </a:prstGeom>
+          <a:solidFill>
+            <a:schemeClr val="bg1"/>
+          </a:solidFill>
+        </p:spPr>
+        <p:txBody>
+          <a:bodyPr wrap="none" rtlCol="0">
+            <a:spAutoFit/>
+          </a:bodyPr>
+          <a:lstStyle/>
+          <a:p>
+            <a:r>
+              <a:rPr lang="en-US" sz="3200" b="1" dirty="0" smtClean="0">
+                <a:latin typeface="Agency FB" panose="020B0503020202020204" pitchFamily="34" charset="0"/>
+              </a:rPr>
+              <a:t>ACCOMPLISHMENTS ARE EVERYTHING.</a:t>
+            </a:r>
+            <a:endParaRPr lang="en-US" sz="3200" b="1" dirty="0">
+              <a:latin typeface="Agency FB" panose="020B0503020202020204" pitchFamily="34" charset="0"/>
+            </a:endParaRPr>
+          </a:p>
+        </p:txBody>
+      </p:sp>
+    </p:spTree>
+    <p:extLst>
+      <p:ext uri="{BB962C8B-B14F-4D97-AF65-F5344CB8AC3E}">
+        <p14:creationId xmlns:p14="http://schemas.microsoft.com/office/powerpoint/2010/main" val="606277461"/>
       </p:ext>
     </p:extLst>
   </p:cSld>
@@ -6762,7 +6610,7 @@
       </p:grpSpPr>
       <p:pic>
         <p:nvPicPr>
-          <p:cNvPr id="5122" name="Picture 2" descr="http://inspiredworlds.com/wp-content/uploads/2014/01/mountainTop.jpg"/>
+          <p:cNvPr id="4100" name="Picture 4" descr="http://i95.photobucket.com/albums/l153/Myke-JinX/Facepalm%20gallery/DoubleFacepalmRickerPicard.jpg"/>
           <p:cNvPicPr>
             <a:picLocks noChangeAspect="1" noChangeArrowheads="1"/>
           </p:cNvPicPr>
@@ -6783,8 +6631,8 @@
         </p:blipFill>
         <p:spPr bwMode="auto">
           <a:xfrm>
-            <a:off x="-228600" y="0"/>
-            <a:ext cx="9753600" cy="7315200"/>
+            <a:off x="0" y="0"/>
+            <a:ext cx="9144000" cy="6858000"/>
           </a:xfrm>
           <a:prstGeom prst="rect">
             <a:avLst/>
@@ -6835,8 +6683,8 @@
         </p:nvSpPr>
         <p:spPr>
           <a:xfrm>
-            <a:off x="-29975" y="685800"/>
-            <a:ext cx="4046301" cy="584775"/>
+            <a:off x="-29975" y="5739825"/>
+            <a:ext cx="3692036" cy="584775"/>
           </a:xfrm>
           <a:prstGeom prst="rect">
             <a:avLst/>
@@ -6855,40 +6703,7 @@
               <a:rPr lang="en-US" sz="3200" b="1" dirty="0" smtClean="0">
                 <a:latin typeface="Agency FB" panose="020B0503020202020204" pitchFamily="34" charset="0"/>
               </a:rPr>
-              <a:t>EXPERIENCE IS IRRELEVANT.</a:t>
-            </a:r>
-          </a:p>
-        </p:txBody>
-      </p:sp>
-      <p:sp>
-        <p:nvSpPr>
-          <p:cNvPr id="6" name="TextBox 5"/>
-          <p:cNvSpPr txBox="1"/>
-          <p:nvPr/>
-        </p:nvSpPr>
-        <p:spPr>
-          <a:xfrm>
-            <a:off x="-29976" y="5511225"/>
-            <a:ext cx="5405647" cy="584775"/>
-          </a:xfrm>
-          <a:prstGeom prst="rect">
-            <a:avLst/>
-          </a:prstGeom>
-          <a:solidFill>
-            <a:schemeClr val="bg1"/>
-          </a:solidFill>
-        </p:spPr>
-        <p:txBody>
-          <a:bodyPr wrap="none" rtlCol="0">
-            <a:spAutoFit/>
-          </a:bodyPr>
-          <a:lstStyle/>
-          <a:p>
-            <a:r>
-              <a:rPr lang="en-US" sz="3200" b="1" dirty="0" smtClean="0">
-                <a:latin typeface="Agency FB" panose="020B0503020202020204" pitchFamily="34" charset="0"/>
-              </a:rPr>
-              <a:t>ACCOMPLISHMENTS ARE EVERYTHING.</a:t>
+              <a:t> LEARN FROM “FAILURES”</a:t>
             </a:r>
             <a:endParaRPr lang="en-US" sz="3200" b="1" dirty="0">
               <a:latin typeface="Agency FB" panose="020B0503020202020204" pitchFamily="34" charset="0"/>
@@ -6899,7 +6714,7 @@
     </p:spTree>
     <p:extLst>
       <p:ext uri="{BB962C8B-B14F-4D97-AF65-F5344CB8AC3E}">
-        <p14:creationId xmlns:p14="http://schemas.microsoft.com/office/powerpoint/2010/main" val="606277461"/>
+        <p14:creationId xmlns:p14="http://schemas.microsoft.com/office/powerpoint/2010/main" val="1231281279"/>
       </p:ext>
     </p:extLst>
   </p:cSld>
